--- a/Foundation_Project_G4__Final_Review_Trending_Jobs.pptx
+++ b/Foundation_Project_G4__Final_Review_Trending_Jobs.pptx
@@ -193,7 +193,7 @@
           <a:p>
             <a:fld id="{1D8BD707-D9CF-40AE-B4C6-C98DA3205C09}" type="datetimeFigureOut">
               <a:rPr lang="en-US"/>
-              <a:t>1/11/2024</a:t>
+              <a:t>1/11/24</a:t>
             </a:fld>
             <a:endParaRPr lang="en-US"/>
           </a:p>
@@ -374,7 +374,7 @@
           <a:p>
             <a:fld id="{1D8BD707-D9CF-40AE-B4C6-C98DA3205C09}" type="datetimeFigureOut">
               <a:rPr lang="en-US"/>
-              <a:t>1/11/2024</a:t>
+              <a:t>1/11/24</a:t>
             </a:fld>
             <a:endParaRPr lang="en-US"/>
           </a:p>
@@ -594,7 +594,7 @@
           <a:p>
             <a:fld id="{1D8BD707-D9CF-40AE-B4C6-C98DA3205C09}" type="datetimeFigureOut">
               <a:rPr lang="en-US"/>
-              <a:t>1/11/2024</a:t>
+              <a:t>1/11/24</a:t>
             </a:fld>
             <a:endParaRPr lang="en-US"/>
           </a:p>
@@ -748,7 +748,7 @@
           <a:p>
             <a:fld id="{1D8BD707-D9CF-40AE-B4C6-C98DA3205C09}" type="datetimeFigureOut">
               <a:rPr lang="en-US"/>
-              <a:t>1/11/2024</a:t>
+              <a:t>1/11/24</a:t>
             </a:fld>
             <a:endParaRPr lang="en-US"/>
           </a:p>
@@ -873,7 +873,7 @@
           <a:p>
             <a:fld id="{1D8BD707-D9CF-40AE-B4C6-C98DA3205C09}" type="datetimeFigureOut">
               <a:rPr lang="en-US"/>
-              <a:t>1/11/2024</a:t>
+              <a:t>1/11/24</a:t>
             </a:fld>
             <a:endParaRPr lang="en-US"/>
           </a:p>
@@ -1166,7 +1166,7 @@
           <a:p>
             <a:fld id="{1D8BD707-D9CF-40AE-B4C6-C98DA3205C09}" type="datetimeFigureOut">
               <a:rPr lang="en-US"/>
-              <a:t>1/11/2024</a:t>
+              <a:t>1/11/24</a:t>
             </a:fld>
             <a:endParaRPr lang="en-US"/>
           </a:p>
@@ -2229,7 +2229,7 @@
         <p:spPr>
           <a:xfrm>
             <a:off x="152400" y="762000"/>
-            <a:ext cx="8839200" cy="5293757"/>
+            <a:ext cx="8839200" cy="4739759"/>
           </a:xfrm>
         </p:spPr>
         <p:txBody>
@@ -2244,16 +2244,24 @@
             </a:r>
           </a:p>
           <a:p>
-            <a:endParaRPr lang="en-IN" dirty="0"/>
-          </a:p>
-          <a:p>
-            <a:pPr marL="285750" indent="-285750">
-              <a:buFont typeface="Wingdings" panose="05000000000000000000" pitchFamily="2" charset="2"/>
-              <a:buChar char="Ø"/>
-            </a:pPr>
             <a:r>
               <a:rPr lang="en-US" dirty="0"/>
-              <a:t>Since company losing employees during COVID, Aim is to streamline hiring, minimize cost of Hiring Process to add bottom-line of The Company.</a:t>
+              <a:t>	To streamline the process for profile shortlisting based on organizations requirement and to replace it with a robust system which predicts the suitability of profile for the role.</a:t>
+            </a:r>
+          </a:p>
+          <a:p>
+            <a:endParaRPr lang="en-US" dirty="0"/>
+          </a:p>
+          <a:p>
+            <a:r>
+              <a:rPr lang="en-US" dirty="0"/>
+              <a:t>Motivation :</a:t>
+            </a:r>
+          </a:p>
+          <a:p>
+            <a:r>
+              <a:rPr lang="en-US" dirty="0"/>
+              <a:t>	The current Recruitment process is manual and HR Team needs to handle 100’s of resumes on daily basis. Which requested of intervention of Automated system which can help to pick the ideal resumes as per given job profile in organization with a score.</a:t>
             </a:r>
           </a:p>
           <a:p>
@@ -2264,20 +2272,31 @@
             <a:endParaRPr lang="en-US" dirty="0"/>
           </a:p>
           <a:p>
+            <a:r>
+              <a:rPr lang="en-IN" dirty="0"/>
+              <a:t>Business Objectives</a:t>
+            </a:r>
+            <a:r>
+              <a:rPr lang="en-US" dirty="0"/>
+              <a:t> :</a:t>
+            </a:r>
+          </a:p>
+          <a:p>
+            <a:endParaRPr lang="en-US" dirty="0"/>
+          </a:p>
+          <a:p>
             <a:pPr marL="285750" indent="-285750">
               <a:buFont typeface="Wingdings" panose="05000000000000000000" pitchFamily="2" charset="2"/>
               <a:buChar char="Ø"/>
             </a:pPr>
-            <a:endParaRPr lang="en-US" dirty="0"/>
-          </a:p>
-          <a:p>
+            <a:r>
+              <a:rPr lang="en-IN" dirty="0"/>
+              <a:t> </a:t>
+            </a:r>
             <a:r>
               <a:rPr lang="en-US" dirty="0"/>
-              <a:t>Motivation :</a:t>
-            </a:r>
-          </a:p>
-          <a:p>
-            <a:endParaRPr lang="en-US" dirty="0"/>
+              <a:t>Minimize recruitment costs: Which includes less manhours and market Point-In-Range for the job profile. To take informed call on Exp to CTC ratio</a:t>
+            </a:r>
           </a:p>
           <a:p>
             <a:pPr marL="285750" indent="-285750">
@@ -2286,52 +2305,13 @@
             </a:pPr>
             <a:r>
               <a:rPr lang="en-US" dirty="0"/>
-              <a:t>The current Recruitment process is more tedious and time consuming.HR Team requires more man power to scrutinize the resume of the candidates so that motivated to build a solution that is more effective to pick the ideal resume as per given input skills by the Candidate.</a:t>
-            </a:r>
-          </a:p>
-          <a:p>
-            <a:pPr marL="285750" indent="-285750">
-              <a:buFont typeface="Wingdings" panose="05000000000000000000" pitchFamily="2" charset="2"/>
-              <a:buChar char="Ø"/>
-            </a:pPr>
+              <a:t> Maximum success rate  accepting offer: This can be deduced with providing a years to number of organizations ratio, while doing text analysis </a:t>
+            </a:r>
+            <a:r>
+              <a:rPr lang="en-US"/>
+              <a:t>in resumes.</a:t>
+            </a:r>
             <a:endParaRPr lang="en-US" dirty="0"/>
-          </a:p>
-          <a:p>
-            <a:r>
-              <a:rPr lang="en-IN" dirty="0"/>
-              <a:t>Business Objectives</a:t>
-            </a:r>
-            <a:r>
-              <a:rPr lang="en-US" dirty="0"/>
-              <a:t> :</a:t>
-            </a:r>
-          </a:p>
-          <a:p>
-            <a:endParaRPr lang="en-US" dirty="0"/>
-          </a:p>
-          <a:p>
-            <a:pPr marL="285750" indent="-285750">
-              <a:buFont typeface="Wingdings" panose="05000000000000000000" pitchFamily="2" charset="2"/>
-              <a:buChar char="Ø"/>
-            </a:pPr>
-            <a:r>
-              <a:rPr lang="en-IN" dirty="0"/>
-              <a:t> </a:t>
-            </a:r>
-            <a:r>
-              <a:rPr lang="en-US" dirty="0"/>
-              <a:t>Minimize recruitment costs</a:t>
-            </a:r>
-          </a:p>
-          <a:p>
-            <a:pPr marL="285750" indent="-285750">
-              <a:buFont typeface="Wingdings" panose="05000000000000000000" pitchFamily="2" charset="2"/>
-              <a:buChar char="Ø"/>
-            </a:pPr>
-            <a:r>
-              <a:rPr lang="en-US" dirty="0"/>
-              <a:t> Maximum success rate  accepting offer</a:t>
-            </a:r>
           </a:p>
           <a:p>
             <a:endParaRPr lang="en-US" dirty="0"/>

--- a/Foundation_Project_G4__Final_Review_Trending_Jobs.pptx
+++ b/Foundation_Project_G4__Final_Review_Trending_Jobs.pptx
@@ -2261,7 +2261,7 @@
           <a:p>
             <a:r>
               <a:rPr lang="en-US" dirty="0"/>
-              <a:t>	The current Recruitment process is manual and HR Team needs to handle 100’s of resumes on daily basis. Which requested of intervention of Automated system which can help to pick the ideal resumes as per given job profile in organization with a score.</a:t>
+              <a:t>	The current Recruitment process is manual, and HR Team needs to handle 100’s of resumes on daily basis. Which requested of intervention of Automated system which can help to pick the ideal resumes as per given job profile in organization with a score.</a:t>
             </a:r>
           </a:p>
           <a:p>
@@ -2305,13 +2305,8 @@
             </a:pPr>
             <a:r>
               <a:rPr lang="en-US" dirty="0"/>
-              <a:t> Maximum success rate  accepting offer: This can be deduced with providing a years to number of organizations ratio, while doing text analysis </a:t>
-            </a:r>
-            <a:r>
-              <a:rPr lang="en-US"/>
-              <a:t>in resumes.</a:t>
-            </a:r>
-            <a:endParaRPr lang="en-US" dirty="0"/>
+              <a:t> Maximum success rate  accepting offer: This can be deduced with providing a years to number of organizations ratio, while doing text analysis in resumes.</a:t>
+            </a:r>
           </a:p>
           <a:p>
             <a:endParaRPr lang="en-US" dirty="0"/>
@@ -2379,7 +2374,7 @@
           <a:p>
             <a:r>
               <a:rPr lang="en-IN" dirty="0"/>
-              <a:t>Scope</a:t>
+              <a:t>Proposed Solution</a:t>
             </a:r>
           </a:p>
         </p:txBody>
@@ -2403,7 +2398,7 @@
         <p:spPr>
           <a:xfrm>
             <a:off x="152399" y="914400"/>
-            <a:ext cx="8626855" cy="5816977"/>
+            <a:ext cx="8626855" cy="2954655"/>
           </a:xfrm>
         </p:spPr>
         <p:txBody>
@@ -2411,92 +2406,110 @@
           <a:lstStyle/>
           <a:p>
             <a:r>
-              <a:rPr lang="en-US" b="1" i="1" u="sng" dirty="0"/>
-              <a:t>The Solution has been build here is useful for the Both Candidate and Client Company.</a:t>
-            </a:r>
-          </a:p>
-          <a:p>
-            <a:endParaRPr lang="en-US" b="1" i="1" u="sng" dirty="0"/>
-          </a:p>
-          <a:p>
-            <a:endParaRPr lang="en-US" dirty="0"/>
-          </a:p>
-          <a:p>
-            <a:r>
-              <a:rPr lang="en-US" b="1" i="1" u="sng" dirty="0"/>
-              <a:t>Client company  :</a:t>
-            </a:r>
-          </a:p>
-          <a:p>
-            <a:endParaRPr lang="en-US" b="1" i="1" u="sng" dirty="0"/>
-          </a:p>
-          <a:p>
-            <a:r>
-              <a:rPr lang="en-US" b="1" i="1" u="sng" dirty="0">
-                <a:solidFill>
-                  <a:srgbClr val="FF0000"/>
-                </a:solidFill>
-              </a:rPr>
-              <a:t>Anirudh lines </a:t>
-            </a:r>
-          </a:p>
-          <a:p>
-            <a:endParaRPr lang="en-US" dirty="0"/>
-          </a:p>
-          <a:p>
-            <a:r>
-              <a:rPr lang="en-US" b="0" i="0" dirty="0">
-                <a:solidFill>
-                  <a:srgbClr val="374151"/>
-                </a:solidFill>
-                <a:effectLst/>
-                <a:latin typeface="Söhne"/>
-              </a:rPr>
-              <a:t>The goal is to build the world's best team by efficiently matching candidates with specific job requirements, avoiding unnecessary skill adjustments. Our system streamlines the hiring process, ensuring that candidates align with the given constraints and job specifications, leading to optimal selections. This approach enhances the efficiency of the hiring sector, promoting satisfaction for both the client company and the hired candidate.</a:t>
-            </a:r>
-          </a:p>
-          <a:p>
-            <a:endParaRPr lang="en-US" dirty="0">
-              <a:solidFill>
-                <a:srgbClr val="374151"/>
-              </a:solidFill>
-              <a:latin typeface="Söhne"/>
-            </a:endParaRPr>
-          </a:p>
-          <a:p>
-            <a:endParaRPr lang="en-US" dirty="0">
-              <a:solidFill>
-                <a:srgbClr val="374151"/>
-              </a:solidFill>
-              <a:latin typeface="Söhne"/>
-            </a:endParaRPr>
-          </a:p>
-          <a:p>
-            <a:r>
-              <a:rPr lang="en-US" b="1" i="1" u="sng" dirty="0"/>
-              <a:t>Candidates :</a:t>
-            </a:r>
-          </a:p>
-          <a:p>
-            <a:endParaRPr lang="en-US" dirty="0"/>
-          </a:p>
-          <a:p>
-            <a:r>
-              <a:rPr lang="en-US" dirty="0"/>
-              <a:t> RATS system help candidates to get hired by a company or an organization who really worth their ability and their skill sets. Where our algorithm will work in such a way, it will try to optimize the best fit candidate for the organization, which we called it Machine Learning. </a:t>
-            </a:r>
-          </a:p>
-          <a:p>
-            <a:r>
-              <a:rPr lang="en-US" dirty="0"/>
-              <a:t>This will make sure that the relevant candidate is been hired for that particular vacancy. </a:t>
-            </a:r>
-          </a:p>
-          <a:p>
-            <a:endParaRPr lang="en-IN" dirty="0"/>
-          </a:p>
-        </p:txBody>
-      </p:sp>
+              <a:rPr lang="en-US" sz="1600" dirty="0"/>
+              <a:t>RATS: This application is built with intention to assist HR team to take informed decision while short listing the resume for a specific Job opening in the organization</a:t>
+            </a:r>
+          </a:p>
+          <a:p>
+            <a:endParaRPr lang="en-US" sz="1600" dirty="0"/>
+          </a:p>
+          <a:p>
+            <a:r>
+              <a:rPr lang="en-US" sz="1600" dirty="0"/>
+              <a:t>We need a wireframe design as marked below, which addresses the problem statement discussed in earlier. In here we will proceed with following chain of events</a:t>
+            </a:r>
+          </a:p>
+          <a:p>
+            <a:pPr marL="342900" indent="-342900">
+              <a:buAutoNum type="alphaLcPeriod"/>
+            </a:pPr>
+            <a:r>
+              <a:rPr lang="en-US" sz="1600" dirty="0"/>
+              <a:t>Collating a vast corpus of Job-Descriptions/Job-Required-Skill from Job Portals</a:t>
+            </a:r>
+          </a:p>
+          <a:p>
+            <a:pPr marL="342900" indent="-342900">
+              <a:buAutoNum type="alphaLcPeriod"/>
+            </a:pPr>
+            <a:r>
+              <a:rPr lang="en-US" sz="1600" dirty="0"/>
+              <a:t>Collecting a Resumes for testing and mapping evaluation</a:t>
+            </a:r>
+          </a:p>
+          <a:p>
+            <a:pPr marL="342900" indent="-342900">
+              <a:buAutoNum type="alphaLcPeriod"/>
+            </a:pPr>
+            <a:r>
+              <a:rPr lang="en-US" sz="1600" dirty="0"/>
+              <a:t>We will be required to vectorize the data and store in memory</a:t>
+            </a:r>
+          </a:p>
+          <a:p>
+            <a:pPr marL="342900" indent="-342900">
+              <a:buAutoNum type="alphaLcPeriod"/>
+            </a:pPr>
+            <a:r>
+              <a:rPr lang="en-US" sz="1600" dirty="0"/>
+              <a:t>We need to find the similarity between organizations JD (which will be part of Master corpus) and skills in resume</a:t>
+            </a:r>
+          </a:p>
+          <a:p>
+            <a:pPr marL="342900" indent="-342900">
+              <a:buAutoNum type="alphaLcPeriod"/>
+            </a:pPr>
+            <a:r>
+              <a:rPr lang="en-US" sz="1600" dirty="0"/>
+              <a:t>Post the similarity value and let the HR dept take an informed call to shortlist the profile or not</a:t>
+            </a:r>
+          </a:p>
+          <a:p>
+            <a:pPr marL="342900" indent="-342900">
+              <a:buAutoNum type="alphaLcPeriod"/>
+            </a:pPr>
+            <a:r>
+              <a:rPr lang="en-US" sz="1600" dirty="0"/>
+              <a:t>Also to assist HR for JD creation based on </a:t>
+            </a:r>
+            <a:r>
+              <a:rPr lang="en-US" sz="1600"/>
+              <a:t>market trends</a:t>
+            </a:r>
+            <a:endParaRPr lang="en-US" sz="1600" dirty="0"/>
+          </a:p>
+        </p:txBody>
+      </p:sp>
+      <p:pic>
+        <p:nvPicPr>
+          <p:cNvPr id="5" name="Picture 4">
+            <a:extLst>
+              <a:ext uri="{FF2B5EF4-FFF2-40B4-BE49-F238E27FC236}">
+                <a16:creationId xmlns:a16="http://schemas.microsoft.com/office/drawing/2014/main" id="{FCCEB651-74AF-0E96-9F22-014FE0876197}"/>
+              </a:ext>
+            </a:extLst>
+          </p:cNvPr>
+          <p:cNvPicPr>
+            <a:picLocks noChangeAspect="1"/>
+          </p:cNvPicPr>
+          <p:nvPr/>
+        </p:nvPicPr>
+        <p:blipFill>
+          <a:blip r:embed="rId2"/>
+          <a:stretch>
+            <a:fillRect/>
+          </a:stretch>
+        </p:blipFill>
+        <p:spPr>
+          <a:xfrm>
+            <a:off x="914400" y="4135663"/>
+            <a:ext cx="6294626" cy="2242835"/>
+          </a:xfrm>
+          <a:prstGeom prst="rect">
+            <a:avLst/>
+          </a:prstGeom>
+        </p:spPr>
+      </p:pic>
     </p:spTree>
     <p:extLst>
       <p:ext uri="{BB962C8B-B14F-4D97-AF65-F5344CB8AC3E}">

--- a/Foundation_Project_G4__Final_Review_Trending_Jobs.pptx
+++ b/Foundation_Project_G4__Final_Review_Trending_Jobs.pptx
@@ -11,12 +11,8 @@
     <p:sldId id="300" r:id="rId5"/>
     <p:sldId id="301" r:id="rId6"/>
     <p:sldId id="302" r:id="rId7"/>
-    <p:sldId id="303" r:id="rId8"/>
-    <p:sldId id="307" r:id="rId9"/>
-    <p:sldId id="306" r:id="rId10"/>
-    <p:sldId id="304" r:id="rId11"/>
-    <p:sldId id="308" r:id="rId12"/>
-    <p:sldId id="296" r:id="rId13"/>
+    <p:sldId id="296" r:id="rId8"/>
+    <p:sldId id="308" r:id="rId9"/>
   </p:sldIdLst>
   <p:sldSz cx="9144000" cy="6858000" type="screen4x3"/>
   <p:notesSz cx="9144000" cy="6858000"/>
@@ -1599,326 +1595,6 @@
 </p:sld>
 </file>
 
-<file path=ppt/slides/slide10.xml><?xml version="1.0" encoding="utf-8"?>
-<p:sld xmlns:a="http://schemas.openxmlformats.org/drawingml/2006/main" xmlns:r="http://schemas.openxmlformats.org/officeDocument/2006/relationships" xmlns:p="http://schemas.openxmlformats.org/presentationml/2006/main">
-  <p:cSld>
-    <p:spTree>
-      <p:nvGrpSpPr>
-        <p:cNvPr id="1" name=""/>
-        <p:cNvGrpSpPr/>
-        <p:nvPr/>
-      </p:nvGrpSpPr>
-      <p:grpSpPr>
-        <a:xfrm>
-          <a:off x="0" y="0"/>
-          <a:ext cx="0" cy="0"/>
-          <a:chOff x="0" y="0"/>
-          <a:chExt cx="0" cy="0"/>
-        </a:xfrm>
-      </p:grpSpPr>
-      <p:sp>
-        <p:nvSpPr>
-          <p:cNvPr id="2" name="Title 1">
-            <a:extLst>
-              <a:ext uri="{FF2B5EF4-FFF2-40B4-BE49-F238E27FC236}">
-                <a16:creationId xmlns:a16="http://schemas.microsoft.com/office/drawing/2014/main" id="{0B194CFE-2A57-82CA-1120-EF79B5804806}"/>
-              </a:ext>
-            </a:extLst>
-          </p:cNvPr>
-          <p:cNvSpPr>
-            <a:spLocks noGrp="1"/>
-          </p:cNvSpPr>
-          <p:nvPr>
-            <p:ph type="title"/>
-          </p:nvPr>
-        </p:nvSpPr>
-        <p:spPr>
-          <a:xfrm>
-            <a:off x="258572" y="264921"/>
-            <a:ext cx="8626855" cy="369332"/>
-          </a:xfrm>
-        </p:spPr>
-        <p:txBody>
-          <a:bodyPr/>
-          <a:lstStyle/>
-          <a:p>
-            <a:r>
-              <a:rPr lang="en-IN" dirty="0"/>
-              <a:t>Resume Match…</a:t>
-            </a:r>
-          </a:p>
-        </p:txBody>
-      </p:sp>
-      <p:pic>
-        <p:nvPicPr>
-          <p:cNvPr id="5" name="Picture 4">
-            <a:extLst>
-              <a:ext uri="{FF2B5EF4-FFF2-40B4-BE49-F238E27FC236}">
-                <a16:creationId xmlns:a16="http://schemas.microsoft.com/office/drawing/2014/main" id="{C88D1435-BE61-FF5A-D642-F65C0310EC48}"/>
-              </a:ext>
-            </a:extLst>
-          </p:cNvPr>
-          <p:cNvPicPr>
-            <a:picLocks noChangeAspect="1"/>
-          </p:cNvPicPr>
-          <p:nvPr/>
-        </p:nvPicPr>
-        <p:blipFill>
-          <a:blip r:embed="rId2"/>
-          <a:stretch>
-            <a:fillRect/>
-          </a:stretch>
-        </p:blipFill>
-        <p:spPr>
-          <a:xfrm>
-            <a:off x="685799" y="1295400"/>
-            <a:ext cx="8659935" cy="3886200"/>
-          </a:xfrm>
-          <a:prstGeom prst="rect">
-            <a:avLst/>
-          </a:prstGeom>
-        </p:spPr>
-      </p:pic>
-    </p:spTree>
-    <p:extLst>
-      <p:ext uri="{BB962C8B-B14F-4D97-AF65-F5344CB8AC3E}">
-        <p14:creationId xmlns:p14="http://schemas.microsoft.com/office/powerpoint/2010/main" val="3994910213"/>
-      </p:ext>
-    </p:extLst>
-  </p:cSld>
-  <p:clrMapOvr>
-    <a:masterClrMapping/>
-  </p:clrMapOvr>
-</p:sld>
-</file>
-
-<file path=ppt/slides/slide11.xml><?xml version="1.0" encoding="utf-8"?>
-<p:sld xmlns:a="http://schemas.openxmlformats.org/drawingml/2006/main" xmlns:r="http://schemas.openxmlformats.org/officeDocument/2006/relationships" xmlns:p="http://schemas.openxmlformats.org/presentationml/2006/main">
-  <p:cSld>
-    <p:spTree>
-      <p:nvGrpSpPr>
-        <p:cNvPr id="1" name=""/>
-        <p:cNvGrpSpPr/>
-        <p:nvPr/>
-      </p:nvGrpSpPr>
-      <p:grpSpPr>
-        <a:xfrm>
-          <a:off x="0" y="0"/>
-          <a:ext cx="0" cy="0"/>
-          <a:chOff x="0" y="0"/>
-          <a:chExt cx="0" cy="0"/>
-        </a:xfrm>
-      </p:grpSpPr>
-      <p:sp>
-        <p:nvSpPr>
-          <p:cNvPr id="2" name="Title 1">
-            <a:extLst>
-              <a:ext uri="{FF2B5EF4-FFF2-40B4-BE49-F238E27FC236}">
-                <a16:creationId xmlns:a16="http://schemas.microsoft.com/office/drawing/2014/main" id="{53AE150B-405F-E3C9-AB7A-424976755E65}"/>
-              </a:ext>
-            </a:extLst>
-          </p:cNvPr>
-          <p:cNvSpPr>
-            <a:spLocks noGrp="1"/>
-          </p:cNvSpPr>
-          <p:nvPr>
-            <p:ph type="title"/>
-          </p:nvPr>
-        </p:nvSpPr>
-        <p:spPr>
-          <a:xfrm>
-            <a:off x="258572" y="264921"/>
-            <a:ext cx="8626855" cy="369332"/>
-          </a:xfrm>
-        </p:spPr>
-        <p:txBody>
-          <a:bodyPr/>
-          <a:lstStyle/>
-          <a:p>
-            <a:r>
-              <a:rPr lang="en-IN" dirty="0"/>
-              <a:t>Annexure </a:t>
-            </a:r>
-          </a:p>
-        </p:txBody>
-      </p:sp>
-    </p:spTree>
-    <p:extLst>
-      <p:ext uri="{BB962C8B-B14F-4D97-AF65-F5344CB8AC3E}">
-        <p14:creationId xmlns:p14="http://schemas.microsoft.com/office/powerpoint/2010/main" val="601324877"/>
-      </p:ext>
-    </p:extLst>
-  </p:cSld>
-  <p:clrMapOvr>
-    <a:masterClrMapping/>
-  </p:clrMapOvr>
-</p:sld>
-</file>
-
-<file path=ppt/slides/slide12.xml><?xml version="1.0" encoding="utf-8"?>
-<p:sld xmlns:a="http://schemas.openxmlformats.org/drawingml/2006/main" xmlns:r="http://schemas.openxmlformats.org/officeDocument/2006/relationships" xmlns:p="http://schemas.openxmlformats.org/presentationml/2006/main">
-  <p:cSld>
-    <p:spTree>
-      <p:nvGrpSpPr>
-        <p:cNvPr id="1" name=""/>
-        <p:cNvGrpSpPr/>
-        <p:nvPr/>
-      </p:nvGrpSpPr>
-      <p:grpSpPr>
-        <a:xfrm>
-          <a:off x="0" y="0"/>
-          <a:ext cx="0" cy="0"/>
-          <a:chOff x="0" y="0"/>
-          <a:chExt cx="0" cy="0"/>
-        </a:xfrm>
-      </p:grpSpPr>
-      <p:sp>
-        <p:nvSpPr>
-          <p:cNvPr id="2" name="Title 1">
-            <a:extLst>
-              <a:ext uri="{FF2B5EF4-FFF2-40B4-BE49-F238E27FC236}">
-                <a16:creationId xmlns:a16="http://schemas.microsoft.com/office/drawing/2014/main" id="{03955788-901F-38AA-CF62-05A8B30CA672}"/>
-              </a:ext>
-            </a:extLst>
-          </p:cNvPr>
-          <p:cNvSpPr>
-            <a:spLocks noGrp="1"/>
-          </p:cNvSpPr>
-          <p:nvPr>
-            <p:ph type="title"/>
-          </p:nvPr>
-        </p:nvSpPr>
-        <p:spPr>
-          <a:xfrm>
-            <a:off x="258572" y="264921"/>
-            <a:ext cx="8626855" cy="430887"/>
-          </a:xfrm>
-        </p:spPr>
-        <p:txBody>
-          <a:bodyPr/>
-          <a:lstStyle/>
-          <a:p>
-            <a:r>
-              <a:rPr lang="en-IN" sz="2800" i="1" dirty="0">
-                <a:solidFill>
-                  <a:schemeClr val="tx1"/>
-                </a:solidFill>
-                <a:latin typeface="Canada"/>
-              </a:rPr>
-              <a:t>Thank You </a:t>
-            </a:r>
-          </a:p>
-        </p:txBody>
-      </p:sp>
-      <p:sp>
-        <p:nvSpPr>
-          <p:cNvPr id="3" name="Text Placeholder 2">
-            <a:extLst>
-              <a:ext uri="{FF2B5EF4-FFF2-40B4-BE49-F238E27FC236}">
-                <a16:creationId xmlns:a16="http://schemas.microsoft.com/office/drawing/2014/main" id="{349D6091-48FF-0ED9-5D45-34CBC04E0E9A}"/>
-              </a:ext>
-            </a:extLst>
-          </p:cNvPr>
-          <p:cNvSpPr>
-            <a:spLocks noGrp="1"/>
-          </p:cNvSpPr>
-          <p:nvPr>
-            <p:ph type="body" idx="1"/>
-          </p:nvPr>
-        </p:nvSpPr>
-        <p:spPr/>
-        <p:txBody>
-          <a:bodyPr/>
-          <a:lstStyle/>
-          <a:p>
-            <a:endParaRPr lang="en-IN" dirty="0"/>
-          </a:p>
-        </p:txBody>
-      </p:sp>
-      <p:pic>
-        <p:nvPicPr>
-          <p:cNvPr id="5" name="Picture 4">
-            <a:extLst>
-              <a:ext uri="{FF2B5EF4-FFF2-40B4-BE49-F238E27FC236}">
-                <a16:creationId xmlns:a16="http://schemas.microsoft.com/office/drawing/2014/main" id="{BADE3CCA-F08A-A35B-7BB4-D10716EDBEE1}"/>
-              </a:ext>
-            </a:extLst>
-          </p:cNvPr>
-          <p:cNvPicPr>
-            <a:picLocks noChangeAspect="1"/>
-          </p:cNvPicPr>
-          <p:nvPr/>
-        </p:nvPicPr>
-        <p:blipFill>
-          <a:blip r:embed="rId2">
-            <a:extLst>
-              <a:ext uri="{28A0092B-C50C-407E-A947-70E740481C1C}">
-                <a14:useLocalDpi xmlns:a14="http://schemas.microsoft.com/office/drawing/2010/main" val="0"/>
-              </a:ext>
-            </a:extLst>
-          </a:blip>
-          <a:stretch>
-            <a:fillRect/>
-          </a:stretch>
-        </p:blipFill>
-        <p:spPr>
-          <a:xfrm>
-            <a:off x="381001" y="1524000"/>
-            <a:ext cx="8504426" cy="4038600"/>
-          </a:xfrm>
-          <a:prstGeom prst="rect">
-            <a:avLst/>
-          </a:prstGeom>
-        </p:spPr>
-      </p:pic>
-      <p:sp>
-        <p:nvSpPr>
-          <p:cNvPr id="6" name="TextBox 5">
-            <a:extLst>
-              <a:ext uri="{FF2B5EF4-FFF2-40B4-BE49-F238E27FC236}">
-                <a16:creationId xmlns:a16="http://schemas.microsoft.com/office/drawing/2014/main" id="{75C14D11-43C0-068A-BDB0-CFE86F308259}"/>
-              </a:ext>
-            </a:extLst>
-          </p:cNvPr>
-          <p:cNvSpPr txBox="1"/>
-          <p:nvPr/>
-        </p:nvSpPr>
-        <p:spPr>
-          <a:xfrm>
-            <a:off x="7620000" y="6180264"/>
-            <a:ext cx="1981200" cy="215444"/>
-          </a:xfrm>
-          <a:prstGeom prst="rect">
-            <a:avLst/>
-          </a:prstGeom>
-          <a:noFill/>
-        </p:spPr>
-        <p:txBody>
-          <a:bodyPr wrap="square" rtlCol="0">
-            <a:spAutoFit/>
-          </a:bodyPr>
-          <a:lstStyle/>
-          <a:p>
-            <a:r>
-              <a:rPr lang="en-IN" sz="800" dirty="0"/>
-              <a:t>Image Source :ladybird.beauty</a:t>
-            </a:r>
-          </a:p>
-        </p:txBody>
-      </p:sp>
-    </p:spTree>
-    <p:extLst>
-      <p:ext uri="{BB962C8B-B14F-4D97-AF65-F5344CB8AC3E}">
-        <p14:creationId xmlns:p14="http://schemas.microsoft.com/office/powerpoint/2010/main" val="2499559915"/>
-      </p:ext>
-    </p:extLst>
-  </p:cSld>
-  <p:clrMapOvr>
-    <a:masterClrMapping/>
-  </p:clrMapOvr>
-</p:sld>
-</file>
-
 <file path=ppt/slides/slide2.xml><?xml version="1.0" encoding="utf-8"?>
 <p:sld xmlns:a="http://schemas.openxmlformats.org/drawingml/2006/main" xmlns:r="http://schemas.openxmlformats.org/officeDocument/2006/relationships" xmlns:p="http://schemas.openxmlformats.org/presentationml/2006/main">
   <p:cSld>
@@ -2470,22 +2146,17 @@
             </a:pPr>
             <a:r>
               <a:rPr lang="en-US" sz="1600" dirty="0"/>
-              <a:t>Also to assist HR for JD creation based on </a:t>
-            </a:r>
-            <a:r>
-              <a:rPr lang="en-US" sz="1600"/>
-              <a:t>market trends</a:t>
-            </a:r>
-            <a:endParaRPr lang="en-US" sz="1600" dirty="0"/>
+              <a:t>Also, to assist HR for JD creation based on market trends</a:t>
+            </a:r>
           </a:p>
         </p:txBody>
       </p:sp>
       <p:pic>
         <p:nvPicPr>
-          <p:cNvPr id="5" name="Picture 4">
+          <p:cNvPr id="6" name="Picture 5">
             <a:extLst>
               <a:ext uri="{FF2B5EF4-FFF2-40B4-BE49-F238E27FC236}">
-                <a16:creationId xmlns:a16="http://schemas.microsoft.com/office/drawing/2014/main" id="{FCCEB651-74AF-0E96-9F22-014FE0876197}"/>
+                <a16:creationId xmlns:a16="http://schemas.microsoft.com/office/drawing/2014/main" id="{ACC910B8-7392-4C52-9DF0-1984855CAF18}"/>
               </a:ext>
             </a:extLst>
           </p:cNvPr>
@@ -2502,8 +2173,8 @@
         </p:blipFill>
         <p:spPr>
           <a:xfrm>
-            <a:off x="914400" y="4135663"/>
-            <a:ext cx="6294626" cy="2242835"/>
+            <a:off x="364746" y="3837460"/>
+            <a:ext cx="7636254" cy="2954655"/>
           </a:xfrm>
           <a:prstGeom prst="rect">
             <a:avLst/>
@@ -2568,283 +2239,7 @@
           <a:p>
             <a:r>
               <a:rPr lang="en-IN" dirty="0"/>
-              <a:t>Proposed Solution</a:t>
-            </a:r>
-          </a:p>
-        </p:txBody>
-      </p:sp>
-      <p:sp>
-        <p:nvSpPr>
-          <p:cNvPr id="3" name="Text Placeholder 2">
-            <a:extLst>
-              <a:ext uri="{FF2B5EF4-FFF2-40B4-BE49-F238E27FC236}">
-                <a16:creationId xmlns:a16="http://schemas.microsoft.com/office/drawing/2014/main" id="{276E42C6-BAFE-8D7D-FF78-54D9581B3FF7}"/>
-              </a:ext>
-            </a:extLst>
-          </p:cNvPr>
-          <p:cNvSpPr>
-            <a:spLocks noGrp="1"/>
-          </p:cNvSpPr>
-          <p:nvPr>
-            <p:ph type="body" idx="1"/>
-          </p:nvPr>
-        </p:nvSpPr>
-        <p:spPr>
-          <a:xfrm>
-            <a:off x="457200" y="827849"/>
-            <a:ext cx="5715000" cy="738664"/>
-          </a:xfrm>
-        </p:spPr>
-        <p:txBody>
-          <a:bodyPr/>
-          <a:lstStyle/>
-          <a:p>
-            <a:r>
-              <a:rPr lang="en-IN" sz="1600" b="1" i="1" u="sng" dirty="0"/>
-              <a:t>Key Solution </a:t>
-            </a:r>
-            <a:r>
-              <a:rPr lang="en-IN" sz="1600" dirty="0"/>
-              <a:t>:The project Intent to scrape the </a:t>
-            </a:r>
-            <a:r>
-              <a:rPr lang="en-US" sz="1600" dirty="0"/>
-              <a:t>profiles which are publicly available on various job portals and mapping the candidates profile with job description using </a:t>
-            </a:r>
-            <a:r>
-              <a:rPr lang="en-IN" sz="1600" dirty="0"/>
-              <a:t>similarity index score.</a:t>
-            </a:r>
-          </a:p>
-        </p:txBody>
-      </p:sp>
-      <p:sp>
-        <p:nvSpPr>
-          <p:cNvPr id="4" name="Arrow: Down 3">
-            <a:extLst>
-              <a:ext uri="{FF2B5EF4-FFF2-40B4-BE49-F238E27FC236}">
-                <a16:creationId xmlns:a16="http://schemas.microsoft.com/office/drawing/2014/main" id="{277F41FF-D6D3-DA9A-AC4A-58A4F23B7066}"/>
-              </a:ext>
-            </a:extLst>
-          </p:cNvPr>
-          <p:cNvSpPr/>
-          <p:nvPr/>
-        </p:nvSpPr>
-        <p:spPr>
-          <a:xfrm>
-            <a:off x="2514601" y="1717834"/>
-            <a:ext cx="381000" cy="797004"/>
-          </a:xfrm>
-          <a:prstGeom prst="downArrow">
-            <a:avLst/>
-          </a:prstGeom>
-        </p:spPr>
-        <p:style>
-          <a:lnRef idx="2">
-            <a:schemeClr val="accent1">
-              <a:shade val="15000"/>
-            </a:schemeClr>
-          </a:lnRef>
-          <a:fillRef idx="1">
-            <a:schemeClr val="accent1"/>
-          </a:fillRef>
-          <a:effectRef idx="0">
-            <a:schemeClr val="accent1"/>
-          </a:effectRef>
-          <a:fontRef idx="minor">
-            <a:schemeClr val="lt1"/>
-          </a:fontRef>
-        </p:style>
-        <p:txBody>
-          <a:bodyPr rtlCol="0" anchor="ctr"/>
-          <a:lstStyle/>
-          <a:p>
-            <a:pPr algn="ctr"/>
-            <a:endParaRPr lang="en-IN"/>
-          </a:p>
-        </p:txBody>
-      </p:sp>
-      <p:sp>
-        <p:nvSpPr>
-          <p:cNvPr id="6" name="TextBox 5">
-            <a:extLst>
-              <a:ext uri="{FF2B5EF4-FFF2-40B4-BE49-F238E27FC236}">
-                <a16:creationId xmlns:a16="http://schemas.microsoft.com/office/drawing/2014/main" id="{56A42EC5-4104-3E32-C48A-11CAB75821D9}"/>
-              </a:ext>
-            </a:extLst>
-          </p:cNvPr>
-          <p:cNvSpPr txBox="1"/>
-          <p:nvPr/>
-        </p:nvSpPr>
-        <p:spPr>
-          <a:xfrm>
-            <a:off x="457200" y="2623074"/>
-            <a:ext cx="5715000" cy="1815882"/>
-          </a:xfrm>
-          <a:prstGeom prst="rect">
-            <a:avLst/>
-          </a:prstGeom>
-          <a:noFill/>
-        </p:spPr>
-        <p:txBody>
-          <a:bodyPr wrap="square" rtlCol="0">
-            <a:spAutoFit/>
-          </a:bodyPr>
-          <a:lstStyle/>
-          <a:p>
-            <a:r>
-              <a:rPr lang="en-IN" sz="1600" b="1" i="1" u="sng" dirty="0">
-                <a:solidFill>
-                  <a:schemeClr val="tx1"/>
-                </a:solidFill>
-                <a:latin typeface="+mn-lt"/>
-                <a:ea typeface="+mn-ea"/>
-                <a:cs typeface="+mn-cs"/>
-              </a:rPr>
-              <a:t>Key Features </a:t>
-            </a:r>
-            <a:r>
-              <a:rPr lang="en-IN" sz="1600" dirty="0">
-                <a:solidFill>
-                  <a:schemeClr val="tx1"/>
-                </a:solidFill>
-                <a:latin typeface="+mn-lt"/>
-                <a:ea typeface="+mn-ea"/>
-                <a:cs typeface="+mn-cs"/>
-              </a:rPr>
-              <a:t>: NLP to extract relevant information from unstructured and wide ranging formats of resume </a:t>
-            </a:r>
-          </a:p>
-          <a:p>
-            <a:r>
-              <a:rPr lang="en-IN" sz="1600" dirty="0">
-                <a:solidFill>
-                  <a:schemeClr val="tx1"/>
-                </a:solidFill>
-                <a:latin typeface="+mn-lt"/>
-                <a:ea typeface="+mn-ea"/>
-                <a:cs typeface="+mn-cs"/>
-              </a:rPr>
-              <a:t>And rank applications by using input skills that uses vector space model and similarity check between the JD and Resume or Input skillset given by the candidate.</a:t>
-            </a:r>
-          </a:p>
-          <a:p>
-            <a:endParaRPr lang="en-IN" sz="1600" dirty="0">
-              <a:solidFill>
-                <a:schemeClr val="tx1"/>
-              </a:solidFill>
-              <a:latin typeface="+mn-lt"/>
-              <a:ea typeface="+mn-ea"/>
-              <a:cs typeface="+mn-cs"/>
-            </a:endParaRPr>
-          </a:p>
-          <a:p>
-            <a:endParaRPr lang="en-IN" sz="1600" dirty="0">
-              <a:solidFill>
-                <a:schemeClr val="tx1"/>
-              </a:solidFill>
-              <a:latin typeface="+mn-lt"/>
-              <a:ea typeface="+mn-ea"/>
-              <a:cs typeface="+mn-cs"/>
-            </a:endParaRPr>
-          </a:p>
-        </p:txBody>
-      </p:sp>
-      <p:sp>
-        <p:nvSpPr>
-          <p:cNvPr id="8" name="Arrow: Down 7">
-            <a:extLst>
-              <a:ext uri="{FF2B5EF4-FFF2-40B4-BE49-F238E27FC236}">
-                <a16:creationId xmlns:a16="http://schemas.microsoft.com/office/drawing/2014/main" id="{311D9E9B-75D4-DEE5-C0C5-951F6BE8620F}"/>
-              </a:ext>
-            </a:extLst>
-          </p:cNvPr>
-          <p:cNvSpPr/>
-          <p:nvPr/>
-        </p:nvSpPr>
-        <p:spPr>
-          <a:xfrm>
-            <a:off x="2514601" y="3923515"/>
-            <a:ext cx="381000" cy="797004"/>
-          </a:xfrm>
-          <a:prstGeom prst="downArrow">
-            <a:avLst/>
-          </a:prstGeom>
-        </p:spPr>
-        <p:style>
-          <a:lnRef idx="2">
-            <a:schemeClr val="accent1">
-              <a:shade val="15000"/>
-            </a:schemeClr>
-          </a:lnRef>
-          <a:fillRef idx="1">
-            <a:schemeClr val="accent1"/>
-          </a:fillRef>
-          <a:effectRef idx="0">
-            <a:schemeClr val="accent1"/>
-          </a:effectRef>
-          <a:fontRef idx="minor">
-            <a:schemeClr val="lt1"/>
-          </a:fontRef>
-        </p:style>
-        <p:txBody>
-          <a:bodyPr rtlCol="0" anchor="ctr"/>
-          <a:lstStyle/>
-          <a:p>
-            <a:pPr algn="ctr"/>
-            <a:endParaRPr lang="en-IN"/>
-          </a:p>
-        </p:txBody>
-      </p:sp>
-      <p:sp>
-        <p:nvSpPr>
-          <p:cNvPr id="9" name="TextBox 8">
-            <a:extLst>
-              <a:ext uri="{FF2B5EF4-FFF2-40B4-BE49-F238E27FC236}">
-                <a16:creationId xmlns:a16="http://schemas.microsoft.com/office/drawing/2014/main" id="{FA1A33F7-08AA-753B-7312-890A032E1CAF}"/>
-              </a:ext>
-            </a:extLst>
-          </p:cNvPr>
-          <p:cNvSpPr txBox="1"/>
-          <p:nvPr/>
-        </p:nvSpPr>
-        <p:spPr>
-          <a:xfrm>
-            <a:off x="457200" y="4710687"/>
-            <a:ext cx="5486400" cy="1077218"/>
-          </a:xfrm>
-          <a:prstGeom prst="rect">
-            <a:avLst/>
-          </a:prstGeom>
-          <a:noFill/>
-        </p:spPr>
-        <p:txBody>
-          <a:bodyPr wrap="square" rtlCol="0">
-            <a:spAutoFit/>
-          </a:bodyPr>
-          <a:lstStyle/>
-          <a:p>
-            <a:r>
-              <a:rPr lang="en-IN" sz="1600" b="1" i="1" u="sng" dirty="0">
-                <a:solidFill>
-                  <a:schemeClr val="tx1"/>
-                </a:solidFill>
-                <a:latin typeface="+mn-lt"/>
-                <a:ea typeface="+mn-ea"/>
-                <a:cs typeface="+mn-cs"/>
-              </a:rPr>
-              <a:t>Path Breaking from Existing Solution </a:t>
-            </a:r>
-            <a:r>
-              <a:rPr lang="en-IN" sz="1600" dirty="0">
-                <a:solidFill>
-                  <a:schemeClr val="tx1"/>
-                </a:solidFill>
-                <a:latin typeface="+mn-lt"/>
-                <a:ea typeface="+mn-ea"/>
-                <a:cs typeface="+mn-cs"/>
-              </a:rPr>
-              <a:t>: Recruiters reviews each resume manually with regards to Job description and then they categorize them to determine which job applications should be further called for Interview process.</a:t>
+              <a:t>Tech Implementations</a:t>
             </a:r>
           </a:p>
         </p:txBody>
@@ -2863,8 +2258,228 @@
         </p:nvSpPr>
         <p:spPr>
           <a:xfrm>
-            <a:off x="6629400" y="914400"/>
-            <a:ext cx="2256027" cy="1354217"/>
+            <a:off x="7543800" y="2145941"/>
+            <a:ext cx="1431618" cy="2185214"/>
+          </a:xfrm>
+          <a:prstGeom prst="rect">
+            <a:avLst/>
+          </a:prstGeom>
+          <a:solidFill>
+            <a:schemeClr val="accent5">
+              <a:lumMod val="20000"/>
+              <a:lumOff val="80000"/>
+            </a:schemeClr>
+          </a:solidFill>
+        </p:spPr>
+        <p:txBody>
+          <a:bodyPr wrap="square" rtlCol="0">
+            <a:spAutoFit/>
+          </a:bodyPr>
+          <a:lstStyle/>
+          <a:p>
+            <a:r>
+              <a:rPr lang="en-IN" sz="1400" b="1" i="1" u="sng" dirty="0"/>
+              <a:t>Key Words:</a:t>
+            </a:r>
+          </a:p>
+          <a:p>
+            <a:endParaRPr lang="en-IN" sz="1400" b="1" i="1" u="sng" dirty="0"/>
+          </a:p>
+          <a:p>
+            <a:pPr marL="285750" indent="-285750">
+              <a:buFont typeface="Wingdings" panose="05000000000000000000" pitchFamily="2" charset="2"/>
+              <a:buChar char="Ø"/>
+            </a:pPr>
+            <a:r>
+              <a:rPr lang="en-IN" sz="1200" dirty="0"/>
+              <a:t>NLP</a:t>
+            </a:r>
+          </a:p>
+          <a:p>
+            <a:pPr marL="285750" indent="-285750">
+              <a:buFont typeface="Wingdings" panose="05000000000000000000" pitchFamily="2" charset="2"/>
+              <a:buChar char="Ø"/>
+            </a:pPr>
+            <a:r>
+              <a:rPr lang="en-IN" sz="1200" dirty="0"/>
+              <a:t>Cosine Similarity</a:t>
+            </a:r>
+          </a:p>
+          <a:p>
+            <a:pPr marL="285750" indent="-285750">
+              <a:buFont typeface="Wingdings" panose="05000000000000000000" pitchFamily="2" charset="2"/>
+              <a:buChar char="Ø"/>
+            </a:pPr>
+            <a:r>
+              <a:rPr lang="en-IN" sz="1200" dirty="0"/>
+              <a:t>Python</a:t>
+            </a:r>
+          </a:p>
+          <a:p>
+            <a:pPr marL="285750" indent="-285750">
+              <a:buFont typeface="Wingdings" panose="05000000000000000000" pitchFamily="2" charset="2"/>
+              <a:buChar char="Ø"/>
+            </a:pPr>
+            <a:r>
+              <a:rPr lang="en-IN" sz="1200" dirty="0"/>
+              <a:t>Vectorization</a:t>
+            </a:r>
+          </a:p>
+          <a:p>
+            <a:pPr marL="285750" indent="-285750">
+              <a:buFont typeface="Wingdings" panose="05000000000000000000" pitchFamily="2" charset="2"/>
+              <a:buChar char="Ø"/>
+            </a:pPr>
+            <a:r>
+              <a:rPr lang="en-IN" sz="1200" dirty="0"/>
+              <a:t>MongoDB</a:t>
+            </a:r>
+          </a:p>
+          <a:p>
+            <a:pPr marL="285750" indent="-285750">
+              <a:buFont typeface="Wingdings" panose="05000000000000000000" pitchFamily="2" charset="2"/>
+              <a:buChar char="Ø"/>
+            </a:pPr>
+            <a:r>
+              <a:rPr lang="en-IN" sz="1200" dirty="0"/>
+              <a:t>GitHub </a:t>
+            </a:r>
+          </a:p>
+          <a:p>
+            <a:pPr marL="285750" indent="-285750">
+              <a:buFont typeface="Wingdings" panose="05000000000000000000" pitchFamily="2" charset="2"/>
+              <a:buChar char="Ø"/>
+            </a:pPr>
+            <a:r>
+              <a:rPr lang="en-IN" sz="1200" dirty="0"/>
+              <a:t>NLTK</a:t>
+            </a:r>
+          </a:p>
+          <a:p>
+            <a:pPr marL="285750" indent="-285750">
+              <a:buFont typeface="Wingdings" panose="05000000000000000000" pitchFamily="2" charset="2"/>
+              <a:buChar char="Ø"/>
+            </a:pPr>
+            <a:r>
+              <a:rPr lang="en-IN" sz="1200" dirty="0" err="1"/>
+              <a:t>SKLearn</a:t>
+            </a:r>
+            <a:endParaRPr lang="en-IN" sz="1200" dirty="0"/>
+          </a:p>
+        </p:txBody>
+      </p:sp>
+      <p:sp>
+        <p:nvSpPr>
+          <p:cNvPr id="7" name="Text Placeholder 6">
+            <a:extLst>
+              <a:ext uri="{FF2B5EF4-FFF2-40B4-BE49-F238E27FC236}">
+                <a16:creationId xmlns:a16="http://schemas.microsoft.com/office/drawing/2014/main" id="{3AAE18F8-77BD-F022-DFC8-7A1CACA85845}"/>
+              </a:ext>
+            </a:extLst>
+          </p:cNvPr>
+          <p:cNvSpPr>
+            <a:spLocks noGrp="1"/>
+          </p:cNvSpPr>
+          <p:nvPr>
+            <p:ph type="body" idx="1"/>
+          </p:nvPr>
+        </p:nvSpPr>
+        <p:spPr>
+          <a:xfrm>
+            <a:off x="258573" y="762000"/>
+            <a:ext cx="1570228" cy="285120"/>
+          </a:xfrm>
+        </p:spPr>
+        <p:txBody>
+          <a:bodyPr/>
+          <a:lstStyle/>
+          <a:p>
+            <a:r>
+              <a:rPr lang="en-US" dirty="0"/>
+              <a:t>Code Set</a:t>
+            </a:r>
+          </a:p>
+          <a:p>
+            <a:endParaRPr lang="en-US" dirty="0"/>
+          </a:p>
+        </p:txBody>
+      </p:sp>
+      <p:pic>
+        <p:nvPicPr>
+          <p:cNvPr id="11" name="Picture 10">
+            <a:extLst>
+              <a:ext uri="{FF2B5EF4-FFF2-40B4-BE49-F238E27FC236}">
+                <a16:creationId xmlns:a16="http://schemas.microsoft.com/office/drawing/2014/main" id="{1FA93914-C614-5AC6-679C-5965E444CEBD}"/>
+              </a:ext>
+            </a:extLst>
+          </p:cNvPr>
+          <p:cNvPicPr>
+            <a:picLocks noChangeAspect="1"/>
+          </p:cNvPicPr>
+          <p:nvPr/>
+        </p:nvPicPr>
+        <p:blipFill>
+          <a:blip r:embed="rId2"/>
+          <a:stretch>
+            <a:fillRect/>
+          </a:stretch>
+        </p:blipFill>
+        <p:spPr>
+          <a:xfrm>
+            <a:off x="258572" y="1074311"/>
+            <a:ext cx="2256028" cy="2903468"/>
+          </a:xfrm>
+          <a:prstGeom prst="rect">
+            <a:avLst/>
+          </a:prstGeom>
+        </p:spPr>
+      </p:pic>
+      <p:pic>
+        <p:nvPicPr>
+          <p:cNvPr id="12" name="Picture 11">
+            <a:extLst>
+              <a:ext uri="{FF2B5EF4-FFF2-40B4-BE49-F238E27FC236}">
+                <a16:creationId xmlns:a16="http://schemas.microsoft.com/office/drawing/2014/main" id="{B4211CCB-B956-64F5-C079-5DA20F03CB41}"/>
+              </a:ext>
+            </a:extLst>
+          </p:cNvPr>
+          <p:cNvPicPr>
+            <a:picLocks noChangeAspect="1"/>
+          </p:cNvPicPr>
+          <p:nvPr/>
+        </p:nvPicPr>
+        <p:blipFill>
+          <a:blip r:embed="rId3"/>
+          <a:stretch>
+            <a:fillRect/>
+          </a:stretch>
+        </p:blipFill>
+        <p:spPr>
+          <a:xfrm>
+            <a:off x="239987" y="4480546"/>
+            <a:ext cx="3733800" cy="1865099"/>
+          </a:xfrm>
+          <a:prstGeom prst="rect">
+            <a:avLst/>
+          </a:prstGeom>
+        </p:spPr>
+      </p:pic>
+      <p:sp>
+        <p:nvSpPr>
+          <p:cNvPr id="13" name="TextBox 12">
+            <a:extLst>
+              <a:ext uri="{FF2B5EF4-FFF2-40B4-BE49-F238E27FC236}">
+                <a16:creationId xmlns:a16="http://schemas.microsoft.com/office/drawing/2014/main" id="{58A7D821-A04F-BDB3-ABFC-46A1358D0B86}"/>
+              </a:ext>
+            </a:extLst>
+          </p:cNvPr>
+          <p:cNvSpPr txBox="1"/>
+          <p:nvPr/>
+        </p:nvSpPr>
+        <p:spPr>
+          <a:xfrm>
+            <a:off x="381000" y="4114801"/>
+            <a:ext cx="2133600" cy="338554"/>
           </a:xfrm>
           <a:prstGeom prst="rect">
             <a:avLst/>
@@ -2878,53 +2493,142 @@
           <a:lstStyle/>
           <a:p>
             <a:r>
-              <a:rPr lang="en-IN" b="1" i="1" u="sng" dirty="0"/>
-              <a:t>Key Words:</a:t>
-            </a:r>
-          </a:p>
-          <a:p>
-            <a:pPr marL="285750" indent="-285750">
-              <a:buFont typeface="Wingdings" panose="05000000000000000000" pitchFamily="2" charset="2"/>
-              <a:buChar char="Ø"/>
-            </a:pPr>
-            <a:r>
-              <a:rPr lang="en-IN" sz="1600" dirty="0"/>
-              <a:t>NLP</a:t>
-            </a:r>
-          </a:p>
-          <a:p>
-            <a:pPr marL="285750" indent="-285750">
-              <a:buFont typeface="Wingdings" panose="05000000000000000000" pitchFamily="2" charset="2"/>
-              <a:buChar char="Ø"/>
-            </a:pPr>
-            <a:r>
-              <a:rPr lang="en-IN" sz="1600" dirty="0"/>
-              <a:t>Cosine Similarity</a:t>
-            </a:r>
-          </a:p>
-          <a:p>
-            <a:pPr marL="285750" indent="-285750">
-              <a:buFont typeface="Wingdings" panose="05000000000000000000" pitchFamily="2" charset="2"/>
-              <a:buChar char="Ø"/>
-            </a:pPr>
-            <a:r>
-              <a:rPr lang="en-IN" sz="1600" dirty="0" err="1"/>
-              <a:t>Tf-Idf</a:t>
-            </a:r>
-            <a:endParaRPr lang="en-IN" sz="1600" dirty="0"/>
-          </a:p>
-          <a:p>
-            <a:pPr marL="285750" indent="-285750">
-              <a:buFont typeface="Wingdings" panose="05000000000000000000" pitchFamily="2" charset="2"/>
-              <a:buChar char="Ø"/>
-            </a:pPr>
-            <a:r>
-              <a:rPr lang="en-IN" sz="1600" dirty="0"/>
-              <a:t>Machine Learning </a:t>
-            </a:r>
-          </a:p>
-        </p:txBody>
-      </p:sp>
+              <a:rPr lang="en-US" sz="1600" dirty="0"/>
+              <a:t>Persisting in DB</a:t>
+            </a:r>
+          </a:p>
+        </p:txBody>
+      </p:sp>
+      <p:pic>
+        <p:nvPicPr>
+          <p:cNvPr id="14" name="Picture 13">
+            <a:extLst>
+              <a:ext uri="{FF2B5EF4-FFF2-40B4-BE49-F238E27FC236}">
+                <a16:creationId xmlns:a16="http://schemas.microsoft.com/office/drawing/2014/main" id="{1A112631-A026-8115-9224-42261AE4BF12}"/>
+              </a:ext>
+            </a:extLst>
+          </p:cNvPr>
+          <p:cNvPicPr>
+            <a:picLocks noChangeAspect="1"/>
+          </p:cNvPicPr>
+          <p:nvPr/>
+        </p:nvPicPr>
+        <p:blipFill>
+          <a:blip r:embed="rId4"/>
+          <a:stretch>
+            <a:fillRect/>
+          </a:stretch>
+        </p:blipFill>
+        <p:spPr>
+          <a:xfrm>
+            <a:off x="3035226" y="1074311"/>
+            <a:ext cx="4278957" cy="2490515"/>
+          </a:xfrm>
+          <a:prstGeom prst="rect">
+            <a:avLst/>
+          </a:prstGeom>
+        </p:spPr>
+      </p:pic>
+      <p:sp>
+        <p:nvSpPr>
+          <p:cNvPr id="15" name="TextBox 14">
+            <a:extLst>
+              <a:ext uri="{FF2B5EF4-FFF2-40B4-BE49-F238E27FC236}">
+                <a16:creationId xmlns:a16="http://schemas.microsoft.com/office/drawing/2014/main" id="{F5AE0F2B-B303-6081-1072-26BCF10A79BC}"/>
+              </a:ext>
+            </a:extLst>
+          </p:cNvPr>
+          <p:cNvSpPr txBox="1"/>
+          <p:nvPr/>
+        </p:nvSpPr>
+        <p:spPr>
+          <a:xfrm>
+            <a:off x="2895600" y="745385"/>
+            <a:ext cx="2152185" cy="338554"/>
+          </a:xfrm>
+          <a:prstGeom prst="rect">
+            <a:avLst/>
+          </a:prstGeom>
+          <a:noFill/>
+        </p:spPr>
+        <p:txBody>
+          <a:bodyPr wrap="square" rtlCol="0">
+            <a:spAutoFit/>
+          </a:bodyPr>
+          <a:lstStyle/>
+          <a:p>
+            <a:r>
+              <a:rPr lang="en-US" sz="1600" dirty="0"/>
+              <a:t>Code Repository</a:t>
+            </a:r>
+          </a:p>
+        </p:txBody>
+      </p:sp>
+      <p:sp>
+        <p:nvSpPr>
+          <p:cNvPr id="16" name="TextBox 15">
+            <a:extLst>
+              <a:ext uri="{FF2B5EF4-FFF2-40B4-BE49-F238E27FC236}">
+                <a16:creationId xmlns:a16="http://schemas.microsoft.com/office/drawing/2014/main" id="{B6B0DA0F-CAF3-C409-A806-0ED6C6071698}"/>
+              </a:ext>
+            </a:extLst>
+          </p:cNvPr>
+          <p:cNvSpPr txBox="1"/>
+          <p:nvPr/>
+        </p:nvSpPr>
+        <p:spPr>
+          <a:xfrm>
+            <a:off x="4114800" y="4101968"/>
+            <a:ext cx="877163" cy="369332"/>
+          </a:xfrm>
+          <a:prstGeom prst="rect">
+            <a:avLst/>
+          </a:prstGeom>
+          <a:noFill/>
+        </p:spPr>
+        <p:txBody>
+          <a:bodyPr wrap="none" rtlCol="0">
+            <a:spAutoFit/>
+          </a:bodyPr>
+          <a:lstStyle/>
+          <a:p>
+            <a:r>
+              <a:rPr lang="en-US" dirty="0"/>
+              <a:t>Output</a:t>
+            </a:r>
+          </a:p>
+        </p:txBody>
+      </p:sp>
+      <p:pic>
+        <p:nvPicPr>
+          <p:cNvPr id="18" name="Picture 17">
+            <a:extLst>
+              <a:ext uri="{FF2B5EF4-FFF2-40B4-BE49-F238E27FC236}">
+                <a16:creationId xmlns:a16="http://schemas.microsoft.com/office/drawing/2014/main" id="{E36006C4-162A-8E57-5FA1-8695FB56DE82}"/>
+              </a:ext>
+            </a:extLst>
+          </p:cNvPr>
+          <p:cNvPicPr>
+            <a:picLocks noChangeAspect="1"/>
+          </p:cNvPicPr>
+          <p:nvPr/>
+        </p:nvPicPr>
+        <p:blipFill>
+          <a:blip r:embed="rId5"/>
+          <a:stretch>
+            <a:fillRect/>
+          </a:stretch>
+        </p:blipFill>
+        <p:spPr>
+          <a:xfrm>
+            <a:off x="4185963" y="4610022"/>
+            <a:ext cx="4718050" cy="1606145"/>
+          </a:xfrm>
+          <a:prstGeom prst="rect">
+            <a:avLst/>
+          </a:prstGeom>
+        </p:spPr>
+      </p:pic>
     </p:spTree>
     <p:extLst>
       <p:ext uri="{BB962C8B-B14F-4D97-AF65-F5344CB8AC3E}">
@@ -2983,903 +2687,11 @@
           <a:p>
             <a:r>
               <a:rPr lang="en-IN" dirty="0"/>
-              <a:t>Solution Architecture </a:t>
-            </a:r>
-          </a:p>
-        </p:txBody>
-      </p:sp>
-      <p:cxnSp>
-        <p:nvCxnSpPr>
-          <p:cNvPr id="5" name="Straight Arrow Connector 4">
-            <a:extLst>
-              <a:ext uri="{FF2B5EF4-FFF2-40B4-BE49-F238E27FC236}">
-                <a16:creationId xmlns:a16="http://schemas.microsoft.com/office/drawing/2014/main" id="{BDFA8600-A504-D27B-FB80-51875257F85D}"/>
-              </a:ext>
-            </a:extLst>
-          </p:cNvPr>
-          <p:cNvCxnSpPr/>
-          <p:nvPr/>
-        </p:nvCxnSpPr>
-        <p:spPr>
-          <a:xfrm>
-            <a:off x="3874628" y="1295400"/>
-            <a:ext cx="0" cy="637401"/>
-          </a:xfrm>
-          <a:prstGeom prst="straightConnector1">
-            <a:avLst/>
-          </a:prstGeom>
-          <a:ln>
-            <a:tailEnd type="triangle"/>
-          </a:ln>
-        </p:spPr>
-        <p:style>
-          <a:lnRef idx="1">
-            <a:schemeClr val="accent1"/>
-          </a:lnRef>
-          <a:fillRef idx="0">
-            <a:schemeClr val="accent1"/>
-          </a:fillRef>
-          <a:effectRef idx="0">
-            <a:schemeClr val="accent1"/>
-          </a:effectRef>
-          <a:fontRef idx="minor">
-            <a:schemeClr val="tx1"/>
-          </a:fontRef>
-        </p:style>
-      </p:cxnSp>
-      <p:sp>
-        <p:nvSpPr>
-          <p:cNvPr id="8" name="Rectangle 7">
-            <a:extLst>
-              <a:ext uri="{FF2B5EF4-FFF2-40B4-BE49-F238E27FC236}">
-                <a16:creationId xmlns:a16="http://schemas.microsoft.com/office/drawing/2014/main" id="{23D874D9-734B-53C5-87B2-A427331D261E}"/>
-              </a:ext>
-            </a:extLst>
-          </p:cNvPr>
-          <p:cNvSpPr/>
-          <p:nvPr/>
-        </p:nvSpPr>
-        <p:spPr>
-          <a:xfrm>
-            <a:off x="457232" y="1569183"/>
-            <a:ext cx="7211930" cy="1737955"/>
-          </a:xfrm>
-          <a:prstGeom prst="rect">
-            <a:avLst/>
-          </a:prstGeom>
-        </p:spPr>
-        <p:style>
-          <a:lnRef idx="1">
-            <a:schemeClr val="dk1"/>
-          </a:lnRef>
-          <a:fillRef idx="2">
-            <a:schemeClr val="dk1"/>
-          </a:fillRef>
-          <a:effectRef idx="1">
-            <a:schemeClr val="dk1"/>
-          </a:effectRef>
-          <a:fontRef idx="minor">
-            <a:schemeClr val="dk1"/>
-          </a:fontRef>
-        </p:style>
-        <p:txBody>
-          <a:bodyPr rtlCol="0" anchor="ctr"/>
-          <a:lstStyle/>
-          <a:p>
-            <a:pPr algn="ctr"/>
-            <a:endParaRPr lang="en-IN" dirty="0"/>
-          </a:p>
-        </p:txBody>
-      </p:sp>
-      <p:sp>
-        <p:nvSpPr>
-          <p:cNvPr id="11" name="Rectangle 10">
-            <a:extLst>
-              <a:ext uri="{FF2B5EF4-FFF2-40B4-BE49-F238E27FC236}">
-                <a16:creationId xmlns:a16="http://schemas.microsoft.com/office/drawing/2014/main" id="{6B733BA9-32B3-D428-AC10-A3C6BE4EBE41}"/>
-              </a:ext>
-            </a:extLst>
-          </p:cNvPr>
-          <p:cNvSpPr/>
-          <p:nvPr/>
-        </p:nvSpPr>
-        <p:spPr>
-          <a:xfrm>
-            <a:off x="2767012" y="2045195"/>
-            <a:ext cx="2209800" cy="457200"/>
-          </a:xfrm>
-          <a:prstGeom prst="rect">
-            <a:avLst/>
-          </a:prstGeom>
-        </p:spPr>
-        <p:style>
-          <a:lnRef idx="2">
-            <a:schemeClr val="accent1">
-              <a:shade val="15000"/>
-            </a:schemeClr>
-          </a:lnRef>
-          <a:fillRef idx="1">
-            <a:schemeClr val="accent1"/>
-          </a:fillRef>
-          <a:effectRef idx="0">
-            <a:schemeClr val="accent1"/>
-          </a:effectRef>
-          <a:fontRef idx="minor">
-            <a:schemeClr val="lt1"/>
-          </a:fontRef>
-        </p:style>
-        <p:txBody>
-          <a:bodyPr rtlCol="0" anchor="ctr"/>
-          <a:lstStyle/>
-          <a:p>
-            <a:pPr algn="ctr"/>
-            <a:r>
-              <a:rPr lang="en-IN" dirty="0"/>
-              <a:t>Entity Classification</a:t>
-            </a:r>
-          </a:p>
-        </p:txBody>
-      </p:sp>
-      <p:sp>
-        <p:nvSpPr>
-          <p:cNvPr id="12" name="Rectangle 11">
-            <a:extLst>
-              <a:ext uri="{FF2B5EF4-FFF2-40B4-BE49-F238E27FC236}">
-                <a16:creationId xmlns:a16="http://schemas.microsoft.com/office/drawing/2014/main" id="{7D360762-1420-5570-549F-9066BFEA148B}"/>
-              </a:ext>
-            </a:extLst>
-          </p:cNvPr>
-          <p:cNvSpPr/>
-          <p:nvPr/>
-        </p:nvSpPr>
-        <p:spPr>
-          <a:xfrm>
-            <a:off x="609600" y="2628984"/>
-            <a:ext cx="2157412" cy="457200"/>
-          </a:xfrm>
-          <a:prstGeom prst="rect">
-            <a:avLst/>
-          </a:prstGeom>
-        </p:spPr>
-        <p:style>
-          <a:lnRef idx="2">
-            <a:schemeClr val="accent1">
-              <a:shade val="15000"/>
-            </a:schemeClr>
-          </a:lnRef>
-          <a:fillRef idx="1">
-            <a:schemeClr val="accent1"/>
-          </a:fillRef>
-          <a:effectRef idx="0">
-            <a:schemeClr val="accent1"/>
-          </a:effectRef>
-          <a:fontRef idx="minor">
-            <a:schemeClr val="lt1"/>
-          </a:fontRef>
-        </p:style>
-        <p:txBody>
-          <a:bodyPr rtlCol="0" anchor="ctr"/>
-          <a:lstStyle/>
-          <a:p>
-            <a:pPr algn="ctr"/>
-            <a:r>
-              <a:rPr lang="en-IN" dirty="0"/>
-              <a:t>Data Segmentation</a:t>
-            </a:r>
-          </a:p>
-        </p:txBody>
-      </p:sp>
-      <p:sp>
-        <p:nvSpPr>
-          <p:cNvPr id="13" name="Rectangle 12">
-            <a:extLst>
-              <a:ext uri="{FF2B5EF4-FFF2-40B4-BE49-F238E27FC236}">
-                <a16:creationId xmlns:a16="http://schemas.microsoft.com/office/drawing/2014/main" id="{5D678228-BB5B-79A3-6B42-9453DC638A8C}"/>
-              </a:ext>
-            </a:extLst>
-          </p:cNvPr>
-          <p:cNvSpPr/>
-          <p:nvPr/>
-        </p:nvSpPr>
-        <p:spPr>
-          <a:xfrm>
-            <a:off x="2919380" y="2651579"/>
-            <a:ext cx="2005012" cy="457200"/>
-          </a:xfrm>
-          <a:prstGeom prst="rect">
-            <a:avLst/>
-          </a:prstGeom>
-        </p:spPr>
-        <p:style>
-          <a:lnRef idx="2">
-            <a:schemeClr val="accent1">
-              <a:shade val="15000"/>
-            </a:schemeClr>
-          </a:lnRef>
-          <a:fillRef idx="1">
-            <a:schemeClr val="accent1"/>
-          </a:fillRef>
-          <a:effectRef idx="0">
-            <a:schemeClr val="accent1"/>
-          </a:effectRef>
-          <a:fontRef idx="minor">
-            <a:schemeClr val="lt1"/>
-          </a:fontRef>
-        </p:style>
-        <p:txBody>
-          <a:bodyPr rtlCol="0" anchor="ctr"/>
-          <a:lstStyle/>
-          <a:p>
-            <a:pPr algn="ctr"/>
-            <a:r>
-              <a:rPr lang="en-IN" dirty="0"/>
-              <a:t>Tokenization</a:t>
-            </a:r>
-          </a:p>
-        </p:txBody>
-      </p:sp>
-      <p:sp>
-        <p:nvSpPr>
-          <p:cNvPr id="16" name="Rectangle 15">
-            <a:extLst>
-              <a:ext uri="{FF2B5EF4-FFF2-40B4-BE49-F238E27FC236}">
-                <a16:creationId xmlns:a16="http://schemas.microsoft.com/office/drawing/2014/main" id="{63FDFCFB-B525-E6B8-C796-12578ACCE524}"/>
-              </a:ext>
-            </a:extLst>
-          </p:cNvPr>
-          <p:cNvSpPr/>
-          <p:nvPr/>
-        </p:nvSpPr>
-        <p:spPr>
-          <a:xfrm>
-            <a:off x="5128379" y="2660518"/>
-            <a:ext cx="1828800" cy="457200"/>
-          </a:xfrm>
-          <a:prstGeom prst="rect">
-            <a:avLst/>
-          </a:prstGeom>
-        </p:spPr>
-        <p:style>
-          <a:lnRef idx="2">
-            <a:schemeClr val="accent1">
-              <a:shade val="15000"/>
-            </a:schemeClr>
-          </a:lnRef>
-          <a:fillRef idx="1">
-            <a:schemeClr val="accent1"/>
-          </a:fillRef>
-          <a:effectRef idx="0">
-            <a:schemeClr val="accent1"/>
-          </a:effectRef>
-          <a:fontRef idx="minor">
-            <a:schemeClr val="lt1"/>
-          </a:fontRef>
-        </p:style>
-        <p:txBody>
-          <a:bodyPr rtlCol="0" anchor="ctr"/>
-          <a:lstStyle/>
-          <a:p>
-            <a:pPr algn="ctr"/>
-            <a:r>
-              <a:rPr lang="en-IN" dirty="0"/>
-              <a:t>Feature Tagging</a:t>
-            </a:r>
-          </a:p>
-        </p:txBody>
-      </p:sp>
-      <p:sp>
-        <p:nvSpPr>
-          <p:cNvPr id="19" name="Arrow: Down 18">
-            <a:extLst>
-              <a:ext uri="{FF2B5EF4-FFF2-40B4-BE49-F238E27FC236}">
-                <a16:creationId xmlns:a16="http://schemas.microsoft.com/office/drawing/2014/main" id="{4DD3948C-C04F-11AE-3199-2964619BF737}"/>
-              </a:ext>
-            </a:extLst>
-          </p:cNvPr>
-          <p:cNvSpPr/>
-          <p:nvPr/>
-        </p:nvSpPr>
-        <p:spPr>
-          <a:xfrm>
-            <a:off x="3657600" y="1261519"/>
-            <a:ext cx="290512" cy="688904"/>
-          </a:xfrm>
-          <a:prstGeom prst="downArrow">
-            <a:avLst/>
-          </a:prstGeom>
-        </p:spPr>
-        <p:style>
-          <a:lnRef idx="2">
-            <a:schemeClr val="accent1">
-              <a:shade val="15000"/>
-            </a:schemeClr>
-          </a:lnRef>
-          <a:fillRef idx="1">
-            <a:schemeClr val="accent1"/>
-          </a:fillRef>
-          <a:effectRef idx="0">
-            <a:schemeClr val="accent1"/>
-          </a:effectRef>
-          <a:fontRef idx="minor">
-            <a:schemeClr val="lt1"/>
-          </a:fontRef>
-        </p:style>
-        <p:txBody>
-          <a:bodyPr rtlCol="0" anchor="ctr"/>
-          <a:lstStyle/>
-          <a:p>
-            <a:pPr algn="ctr"/>
-            <a:endParaRPr lang="en-IN"/>
-          </a:p>
-        </p:txBody>
-      </p:sp>
-      <p:sp>
-        <p:nvSpPr>
-          <p:cNvPr id="20" name="Arrow: Down 19">
-            <a:extLst>
-              <a:ext uri="{FF2B5EF4-FFF2-40B4-BE49-F238E27FC236}">
-                <a16:creationId xmlns:a16="http://schemas.microsoft.com/office/drawing/2014/main" id="{ADCD0850-5910-DB0B-E6B3-D954F8DE0A5D}"/>
-              </a:ext>
-            </a:extLst>
-          </p:cNvPr>
-          <p:cNvSpPr/>
-          <p:nvPr/>
-        </p:nvSpPr>
-        <p:spPr>
-          <a:xfrm>
-            <a:off x="3675063" y="3202023"/>
-            <a:ext cx="290512" cy="688904"/>
-          </a:xfrm>
-          <a:prstGeom prst="downArrow">
-            <a:avLst/>
-          </a:prstGeom>
-        </p:spPr>
-        <p:style>
-          <a:lnRef idx="2">
-            <a:schemeClr val="accent1">
-              <a:shade val="15000"/>
-            </a:schemeClr>
-          </a:lnRef>
-          <a:fillRef idx="1">
-            <a:schemeClr val="accent1"/>
-          </a:fillRef>
-          <a:effectRef idx="0">
-            <a:schemeClr val="accent1"/>
-          </a:effectRef>
-          <a:fontRef idx="minor">
-            <a:schemeClr val="lt1"/>
-          </a:fontRef>
-        </p:style>
-        <p:txBody>
-          <a:bodyPr rtlCol="0" anchor="ctr"/>
-          <a:lstStyle/>
-          <a:p>
-            <a:pPr algn="ctr"/>
-            <a:endParaRPr lang="en-IN"/>
-          </a:p>
-        </p:txBody>
-      </p:sp>
-      <p:sp>
-        <p:nvSpPr>
-          <p:cNvPr id="22" name="Rectangle 21">
-            <a:extLst>
-              <a:ext uri="{FF2B5EF4-FFF2-40B4-BE49-F238E27FC236}">
-                <a16:creationId xmlns:a16="http://schemas.microsoft.com/office/drawing/2014/main" id="{9B384209-28FE-7E92-471D-50EEA8AAE6D2}"/>
-              </a:ext>
-            </a:extLst>
-          </p:cNvPr>
-          <p:cNvSpPr/>
-          <p:nvPr/>
-        </p:nvSpPr>
-        <p:spPr>
-          <a:xfrm>
-            <a:off x="2819400" y="3984171"/>
-            <a:ext cx="2157412" cy="457200"/>
-          </a:xfrm>
-          <a:prstGeom prst="rect">
-            <a:avLst/>
-          </a:prstGeom>
-        </p:spPr>
-        <p:style>
-          <a:lnRef idx="2">
-            <a:schemeClr val="accent1">
-              <a:shade val="15000"/>
-            </a:schemeClr>
-          </a:lnRef>
-          <a:fillRef idx="1">
-            <a:schemeClr val="accent1"/>
-          </a:fillRef>
-          <a:effectRef idx="0">
-            <a:schemeClr val="accent1"/>
-          </a:effectRef>
-          <a:fontRef idx="minor">
-            <a:schemeClr val="lt1"/>
-          </a:fontRef>
-        </p:style>
-        <p:txBody>
-          <a:bodyPr rtlCol="0" anchor="ctr"/>
-          <a:lstStyle/>
-          <a:p>
-            <a:pPr algn="ctr"/>
-            <a:r>
-              <a:rPr lang="en-IN" sz="1600" dirty="0"/>
-              <a:t>Summarized Format </a:t>
-            </a:r>
-          </a:p>
-        </p:txBody>
-      </p:sp>
-      <p:sp>
-        <p:nvSpPr>
-          <p:cNvPr id="25" name="Rectangle 24">
-            <a:extLst>
-              <a:ext uri="{FF2B5EF4-FFF2-40B4-BE49-F238E27FC236}">
-                <a16:creationId xmlns:a16="http://schemas.microsoft.com/office/drawing/2014/main" id="{FDE08027-6D8C-7B85-B2F1-C1225DF2126F}"/>
-              </a:ext>
-            </a:extLst>
-          </p:cNvPr>
-          <p:cNvSpPr/>
-          <p:nvPr/>
-        </p:nvSpPr>
-        <p:spPr>
-          <a:xfrm>
-            <a:off x="587477" y="4796559"/>
-            <a:ext cx="7211930" cy="918442"/>
-          </a:xfrm>
-          <a:prstGeom prst="rect">
-            <a:avLst/>
-          </a:prstGeom>
-        </p:spPr>
-        <p:style>
-          <a:lnRef idx="1">
-            <a:schemeClr val="dk1"/>
-          </a:lnRef>
-          <a:fillRef idx="2">
-            <a:schemeClr val="dk1"/>
-          </a:fillRef>
-          <a:effectRef idx="1">
-            <a:schemeClr val="dk1"/>
-          </a:effectRef>
-          <a:fontRef idx="minor">
-            <a:schemeClr val="dk1"/>
-          </a:fontRef>
-        </p:style>
-        <p:txBody>
-          <a:bodyPr rtlCol="0" anchor="ctr"/>
-          <a:lstStyle/>
-          <a:p>
-            <a:pPr algn="ctr"/>
-            <a:endParaRPr lang="en-IN" dirty="0"/>
-          </a:p>
-        </p:txBody>
-      </p:sp>
-      <p:sp>
-        <p:nvSpPr>
-          <p:cNvPr id="26" name="Rectangle 25">
-            <a:extLst>
-              <a:ext uri="{FF2B5EF4-FFF2-40B4-BE49-F238E27FC236}">
-                <a16:creationId xmlns:a16="http://schemas.microsoft.com/office/drawing/2014/main" id="{C14946DF-1C00-02A2-2D6E-3DA988AEBEDC}"/>
-              </a:ext>
-            </a:extLst>
-          </p:cNvPr>
-          <p:cNvSpPr/>
-          <p:nvPr/>
-        </p:nvSpPr>
-        <p:spPr>
-          <a:xfrm>
-            <a:off x="801296" y="5118404"/>
-            <a:ext cx="2157412" cy="457200"/>
-          </a:xfrm>
-          <a:prstGeom prst="rect">
-            <a:avLst/>
-          </a:prstGeom>
-        </p:spPr>
-        <p:style>
-          <a:lnRef idx="2">
-            <a:schemeClr val="accent1">
-              <a:shade val="15000"/>
-            </a:schemeClr>
-          </a:lnRef>
-          <a:fillRef idx="1">
-            <a:schemeClr val="accent1"/>
-          </a:fillRef>
-          <a:effectRef idx="0">
-            <a:schemeClr val="accent1"/>
-          </a:effectRef>
-          <a:fontRef idx="minor">
-            <a:schemeClr val="lt1"/>
-          </a:fontRef>
-        </p:style>
-        <p:txBody>
-          <a:bodyPr rtlCol="0" anchor="ctr"/>
-          <a:lstStyle/>
-          <a:p>
-            <a:pPr algn="ctr"/>
-            <a:r>
-              <a:rPr lang="en-IN" dirty="0"/>
-              <a:t>Vectorization</a:t>
-            </a:r>
-          </a:p>
-        </p:txBody>
-      </p:sp>
-      <p:sp>
-        <p:nvSpPr>
-          <p:cNvPr id="27" name="Rectangle 26">
-            <a:extLst>
-              <a:ext uri="{FF2B5EF4-FFF2-40B4-BE49-F238E27FC236}">
-                <a16:creationId xmlns:a16="http://schemas.microsoft.com/office/drawing/2014/main" id="{199A8E05-6301-A4EA-A4C8-3C71F8F18293}"/>
-              </a:ext>
-            </a:extLst>
-          </p:cNvPr>
-          <p:cNvSpPr/>
-          <p:nvPr/>
-        </p:nvSpPr>
-        <p:spPr>
-          <a:xfrm>
-            <a:off x="3114736" y="5103433"/>
-            <a:ext cx="2157412" cy="457200"/>
-          </a:xfrm>
-          <a:prstGeom prst="rect">
-            <a:avLst/>
-          </a:prstGeom>
-        </p:spPr>
-        <p:style>
-          <a:lnRef idx="2">
-            <a:schemeClr val="accent1">
-              <a:shade val="15000"/>
-            </a:schemeClr>
-          </a:lnRef>
-          <a:fillRef idx="1">
-            <a:schemeClr val="accent1"/>
-          </a:fillRef>
-          <a:effectRef idx="0">
-            <a:schemeClr val="accent1"/>
-          </a:effectRef>
-          <a:fontRef idx="minor">
-            <a:schemeClr val="lt1"/>
-          </a:fontRef>
-        </p:style>
-        <p:txBody>
-          <a:bodyPr rtlCol="0" anchor="ctr"/>
-          <a:lstStyle/>
-          <a:p>
-            <a:pPr algn="ctr"/>
-            <a:r>
-              <a:rPr lang="en-IN" dirty="0"/>
-              <a:t>Cosine Similarity</a:t>
-            </a:r>
-          </a:p>
-        </p:txBody>
-      </p:sp>
-      <p:sp>
-        <p:nvSpPr>
-          <p:cNvPr id="28" name="Rectangle 27">
-            <a:extLst>
-              <a:ext uri="{FF2B5EF4-FFF2-40B4-BE49-F238E27FC236}">
-                <a16:creationId xmlns:a16="http://schemas.microsoft.com/office/drawing/2014/main" id="{88F7C192-6458-8731-5AFF-ABD5A8A68271}"/>
-              </a:ext>
-            </a:extLst>
-          </p:cNvPr>
-          <p:cNvSpPr/>
-          <p:nvPr/>
-        </p:nvSpPr>
-        <p:spPr>
-          <a:xfrm>
-            <a:off x="5428176" y="5100769"/>
-            <a:ext cx="2157412" cy="457200"/>
-          </a:xfrm>
-          <a:prstGeom prst="rect">
-            <a:avLst/>
-          </a:prstGeom>
-        </p:spPr>
-        <p:style>
-          <a:lnRef idx="2">
-            <a:schemeClr val="accent1">
-              <a:shade val="15000"/>
-            </a:schemeClr>
-          </a:lnRef>
-          <a:fillRef idx="1">
-            <a:schemeClr val="accent1"/>
-          </a:fillRef>
-          <a:effectRef idx="0">
-            <a:schemeClr val="accent1"/>
-          </a:effectRef>
-          <a:fontRef idx="minor">
-            <a:schemeClr val="lt1"/>
-          </a:fontRef>
-        </p:style>
-        <p:txBody>
-          <a:bodyPr rtlCol="0" anchor="ctr"/>
-          <a:lstStyle/>
-          <a:p>
-            <a:pPr algn="ctr"/>
-            <a:r>
-              <a:rPr lang="en-IN" dirty="0"/>
-              <a:t>K Means </a:t>
-            </a:r>
-          </a:p>
-        </p:txBody>
-      </p:sp>
-      <p:sp>
-        <p:nvSpPr>
-          <p:cNvPr id="37" name="Rectangle 36">
-            <a:extLst>
-              <a:ext uri="{FF2B5EF4-FFF2-40B4-BE49-F238E27FC236}">
-                <a16:creationId xmlns:a16="http://schemas.microsoft.com/office/drawing/2014/main" id="{BF05AEB0-71AC-AB76-B05D-87C9EFBFEB38}"/>
-              </a:ext>
-            </a:extLst>
-          </p:cNvPr>
-          <p:cNvSpPr/>
-          <p:nvPr/>
-        </p:nvSpPr>
-        <p:spPr>
-          <a:xfrm>
-            <a:off x="7156655" y="4212770"/>
-            <a:ext cx="1828800" cy="457200"/>
-          </a:xfrm>
-          <a:prstGeom prst="rect">
-            <a:avLst/>
-          </a:prstGeom>
-        </p:spPr>
-        <p:style>
-          <a:lnRef idx="2">
-            <a:schemeClr val="accent1">
-              <a:shade val="15000"/>
-            </a:schemeClr>
-          </a:lnRef>
-          <a:fillRef idx="1">
-            <a:schemeClr val="accent1"/>
-          </a:fillRef>
-          <a:effectRef idx="0">
-            <a:schemeClr val="accent1"/>
-          </a:effectRef>
-          <a:fontRef idx="minor">
-            <a:schemeClr val="lt1"/>
-          </a:fontRef>
-        </p:style>
-        <p:txBody>
-          <a:bodyPr rtlCol="0" anchor="ctr"/>
-          <a:lstStyle/>
-          <a:p>
-            <a:pPr algn="ctr"/>
-            <a:r>
-              <a:rPr lang="en-IN" dirty="0"/>
-              <a:t>Job Description</a:t>
-            </a:r>
-          </a:p>
-        </p:txBody>
-      </p:sp>
-      <p:sp>
-        <p:nvSpPr>
-          <p:cNvPr id="39" name="Arrow: Down 38">
-            <a:extLst>
-              <a:ext uri="{FF2B5EF4-FFF2-40B4-BE49-F238E27FC236}">
-                <a16:creationId xmlns:a16="http://schemas.microsoft.com/office/drawing/2014/main" id="{552C3CB6-37F3-3140-F7F5-5D1AAA6D6E2E}"/>
-              </a:ext>
-            </a:extLst>
-          </p:cNvPr>
-          <p:cNvSpPr/>
-          <p:nvPr/>
-        </p:nvSpPr>
-        <p:spPr>
-          <a:xfrm>
-            <a:off x="3698175" y="5722197"/>
-            <a:ext cx="250910" cy="342185"/>
-          </a:xfrm>
-          <a:prstGeom prst="downArrow">
-            <a:avLst/>
-          </a:prstGeom>
-        </p:spPr>
-        <p:style>
-          <a:lnRef idx="2">
-            <a:schemeClr val="accent1">
-              <a:shade val="15000"/>
-            </a:schemeClr>
-          </a:lnRef>
-          <a:fillRef idx="1">
-            <a:schemeClr val="accent1"/>
-          </a:fillRef>
-          <a:effectRef idx="0">
-            <a:schemeClr val="accent1"/>
-          </a:effectRef>
-          <a:fontRef idx="minor">
-            <a:schemeClr val="lt1"/>
-          </a:fontRef>
-        </p:style>
-        <p:txBody>
-          <a:bodyPr rtlCol="0" anchor="ctr"/>
-          <a:lstStyle/>
-          <a:p>
-            <a:pPr algn="ctr"/>
-            <a:endParaRPr lang="en-IN"/>
-          </a:p>
-        </p:txBody>
-      </p:sp>
-      <p:sp>
-        <p:nvSpPr>
-          <p:cNvPr id="41" name="Rectangle 40">
-            <a:extLst>
-              <a:ext uri="{FF2B5EF4-FFF2-40B4-BE49-F238E27FC236}">
-                <a16:creationId xmlns:a16="http://schemas.microsoft.com/office/drawing/2014/main" id="{87E51F31-C09D-F275-6382-F2E086486239}"/>
-              </a:ext>
-            </a:extLst>
-          </p:cNvPr>
-          <p:cNvSpPr/>
-          <p:nvPr/>
-        </p:nvSpPr>
-        <p:spPr>
-          <a:xfrm>
-            <a:off x="2741613" y="6135879"/>
-            <a:ext cx="2386766" cy="457200"/>
-          </a:xfrm>
-          <a:prstGeom prst="rect">
-            <a:avLst/>
-          </a:prstGeom>
-        </p:spPr>
-        <p:style>
-          <a:lnRef idx="2">
-            <a:schemeClr val="accent1">
-              <a:shade val="15000"/>
-            </a:schemeClr>
-          </a:lnRef>
-          <a:fillRef idx="1">
-            <a:schemeClr val="accent1"/>
-          </a:fillRef>
-          <a:effectRef idx="0">
-            <a:schemeClr val="accent1"/>
-          </a:effectRef>
-          <a:fontRef idx="minor">
-            <a:schemeClr val="lt1"/>
-          </a:fontRef>
-        </p:style>
-        <p:txBody>
-          <a:bodyPr rtlCol="0" anchor="ctr"/>
-          <a:lstStyle/>
-          <a:p>
-            <a:pPr algn="ctr"/>
-            <a:r>
-              <a:rPr lang="en-IN" dirty="0"/>
-              <a:t>Mapping of Candidate</a:t>
-            </a:r>
-          </a:p>
-        </p:txBody>
-      </p:sp>
-      <p:sp>
-        <p:nvSpPr>
-          <p:cNvPr id="42" name="Rectangle 41">
-            <a:extLst>
-              <a:ext uri="{FF2B5EF4-FFF2-40B4-BE49-F238E27FC236}">
-                <a16:creationId xmlns:a16="http://schemas.microsoft.com/office/drawing/2014/main" id="{86396F6D-93B6-4C3C-9259-71D029EAA252}"/>
-              </a:ext>
-            </a:extLst>
-          </p:cNvPr>
-          <p:cNvSpPr/>
-          <p:nvPr/>
-        </p:nvSpPr>
-        <p:spPr>
-          <a:xfrm>
-            <a:off x="2447450" y="732845"/>
-            <a:ext cx="2711144" cy="457200"/>
-          </a:xfrm>
-          <a:prstGeom prst="rect">
-            <a:avLst/>
-          </a:prstGeom>
-        </p:spPr>
-        <p:style>
-          <a:lnRef idx="2">
-            <a:schemeClr val="accent1">
-              <a:shade val="15000"/>
-            </a:schemeClr>
-          </a:lnRef>
-          <a:fillRef idx="1">
-            <a:schemeClr val="accent1"/>
-          </a:fillRef>
-          <a:effectRef idx="0">
-            <a:schemeClr val="accent1"/>
-          </a:effectRef>
-          <a:fontRef idx="minor">
-            <a:schemeClr val="lt1"/>
-          </a:fontRef>
-        </p:style>
-        <p:txBody>
-          <a:bodyPr rtlCol="0" anchor="ctr"/>
-          <a:lstStyle/>
-          <a:p>
-            <a:pPr algn="ctr"/>
-            <a:r>
-              <a:rPr lang="en-IN" sz="1400" dirty="0"/>
-              <a:t>Input Skills </a:t>
-            </a:r>
-          </a:p>
-        </p:txBody>
-      </p:sp>
-      <p:sp>
-        <p:nvSpPr>
-          <p:cNvPr id="44" name="Arrow: Down 43">
-            <a:extLst>
-              <a:ext uri="{FF2B5EF4-FFF2-40B4-BE49-F238E27FC236}">
-                <a16:creationId xmlns:a16="http://schemas.microsoft.com/office/drawing/2014/main" id="{810EE341-3594-3B7B-528E-F4222073ACF8}"/>
-              </a:ext>
-            </a:extLst>
-          </p:cNvPr>
-          <p:cNvSpPr/>
-          <p:nvPr/>
-        </p:nvSpPr>
-        <p:spPr>
-          <a:xfrm>
-            <a:off x="3698175" y="4488617"/>
-            <a:ext cx="250910" cy="342185"/>
-          </a:xfrm>
-          <a:prstGeom prst="downArrow">
-            <a:avLst/>
-          </a:prstGeom>
-        </p:spPr>
-        <p:style>
-          <a:lnRef idx="2">
-            <a:schemeClr val="accent1">
-              <a:shade val="15000"/>
-            </a:schemeClr>
-          </a:lnRef>
-          <a:fillRef idx="1">
-            <a:schemeClr val="accent1"/>
-          </a:fillRef>
-          <a:effectRef idx="0">
-            <a:schemeClr val="accent1"/>
-          </a:effectRef>
-          <a:fontRef idx="minor">
-            <a:schemeClr val="lt1"/>
-          </a:fontRef>
-        </p:style>
-        <p:txBody>
-          <a:bodyPr rtlCol="0" anchor="ctr"/>
-          <a:lstStyle/>
-          <a:p>
-            <a:pPr algn="ctr"/>
-            <a:endParaRPr lang="en-IN"/>
-          </a:p>
-        </p:txBody>
-      </p:sp>
-      <p:cxnSp>
-        <p:nvCxnSpPr>
-          <p:cNvPr id="46" name="Connector: Elbow 45">
-            <a:extLst>
-              <a:ext uri="{FF2B5EF4-FFF2-40B4-BE49-F238E27FC236}">
-                <a16:creationId xmlns:a16="http://schemas.microsoft.com/office/drawing/2014/main" id="{EC1E07A4-FC5E-E164-E7ED-9CB8359BD028}"/>
-              </a:ext>
-            </a:extLst>
-          </p:cNvPr>
-          <p:cNvCxnSpPr>
-            <a:stCxn id="37" idx="2"/>
-            <a:endCxn id="25" idx="3"/>
-          </p:cNvCxnSpPr>
-          <p:nvPr/>
-        </p:nvCxnSpPr>
-        <p:spPr>
-          <a:xfrm rot="5400000">
-            <a:off x="7642326" y="4827051"/>
-            <a:ext cx="585810" cy="271648"/>
-          </a:xfrm>
-          <a:prstGeom prst="bentConnector2">
-            <a:avLst/>
-          </a:prstGeom>
-          <a:ln>
-            <a:tailEnd type="triangle"/>
-          </a:ln>
-        </p:spPr>
-        <p:style>
-          <a:lnRef idx="1">
-            <a:schemeClr val="accent1"/>
-          </a:lnRef>
-          <a:fillRef idx="0">
-            <a:schemeClr val="accent1"/>
-          </a:fillRef>
-          <a:effectRef idx="0">
-            <a:schemeClr val="accent1"/>
-          </a:effectRef>
-          <a:fontRef idx="minor">
-            <a:schemeClr val="tx1"/>
-          </a:fontRef>
-        </p:style>
-      </p:cxnSp>
+              <a:t>CRISP Alignment</a:t>
+            </a:r>
+          </a:p>
+        </p:txBody>
+      </p:sp>
     </p:spTree>
     <p:extLst>
       <p:ext uri="{BB962C8B-B14F-4D97-AF65-F5344CB8AC3E}">
@@ -3915,7 +2727,7 @@
           <p:cNvPr id="2" name="Title 1">
             <a:extLst>
               <a:ext uri="{FF2B5EF4-FFF2-40B4-BE49-F238E27FC236}">
-                <a16:creationId xmlns:a16="http://schemas.microsoft.com/office/drawing/2014/main" id="{115D56CF-151C-125F-3E7E-53B85C38BD35}"/>
+                <a16:creationId xmlns:a16="http://schemas.microsoft.com/office/drawing/2014/main" id="{03955788-901F-38AA-CF62-05A8B30CA672}"/>
               </a:ext>
             </a:extLst>
           </p:cNvPr>
@@ -3929,7 +2741,7 @@
         <p:spPr>
           <a:xfrm>
             <a:off x="258572" y="264921"/>
-            <a:ext cx="8626855" cy="369332"/>
+            <a:ext cx="8626855" cy="430887"/>
           </a:xfrm>
         </p:spPr>
         <p:txBody>
@@ -3937,596 +2749,117 @@
           <a:lstStyle/>
           <a:p>
             <a:r>
-              <a:rPr lang="en-IN" dirty="0"/>
-              <a:t>Training Data </a:t>
-            </a:r>
-          </a:p>
-        </p:txBody>
-      </p:sp>
-      <p:sp>
-        <p:nvSpPr>
-          <p:cNvPr id="4" name="Rectangle: Rounded Corners 3">
+              <a:rPr lang="en-IN" sz="2800" i="1" dirty="0">
+                <a:solidFill>
+                  <a:schemeClr val="tx1"/>
+                </a:solidFill>
+                <a:latin typeface="Canada"/>
+              </a:rPr>
+              <a:t>Thank You </a:t>
+            </a:r>
+          </a:p>
+        </p:txBody>
+      </p:sp>
+      <p:sp>
+        <p:nvSpPr>
+          <p:cNvPr id="3" name="Text Placeholder 2">
             <a:extLst>
               <a:ext uri="{FF2B5EF4-FFF2-40B4-BE49-F238E27FC236}">
-                <a16:creationId xmlns:a16="http://schemas.microsoft.com/office/drawing/2014/main" id="{2C78DC3A-A333-9561-32A5-A3F963D9C6D5}"/>
+                <a16:creationId xmlns:a16="http://schemas.microsoft.com/office/drawing/2014/main" id="{349D6091-48FF-0ED9-5D45-34CBC04E0E9A}"/>
               </a:ext>
             </a:extLst>
           </p:cNvPr>
-          <p:cNvSpPr/>
-          <p:nvPr/>
-        </p:nvSpPr>
-        <p:spPr>
-          <a:xfrm>
-            <a:off x="1752600" y="838200"/>
-            <a:ext cx="4953000" cy="990600"/>
-          </a:xfrm>
-          <a:prstGeom prst="roundRect">
-            <a:avLst/>
-          </a:prstGeom>
-        </p:spPr>
-        <p:style>
-          <a:lnRef idx="3">
-            <a:schemeClr val="lt1"/>
-          </a:lnRef>
-          <a:fillRef idx="1">
-            <a:schemeClr val="accent3"/>
-          </a:fillRef>
-          <a:effectRef idx="1">
-            <a:schemeClr val="accent3"/>
-          </a:effectRef>
-          <a:fontRef idx="minor">
-            <a:schemeClr val="lt1"/>
-          </a:fontRef>
-        </p:style>
-        <p:txBody>
-          <a:bodyPr rtlCol="0" anchor="ctr"/>
+          <p:cNvSpPr>
+            <a:spLocks noGrp="1"/>
+          </p:cNvSpPr>
+          <p:nvPr>
+            <p:ph type="body" idx="1"/>
+          </p:nvPr>
+        </p:nvSpPr>
+        <p:spPr/>
+        <p:txBody>
+          <a:bodyPr/>
           <a:lstStyle/>
           <a:p>
-            <a:pPr algn="ctr"/>
-            <a:r>
-              <a:rPr lang="en-IN" dirty="0"/>
-              <a:t>Collect Resumes for the Preparation of Data</a:t>
-            </a:r>
-          </a:p>
-        </p:txBody>
-      </p:sp>
-      <p:sp>
-        <p:nvSpPr>
-          <p:cNvPr id="5" name="Rectangle: Rounded Corners 4">
+            <a:endParaRPr lang="en-IN" dirty="0"/>
+          </a:p>
+        </p:txBody>
+      </p:sp>
+      <p:pic>
+        <p:nvPicPr>
+          <p:cNvPr id="5" name="Picture 4">
             <a:extLst>
               <a:ext uri="{FF2B5EF4-FFF2-40B4-BE49-F238E27FC236}">
-                <a16:creationId xmlns:a16="http://schemas.microsoft.com/office/drawing/2014/main" id="{4F6C5F1D-4C0C-270E-1BE5-DA51D3D61BE1}"/>
+                <a16:creationId xmlns:a16="http://schemas.microsoft.com/office/drawing/2014/main" id="{BADE3CCA-F08A-A35B-7BB4-D10716EDBEE1}"/>
               </a:ext>
             </a:extLst>
           </p:cNvPr>
-          <p:cNvSpPr/>
+          <p:cNvPicPr>
+            <a:picLocks noChangeAspect="1"/>
+          </p:cNvPicPr>
           <p:nvPr/>
-        </p:nvSpPr>
-        <p:spPr>
-          <a:xfrm>
-            <a:off x="342900" y="2209800"/>
-            <a:ext cx="7772400" cy="838200"/>
-          </a:xfrm>
-          <a:prstGeom prst="roundRect">
+        </p:nvPicPr>
+        <p:blipFill>
+          <a:blip r:embed="rId2">
+            <a:extLst>
+              <a:ext uri="{28A0092B-C50C-407E-A947-70E740481C1C}">
+                <a14:useLocalDpi xmlns:a14="http://schemas.microsoft.com/office/drawing/2010/main" val="0"/>
+              </a:ext>
+            </a:extLst>
+          </a:blip>
+          <a:stretch>
+            <a:fillRect/>
+          </a:stretch>
+        </p:blipFill>
+        <p:spPr>
+          <a:xfrm>
+            <a:off x="381001" y="1524000"/>
+            <a:ext cx="8504426" cy="4038600"/>
+          </a:xfrm>
+          <a:prstGeom prst="rect">
             <a:avLst/>
           </a:prstGeom>
         </p:spPr>
-        <p:style>
-          <a:lnRef idx="2">
-            <a:schemeClr val="accent6">
-              <a:shade val="15000"/>
-            </a:schemeClr>
-          </a:lnRef>
-          <a:fillRef idx="1">
-            <a:schemeClr val="accent6"/>
-          </a:fillRef>
-          <a:effectRef idx="0">
-            <a:schemeClr val="accent6"/>
-          </a:effectRef>
-          <a:fontRef idx="minor">
-            <a:schemeClr val="lt1"/>
-          </a:fontRef>
-        </p:style>
-        <p:txBody>
-          <a:bodyPr rtlCol="0" anchor="ctr"/>
-          <a:lstStyle/>
-          <a:p>
-            <a:pPr algn="ctr"/>
-            <a:r>
-              <a:rPr lang="en-IN" sz="2800" dirty="0"/>
-              <a:t>     Data Preprocessing </a:t>
-            </a:r>
-          </a:p>
-        </p:txBody>
-      </p:sp>
-      <p:sp>
-        <p:nvSpPr>
-          <p:cNvPr id="6" name="Rectangle: Rounded Corners 5">
+      </p:pic>
+      <p:sp>
+        <p:nvSpPr>
+          <p:cNvPr id="6" name="TextBox 5">
             <a:extLst>
               <a:ext uri="{FF2B5EF4-FFF2-40B4-BE49-F238E27FC236}">
-                <a16:creationId xmlns:a16="http://schemas.microsoft.com/office/drawing/2014/main" id="{2AADD125-CB43-B697-A589-E13F1AE052AD}"/>
+                <a16:creationId xmlns:a16="http://schemas.microsoft.com/office/drawing/2014/main" id="{75C14D11-43C0-068A-BDB0-CFE86F308259}"/>
               </a:ext>
             </a:extLst>
           </p:cNvPr>
-          <p:cNvSpPr/>
+          <p:cNvSpPr txBox="1"/>
           <p:nvPr/>
         </p:nvSpPr>
         <p:spPr>
           <a:xfrm>
-            <a:off x="340442" y="3077497"/>
-            <a:ext cx="1564558" cy="732504"/>
-          </a:xfrm>
-          <a:prstGeom prst="roundRect">
+            <a:off x="7620000" y="6180264"/>
+            <a:ext cx="1981200" cy="215444"/>
+          </a:xfrm>
+          <a:prstGeom prst="rect">
             <a:avLst/>
           </a:prstGeom>
-        </p:spPr>
-        <p:style>
-          <a:lnRef idx="2">
-            <a:schemeClr val="accent1">
-              <a:shade val="15000"/>
-            </a:schemeClr>
-          </a:lnRef>
-          <a:fillRef idx="1">
-            <a:schemeClr val="accent1"/>
-          </a:fillRef>
-          <a:effectRef idx="0">
-            <a:schemeClr val="accent1"/>
-          </a:effectRef>
-          <a:fontRef idx="minor">
-            <a:schemeClr val="lt1"/>
-          </a:fontRef>
-        </p:style>
-        <p:txBody>
-          <a:bodyPr rtlCol="0" anchor="ctr"/>
+          <a:noFill/>
+        </p:spPr>
+        <p:txBody>
+          <a:bodyPr wrap="square" rtlCol="0">
+            <a:spAutoFit/>
+          </a:bodyPr>
           <a:lstStyle/>
           <a:p>
-            <a:pPr algn="ctr"/>
-            <a:r>
-              <a:rPr lang="en-IN" dirty="0"/>
-              <a:t>Read the CSV</a:t>
-            </a:r>
-          </a:p>
-        </p:txBody>
-      </p:sp>
-      <p:sp>
-        <p:nvSpPr>
-          <p:cNvPr id="8" name="Rectangle: Rounded Corners 7">
-            <a:extLst>
-              <a:ext uri="{FF2B5EF4-FFF2-40B4-BE49-F238E27FC236}">
-                <a16:creationId xmlns:a16="http://schemas.microsoft.com/office/drawing/2014/main" id="{3E2E24B3-D4ED-C95A-D94E-9BBB08D1178E}"/>
-              </a:ext>
-            </a:extLst>
-          </p:cNvPr>
-          <p:cNvSpPr/>
-          <p:nvPr/>
-        </p:nvSpPr>
-        <p:spPr>
-          <a:xfrm>
-            <a:off x="1905000" y="3077497"/>
-            <a:ext cx="1943100" cy="732504"/>
-          </a:xfrm>
-          <a:prstGeom prst="roundRect">
-            <a:avLst/>
-          </a:prstGeom>
-        </p:spPr>
-        <p:style>
-          <a:lnRef idx="2">
-            <a:schemeClr val="accent1">
-              <a:shade val="15000"/>
-            </a:schemeClr>
-          </a:lnRef>
-          <a:fillRef idx="1">
-            <a:schemeClr val="accent1"/>
-          </a:fillRef>
-          <a:effectRef idx="0">
-            <a:schemeClr val="accent1"/>
-          </a:effectRef>
-          <a:fontRef idx="minor">
-            <a:schemeClr val="lt1"/>
-          </a:fontRef>
-        </p:style>
-        <p:txBody>
-          <a:bodyPr rtlCol="0" anchor="ctr"/>
-          <a:lstStyle/>
-          <a:p>
-            <a:pPr algn="ctr"/>
-            <a:r>
-              <a:rPr lang="en-IN" dirty="0"/>
-              <a:t>Remove the Punctuations </a:t>
-            </a:r>
-          </a:p>
-        </p:txBody>
-      </p:sp>
-      <p:sp>
-        <p:nvSpPr>
-          <p:cNvPr id="9" name="Rectangle: Rounded Corners 8">
-            <a:extLst>
-              <a:ext uri="{FF2B5EF4-FFF2-40B4-BE49-F238E27FC236}">
-                <a16:creationId xmlns:a16="http://schemas.microsoft.com/office/drawing/2014/main" id="{7EAA2BFA-AC3C-12E0-8F5C-D60E1AF22C34}"/>
-              </a:ext>
-            </a:extLst>
-          </p:cNvPr>
-          <p:cNvSpPr/>
-          <p:nvPr/>
-        </p:nvSpPr>
-        <p:spPr>
-          <a:xfrm>
-            <a:off x="3848100" y="3079955"/>
-            <a:ext cx="2321642" cy="732504"/>
-          </a:xfrm>
-          <a:prstGeom prst="roundRect">
-            <a:avLst/>
-          </a:prstGeom>
-        </p:spPr>
-        <p:style>
-          <a:lnRef idx="2">
-            <a:schemeClr val="accent1">
-              <a:shade val="15000"/>
-            </a:schemeClr>
-          </a:lnRef>
-          <a:fillRef idx="1">
-            <a:schemeClr val="accent1"/>
-          </a:fillRef>
-          <a:effectRef idx="0">
-            <a:schemeClr val="accent1"/>
-          </a:effectRef>
-          <a:fontRef idx="minor">
-            <a:schemeClr val="lt1"/>
-          </a:fontRef>
-        </p:style>
-        <p:txBody>
-          <a:bodyPr rtlCol="0" anchor="ctr"/>
-          <a:lstStyle/>
-          <a:p>
-            <a:pPr algn="ctr"/>
-            <a:r>
-              <a:rPr lang="en-IN" sz="1400" dirty="0"/>
-              <a:t>Remove the Stop Words and conversion to Root Words</a:t>
-            </a:r>
-          </a:p>
-        </p:txBody>
-      </p:sp>
-      <p:sp>
-        <p:nvSpPr>
-          <p:cNvPr id="10" name="Rectangle: Rounded Corners 9">
-            <a:extLst>
-              <a:ext uri="{FF2B5EF4-FFF2-40B4-BE49-F238E27FC236}">
-                <a16:creationId xmlns:a16="http://schemas.microsoft.com/office/drawing/2014/main" id="{42674BC2-9271-C322-E13B-6B69E3AFC6F0}"/>
-              </a:ext>
-            </a:extLst>
-          </p:cNvPr>
-          <p:cNvSpPr/>
-          <p:nvPr/>
-        </p:nvSpPr>
-        <p:spPr>
-          <a:xfrm>
-            <a:off x="6169742" y="3062747"/>
-            <a:ext cx="1943100" cy="747253"/>
-          </a:xfrm>
-          <a:prstGeom prst="roundRect">
-            <a:avLst/>
-          </a:prstGeom>
-        </p:spPr>
-        <p:style>
-          <a:lnRef idx="2">
-            <a:schemeClr val="accent1">
-              <a:shade val="15000"/>
-            </a:schemeClr>
-          </a:lnRef>
-          <a:fillRef idx="1">
-            <a:schemeClr val="accent1"/>
-          </a:fillRef>
-          <a:effectRef idx="0">
-            <a:schemeClr val="accent1"/>
-          </a:effectRef>
-          <a:fontRef idx="minor">
-            <a:schemeClr val="lt1"/>
-          </a:fontRef>
-        </p:style>
-        <p:txBody>
-          <a:bodyPr rtlCol="0" anchor="ctr"/>
-          <a:lstStyle/>
-          <a:p>
-            <a:pPr algn="ctr"/>
-            <a:r>
-              <a:rPr lang="en-IN" dirty="0"/>
-              <a:t>Remove extra spaces and Lines </a:t>
-            </a:r>
-          </a:p>
-        </p:txBody>
-      </p:sp>
-      <p:sp>
-        <p:nvSpPr>
-          <p:cNvPr id="11" name="Rectangle: Rounded Corners 10">
-            <a:extLst>
-              <a:ext uri="{FF2B5EF4-FFF2-40B4-BE49-F238E27FC236}">
-                <a16:creationId xmlns:a16="http://schemas.microsoft.com/office/drawing/2014/main" id="{3F25187E-E3FB-124C-44E4-B1B56EC35C7E}"/>
-              </a:ext>
-            </a:extLst>
-          </p:cNvPr>
-          <p:cNvSpPr/>
-          <p:nvPr/>
-        </p:nvSpPr>
-        <p:spPr>
-          <a:xfrm>
-            <a:off x="342900" y="4204447"/>
-            <a:ext cx="7772400" cy="838200"/>
-          </a:xfrm>
-          <a:prstGeom prst="roundRect">
-            <a:avLst/>
-          </a:prstGeom>
-        </p:spPr>
-        <p:style>
-          <a:lnRef idx="2">
-            <a:schemeClr val="accent6">
-              <a:shade val="15000"/>
-            </a:schemeClr>
-          </a:lnRef>
-          <a:fillRef idx="1">
-            <a:schemeClr val="accent6"/>
-          </a:fillRef>
-          <a:effectRef idx="0">
-            <a:schemeClr val="accent6"/>
-          </a:effectRef>
-          <a:fontRef idx="minor">
-            <a:schemeClr val="lt1"/>
-          </a:fontRef>
-        </p:style>
-        <p:txBody>
-          <a:bodyPr rtlCol="0" anchor="ctr"/>
-          <a:lstStyle/>
-          <a:p>
-            <a:pPr algn="ctr"/>
-            <a:r>
-              <a:rPr lang="en-IN" sz="2800" dirty="0"/>
-              <a:t>     Training Data</a:t>
-            </a:r>
-          </a:p>
-        </p:txBody>
-      </p:sp>
-      <p:sp>
-        <p:nvSpPr>
-          <p:cNvPr id="15" name="Rectangle: Rounded Corners 14">
-            <a:extLst>
-              <a:ext uri="{FF2B5EF4-FFF2-40B4-BE49-F238E27FC236}">
-                <a16:creationId xmlns:a16="http://schemas.microsoft.com/office/drawing/2014/main" id="{551668FE-9B7C-8D75-4FB7-DA0A7609A18D}"/>
-              </a:ext>
-            </a:extLst>
-          </p:cNvPr>
-          <p:cNvSpPr/>
-          <p:nvPr/>
-        </p:nvSpPr>
-        <p:spPr>
-          <a:xfrm>
-            <a:off x="340442" y="5042647"/>
-            <a:ext cx="1869358" cy="732504"/>
-          </a:xfrm>
-          <a:prstGeom prst="roundRect">
-            <a:avLst/>
-          </a:prstGeom>
-        </p:spPr>
-        <p:style>
-          <a:lnRef idx="2">
-            <a:schemeClr val="accent1">
-              <a:shade val="15000"/>
-            </a:schemeClr>
-          </a:lnRef>
-          <a:fillRef idx="1">
-            <a:schemeClr val="accent1"/>
-          </a:fillRef>
-          <a:effectRef idx="0">
-            <a:schemeClr val="accent1"/>
-          </a:effectRef>
-          <a:fontRef idx="minor">
-            <a:schemeClr val="lt1"/>
-          </a:fontRef>
-        </p:style>
-        <p:txBody>
-          <a:bodyPr rtlCol="0" anchor="ctr"/>
-          <a:lstStyle/>
-          <a:p>
-            <a:pPr algn="ctr"/>
-            <a:r>
-              <a:rPr lang="en-IN" dirty="0"/>
-              <a:t>Data Preparation with Labels </a:t>
-            </a:r>
-          </a:p>
-        </p:txBody>
-      </p:sp>
-      <p:sp>
-        <p:nvSpPr>
-          <p:cNvPr id="16" name="Rectangle: Rounded Corners 15">
-            <a:extLst>
-              <a:ext uri="{FF2B5EF4-FFF2-40B4-BE49-F238E27FC236}">
-                <a16:creationId xmlns:a16="http://schemas.microsoft.com/office/drawing/2014/main" id="{C25188F4-DEF1-5DFE-B568-9B2F9EA33988}"/>
-              </a:ext>
-            </a:extLst>
-          </p:cNvPr>
-          <p:cNvSpPr/>
-          <p:nvPr/>
-        </p:nvSpPr>
-        <p:spPr>
-          <a:xfrm>
-            <a:off x="2209800" y="5068383"/>
-            <a:ext cx="3810000" cy="706768"/>
-          </a:xfrm>
-          <a:prstGeom prst="roundRect">
-            <a:avLst/>
-          </a:prstGeom>
-        </p:spPr>
-        <p:style>
-          <a:lnRef idx="2">
-            <a:schemeClr val="accent1">
-              <a:shade val="15000"/>
-            </a:schemeClr>
-          </a:lnRef>
-          <a:fillRef idx="1">
-            <a:schemeClr val="accent1"/>
-          </a:fillRef>
-          <a:effectRef idx="0">
-            <a:schemeClr val="accent1"/>
-          </a:effectRef>
-          <a:fontRef idx="minor">
-            <a:schemeClr val="lt1"/>
-          </a:fontRef>
-        </p:style>
-        <p:txBody>
-          <a:bodyPr rtlCol="0" anchor="ctr"/>
-          <a:lstStyle/>
-          <a:p>
-            <a:pPr algn="ctr"/>
-            <a:r>
-              <a:rPr lang="en-IN" dirty="0"/>
-              <a:t>Creating file with Parameters</a:t>
-            </a:r>
-          </a:p>
-        </p:txBody>
-      </p:sp>
-      <p:sp>
-        <p:nvSpPr>
-          <p:cNvPr id="17" name="Rectangle: Rounded Corners 16">
-            <a:extLst>
-              <a:ext uri="{FF2B5EF4-FFF2-40B4-BE49-F238E27FC236}">
-                <a16:creationId xmlns:a16="http://schemas.microsoft.com/office/drawing/2014/main" id="{88F324A2-44D8-1222-9A03-7CB543050BB4}"/>
-              </a:ext>
-            </a:extLst>
-          </p:cNvPr>
-          <p:cNvSpPr/>
-          <p:nvPr/>
-        </p:nvSpPr>
-        <p:spPr>
-          <a:xfrm>
-            <a:off x="6019800" y="5042647"/>
-            <a:ext cx="2093042" cy="732504"/>
-          </a:xfrm>
-          <a:prstGeom prst="roundRect">
-            <a:avLst/>
-          </a:prstGeom>
-        </p:spPr>
-        <p:style>
-          <a:lnRef idx="2">
-            <a:schemeClr val="accent1">
-              <a:shade val="15000"/>
-            </a:schemeClr>
-          </a:lnRef>
-          <a:fillRef idx="1">
-            <a:schemeClr val="accent1"/>
-          </a:fillRef>
-          <a:effectRef idx="0">
-            <a:schemeClr val="accent1"/>
-          </a:effectRef>
-          <a:fontRef idx="minor">
-            <a:schemeClr val="lt1"/>
-          </a:fontRef>
-        </p:style>
-        <p:txBody>
-          <a:bodyPr rtlCol="0" anchor="ctr"/>
-          <a:lstStyle/>
-          <a:p>
-            <a:pPr algn="ctr"/>
-            <a:r>
-              <a:rPr lang="en-IN" dirty="0"/>
-              <a:t>Training Data</a:t>
-            </a:r>
-          </a:p>
-        </p:txBody>
-      </p:sp>
-      <p:sp>
-        <p:nvSpPr>
-          <p:cNvPr id="18" name="Arrow: Down 17">
-            <a:extLst>
-              <a:ext uri="{FF2B5EF4-FFF2-40B4-BE49-F238E27FC236}">
-                <a16:creationId xmlns:a16="http://schemas.microsoft.com/office/drawing/2014/main" id="{A490C12F-60AD-2DBB-3F5A-6FA7784922E8}"/>
-              </a:ext>
-            </a:extLst>
-          </p:cNvPr>
-          <p:cNvSpPr/>
-          <p:nvPr/>
-        </p:nvSpPr>
-        <p:spPr>
-          <a:xfrm>
-            <a:off x="3848100" y="1828800"/>
-            <a:ext cx="342900" cy="685800"/>
-          </a:xfrm>
-          <a:prstGeom prst="downArrow">
-            <a:avLst/>
-          </a:prstGeom>
-        </p:spPr>
-        <p:style>
-          <a:lnRef idx="2">
-            <a:schemeClr val="accent1">
-              <a:shade val="15000"/>
-            </a:schemeClr>
-          </a:lnRef>
-          <a:fillRef idx="1">
-            <a:schemeClr val="accent1"/>
-          </a:fillRef>
-          <a:effectRef idx="0">
-            <a:schemeClr val="accent1"/>
-          </a:effectRef>
-          <a:fontRef idx="minor">
-            <a:schemeClr val="lt1"/>
-          </a:fontRef>
-        </p:style>
-        <p:txBody>
-          <a:bodyPr rtlCol="0" anchor="ctr"/>
-          <a:lstStyle/>
-          <a:p>
-            <a:pPr algn="ctr"/>
-            <a:endParaRPr lang="en-IN"/>
-          </a:p>
-        </p:txBody>
-      </p:sp>
-      <p:sp>
-        <p:nvSpPr>
-          <p:cNvPr id="19" name="Arrow: Down 18">
-            <a:extLst>
-              <a:ext uri="{FF2B5EF4-FFF2-40B4-BE49-F238E27FC236}">
-                <a16:creationId xmlns:a16="http://schemas.microsoft.com/office/drawing/2014/main" id="{B94AF21C-F73C-68B1-0BFE-05D42F9570D6}"/>
-              </a:ext>
-            </a:extLst>
-          </p:cNvPr>
-          <p:cNvSpPr/>
-          <p:nvPr/>
-        </p:nvSpPr>
-        <p:spPr>
-          <a:xfrm>
-            <a:off x="3848100" y="3859089"/>
-            <a:ext cx="342900" cy="685800"/>
-          </a:xfrm>
-          <a:prstGeom prst="downArrow">
-            <a:avLst/>
-          </a:prstGeom>
-        </p:spPr>
-        <p:style>
-          <a:lnRef idx="2">
-            <a:schemeClr val="accent1">
-              <a:shade val="15000"/>
-            </a:schemeClr>
-          </a:lnRef>
-          <a:fillRef idx="1">
-            <a:schemeClr val="accent1"/>
-          </a:fillRef>
-          <a:effectRef idx="0">
-            <a:schemeClr val="accent1"/>
-          </a:effectRef>
-          <a:fontRef idx="minor">
-            <a:schemeClr val="lt1"/>
-          </a:fontRef>
-        </p:style>
-        <p:txBody>
-          <a:bodyPr rtlCol="0" anchor="ctr"/>
-          <a:lstStyle/>
-          <a:p>
-            <a:pPr algn="ctr"/>
-            <a:endParaRPr lang="en-IN"/>
+            <a:r>
+              <a:rPr lang="en-IN" sz="800" dirty="0"/>
+              <a:t>Image Source :ladybird.beauty</a:t>
+            </a:r>
           </a:p>
         </p:txBody>
       </p:sp>
     </p:spTree>
     <p:extLst>
       <p:ext uri="{BB962C8B-B14F-4D97-AF65-F5344CB8AC3E}">
-        <p14:creationId xmlns:p14="http://schemas.microsoft.com/office/powerpoint/2010/main" val="3164210366"/>
+        <p14:creationId xmlns:p14="http://schemas.microsoft.com/office/powerpoint/2010/main" val="2499559915"/>
       </p:ext>
     </p:extLst>
   </p:cSld>
@@ -4555,47 +2888,139 @@
       </p:grpSpPr>
       <p:sp>
         <p:nvSpPr>
-          <p:cNvPr id="6" name="Rectangle: Rounded Corners 5">
+          <p:cNvPr id="2" name="Title 1">
             <a:extLst>
               <a:ext uri="{FF2B5EF4-FFF2-40B4-BE49-F238E27FC236}">
-                <a16:creationId xmlns:a16="http://schemas.microsoft.com/office/drawing/2014/main" id="{90CC1204-206D-AD77-4D07-B0E657C10113}"/>
+                <a16:creationId xmlns:a16="http://schemas.microsoft.com/office/drawing/2014/main" id="{53AE150B-405F-E3C9-AB7A-424976755E65}"/>
               </a:ext>
             </a:extLst>
           </p:cNvPr>
-          <p:cNvSpPr/>
+          <p:cNvSpPr>
+            <a:spLocks noGrp="1"/>
+          </p:cNvSpPr>
+          <p:nvPr>
+            <p:ph type="title"/>
+          </p:nvPr>
+        </p:nvSpPr>
+        <p:spPr>
+          <a:xfrm>
+            <a:off x="258572" y="264921"/>
+            <a:ext cx="8626855" cy="369332"/>
+          </a:xfrm>
+        </p:spPr>
+        <p:txBody>
+          <a:bodyPr/>
+          <a:lstStyle/>
+          <a:p>
+            <a:r>
+              <a:rPr lang="en-IN" dirty="0"/>
+              <a:t>Annexure </a:t>
+            </a:r>
+          </a:p>
+        </p:txBody>
+      </p:sp>
+      <p:sp>
+        <p:nvSpPr>
+          <p:cNvPr id="3" name="TextBox 2">
+            <a:extLst>
+              <a:ext uri="{FF2B5EF4-FFF2-40B4-BE49-F238E27FC236}">
+                <a16:creationId xmlns:a16="http://schemas.microsoft.com/office/drawing/2014/main" id="{945204EE-0506-616E-330A-E698FCA12744}"/>
+              </a:ext>
+            </a:extLst>
+          </p:cNvPr>
+          <p:cNvSpPr txBox="1"/>
           <p:nvPr/>
         </p:nvSpPr>
         <p:spPr>
           <a:xfrm>
-            <a:off x="1295400" y="1905000"/>
-            <a:ext cx="6400800" cy="2971800"/>
-          </a:xfrm>
-          <a:prstGeom prst="roundRect">
+            <a:off x="381000" y="908824"/>
+            <a:ext cx="7315200" cy="3693319"/>
+          </a:xfrm>
+          <a:prstGeom prst="rect">
             <a:avLst/>
           </a:prstGeom>
-        </p:spPr>
-        <p:style>
-          <a:lnRef idx="1">
-            <a:schemeClr val="accent1"/>
-          </a:lnRef>
-          <a:fillRef idx="2">
-            <a:schemeClr val="accent1"/>
-          </a:fillRef>
-          <a:effectRef idx="1">
-            <a:schemeClr val="accent1"/>
-          </a:effectRef>
-          <a:fontRef idx="minor">
-            <a:schemeClr val="dk1"/>
-          </a:fontRef>
-        </p:style>
-        <p:txBody>
-          <a:bodyPr rtlCol="0" anchor="ctr"/>
+          <a:noFill/>
+        </p:spPr>
+        <p:txBody>
+          <a:bodyPr wrap="square" rtlCol="0">
+            <a:spAutoFit/>
+          </a:bodyPr>
           <a:lstStyle/>
           <a:p>
-            <a:pPr algn="ctr"/>
-            <a:r>
-              <a:rPr lang="en-IN" sz="4800" dirty="0"/>
-              <a:t>CODE EXPLANATION</a:t>
+            <a:r>
+              <a:rPr lang="en-US" dirty="0"/>
+              <a:t>GitHub Link : </a:t>
+            </a:r>
+            <a:r>
+              <a:rPr lang="en-US" dirty="0">
+                <a:hlinkClick r:id="rId2"/>
+              </a:rPr>
+              <a:t>https://github.com/anirudhyadav/ISBG4FP1</a:t>
+            </a:r>
+            <a:r>
+              <a:rPr lang="en-US" dirty="0"/>
+              <a:t> </a:t>
+            </a:r>
+          </a:p>
+          <a:p>
+            <a:endParaRPr lang="en-US" dirty="0"/>
+          </a:p>
+          <a:p>
+            <a:endParaRPr lang="en-US" dirty="0"/>
+          </a:p>
+          <a:p>
+            <a:endParaRPr lang="en-US" dirty="0"/>
+          </a:p>
+          <a:p>
+            <a:r>
+              <a:rPr lang="en-US" dirty="0"/>
+              <a:t>Dataset used during FP1:</a:t>
+            </a:r>
+          </a:p>
+          <a:p>
+            <a:endParaRPr lang="en-US" dirty="0"/>
+          </a:p>
+          <a:p>
+            <a:r>
+              <a:rPr lang="en-US" dirty="0" err="1"/>
+              <a:t>complete_jd_data.csv</a:t>
+            </a:r>
+            <a:r>
+              <a:rPr lang="en-US" dirty="0"/>
+              <a:t> : Master dataset from Job portals</a:t>
+            </a:r>
+          </a:p>
+          <a:p>
+            <a:r>
+              <a:rPr lang="en-US" dirty="0" err="1"/>
+              <a:t>ResumeValidator-ResumeData.csv</a:t>
+            </a:r>
+            <a:r>
+              <a:rPr lang="en-US" dirty="0"/>
+              <a:t> : Input profiles for mapping</a:t>
+            </a:r>
+          </a:p>
+          <a:p>
+            <a:endParaRPr lang="en-US" dirty="0"/>
+          </a:p>
+          <a:p>
+            <a:endParaRPr lang="en-US" dirty="0"/>
+          </a:p>
+          <a:p>
+            <a:endParaRPr lang="en-US" dirty="0"/>
+          </a:p>
+          <a:p>
+            <a:r>
+              <a:rPr lang="en-US" dirty="0"/>
+              <a:t>All code files are placed on </a:t>
+            </a:r>
+            <a:r>
+              <a:rPr lang="en-US" dirty="0" err="1"/>
+              <a:t>github</a:t>
+            </a:r>
+            <a:r>
+              <a:rPr lang="en-US" dirty="0"/>
+              <a:t>, and files are sequenced as prefixed with step 1-4.</a:t>
             </a:r>
           </a:p>
         </p:txBody>
@@ -4603,95 +3028,7 @@
     </p:spTree>
     <p:extLst>
       <p:ext uri="{BB962C8B-B14F-4D97-AF65-F5344CB8AC3E}">
-        <p14:creationId xmlns:p14="http://schemas.microsoft.com/office/powerpoint/2010/main" val="4228588021"/>
-      </p:ext>
-    </p:extLst>
-  </p:cSld>
-  <p:clrMapOvr>
-    <a:masterClrMapping/>
-  </p:clrMapOvr>
-</p:sld>
-</file>
-
-<file path=ppt/slides/slide9.xml><?xml version="1.0" encoding="utf-8"?>
-<p:sld xmlns:a="http://schemas.openxmlformats.org/drawingml/2006/main" xmlns:r="http://schemas.openxmlformats.org/officeDocument/2006/relationships" xmlns:p="http://schemas.openxmlformats.org/presentationml/2006/main">
-  <p:cSld>
-    <p:spTree>
-      <p:nvGrpSpPr>
-        <p:cNvPr id="1" name=""/>
-        <p:cNvGrpSpPr/>
-        <p:nvPr/>
-      </p:nvGrpSpPr>
-      <p:grpSpPr>
-        <a:xfrm>
-          <a:off x="0" y="0"/>
-          <a:ext cx="0" cy="0"/>
-          <a:chOff x="0" y="0"/>
-          <a:chExt cx="0" cy="0"/>
-        </a:xfrm>
-      </p:grpSpPr>
-      <p:sp>
-        <p:nvSpPr>
-          <p:cNvPr id="2" name="Title 1">
-            <a:extLst>
-              <a:ext uri="{FF2B5EF4-FFF2-40B4-BE49-F238E27FC236}">
-                <a16:creationId xmlns:a16="http://schemas.microsoft.com/office/drawing/2014/main" id="{6E123811-C17A-464C-4EC6-EA3C940DFF8A}"/>
-              </a:ext>
-            </a:extLst>
-          </p:cNvPr>
-          <p:cNvSpPr>
-            <a:spLocks noGrp="1"/>
-          </p:cNvSpPr>
-          <p:nvPr>
-            <p:ph type="title"/>
-          </p:nvPr>
-        </p:nvSpPr>
-        <p:spPr>
-          <a:xfrm>
-            <a:off x="258572" y="264921"/>
-            <a:ext cx="8626855" cy="369332"/>
-          </a:xfrm>
-        </p:spPr>
-        <p:txBody>
-          <a:bodyPr/>
-          <a:lstStyle/>
-          <a:p>
-            <a:r>
-              <a:rPr lang="en-IN" dirty="0"/>
-              <a:t>Model Evolution</a:t>
-            </a:r>
-          </a:p>
-        </p:txBody>
-      </p:sp>
-      <p:sp>
-        <p:nvSpPr>
-          <p:cNvPr id="3" name="Text Placeholder 2">
-            <a:extLst>
-              <a:ext uri="{FF2B5EF4-FFF2-40B4-BE49-F238E27FC236}">
-                <a16:creationId xmlns:a16="http://schemas.microsoft.com/office/drawing/2014/main" id="{5E68CF78-36B1-1BD3-6EC6-236F8D534C28}"/>
-              </a:ext>
-            </a:extLst>
-          </p:cNvPr>
-          <p:cNvSpPr>
-            <a:spLocks noGrp="1"/>
-          </p:cNvSpPr>
-          <p:nvPr>
-            <p:ph type="body" idx="1"/>
-          </p:nvPr>
-        </p:nvSpPr>
-        <p:spPr/>
-        <p:txBody>
-          <a:bodyPr/>
-          <a:lstStyle/>
-          <a:p>
-            <a:endParaRPr lang="en-IN"/>
-          </a:p>
-        </p:txBody>
-      </p:sp>
-    </p:spTree>
-    <p:extLst>
-      <p:ext uri="{BB962C8B-B14F-4D97-AF65-F5344CB8AC3E}">
-        <p14:creationId xmlns:p14="http://schemas.microsoft.com/office/powerpoint/2010/main" val="2630823457"/>
+        <p14:creationId xmlns:p14="http://schemas.microsoft.com/office/powerpoint/2010/main" val="601324877"/>
       </p:ext>
     </p:extLst>
   </p:cSld>

--- a/Foundation_Project_G4__Final_Review_Trending_Jobs.pptx
+++ b/Foundation_Project_G4__Final_Review_Trending_Jobs.pptx
@@ -11,8 +11,9 @@
     <p:sldId id="300" r:id="rId5"/>
     <p:sldId id="301" r:id="rId6"/>
     <p:sldId id="302" r:id="rId7"/>
-    <p:sldId id="296" r:id="rId8"/>
-    <p:sldId id="308" r:id="rId9"/>
+    <p:sldId id="309" r:id="rId8"/>
+    <p:sldId id="296" r:id="rId9"/>
+    <p:sldId id="308" r:id="rId10"/>
   </p:sldIdLst>
   <p:sldSz cx="9144000" cy="6858000" type="screen4x3"/>
   <p:notesSz cx="9144000" cy="6858000"/>
@@ -2692,6 +2693,108 @@
           </a:p>
         </p:txBody>
       </p:sp>
+      <p:sp>
+        <p:nvSpPr>
+          <p:cNvPr id="7" name="TextBox 6">
+            <a:extLst>
+              <a:ext uri="{FF2B5EF4-FFF2-40B4-BE49-F238E27FC236}">
+                <a16:creationId xmlns:a16="http://schemas.microsoft.com/office/drawing/2014/main" id="{C95587DC-E363-C20D-5475-D4671C4E48C1}"/>
+              </a:ext>
+            </a:extLst>
+          </p:cNvPr>
+          <p:cNvSpPr txBox="1"/>
+          <p:nvPr/>
+        </p:nvSpPr>
+        <p:spPr>
+          <a:xfrm>
+            <a:off x="76201" y="838200"/>
+            <a:ext cx="9067800" cy="5078313"/>
+          </a:xfrm>
+          <a:prstGeom prst="rect">
+            <a:avLst/>
+          </a:prstGeom>
+          <a:noFill/>
+        </p:spPr>
+        <p:txBody>
+          <a:bodyPr wrap="square" rtlCol="0">
+            <a:spAutoFit/>
+          </a:bodyPr>
+          <a:lstStyle/>
+          <a:p>
+            <a:r>
+              <a:rPr lang="en-US" sz="1400" b="1" i="1" u="sng" dirty="0">
+                <a:solidFill>
+                  <a:srgbClr val="0070C0"/>
+                </a:solidFill>
+              </a:rPr>
+              <a:t>DRIFT:</a:t>
+            </a:r>
+            <a:r>
+              <a:rPr lang="en-US" sz="1400" dirty="0">
+                <a:solidFill>
+                  <a:srgbClr val="0070C0"/>
+                </a:solidFill>
+              </a:rPr>
+              <a:t> </a:t>
+            </a:r>
+            <a:r>
+              <a:rPr lang="en-US" sz="1200" dirty="0"/>
+              <a:t>Handling drift by reprocuring the JD data from job portals for latest corpus of tech skills required for a specific job type</a:t>
+            </a:r>
+          </a:p>
+          <a:p>
+            <a:endParaRPr lang="en-US" dirty="0"/>
+          </a:p>
+          <a:p>
+            <a:endParaRPr lang="en-US" dirty="0"/>
+          </a:p>
+          <a:p>
+            <a:endParaRPr lang="en-US" dirty="0"/>
+          </a:p>
+          <a:p>
+            <a:endParaRPr lang="en-US" dirty="0"/>
+          </a:p>
+          <a:p>
+            <a:endParaRPr lang="en-US" dirty="0"/>
+          </a:p>
+          <a:p>
+            <a:endParaRPr lang="en-US" dirty="0"/>
+          </a:p>
+          <a:p>
+            <a:endParaRPr lang="en-US" dirty="0"/>
+          </a:p>
+          <a:p>
+            <a:endParaRPr lang="en-US" dirty="0"/>
+          </a:p>
+          <a:p>
+            <a:endParaRPr lang="en-US" dirty="0"/>
+          </a:p>
+          <a:p>
+            <a:endParaRPr lang="en-US" dirty="0"/>
+          </a:p>
+          <a:p>
+            <a:endParaRPr lang="en-US" dirty="0"/>
+          </a:p>
+          <a:p>
+            <a:endParaRPr lang="en-US" dirty="0"/>
+          </a:p>
+          <a:p>
+            <a:endParaRPr lang="en-US" dirty="0"/>
+          </a:p>
+          <a:p>
+            <a:endParaRPr lang="en-US" dirty="0"/>
+          </a:p>
+          <a:p>
+            <a:endParaRPr lang="en-US" dirty="0"/>
+          </a:p>
+          <a:p>
+            <a:endParaRPr lang="en-US" dirty="0"/>
+          </a:p>
+          <a:p>
+            <a:endParaRPr lang="en-US" dirty="0"/>
+          </a:p>
+        </p:txBody>
+      </p:sp>
     </p:spTree>
     <p:extLst>
       <p:ext uri="{BB962C8B-B14F-4D97-AF65-F5344CB8AC3E}">
@@ -2727,6 +2830,135 @@
           <p:cNvPr id="2" name="Title 1">
             <a:extLst>
               <a:ext uri="{FF2B5EF4-FFF2-40B4-BE49-F238E27FC236}">
+                <a16:creationId xmlns:a16="http://schemas.microsoft.com/office/drawing/2014/main" id="{D4B481A0-87B8-4E17-047B-10258683FA41}"/>
+              </a:ext>
+            </a:extLst>
+          </p:cNvPr>
+          <p:cNvSpPr>
+            <a:spLocks noGrp="1"/>
+          </p:cNvSpPr>
+          <p:nvPr>
+            <p:ph type="title"/>
+          </p:nvPr>
+        </p:nvSpPr>
+        <p:spPr>
+          <a:xfrm>
+            <a:off x="258572" y="264921"/>
+            <a:ext cx="8626855" cy="369332"/>
+          </a:xfrm>
+        </p:spPr>
+        <p:txBody>
+          <a:bodyPr/>
+          <a:lstStyle/>
+          <a:p>
+            <a:r>
+              <a:rPr lang="en-US" dirty="0"/>
+              <a:t>Caveats and WIP effort</a:t>
+            </a:r>
+          </a:p>
+        </p:txBody>
+      </p:sp>
+      <p:sp>
+        <p:nvSpPr>
+          <p:cNvPr id="3" name="Text Placeholder 2">
+            <a:extLst>
+              <a:ext uri="{FF2B5EF4-FFF2-40B4-BE49-F238E27FC236}">
+                <a16:creationId xmlns:a16="http://schemas.microsoft.com/office/drawing/2014/main" id="{9C84DCE6-25AE-D974-99BD-80CA6D995AD0}"/>
+              </a:ext>
+            </a:extLst>
+          </p:cNvPr>
+          <p:cNvSpPr>
+            <a:spLocks noGrp="1"/>
+          </p:cNvSpPr>
+          <p:nvPr>
+            <p:ph type="body" idx="1"/>
+          </p:nvPr>
+        </p:nvSpPr>
+        <p:spPr>
+          <a:xfrm>
+            <a:off x="258572" y="1143000"/>
+            <a:ext cx="8428228" cy="1384995"/>
+          </a:xfrm>
+        </p:spPr>
+        <p:txBody>
+          <a:bodyPr/>
+          <a:lstStyle/>
+          <a:p>
+            <a:pPr marL="342900" indent="-342900">
+              <a:buAutoNum type="arabicPeriod"/>
+            </a:pPr>
+            <a:r>
+              <a:rPr lang="en-US" dirty="0"/>
+              <a:t>Need to expand the selection criteria by including the Salary and Experience</a:t>
+            </a:r>
+          </a:p>
+          <a:p>
+            <a:pPr marL="342900" indent="-342900">
+              <a:buAutoNum type="arabicPeriod"/>
+            </a:pPr>
+            <a:endParaRPr lang="en-US" dirty="0"/>
+          </a:p>
+          <a:p>
+            <a:pPr marL="342900" indent="-342900">
+              <a:buAutoNum type="arabicPeriod"/>
+            </a:pPr>
+            <a:r>
+              <a:rPr lang="en-US" dirty="0"/>
+              <a:t>Need to build a UI layer with backend API connectivity for better UX</a:t>
+            </a:r>
+          </a:p>
+          <a:p>
+            <a:pPr marL="342900" indent="-342900">
+              <a:buAutoNum type="arabicPeriod"/>
+            </a:pPr>
+            <a:endParaRPr lang="en-US" dirty="0"/>
+          </a:p>
+          <a:p>
+            <a:pPr marL="342900" indent="-342900">
+              <a:buAutoNum type="arabicPeriod"/>
+            </a:pPr>
+            <a:r>
+              <a:rPr lang="en-US" dirty="0"/>
+              <a:t>Need to build an application layer to read the files from Database</a:t>
+            </a:r>
+          </a:p>
+        </p:txBody>
+      </p:sp>
+    </p:spTree>
+    <p:extLst>
+      <p:ext uri="{BB962C8B-B14F-4D97-AF65-F5344CB8AC3E}">
+        <p14:creationId xmlns:p14="http://schemas.microsoft.com/office/powerpoint/2010/main" val="3961689296"/>
+      </p:ext>
+    </p:extLst>
+  </p:cSld>
+  <p:clrMapOvr>
+    <a:masterClrMapping/>
+  </p:clrMapOvr>
+</p:sld>
+</file>
+
+<file path=ppt/slides/slide8.xml><?xml version="1.0" encoding="utf-8"?>
+<p:sld xmlns:a="http://schemas.openxmlformats.org/drawingml/2006/main" xmlns:r="http://schemas.openxmlformats.org/officeDocument/2006/relationships" xmlns:p="http://schemas.openxmlformats.org/presentationml/2006/main">
+  <p:cSld>
+    <p:spTree>
+      <p:nvGrpSpPr>
+        <p:cNvPr id="1" name=""/>
+        <p:cNvGrpSpPr/>
+        <p:nvPr/>
+      </p:nvGrpSpPr>
+      <p:grpSpPr>
+        <a:xfrm>
+          <a:off x="0" y="0"/>
+          <a:ext cx="0" cy="0"/>
+          <a:chOff x="0" y="0"/>
+          <a:chExt cx="0" cy="0"/>
+        </a:xfrm>
+      </p:grpSpPr>
+      <p:sp>
+        <p:nvSpPr>
+          <p:cNvPr id="2" name="Title 1">
+            <a:extLst>
+              <a:ext uri="{FF2B5EF4-FFF2-40B4-BE49-F238E27FC236}">
                 <a16:creationId xmlns:a16="http://schemas.microsoft.com/office/drawing/2014/main" id="{03955788-901F-38AA-CF62-05A8B30CA672}"/>
               </a:ext>
             </a:extLst>
@@ -2869,7 +3101,7 @@
 </p:sld>
 </file>
 
-<file path=ppt/slides/slide8.xml><?xml version="1.0" encoding="utf-8"?>
+<file path=ppt/slides/slide9.xml><?xml version="1.0" encoding="utf-8"?>
 <p:sld xmlns:a="http://schemas.openxmlformats.org/drawingml/2006/main" xmlns:r="http://schemas.openxmlformats.org/officeDocument/2006/relationships" xmlns:p="http://schemas.openxmlformats.org/presentationml/2006/main">
   <p:cSld>
     <p:spTree>

--- a/Foundation_Project_G4__Final_Review_Trending_Jobs.pptx
+++ b/Foundation_Project_G4__Final_Review_Trending_Jobs.pptx
@@ -5,7 +5,7 @@
     <p:sldMasterId id="2147483648" r:id="rId1"/>
   </p:sldMasterIdLst>
   <p:notesMasterIdLst>
-    <p:notesMasterId r:id="rId13"/>
+    <p:notesMasterId r:id="rId15"/>
   </p:notesMasterIdLst>
   <p:sldIdLst>
     <p:sldId id="256" r:id="rId2"/>
@@ -19,6 +19,8 @@
     <p:sldId id="309" r:id="rId10"/>
     <p:sldId id="296" r:id="rId11"/>
     <p:sldId id="308" r:id="rId12"/>
+    <p:sldId id="316" r:id="rId13"/>
+    <p:sldId id="317" r:id="rId14"/>
   </p:sldIdLst>
   <p:sldSz cx="9144000" cy="6858000" type="screen4x3"/>
   <p:notesSz cx="9144000" cy="6858000"/>
@@ -3898,7 +3900,7 @@
         <a:p>
           <a:r>
             <a:rPr lang="en-US" sz="1400" dirty="0"/>
-            <a:t>Job post and Profile matching to be 90% accurate</a:t>
+            <a:t>Job post and Profile matching to be 90% accurate from resume corpus</a:t>
           </a:r>
           <a:endParaRPr lang="en-IN" sz="1400" dirty="0"/>
         </a:p>
@@ -4008,7 +4010,7 @@
         <a:p>
           <a:r>
             <a:rPr lang="en-US" sz="1400" dirty="0"/>
-            <a:t>Reduce the recruitment costs by 50%</a:t>
+            <a:t>Reduce the recruitment costs by 50% by saving man hours of HR and interview panel</a:t>
           </a:r>
           <a:endParaRPr lang="en-IN" sz="1400" dirty="0"/>
         </a:p>
@@ -4045,7 +4047,7 @@
         <a:p>
           <a:r>
             <a:rPr lang="en-US" sz="1400" dirty="0"/>
-            <a:t>Double the recruitment Success criteria</a:t>
+            <a:t>Double the recruitment Success criteria, by shortlisting quality profiles</a:t>
           </a:r>
           <a:endParaRPr lang="en-IN" sz="1400" dirty="0"/>
         </a:p>
@@ -4222,7 +4224,7 @@
         <a:p>
           <a:r>
             <a:rPr lang="en-IN" sz="1400" dirty="0"/>
-            <a:t>Tool can be internally extended as IJP tool for job search reduce the hiring cost and increased retention</a:t>
+            <a:t>Tool can be internally extended as an IJP tool for job search for employees and reduce the hiring cost and increase retention</a:t>
           </a:r>
         </a:p>
       </dgm:t>
@@ -4239,6 +4241,42 @@
       </dgm:t>
     </dgm:pt>
     <dgm:pt modelId="{37713398-24D9-D348-8E45-4C2F86543133}" type="sibTrans" cxnId="{3D4F2949-FA28-9F40-B947-08C4C9A988F9}">
+      <dgm:prSet/>
+      <dgm:spPr/>
+      <dgm:t>
+        <a:bodyPr/>
+        <a:lstStyle/>
+        <a:p>
+          <a:endParaRPr lang="en-GB"/>
+        </a:p>
+      </dgm:t>
+    </dgm:pt>
+    <dgm:pt modelId="{3F1BAE2E-12F3-5048-B570-672CAAE1A74F}">
+      <dgm:prSet phldrT="[Text]" custT="1"/>
+      <dgm:spPr/>
+      <dgm:t>
+        <a:bodyPr/>
+        <a:lstStyle/>
+        <a:p>
+          <a:r>
+            <a:rPr lang="en-IN" sz="1400" dirty="0"/>
+            <a:t>Extending the resume type being pdf , doc or HTML</a:t>
+          </a:r>
+        </a:p>
+      </dgm:t>
+    </dgm:pt>
+    <dgm:pt modelId="{74C5080E-1510-894E-9D2F-85646044EE9A}" type="parTrans" cxnId="{6E9FF352-B9A3-604F-A8D0-B8FF71C33368}">
+      <dgm:prSet/>
+      <dgm:spPr/>
+      <dgm:t>
+        <a:bodyPr/>
+        <a:lstStyle/>
+        <a:p>
+          <a:endParaRPr lang="en-GB"/>
+        </a:p>
+      </dgm:t>
+    </dgm:pt>
+    <dgm:pt modelId="{D2874504-B6BB-304F-949B-78043792E2C1}" type="sibTrans" cxnId="{6E9FF352-B9A3-604F-A8D0-B8FF71C33368}">
       <dgm:prSet/>
       <dgm:spPr/>
       <dgm:t>
@@ -4290,7 +4328,7 @@
       <dgm:spPr/>
     </dgm:pt>
     <dgm:pt modelId="{E4A1904E-E624-417E-93D5-30319897C039}" type="pres">
-      <dgm:prSet presAssocID="{D1C20772-C9DF-499B-B631-4B484780C311}" presName="Child" presStyleLbl="revTx" presStyleIdx="1" presStyleCnt="6">
+      <dgm:prSet presAssocID="{D1C20772-C9DF-499B-B631-4B484780C311}" presName="Child" presStyleLbl="revTx" presStyleIdx="1" presStyleCnt="6" custScaleY="127710">
         <dgm:presLayoutVars>
           <dgm:chMax val="0"/>
           <dgm:chPref val="0"/>
@@ -4388,18 +4426,19 @@
     <dgm:cxn modelId="{D482CF03-1DAE-4074-836E-4C4C163636E4}" type="presOf" srcId="{4DF7EAB2-B184-4146-8971-DED06FFB460D}" destId="{30C4D2A2-3D40-4045-B4C9-AC4DD39DCBB5}" srcOrd="0" destOrd="0" presId="urn:microsoft.com/office/officeart/2011/layout/TabList"/>
     <dgm:cxn modelId="{10E76D0B-54C0-4E4A-B4C5-A8F55C826354}" srcId="{0930CBAA-D52D-4EE4-B061-A5FBF3A5AE01}" destId="{D1C20772-C9DF-499B-B631-4B484780C311}" srcOrd="0" destOrd="0" parTransId="{1136B2BD-33E6-4E23-8B35-C2E042C068EB}" sibTransId="{C04D0A0F-17BF-4B02-9092-E20BC523E3E8}"/>
     <dgm:cxn modelId="{8BFC160C-5C03-4D52-B064-CA5F382615FC}" type="presOf" srcId="{EB02F29D-A56B-4663-85AE-B3B9D6D4DA66}" destId="{090D729D-BDF8-462B-A068-A1D99C9BEBEC}" srcOrd="0" destOrd="0" presId="urn:microsoft.com/office/officeart/2011/layout/TabList"/>
-    <dgm:cxn modelId="{0CB61A0C-C8EE-4BA7-A6DF-D077952234D8}" srcId="{4DF7EAB2-B184-4146-8971-DED06FFB460D}" destId="{C89DE648-8FD0-4D40-986E-F73B7BF4AA52}" srcOrd="3" destOrd="0" parTransId="{F81FB422-9F2F-46A9-9B66-A409CB7A2D26}" sibTransId="{E955A082-55F5-42F9-B431-724F4618554F}"/>
+    <dgm:cxn modelId="{0CB61A0C-C8EE-4BA7-A6DF-D077952234D8}" srcId="{4DF7EAB2-B184-4146-8971-DED06FFB460D}" destId="{C89DE648-8FD0-4D40-986E-F73B7BF4AA52}" srcOrd="4" destOrd="0" parTransId="{F81FB422-9F2F-46A9-9B66-A409CB7A2D26}" sibTransId="{E955A082-55F5-42F9-B431-724F4618554F}"/>
     <dgm:cxn modelId="{0A456329-5510-470A-BAD0-A274524EB5AE}" srcId="{DBE17EFD-18EB-4095-822F-DC987539B479}" destId="{3D046DB1-D812-4436-A22E-EC11485B7DD6}" srcOrd="1" destOrd="0" parTransId="{C566886B-8311-42A8-BB16-77BCE98AA8A2}" sibTransId="{C7D2AF1E-2A01-484E-8B59-8FEB8BF3E4AA}"/>
     <dgm:cxn modelId="{3BCF8429-D3E1-CD4C-B0C0-32738D7278D0}" type="presOf" srcId="{ED57B352-DBCF-F34C-9A5B-D9494702AF6D}" destId="{E4A1904E-E624-417E-93D5-30319897C039}" srcOrd="0" destOrd="2" presId="urn:microsoft.com/office/officeart/2011/layout/TabList"/>
     <dgm:cxn modelId="{AFC6B538-21AC-435B-978E-EDEAE002E9BA}" type="presOf" srcId="{0930CBAA-D52D-4EE4-B061-A5FBF3A5AE01}" destId="{AADDE70C-E712-4071-B43F-9D7085F6DA05}" srcOrd="0" destOrd="0" presId="urn:microsoft.com/office/officeart/2011/layout/TabList"/>
     <dgm:cxn modelId="{119A123F-B8CB-41AD-AE6A-F595B2748FAB}" srcId="{DBE17EFD-18EB-4095-822F-DC987539B479}" destId="{EE5B5F10-DCC2-4772-B309-328410013879}" srcOrd="2" destOrd="0" parTransId="{D9B931F4-F63F-40FB-AFA6-C8231576F8FF}" sibTransId="{565D288E-626E-44C0-9DE8-964DB4297995}"/>
     <dgm:cxn modelId="{3D4F2949-FA28-9F40-B947-08C4C9A988F9}" srcId="{D1C20772-C9DF-499B-B631-4B484780C311}" destId="{ED57B352-DBCF-F34C-9A5B-D9494702AF6D}" srcOrd="3" destOrd="0" parTransId="{FC4DFCCF-E546-534C-9535-CCA220ED9367}" sibTransId="{37713398-24D9-D348-8E45-4C2F86543133}"/>
-    <dgm:cxn modelId="{A2DF3F4E-2E80-4ECD-92E2-8D346117557C}" type="presOf" srcId="{C89DE648-8FD0-4D40-986E-F73B7BF4AA52}" destId="{D44FAFC3-3263-4934-BDE1-D4606CD38A81}" srcOrd="0" destOrd="2" presId="urn:microsoft.com/office/officeart/2011/layout/TabList"/>
+    <dgm:cxn modelId="{A2DF3F4E-2E80-4ECD-92E2-8D346117557C}" type="presOf" srcId="{C89DE648-8FD0-4D40-986E-F73B7BF4AA52}" destId="{D44FAFC3-3263-4934-BDE1-D4606CD38A81}" srcOrd="0" destOrd="3" presId="urn:microsoft.com/office/officeart/2011/layout/TabList"/>
+    <dgm:cxn modelId="{6E9FF352-B9A3-604F-A8D0-B8FF71C33368}" srcId="{4DF7EAB2-B184-4146-8971-DED06FFB460D}" destId="{3F1BAE2E-12F3-5048-B570-672CAAE1A74F}" srcOrd="3" destOrd="0" parTransId="{74C5080E-1510-894E-9D2F-85646044EE9A}" sibTransId="{D2874504-B6BB-304F-949B-78043792E2C1}"/>
     <dgm:cxn modelId="{BE092E62-0EA4-4F08-90D9-9F87103A52F4}" srcId="{0930CBAA-D52D-4EE4-B061-A5FBF3A5AE01}" destId="{4DF7EAB2-B184-4146-8971-DED06FFB460D}" srcOrd="1" destOrd="0" parTransId="{3DFFD5ED-1874-43EC-801A-5BEBE680AAD9}" sibTransId="{522F56FD-1ED4-44C3-9C05-651AE48AC8BA}"/>
     <dgm:cxn modelId="{EF756F63-747E-44D0-8294-8E746DADB43E}" type="presOf" srcId="{3E5D99D9-E28E-40A9-A1BD-C9177E219EF7}" destId="{D44FAFC3-3263-4934-BDE1-D4606CD38A81}" srcOrd="0" destOrd="0" presId="urn:microsoft.com/office/officeart/2011/layout/TabList"/>
-    <dgm:cxn modelId="{A935846F-4AD6-4F1C-A203-574F7712AC60}" type="presOf" srcId="{E7F4A920-4DBC-4508-A9D7-B62C6D7B91EF}" destId="{D44FAFC3-3263-4934-BDE1-D4606CD38A81}" srcOrd="0" destOrd="3" presId="urn:microsoft.com/office/officeart/2011/layout/TabList"/>
+    <dgm:cxn modelId="{A935846F-4AD6-4F1C-A203-574F7712AC60}" type="presOf" srcId="{E7F4A920-4DBC-4508-A9D7-B62C6D7B91EF}" destId="{D44FAFC3-3263-4934-BDE1-D4606CD38A81}" srcOrd="0" destOrd="4" presId="urn:microsoft.com/office/officeart/2011/layout/TabList"/>
     <dgm:cxn modelId="{EE05A470-6FA3-4053-AB4C-BE0759F20955}" type="presOf" srcId="{EE5B5F10-DCC2-4772-B309-328410013879}" destId="{CF8F9900-6845-4474-8FC2-0C7FD9BA407A}" srcOrd="0" destOrd="1" presId="urn:microsoft.com/office/officeart/2011/layout/TabList"/>
-    <dgm:cxn modelId="{7E69DA70-D947-4E7C-BF85-2DE83BFC451C}" srcId="{4DF7EAB2-B184-4146-8971-DED06FFB460D}" destId="{E7F4A920-4DBC-4508-A9D7-B62C6D7B91EF}" srcOrd="4" destOrd="0" parTransId="{60346C50-7FE2-49C6-B432-9FF9DE957C1D}" sibTransId="{4E1596B6-DB87-4731-8953-15E3EC6816F1}"/>
+    <dgm:cxn modelId="{7E69DA70-D947-4E7C-BF85-2DE83BFC451C}" srcId="{4DF7EAB2-B184-4146-8971-DED06FFB460D}" destId="{E7F4A920-4DBC-4508-A9D7-B62C6D7B91EF}" srcOrd="5" destOrd="0" parTransId="{60346C50-7FE2-49C6-B432-9FF9DE957C1D}" sibTransId="{4E1596B6-DB87-4731-8953-15E3EC6816F1}"/>
     <dgm:cxn modelId="{E6B5D17D-7A75-4771-8633-F345F53211ED}" srcId="{4DF7EAB2-B184-4146-8971-DED06FFB460D}" destId="{3E5D99D9-E28E-40A9-A1BD-C9177E219EF7}" srcOrd="1" destOrd="0" parTransId="{A7182AF2-5718-4329-9F05-B522B74BF5DB}" sibTransId="{3B06D2A4-3AF1-47C3-A333-0E58BF361480}"/>
     <dgm:cxn modelId="{FF2EB780-B8F6-4470-BA77-EC6825E87071}" type="presOf" srcId="{D1C20772-C9DF-499B-B631-4B484780C311}" destId="{183A5516-DF52-47DA-A637-0F312FF5D6ED}" srcOrd="0" destOrd="0" presId="urn:microsoft.com/office/officeart/2011/layout/TabList"/>
     <dgm:cxn modelId="{52628884-0B7B-4841-A281-42E9A7B2940D}" srcId="{D1C20772-C9DF-499B-B631-4B484780C311}" destId="{776BC389-30A3-454F-90FD-0327ADE2E009}" srcOrd="2" destOrd="0" parTransId="{513DDF34-6330-48BA-8FB0-6F6645577CA2}" sibTransId="{7AB67BD2-D1F3-435B-B144-D41138A83F90}"/>
@@ -4407,6 +4446,7 @@
     <dgm:cxn modelId="{95A1F58B-35C0-4839-BD21-42E2FE119D42}" srcId="{4DF7EAB2-B184-4146-8971-DED06FFB460D}" destId="{D33BAC96-F944-426E-8600-2E3698808F98}" srcOrd="2" destOrd="0" parTransId="{9493BF3D-3693-4647-9BCC-7441D15E569F}" sibTransId="{5C5EFD21-86FA-4EB7-A0F2-AF81BEDBD866}"/>
     <dgm:cxn modelId="{98B0798C-E9B9-45B1-B1B6-A5AB7791FFED}" type="presOf" srcId="{EF01135C-E6D3-49FE-ABE8-9F2BD92E8905}" destId="{70258E53-2482-4944-858A-9E102593AF87}" srcOrd="0" destOrd="0" presId="urn:microsoft.com/office/officeart/2011/layout/TabList"/>
     <dgm:cxn modelId="{78984798-1F2B-4F1E-8AD6-26F149C59DB9}" srcId="{D1C20772-C9DF-499B-B631-4B484780C311}" destId="{A1873DE5-3BEC-471B-B305-8F02C6C404AF}" srcOrd="1" destOrd="0" parTransId="{ED18A3D8-1AE9-4CA2-AF3E-5C6DDA5AF7F9}" sibTransId="{F21E69E9-FA8B-4C59-A41F-FBFBDAE50F78}"/>
+    <dgm:cxn modelId="{5D86819C-88D3-5C40-8670-504BF703A9BC}" type="presOf" srcId="{3F1BAE2E-12F3-5048-B570-672CAAE1A74F}" destId="{D44FAFC3-3263-4934-BDE1-D4606CD38A81}" srcOrd="0" destOrd="2" presId="urn:microsoft.com/office/officeart/2011/layout/TabList"/>
     <dgm:cxn modelId="{CD9F06A3-E7DB-4781-A320-5E3A1A1D63AD}" srcId="{DBE17EFD-18EB-4095-822F-DC987539B479}" destId="{EB02F29D-A56B-4663-85AE-B3B9D6D4DA66}" srcOrd="0" destOrd="0" parTransId="{D4637C2E-BC1E-419F-80A7-26BCA85A5A79}" sibTransId="{5C90A462-FB6C-446E-AD6D-4C32A5798B41}"/>
     <dgm:cxn modelId="{D158CEA4-B701-4011-B2C3-71B10596CDB6}" type="presOf" srcId="{2484FC74-4DE7-4048-9182-7C7FE607EF89}" destId="{1A2F20A7-AFFB-4B4B-9817-BD9B948C8780}" srcOrd="0" destOrd="0" presId="urn:microsoft.com/office/officeart/2011/layout/TabList"/>
     <dgm:cxn modelId="{A2EF09B5-3A00-4158-A785-C49FE741504C}" srcId="{4DF7EAB2-B184-4146-8971-DED06FFB460D}" destId="{EF01135C-E6D3-49FE-ABE8-9F2BD92E8905}" srcOrd="0" destOrd="0" parTransId="{9ECEEF39-78DD-45FE-B884-B7AADF60C964}" sibTransId="{D732F605-CD15-4512-A715-39DC1B0A4EEE}"/>
@@ -5681,7 +5721,7 @@
       </dsp:nvSpPr>
       <dsp:spPr>
         <a:xfrm>
-          <a:off x="0" y="2615652"/>
+          <a:off x="0" y="2657562"/>
           <a:ext cx="7924800" cy="0"/>
         </a:xfrm>
         <a:prstGeom prst="line">
@@ -5722,7 +5762,7 @@
       </dsp:nvSpPr>
       <dsp:spPr>
         <a:xfrm>
-          <a:off x="0" y="1492188"/>
+          <a:off x="0" y="1599008"/>
           <a:ext cx="7924800" cy="0"/>
         </a:xfrm>
         <a:prstGeom prst="line">
@@ -5763,7 +5803,7 @@
       </dsp:nvSpPr>
       <dsp:spPr>
         <a:xfrm>
-          <a:off x="0" y="368723"/>
+          <a:off x="0" y="348101"/>
           <a:ext cx="7924800" cy="0"/>
         </a:xfrm>
         <a:prstGeom prst="line">
@@ -5804,8 +5844,8 @@
       </dsp:nvSpPr>
       <dsp:spPr>
         <a:xfrm>
-          <a:off x="2060448" y="411"/>
-          <a:ext cx="5864352" cy="368312"/>
+          <a:off x="2060448" y="1068"/>
+          <a:ext cx="5864352" cy="347032"/>
         </a:xfrm>
         <a:prstGeom prst="rect">
           <a:avLst/>
@@ -5854,8 +5894,8 @@
         </a:p>
       </dsp:txBody>
       <dsp:txXfrm>
-        <a:off x="2060448" y="411"/>
-        <a:ext cx="5864352" cy="368312"/>
+        <a:off x="2060448" y="1068"/>
+        <a:ext cx="5864352" cy="347032"/>
       </dsp:txXfrm>
     </dsp:sp>
     <dsp:sp modelId="{183A5516-DF52-47DA-A637-0F312FF5D6ED}">
@@ -5865,8 +5905,8 @@
       </dsp:nvSpPr>
       <dsp:spPr>
         <a:xfrm>
-          <a:off x="0" y="411"/>
-          <a:ext cx="2060448" cy="368312"/>
+          <a:off x="0" y="1068"/>
+          <a:ext cx="2060448" cy="347032"/>
         </a:xfrm>
         <a:prstGeom prst="round2SameRect">
           <a:avLst>
@@ -5972,8 +6012,8 @@
         </a:p>
       </dsp:txBody>
       <dsp:txXfrm>
-        <a:off x="17983" y="18394"/>
-        <a:ext cx="2024482" cy="350329"/>
+        <a:off x="16944" y="18012"/>
+        <a:ext cx="2026560" cy="330088"/>
       </dsp:txXfrm>
     </dsp:sp>
     <dsp:sp modelId="{E4A1904E-E624-417E-93D5-30319897C039}">
@@ -5983,8 +6023,8 @@
       </dsp:nvSpPr>
       <dsp:spPr>
         <a:xfrm>
-          <a:off x="0" y="368723"/>
-          <a:ext cx="7924800" cy="736736"/>
+          <a:off x="0" y="348101"/>
+          <a:ext cx="7924800" cy="886523"/>
         </a:xfrm>
         <a:prstGeom prst="rect">
           <a:avLst/>
@@ -6046,7 +6086,7 @@
           </a:pPr>
           <a:r>
             <a:rPr lang="en-US" sz="1400" kern="1200" dirty="0"/>
-            <a:t>Double the recruitment Success criteria</a:t>
+            <a:t>Double the recruitment Success criteria, by shortlisting quality profiles</a:t>
           </a:r>
           <a:endParaRPr lang="en-IN" sz="1400" kern="1200" dirty="0"/>
         </a:p>
@@ -6065,13 +6105,13 @@
           </a:pPr>
           <a:r>
             <a:rPr lang="en-IN" sz="1400" kern="1200" dirty="0"/>
-            <a:t>Tool can be internally extended as IJP tool for job search reduce the hiring cost and increased retention</a:t>
+            <a:t>Tool can be internally extended as an IJP tool for job search for employees and reduce the hiring cost and increase retention</a:t>
           </a:r>
         </a:p>
       </dsp:txBody>
       <dsp:txXfrm>
-        <a:off x="0" y="368723"/>
-        <a:ext cx="7924800" cy="736736"/>
+        <a:off x="0" y="348101"/>
+        <a:ext cx="7924800" cy="886523"/>
       </dsp:txXfrm>
     </dsp:sp>
     <dsp:sp modelId="{70258E53-2482-4944-858A-9E102593AF87}">
@@ -6081,8 +6121,8 @@
       </dsp:nvSpPr>
       <dsp:spPr>
         <a:xfrm>
-          <a:off x="2060448" y="1123875"/>
-          <a:ext cx="5864352" cy="368312"/>
+          <a:off x="2060448" y="1251976"/>
+          <a:ext cx="5864352" cy="347032"/>
         </a:xfrm>
         <a:prstGeom prst="rect">
           <a:avLst/>
@@ -6131,8 +6171,8 @@
         </a:p>
       </dsp:txBody>
       <dsp:txXfrm>
-        <a:off x="2060448" y="1123875"/>
-        <a:ext cx="5864352" cy="368312"/>
+        <a:off x="2060448" y="1251976"/>
+        <a:ext cx="5864352" cy="347032"/>
       </dsp:txXfrm>
     </dsp:sp>
     <dsp:sp modelId="{30C4D2A2-3D40-4045-B4C9-AC4DD39DCBB5}">
@@ -6142,8 +6182,8 @@
       </dsp:nvSpPr>
       <dsp:spPr>
         <a:xfrm>
-          <a:off x="0" y="1123875"/>
-          <a:ext cx="2060448" cy="368312"/>
+          <a:off x="0" y="1251976"/>
+          <a:ext cx="2060448" cy="347032"/>
         </a:xfrm>
         <a:prstGeom prst="round2SameRect">
           <a:avLst>
@@ -6249,8 +6289,8 @@
         </a:p>
       </dsp:txBody>
       <dsp:txXfrm>
-        <a:off x="17983" y="1141858"/>
-        <a:ext cx="2024482" cy="350329"/>
+        <a:off x="16944" y="1268920"/>
+        <a:ext cx="2026560" cy="330088"/>
       </dsp:txXfrm>
     </dsp:sp>
     <dsp:sp modelId="{D44FAFC3-3263-4934-BDE1-D4606CD38A81}">
@@ -6260,8 +6300,8 @@
       </dsp:nvSpPr>
       <dsp:spPr>
         <a:xfrm>
-          <a:off x="0" y="1492188"/>
-          <a:ext cx="7924800" cy="736736"/>
+          <a:off x="0" y="1599008"/>
+          <a:ext cx="7924800" cy="694169"/>
         </a:xfrm>
         <a:prstGeom prst="rect">
           <a:avLst/>
@@ -6304,7 +6344,7 @@
           </a:pPr>
           <a:r>
             <a:rPr lang="en-US" sz="1400" kern="1200" dirty="0"/>
-            <a:t>Job post and Profile matching to be 90% accurate</a:t>
+            <a:t>Job post and Profile matching to be 90% accurate from resume corpus</a:t>
           </a:r>
           <a:endParaRPr lang="en-IN" sz="1400" kern="1200" dirty="0"/>
         </a:p>
@@ -6340,6 +6380,24 @@
             </a:spcAft>
             <a:buChar char="•"/>
           </a:pPr>
+          <a:r>
+            <a:rPr lang="en-IN" sz="1400" kern="1200" dirty="0"/>
+            <a:t>Extending the resume type being pdf , doc or HTML</a:t>
+          </a:r>
+        </a:p>
+        <a:p>
+          <a:pPr marL="114300" lvl="1" indent="-114300" algn="l" defTabSz="622300">
+            <a:lnSpc>
+              <a:spcPct val="90000"/>
+            </a:lnSpc>
+            <a:spcBef>
+              <a:spcPct val="0"/>
+            </a:spcBef>
+            <a:spcAft>
+              <a:spcPct val="15000"/>
+            </a:spcAft>
+            <a:buChar char="•"/>
+          </a:pPr>
           <a:endParaRPr lang="en-IN" sz="1400" kern="1200" dirty="0"/>
         </a:p>
         <a:p>
@@ -6359,8 +6417,8 @@
         </a:p>
       </dsp:txBody>
       <dsp:txXfrm>
-        <a:off x="0" y="1492188"/>
-        <a:ext cx="7924800" cy="736736"/>
+        <a:off x="0" y="1599008"/>
+        <a:ext cx="7924800" cy="694169"/>
       </dsp:txXfrm>
     </dsp:sp>
     <dsp:sp modelId="{090D729D-BDF8-462B-A068-A1D99C9BEBEC}">
@@ -6370,8 +6428,8 @@
       </dsp:nvSpPr>
       <dsp:spPr>
         <a:xfrm>
-          <a:off x="2060448" y="2247340"/>
-          <a:ext cx="5864352" cy="368312"/>
+          <a:off x="2060448" y="2310529"/>
+          <a:ext cx="5864352" cy="347032"/>
         </a:xfrm>
         <a:prstGeom prst="rect">
           <a:avLst/>
@@ -6419,8 +6477,8 @@
         </a:p>
       </dsp:txBody>
       <dsp:txXfrm>
-        <a:off x="2060448" y="2247340"/>
-        <a:ext cx="5864352" cy="368312"/>
+        <a:off x="2060448" y="2310529"/>
+        <a:ext cx="5864352" cy="347032"/>
       </dsp:txXfrm>
     </dsp:sp>
     <dsp:sp modelId="{F4DAB389-B0AC-459D-BF9A-933055EBB944}">
@@ -6430,8 +6488,8 @@
       </dsp:nvSpPr>
       <dsp:spPr>
         <a:xfrm>
-          <a:off x="0" y="2247340"/>
-          <a:ext cx="2060448" cy="368312"/>
+          <a:off x="0" y="2310529"/>
+          <a:ext cx="2060448" cy="347032"/>
         </a:xfrm>
         <a:prstGeom prst="round2SameRect">
           <a:avLst>
@@ -6537,8 +6595,8 @@
         </a:p>
       </dsp:txBody>
       <dsp:txXfrm>
-        <a:off x="17983" y="2265323"/>
-        <a:ext cx="2024482" cy="350329"/>
+        <a:off x="16944" y="2327473"/>
+        <a:ext cx="2026560" cy="330088"/>
       </dsp:txXfrm>
     </dsp:sp>
     <dsp:sp modelId="{CF8F9900-6845-4474-8FC2-0C7FD9BA407A}">
@@ -6548,8 +6606,8 @@
       </dsp:nvSpPr>
       <dsp:spPr>
         <a:xfrm>
-          <a:off x="0" y="2615652"/>
-          <a:ext cx="7924800" cy="736736"/>
+          <a:off x="0" y="2657562"/>
+          <a:ext cx="7924800" cy="694169"/>
         </a:xfrm>
         <a:prstGeom prst="rect">
           <a:avLst/>
@@ -6592,7 +6650,7 @@
           </a:pPr>
           <a:r>
             <a:rPr lang="en-US" sz="1400" kern="1200" dirty="0"/>
-            <a:t>Reduce the recruitment costs by 50%</a:t>
+            <a:t>Reduce the recruitment costs by 50% by saving man hours of HR and interview panel</a:t>
           </a:r>
           <a:endParaRPr lang="en-IN" sz="1400" kern="1200" dirty="0"/>
         </a:p>
@@ -6617,8 +6675,8 @@
         </a:p>
       </dsp:txBody>
       <dsp:txXfrm>
-        <a:off x="0" y="2615652"/>
-        <a:ext cx="7924800" cy="736736"/>
+        <a:off x="0" y="2657562"/>
+        <a:ext cx="7924800" cy="694169"/>
       </dsp:txXfrm>
     </dsp:sp>
   </dsp:spTree>
@@ -12125,6 +12183,90 @@
     <p:extLst>
       <p:ext uri="{BB962C8B-B14F-4D97-AF65-F5344CB8AC3E}">
         <p14:creationId xmlns:p14="http://schemas.microsoft.com/office/powerpoint/2010/main" val="4174269884"/>
+      </p:ext>
+    </p:extLst>
+  </p:cSld>
+  <p:clrMapOvr>
+    <a:masterClrMapping/>
+  </p:clrMapOvr>
+</p:notes>
+</file>
+
+<file path=ppt/notesSlides/notesSlide3.xml><?xml version="1.0" encoding="utf-8"?>
+<p:notes xmlns:a="http://schemas.openxmlformats.org/drawingml/2006/main" xmlns:r="http://schemas.openxmlformats.org/officeDocument/2006/relationships" xmlns:p="http://schemas.openxmlformats.org/presentationml/2006/main">
+  <p:cSld>
+    <p:spTree>
+      <p:nvGrpSpPr>
+        <p:cNvPr id="1" name=""/>
+        <p:cNvGrpSpPr/>
+        <p:nvPr/>
+      </p:nvGrpSpPr>
+      <p:grpSpPr>
+        <a:xfrm>
+          <a:off x="0" y="0"/>
+          <a:ext cx="0" cy="0"/>
+          <a:chOff x="0" y="0"/>
+          <a:chExt cx="0" cy="0"/>
+        </a:xfrm>
+      </p:grpSpPr>
+      <p:sp>
+        <p:nvSpPr>
+          <p:cNvPr id="2" name="Slide Image Placeholder 1"/>
+          <p:cNvSpPr>
+            <a:spLocks noGrp="1" noRot="1" noChangeAspect="1"/>
+          </p:cNvSpPr>
+          <p:nvPr>
+            <p:ph type="sldImg"/>
+          </p:nvPr>
+        </p:nvSpPr>
+        <p:spPr/>
+      </p:sp>
+      <p:sp>
+        <p:nvSpPr>
+          <p:cNvPr id="3" name="Notes Placeholder 2"/>
+          <p:cNvSpPr>
+            <a:spLocks noGrp="1"/>
+          </p:cNvSpPr>
+          <p:nvPr>
+            <p:ph type="body" idx="1"/>
+          </p:nvPr>
+        </p:nvSpPr>
+        <p:spPr/>
+        <p:txBody>
+          <a:bodyPr/>
+          <a:lstStyle/>
+          <a:p>
+            <a:endParaRPr lang="en-US" dirty="0"/>
+          </a:p>
+        </p:txBody>
+      </p:sp>
+      <p:sp>
+        <p:nvSpPr>
+          <p:cNvPr id="4" name="Slide Number Placeholder 3"/>
+          <p:cNvSpPr>
+            <a:spLocks noGrp="1"/>
+          </p:cNvSpPr>
+          <p:nvPr>
+            <p:ph type="sldNum" sz="quarter" idx="5"/>
+          </p:nvPr>
+        </p:nvSpPr>
+        <p:spPr/>
+        <p:txBody>
+          <a:bodyPr/>
+          <a:lstStyle/>
+          <a:p>
+            <a:fld id="{FC119FAB-51A8-43D3-9E33-5931B4F71655}" type="slidenum">
+              <a:rPr lang="en-IN" smtClean="0"/>
+              <a:t>11</a:t>
+            </a:fld>
+            <a:endParaRPr lang="en-IN"/>
+          </a:p>
+        </p:txBody>
+      </p:sp>
+    </p:spTree>
+    <p:extLst>
+      <p:ext uri="{BB962C8B-B14F-4D97-AF65-F5344CB8AC3E}">
+        <p14:creationId xmlns:p14="http://schemas.microsoft.com/office/powerpoint/2010/main" val="3361131075"/>
       </p:ext>
     </p:extLst>
   </p:cSld>
@@ -13937,7 +14079,7 @@
             </a:r>
             <a:r>
               <a:rPr lang="en-US" dirty="0">
-                <a:hlinkClick r:id="rId2"/>
+                <a:hlinkClick r:id="rId3"/>
               </a:rPr>
               <a:t>https://github.com/anirudhyadav/ISBG4FP1</a:t>
             </a:r>
@@ -14013,6 +14155,325 @@
     <p:extLst>
       <p:ext uri="{BB962C8B-B14F-4D97-AF65-F5344CB8AC3E}">
         <p14:creationId xmlns:p14="http://schemas.microsoft.com/office/powerpoint/2010/main" val="601324877"/>
+      </p:ext>
+    </p:extLst>
+  </p:cSld>
+  <p:clrMapOvr>
+    <a:masterClrMapping/>
+  </p:clrMapOvr>
+</p:sld>
+</file>
+
+<file path=ppt/slides/slide12.xml><?xml version="1.0" encoding="utf-8"?>
+<p:sld xmlns:a="http://schemas.openxmlformats.org/drawingml/2006/main" xmlns:r="http://schemas.openxmlformats.org/officeDocument/2006/relationships" xmlns:p="http://schemas.openxmlformats.org/presentationml/2006/main">
+  <p:cSld>
+    <p:spTree>
+      <p:nvGrpSpPr>
+        <p:cNvPr id="1" name=""/>
+        <p:cNvGrpSpPr/>
+        <p:nvPr/>
+      </p:nvGrpSpPr>
+      <p:grpSpPr>
+        <a:xfrm>
+          <a:off x="0" y="0"/>
+          <a:ext cx="0" cy="0"/>
+          <a:chOff x="0" y="0"/>
+          <a:chExt cx="0" cy="0"/>
+        </a:xfrm>
+      </p:grpSpPr>
+      <p:sp>
+        <p:nvSpPr>
+          <p:cNvPr id="2" name="Title 1">
+            <a:extLst>
+              <a:ext uri="{FF2B5EF4-FFF2-40B4-BE49-F238E27FC236}">
+                <a16:creationId xmlns:a16="http://schemas.microsoft.com/office/drawing/2014/main" id="{678097BC-10DA-CEFB-0270-BD41605D24C8}"/>
+              </a:ext>
+            </a:extLst>
+          </p:cNvPr>
+          <p:cNvSpPr>
+            <a:spLocks noGrp="1"/>
+          </p:cNvSpPr>
+          <p:nvPr>
+            <p:ph type="title"/>
+          </p:nvPr>
+        </p:nvSpPr>
+        <p:spPr>
+          <a:xfrm>
+            <a:off x="258572" y="264921"/>
+            <a:ext cx="8626855" cy="369332"/>
+          </a:xfrm>
+        </p:spPr>
+        <p:txBody>
+          <a:bodyPr/>
+          <a:lstStyle/>
+          <a:p>
+            <a:r>
+              <a:rPr lang="en-US" dirty="0"/>
+              <a:t>Data Preparation</a:t>
+            </a:r>
+          </a:p>
+        </p:txBody>
+      </p:sp>
+      <p:sp>
+        <p:nvSpPr>
+          <p:cNvPr id="3" name="Text Placeholder 2">
+            <a:extLst>
+              <a:ext uri="{FF2B5EF4-FFF2-40B4-BE49-F238E27FC236}">
+                <a16:creationId xmlns:a16="http://schemas.microsoft.com/office/drawing/2014/main" id="{EAC45F78-4736-AD83-1C82-25D099282639}"/>
+              </a:ext>
+            </a:extLst>
+          </p:cNvPr>
+          <p:cNvSpPr>
+            <a:spLocks noGrp="1"/>
+          </p:cNvSpPr>
+          <p:nvPr>
+            <p:ph type="body" idx="1"/>
+          </p:nvPr>
+        </p:nvSpPr>
+        <p:spPr>
+          <a:xfrm>
+            <a:off x="1060450" y="2584450"/>
+            <a:ext cx="7023100" cy="830997"/>
+          </a:xfrm>
+        </p:spPr>
+        <p:txBody>
+          <a:bodyPr/>
+          <a:lstStyle/>
+          <a:p>
+            <a:pPr marL="0" indent="0">
+              <a:buFont typeface="Arial" panose="020B0604020202020204" pitchFamily="34" charset="0"/>
+              <a:buNone/>
+            </a:pPr>
+            <a:r>
+              <a:rPr lang="en-IN" sz="1800" b="0" i="0" dirty="0" err="1">
+                <a:solidFill>
+                  <a:srgbClr val="111111"/>
+                </a:solidFill>
+                <a:effectLst/>
+                <a:latin typeface="-apple-system"/>
+                <a:ea typeface="+mn-ea"/>
+                <a:cs typeface="+mn-cs"/>
+              </a:rPr>
+              <a:t>Technolgy</a:t>
+            </a:r>
+            <a:r>
+              <a:rPr lang="en-IN" sz="1800" b="0" i="0" dirty="0">
+                <a:solidFill>
+                  <a:srgbClr val="111111"/>
+                </a:solidFill>
+                <a:effectLst/>
+                <a:latin typeface="-apple-system"/>
+                <a:ea typeface="+mn-ea"/>
+                <a:cs typeface="+mn-cs"/>
+              </a:rPr>
+              <a:t> : </a:t>
+            </a:r>
+            <a:r>
+              <a:rPr lang="en-IN" sz="1800" b="0" i="0" dirty="0" err="1">
+                <a:solidFill>
+                  <a:srgbClr val="111111"/>
+                </a:solidFill>
+                <a:effectLst/>
+                <a:latin typeface="-apple-system"/>
+                <a:ea typeface="+mn-ea"/>
+                <a:cs typeface="+mn-cs"/>
+              </a:rPr>
+              <a:t>Sele</a:t>
+            </a:r>
+            <a:endParaRPr lang="en-IN" sz="1800" b="0" i="0" dirty="0">
+              <a:solidFill>
+                <a:srgbClr val="111111"/>
+              </a:solidFill>
+              <a:effectLst/>
+              <a:latin typeface="-apple-system"/>
+              <a:ea typeface="+mn-ea"/>
+              <a:cs typeface="+mn-cs"/>
+            </a:endParaRPr>
+          </a:p>
+          <a:p>
+            <a:pPr marL="0" indent="0">
+              <a:buFont typeface="Arial" panose="020B0604020202020204" pitchFamily="34" charset="0"/>
+              <a:buNone/>
+            </a:pPr>
+            <a:r>
+              <a:rPr lang="en-IN" sz="1800" b="0" i="0" dirty="0" err="1">
+                <a:solidFill>
+                  <a:srgbClr val="111111"/>
+                </a:solidFill>
+                <a:effectLst/>
+                <a:latin typeface="-apple-system"/>
+                <a:ea typeface="+mn-ea"/>
+                <a:cs typeface="+mn-cs"/>
+              </a:rPr>
+              <a:t>Dta</a:t>
+            </a:r>
+            <a:r>
+              <a:rPr lang="en-IN" sz="1800" b="0" i="0" dirty="0">
+                <a:solidFill>
+                  <a:srgbClr val="111111"/>
+                </a:solidFill>
+                <a:effectLst/>
+                <a:latin typeface="-apple-system"/>
+                <a:ea typeface="+mn-ea"/>
+                <a:cs typeface="+mn-cs"/>
+              </a:rPr>
+              <a:t> sources : Naukri</a:t>
+            </a:r>
+          </a:p>
+          <a:p>
+            <a:endParaRPr lang="en-US" dirty="0"/>
+          </a:p>
+        </p:txBody>
+      </p:sp>
+      <p:sp>
+        <p:nvSpPr>
+          <p:cNvPr id="4" name="Left Arrow 3">
+            <a:hlinkClick r:id="rId2" action="ppaction://hlinksldjump"/>
+            <a:extLst>
+              <a:ext uri="{FF2B5EF4-FFF2-40B4-BE49-F238E27FC236}">
+                <a16:creationId xmlns:a16="http://schemas.microsoft.com/office/drawing/2014/main" id="{C92B8D75-CA28-6B08-D0DC-B63A7DE12CC1}"/>
+              </a:ext>
+            </a:extLst>
+          </p:cNvPr>
+          <p:cNvSpPr/>
+          <p:nvPr/>
+        </p:nvSpPr>
+        <p:spPr>
+          <a:xfrm>
+            <a:off x="7467600" y="5334000"/>
+            <a:ext cx="1417826" cy="713232"/>
+          </a:xfrm>
+          <a:prstGeom prst="leftArrow">
+            <a:avLst/>
+          </a:prstGeom>
+        </p:spPr>
+        <p:style>
+          <a:lnRef idx="2">
+            <a:schemeClr val="accent1">
+              <a:shade val="15000"/>
+            </a:schemeClr>
+          </a:lnRef>
+          <a:fillRef idx="1">
+            <a:schemeClr val="accent1"/>
+          </a:fillRef>
+          <a:effectRef idx="0">
+            <a:schemeClr val="accent1"/>
+          </a:effectRef>
+          <a:fontRef idx="minor">
+            <a:schemeClr val="lt1"/>
+          </a:fontRef>
+        </p:style>
+        <p:txBody>
+          <a:bodyPr rtlCol="0" anchor="ctr"/>
+          <a:lstStyle/>
+          <a:p>
+            <a:pPr algn="ctr"/>
+            <a:r>
+              <a:rPr lang="en-US" dirty="0"/>
+              <a:t>Main </a:t>
+            </a:r>
+            <a:r>
+              <a:rPr lang="en-US" dirty="0">
+                <a:hlinkClick r:id="rId2" action="ppaction://hlinksldjump"/>
+              </a:rPr>
+              <a:t>Page</a:t>
+            </a:r>
+            <a:endParaRPr lang="en-US" dirty="0"/>
+          </a:p>
+        </p:txBody>
+      </p:sp>
+    </p:spTree>
+    <p:extLst>
+      <p:ext uri="{BB962C8B-B14F-4D97-AF65-F5344CB8AC3E}">
+        <p14:creationId xmlns:p14="http://schemas.microsoft.com/office/powerpoint/2010/main" val="1150359032"/>
+      </p:ext>
+    </p:extLst>
+  </p:cSld>
+  <p:clrMapOvr>
+    <a:masterClrMapping/>
+  </p:clrMapOvr>
+</p:sld>
+</file>
+
+<file path=ppt/slides/slide13.xml><?xml version="1.0" encoding="utf-8"?>
+<p:sld xmlns:a="http://schemas.openxmlformats.org/drawingml/2006/main" xmlns:r="http://schemas.openxmlformats.org/officeDocument/2006/relationships" xmlns:p="http://schemas.openxmlformats.org/presentationml/2006/main">
+  <p:cSld>
+    <p:spTree>
+      <p:nvGrpSpPr>
+        <p:cNvPr id="1" name=""/>
+        <p:cNvGrpSpPr/>
+        <p:nvPr/>
+      </p:nvGrpSpPr>
+      <p:grpSpPr>
+        <a:xfrm>
+          <a:off x="0" y="0"/>
+          <a:ext cx="0" cy="0"/>
+          <a:chOff x="0" y="0"/>
+          <a:chExt cx="0" cy="0"/>
+        </a:xfrm>
+      </p:grpSpPr>
+      <p:sp>
+        <p:nvSpPr>
+          <p:cNvPr id="2" name="Title 1">
+            <a:extLst>
+              <a:ext uri="{FF2B5EF4-FFF2-40B4-BE49-F238E27FC236}">
+                <a16:creationId xmlns:a16="http://schemas.microsoft.com/office/drawing/2014/main" id="{C553F1FE-9A36-EE10-1553-F02292423870}"/>
+              </a:ext>
+            </a:extLst>
+          </p:cNvPr>
+          <p:cNvSpPr>
+            <a:spLocks noGrp="1"/>
+          </p:cNvSpPr>
+          <p:nvPr>
+            <p:ph type="title"/>
+          </p:nvPr>
+        </p:nvSpPr>
+        <p:spPr>
+          <a:xfrm>
+            <a:off x="258572" y="264921"/>
+            <a:ext cx="8626855" cy="369332"/>
+          </a:xfrm>
+        </p:spPr>
+        <p:txBody>
+          <a:bodyPr/>
+          <a:lstStyle/>
+          <a:p>
+            <a:r>
+              <a:rPr lang="en-US" dirty="0"/>
+              <a:t>Modelling</a:t>
+            </a:r>
+          </a:p>
+        </p:txBody>
+      </p:sp>
+      <p:sp>
+        <p:nvSpPr>
+          <p:cNvPr id="3" name="Text Placeholder 2">
+            <a:extLst>
+              <a:ext uri="{FF2B5EF4-FFF2-40B4-BE49-F238E27FC236}">
+                <a16:creationId xmlns:a16="http://schemas.microsoft.com/office/drawing/2014/main" id="{B3CD33DC-0110-BAC5-B2BE-2DA6BE5A9312}"/>
+              </a:ext>
+            </a:extLst>
+          </p:cNvPr>
+          <p:cNvSpPr>
+            <a:spLocks noGrp="1"/>
+          </p:cNvSpPr>
+          <p:nvPr>
+            <p:ph type="body" idx="1"/>
+          </p:nvPr>
+        </p:nvSpPr>
+        <p:spPr/>
+        <p:txBody>
+          <a:bodyPr/>
+          <a:lstStyle/>
+          <a:p>
+            <a:endParaRPr lang="en-US"/>
+          </a:p>
+        </p:txBody>
+      </p:sp>
+    </p:spTree>
+    <p:extLst>
+      <p:ext uri="{BB962C8B-B14F-4D97-AF65-F5344CB8AC3E}">
+        <p14:creationId xmlns:p14="http://schemas.microsoft.com/office/powerpoint/2010/main" val="3928446583"/>
       </p:ext>
     </p:extLst>
   </p:cSld>
@@ -14417,7 +14878,7 @@
                 <a:effectLst/>
                 <a:latin typeface="-apple-system"/>
               </a:rPr>
-              <a:t> Measure the reduction in recruitment cost by comparing expenses before and after implementing an automated resume tracking system. Metrics could include cost per hire, advertising expenses, and interviewer time.</a:t>
+              <a:t> Measure the reduction in recruitment cost by comparing expenses before and after implementing an automated resume tracking system. Metrics could include cost per hire, advertising expenses, PIR and interviewer time.</a:t>
             </a:r>
           </a:p>
           <a:p>
@@ -15110,7 +15571,7 @@
           <p:nvPr>
             <p:extLst>
               <p:ext uri="{D42A27DB-BD31-4B8C-83A1-F6EECF244321}">
-                <p14:modId xmlns:p14="http://schemas.microsoft.com/office/powerpoint/2010/main" val="1522980820"/>
+                <p14:modId xmlns:p14="http://schemas.microsoft.com/office/powerpoint/2010/main" val="2002126205"/>
               </p:ext>
             </p:extLst>
           </p:nvPr>
@@ -15167,7 +15628,7 @@
           <a:p>
             <a:r>
               <a:rPr lang="en-IN" dirty="0"/>
-              <a:t>Feasibility &amp; Challenges</a:t>
+              <a:t>Feasibility, legality &amp; Challenges</a:t>
             </a:r>
           </a:p>
         </p:txBody>
@@ -15187,7 +15648,7 @@
         <p:spPr>
           <a:xfrm>
             <a:off x="258572" y="4724400"/>
-            <a:ext cx="8580628" cy="1600438"/>
+            <a:ext cx="8580628" cy="1846659"/>
           </a:xfrm>
           <a:prstGeom prst="rect">
             <a:avLst/>
@@ -15216,7 +15677,7 @@
             </a:pPr>
             <a:r>
               <a:rPr lang="en-US" sz="1600" dirty="0"/>
-              <a:t>Continuous training of the Model will be needed, due to the everchanging market needs and talent pools and tech stacks</a:t>
+              <a:t>Continuous training of the Model will be needed, due to the everchanging market needs and talent pools and tech stacks. </a:t>
             </a:r>
           </a:p>
           <a:p>
@@ -15226,7 +15687,17 @@
             </a:pPr>
             <a:r>
               <a:rPr lang="en-US" sz="1600" dirty="0"/>
-              <a:t>With current data, evaluating the PIR for counteroffer is missing which is increasing the attrition or high cost of hiring</a:t>
+              <a:t>Fake Resume or profiles will be a challenge for current ML Model</a:t>
+            </a:r>
+          </a:p>
+          <a:p>
+            <a:pPr marL="285750" indent="-285750">
+              <a:buFont typeface="Arial" panose="020B0604020202020204" pitchFamily="34" charset="0"/>
+              <a:buChar char="•"/>
+            </a:pPr>
+            <a:r>
+              <a:rPr lang="en-US" sz="1600" dirty="0"/>
+              <a:t>Scaling the application will need higher and infra and robust testing methodology spanning across multiple domains</a:t>
             </a:r>
           </a:p>
           <a:p>
@@ -15317,14 +15788,14 @@
           <p:nvPr>
             <p:extLst>
               <p:ext uri="{D42A27DB-BD31-4B8C-83A1-F6EECF244321}">
-                <p14:modId xmlns:p14="http://schemas.microsoft.com/office/powerpoint/2010/main" val="2347535339"/>
+                <p14:modId xmlns:p14="http://schemas.microsoft.com/office/powerpoint/2010/main" val="2232806574"/>
               </p:ext>
             </p:extLst>
           </p:nvPr>
         </p:nvGraphicFramePr>
         <p:xfrm>
-          <a:off x="258572" y="1143000"/>
-          <a:ext cx="8245854" cy="3332480"/>
+          <a:off x="240178" y="838200"/>
+          <a:ext cx="8539077" cy="4847389"/>
         </p:xfrm>
         <a:graphic>
           <a:graphicData uri="http://schemas.openxmlformats.org/drawingml/2006/table">
@@ -15333,21 +15804,21 @@
                 <a:tableStyleId>{5C22544A-7EE6-4342-B048-85BDC9FD1C3A}</a:tableStyleId>
               </a:tblPr>
               <a:tblGrid>
-                <a:gridCol w="1828801">
+                <a:gridCol w="1893833">
                   <a:extLst>
                     <a:ext uri="{9D8B030D-6E8A-4147-A177-3AD203B41FA5}">
                       <a16:colId xmlns:a16="http://schemas.microsoft.com/office/drawing/2014/main" val="3591326801"/>
                     </a:ext>
                   </a:extLst>
                 </a:gridCol>
-                <a:gridCol w="3668435">
+                <a:gridCol w="3798885">
                   <a:extLst>
                     <a:ext uri="{9D8B030D-6E8A-4147-A177-3AD203B41FA5}">
                       <a16:colId xmlns:a16="http://schemas.microsoft.com/office/drawing/2014/main" val="755931510"/>
                     </a:ext>
                   </a:extLst>
                 </a:gridCol>
-                <a:gridCol w="2748618">
+                <a:gridCol w="2846359">
                   <a:extLst>
                     <a:ext uri="{9D8B030D-6E8A-4147-A177-3AD203B41FA5}">
                       <a16:colId xmlns:a16="http://schemas.microsoft.com/office/drawing/2014/main" val="1387144822"/>
@@ -15355,7 +15826,7 @@
                   </a:extLst>
                 </a:gridCol>
               </a:tblGrid>
-              <a:tr h="370840">
+              <a:tr h="299453">
                 <a:tc>
                   <a:txBody>
                     <a:bodyPr/>
@@ -15404,17 +15875,31 @@
                   </a:ext>
                 </a:extLst>
               </a:tr>
-              <a:tr h="370840">
+              <a:tr h="1122947">
                 <a:tc>
                   <a:txBody>
                     <a:bodyPr/>
                     <a:lstStyle/>
                     <a:p>
                       <a:r>
-                        <a:rPr lang="en-US" dirty="0"/>
+                        <a:rPr lang="en-US" dirty="0">
+                          <a:solidFill>
+                            <a:schemeClr val="dk1"/>
+                          </a:solidFill>
+                          <a:latin typeface="+mn-lt"/>
+                          <a:ea typeface="+mn-ea"/>
+                          <a:cs typeface="+mn-cs"/>
+                        </a:rPr>
                         <a:t>Data Preparation</a:t>
                       </a:r>
-                      <a:endParaRPr lang="en-IN" dirty="0"/>
+                      <a:endParaRPr lang="en-IN" dirty="0">
+                        <a:solidFill>
+                          <a:schemeClr val="dk1"/>
+                        </a:solidFill>
+                        <a:latin typeface="+mn-lt"/>
+                        <a:ea typeface="+mn-ea"/>
+                        <a:cs typeface="+mn-cs"/>
+                      </a:endParaRPr>
                     </a:p>
                   </a:txBody>
                   <a:tcPr/>
@@ -15429,16 +15914,57 @@
                         <a:buNone/>
                       </a:pPr>
                       <a:r>
-                        <a:rPr lang="en-IN" sz="1000" dirty="0"/>
-                        <a:t>Web Scraping for JD from Job-Portals </a:t>
+                        <a:rPr lang="en-IN" sz="1400" b="0" i="0" dirty="0">
+                          <a:solidFill>
+                            <a:srgbClr val="111111"/>
+                          </a:solidFill>
+                          <a:effectLst/>
+                          <a:latin typeface="-apple-system"/>
+                        </a:rPr>
+                        <a:t>This step involves collecting resumes and Job Description from various sources and storing them in a structured format.</a:t>
                       </a:r>
-                      <a:br>
-                        <a:rPr lang="en-IN" sz="1000" dirty="0"/>
-                      </a:br>
+                    </a:p>
+                    <a:p>
+                      <a:pPr marL="0" indent="0">
+                        <a:buFont typeface="Arial" panose="020B0604020202020204" pitchFamily="34" charset="0"/>
+                        <a:buNone/>
+                      </a:pPr>
+                      <a:endParaRPr lang="en-IN" sz="1400" b="0" i="0" dirty="0">
+                        <a:solidFill>
+                          <a:srgbClr val="111111"/>
+                        </a:solidFill>
+                        <a:effectLst/>
+                        <a:latin typeface="-apple-system"/>
+                        <a:ea typeface="+mn-ea"/>
+                        <a:cs typeface="+mn-cs"/>
+                      </a:endParaRPr>
+                    </a:p>
+                    <a:p>
+                      <a:pPr marL="0" indent="0">
+                        <a:buFont typeface="Arial" panose="020B0604020202020204" pitchFamily="34" charset="0"/>
+                        <a:buNone/>
+                      </a:pPr>
                       <a:r>
-                        <a:rPr lang="en-IN" sz="1000" dirty="0"/>
-                        <a:t>Survey data for Resume/Skills </a:t>
+                        <a:rPr lang="en-IN" sz="1400" b="0" i="0" dirty="0">
+                          <a:solidFill>
+                            <a:srgbClr val="111111"/>
+                          </a:solidFill>
+                          <a:effectLst/>
+                          <a:latin typeface="-apple-system"/>
+                          <a:ea typeface="+mn-ea"/>
+                          <a:cs typeface="+mn-cs"/>
+                          <a:hlinkClick r:id="rId3" action="ppaction://hlinksldjump"/>
+                        </a:rPr>
+                        <a:t>More Details</a:t>
                       </a:r>
+                      <a:endParaRPr lang="en-IN" sz="1400" dirty="0">
+                        <a:solidFill>
+                          <a:schemeClr val="dk1"/>
+                        </a:solidFill>
+                        <a:latin typeface="+mn-lt"/>
+                        <a:ea typeface="+mn-ea"/>
+                        <a:cs typeface="+mn-cs"/>
+                      </a:endParaRPr>
                     </a:p>
                   </a:txBody>
                   <a:tcPr/>
@@ -15448,7 +15974,28 @@
                     <a:bodyPr/>
                     <a:lstStyle/>
                     <a:p>
-                      <a:endParaRPr lang="en-IN"/>
+                      <a:r>
+                        <a:rPr lang="en-IN" sz="1400" dirty="0">
+                          <a:hlinkClick r:id="rId4"/>
+                        </a:rPr>
+                        <a:t>https://github.com/anirudhyadav/ISBG4FP1/blob/main/step1a_jd_dataprocurement.ipynb</a:t>
+                      </a:r>
+                      <a:r>
+                        <a:rPr lang="en-IN" sz="1400" dirty="0"/>
+                        <a:t> </a:t>
+                      </a:r>
+                    </a:p>
+                    <a:p>
+                      <a:r>
+                        <a:rPr lang="en-IN" sz="1400" dirty="0">
+                          <a:hlinkClick r:id="rId5"/>
+                        </a:rPr>
+                        <a:t>https://github.com/anirudhyadav/ISBG4FP1/blob/main/step1b_LinkedinScraper.ipynb</a:t>
+                      </a:r>
+                      <a:r>
+                        <a:rPr lang="en-IN" sz="1400" dirty="0"/>
+                        <a:t> </a:t>
+                      </a:r>
                     </a:p>
                   </a:txBody>
                   <a:tcPr/>
@@ -15459,7 +16006,7 @@
                   </a:ext>
                 </a:extLst>
               </a:tr>
-              <a:tr h="370840">
+              <a:tr h="1646989">
                 <a:tc>
                   <a:txBody>
                     <a:bodyPr/>
@@ -15480,8 +16027,8 @@
                     <a:lstStyle/>
                     <a:p>
                       <a:r>
-                        <a:rPr lang="en-IN" dirty="0"/>
-                        <a:t>Finding the cosine similarities between the JD’s and Resume Skills</a:t>
+                        <a:rPr lang="en-IN" sz="1400" dirty="0"/>
+                        <a:t>Elements addressed here are were under the umbrella of Performance, Robustness, Scalability, easy to explain, complexity and resources</a:t>
                       </a:r>
                     </a:p>
                   </a:txBody>
@@ -15492,7 +16039,62 @@
                     <a:bodyPr/>
                     <a:lstStyle/>
                     <a:p>
-                      <a:endParaRPr lang="en-IN"/>
+                      <a:pPr marL="0" indent="0">
+                        <a:buFont typeface="Arial" panose="020B0604020202020204" pitchFamily="34" charset="0"/>
+                        <a:buNone/>
+                      </a:pPr>
+                      <a:r>
+                        <a:rPr lang="en-IN" sz="1400" dirty="0">
+                          <a:solidFill>
+                            <a:schemeClr val="dk1"/>
+                          </a:solidFill>
+                          <a:latin typeface="+mn-lt"/>
+                          <a:ea typeface="+mn-ea"/>
+                          <a:cs typeface="+mn-cs"/>
+                        </a:rPr>
+                        <a:t>1. Web Scraping for JD from Job-Portals </a:t>
+                      </a:r>
+                      <a:br>
+                        <a:rPr lang="en-IN" sz="1400" dirty="0">
+                          <a:solidFill>
+                            <a:schemeClr val="dk1"/>
+                          </a:solidFill>
+                          <a:latin typeface="+mn-lt"/>
+                          <a:ea typeface="+mn-ea"/>
+                          <a:cs typeface="+mn-cs"/>
+                        </a:rPr>
+                      </a:br>
+                      <a:r>
+                        <a:rPr lang="en-IN" sz="1400" dirty="0">
+                          <a:solidFill>
+                            <a:schemeClr val="dk1"/>
+                          </a:solidFill>
+                          <a:latin typeface="+mn-lt"/>
+                          <a:ea typeface="+mn-ea"/>
+                          <a:cs typeface="+mn-cs"/>
+                        </a:rPr>
+                        <a:t>2. Survey data for Resume/Skills </a:t>
+                      </a:r>
+                    </a:p>
+                    <a:p>
+                      <a:pPr marL="0" indent="0">
+                        <a:buFont typeface="Arial" panose="020B0604020202020204" pitchFamily="34" charset="0"/>
+                        <a:buNone/>
+                      </a:pPr>
+                      <a:r>
+                        <a:rPr lang="en-IN" sz="1400" dirty="0">
+                          <a:solidFill>
+                            <a:schemeClr val="dk1"/>
+                          </a:solidFill>
+                          <a:latin typeface="+mn-lt"/>
+                          <a:ea typeface="+mn-ea"/>
+                          <a:cs typeface="+mn-cs"/>
+                        </a:rPr>
+                        <a:t>Which also involved text clean-up</a:t>
+                      </a:r>
+                    </a:p>
+                    <a:p>
+                      <a:endParaRPr lang="en-IN" dirty="0"/>
                     </a:p>
                   </a:txBody>
                   <a:tcPr/>
@@ -15503,7 +16105,7 @@
                   </a:ext>
                 </a:extLst>
               </a:tr>
-              <a:tr h="370840">
+              <a:tr h="299453">
                 <a:tc>
                   <a:txBody>
                     <a:bodyPr/>
@@ -15524,7 +16126,7 @@
                     <a:lstStyle/>
                     <a:p>
                       <a:r>
-                        <a:rPr lang="en-IN" dirty="0"/>
+                        <a:rPr lang="en-IN" sz="1400" dirty="0"/>
                         <a:t>Evaluating the score based on labelled dataset</a:t>
                       </a:r>
                     </a:p>
@@ -15547,7 +16149,7 @@
                   </a:ext>
                 </a:extLst>
               </a:tr>
-              <a:tr h="370840">
+              <a:tr h="299453">
                 <a:tc>
                   <a:txBody>
                     <a:bodyPr/>
@@ -15567,7 +16169,7 @@
                     <a:bodyPr/>
                     <a:lstStyle/>
                     <a:p>
-                      <a:endParaRPr lang="en-IN" dirty="0"/>
+                      <a:endParaRPr lang="en-IN" sz="1400" dirty="0"/>
                     </a:p>
                   </a:txBody>
                   <a:tcPr/>
@@ -15588,7 +16190,7 @@
                   </a:ext>
                 </a:extLst>
               </a:tr>
-              <a:tr h="370840">
+              <a:tr h="598905">
                 <a:tc>
                   <a:txBody>
                     <a:bodyPr/>
@@ -15609,7 +16211,7 @@
                     <a:lstStyle/>
                     <a:p>
                       <a:r>
-                        <a:rPr lang="en-IN" dirty="0"/>
+                        <a:rPr lang="en-IN" sz="1400" dirty="0"/>
                         <a:t>Weekly Job portal scraping for latest skills and expanding to other Job websites for extended corpus.</a:t>
                       </a:r>
                     </a:p>
@@ -15650,7 +16252,7 @@
         </p:nvSpPr>
         <p:spPr>
           <a:xfrm>
-            <a:off x="152400" y="5257800"/>
+            <a:off x="152400" y="5634183"/>
             <a:ext cx="8626855" cy="677108"/>
           </a:xfrm>
           <a:prstGeom prst="rect">

--- a/Foundation_Project_G4__Final_Review_Trending_Jobs.pptx
+++ b/Foundation_Project_G4__Final_Review_Trending_Jobs.pptx
@@ -5,7 +5,7 @@
     <p:sldMasterId id="2147483648" r:id="rId1"/>
   </p:sldMasterIdLst>
   <p:notesMasterIdLst>
-    <p:notesMasterId r:id="rId15"/>
+    <p:notesMasterId r:id="rId18"/>
   </p:notesMasterIdLst>
   <p:sldIdLst>
     <p:sldId id="256" r:id="rId2"/>
@@ -16,11 +16,14 @@
     <p:sldId id="314" r:id="rId7"/>
     <p:sldId id="315" r:id="rId8"/>
     <p:sldId id="301" r:id="rId9"/>
-    <p:sldId id="309" r:id="rId10"/>
-    <p:sldId id="296" r:id="rId11"/>
-    <p:sldId id="308" r:id="rId12"/>
+    <p:sldId id="308" r:id="rId10"/>
+    <p:sldId id="309" r:id="rId11"/>
+    <p:sldId id="296" r:id="rId12"/>
     <p:sldId id="316" r:id="rId13"/>
     <p:sldId id="317" r:id="rId14"/>
+    <p:sldId id="318" r:id="rId15"/>
+    <p:sldId id="319" r:id="rId16"/>
+    <p:sldId id="320" r:id="rId17"/>
   </p:sldIdLst>
   <p:sldSz cx="9144000" cy="6858000" type="screen4x3"/>
   <p:notesSz cx="9144000" cy="6858000"/>
@@ -51,338 +54,255 @@
 <file path=ppt/changesInfos/changesInfo1.xml><?xml version="1.0" encoding="utf-8"?>
 <pc:chgInfo xmlns:a="http://schemas.openxmlformats.org/drawingml/2006/main" xmlns:r="http://schemas.openxmlformats.org/officeDocument/2006/relationships" xmlns:ac="http://schemas.microsoft.com/office/drawing/2013/main/command" xmlns:pc="http://schemas.microsoft.com/office/powerpoint/2013/main/command">
   <pc:docChgLst>
-    <pc:chgData name="Paladugu, Sharath Chandra" userId="6d1a1743-14c9-4b47-81c7-2e76531f51c8" providerId="ADAL" clId="{CB99F4EC-94BE-4768-BAF8-D0D1459B6363}"/>
-    <pc:docChg chg="undo custSel addSld delSld modSld sldOrd">
-      <pc:chgData name="Paladugu, Sharath Chandra" userId="6d1a1743-14c9-4b47-81c7-2e76531f51c8" providerId="ADAL" clId="{CB99F4EC-94BE-4768-BAF8-D0D1459B6363}" dt="2024-01-12T07:07:57.983" v="2883" actId="1076"/>
+    <pc:chgData name="Paladugu, Sharath Chandra" userId="6d1a1743-14c9-4b47-81c7-2e76531f51c8" providerId="ADAL" clId="{1DB1A718-5CBE-49E3-A609-BC430CC561CC}"/>
+    <pc:docChg chg="undo custSel modSld">
+      <pc:chgData name="Paladugu, Sharath Chandra" userId="6d1a1743-14c9-4b47-81c7-2e76531f51c8" providerId="ADAL" clId="{1DB1A718-5CBE-49E3-A609-BC430CC561CC}" dt="2024-01-12T14:39:42.165" v="4345" actId="1076"/>
       <pc:docMkLst>
         <pc:docMk/>
       </pc:docMkLst>
-      <pc:sldChg chg="del">
-        <pc:chgData name="Paladugu, Sharath Chandra" userId="6d1a1743-14c9-4b47-81c7-2e76531f51c8" providerId="ADAL" clId="{CB99F4EC-94BE-4768-BAF8-D0D1459B6363}" dt="2024-01-12T06:30:03.890" v="2696" actId="47"/>
-        <pc:sldMkLst>
-          <pc:docMk/>
-          <pc:sldMk cId="427970267" sldId="298"/>
-        </pc:sldMkLst>
-      </pc:sldChg>
-      <pc:sldChg chg="addSp modSp mod">
-        <pc:chgData name="Paladugu, Sharath Chandra" userId="6d1a1743-14c9-4b47-81c7-2e76531f51c8" providerId="ADAL" clId="{CB99F4EC-94BE-4768-BAF8-D0D1459B6363}" dt="2024-01-12T06:03:48.418" v="1361" actId="12"/>
+      <pc:sldChg chg="modSp mod">
+        <pc:chgData name="Paladugu, Sharath Chandra" userId="6d1a1743-14c9-4b47-81c7-2e76531f51c8" providerId="ADAL" clId="{1DB1A718-5CBE-49E3-A609-BC430CC561CC}" dt="2024-01-12T14:38:46.529" v="4340" actId="20577"/>
         <pc:sldMkLst>
           <pc:docMk/>
           <pc:sldMk cId="1288736458" sldId="300"/>
         </pc:sldMkLst>
         <pc:spChg chg="mod">
-          <ac:chgData name="Paladugu, Sharath Chandra" userId="6d1a1743-14c9-4b47-81c7-2e76531f51c8" providerId="ADAL" clId="{CB99F4EC-94BE-4768-BAF8-D0D1459B6363}" dt="2024-01-12T06:03:13.141" v="1354" actId="255"/>
-          <ac:spMkLst>
-            <pc:docMk/>
-            <pc:sldMk cId="1288736458" sldId="300"/>
-            <ac:spMk id="3" creationId="{FFA65C98-9FF2-E7C1-154A-78678397AE65}"/>
-          </ac:spMkLst>
-        </pc:spChg>
-        <pc:spChg chg="add mod">
-          <ac:chgData name="Paladugu, Sharath Chandra" userId="6d1a1743-14c9-4b47-81c7-2e76531f51c8" providerId="ADAL" clId="{CB99F4EC-94BE-4768-BAF8-D0D1459B6363}" dt="2024-01-12T06:03:48.418" v="1361" actId="12"/>
+          <ac:chgData name="Paladugu, Sharath Chandra" userId="6d1a1743-14c9-4b47-81c7-2e76531f51c8" providerId="ADAL" clId="{1DB1A718-5CBE-49E3-A609-BC430CC561CC}" dt="2024-01-12T14:38:46.529" v="4340" actId="20577"/>
           <ac:spMkLst>
             <pc:docMk/>
             <pc:sldMk cId="1288736458" sldId="300"/>
             <ac:spMk id="5" creationId="{3C865243-D082-7E28-9137-1AEF500EC631}"/>
           </ac:spMkLst>
         </pc:spChg>
+      </pc:sldChg>
+      <pc:sldChg chg="modSp mod">
+        <pc:chgData name="Paladugu, Sharath Chandra" userId="6d1a1743-14c9-4b47-81c7-2e76531f51c8" providerId="ADAL" clId="{1DB1A718-5CBE-49E3-A609-BC430CC561CC}" dt="2024-01-12T14:39:42.165" v="4345" actId="1076"/>
+        <pc:sldMkLst>
+          <pc:docMk/>
+          <pc:sldMk cId="1706364345" sldId="301"/>
+        </pc:sldMkLst>
+        <pc:spChg chg="mod">
+          <ac:chgData name="Paladugu, Sharath Chandra" userId="6d1a1743-14c9-4b47-81c7-2e76531f51c8" providerId="ADAL" clId="{1DB1A718-5CBE-49E3-A609-BC430CC561CC}" dt="2024-01-12T14:39:37.670" v="4343" actId="1076"/>
+          <ac:spMkLst>
+            <pc:docMk/>
+            <pc:sldMk cId="1706364345" sldId="301"/>
+            <ac:spMk id="10" creationId="{A6D039FB-F586-60A7-137A-32BDD6D021B4}"/>
+          </ac:spMkLst>
+        </pc:spChg>
         <pc:picChg chg="mod">
-          <ac:chgData name="Paladugu, Sharath Chandra" userId="6d1a1743-14c9-4b47-81c7-2e76531f51c8" providerId="ADAL" clId="{CB99F4EC-94BE-4768-BAF8-D0D1459B6363}" dt="2024-01-12T06:03:16.074" v="1355" actId="1076"/>
+          <ac:chgData name="Paladugu, Sharath Chandra" userId="6d1a1743-14c9-4b47-81c7-2e76531f51c8" providerId="ADAL" clId="{1DB1A718-5CBE-49E3-A609-BC430CC561CC}" dt="2024-01-12T14:39:42.165" v="4345" actId="1076"/>
           <ac:picMkLst>
             <pc:docMk/>
-            <pc:sldMk cId="1288736458" sldId="300"/>
-            <ac:picMk id="6" creationId="{ACC910B8-7392-4C52-9DF0-1984855CAF18}"/>
+            <pc:sldMk cId="1706364345" sldId="301"/>
+            <ac:picMk id="14" creationId="{1A112631-A026-8115-9224-42261AE4BF12}"/>
           </ac:picMkLst>
         </pc:picChg>
       </pc:sldChg>
-      <pc:sldChg chg="modSp del mod">
-        <pc:chgData name="Paladugu, Sharath Chandra" userId="6d1a1743-14c9-4b47-81c7-2e76531f51c8" providerId="ADAL" clId="{CB99F4EC-94BE-4768-BAF8-D0D1459B6363}" dt="2024-01-12T06:29:46.208" v="2695" actId="47"/>
+      <pc:sldChg chg="modSp mod">
+        <pc:chgData name="Paladugu, Sharath Chandra" userId="6d1a1743-14c9-4b47-81c7-2e76531f51c8" providerId="ADAL" clId="{1DB1A718-5CBE-49E3-A609-BC430CC561CC}" dt="2024-01-12T10:26:19.916" v="518" actId="20577"/>
         <pc:sldMkLst>
           <pc:docMk/>
-          <pc:sldMk cId="1591147106" sldId="302"/>
+          <pc:sldMk cId="601324877" sldId="308"/>
         </pc:sldMkLst>
         <pc:spChg chg="mod">
-          <ac:chgData name="Paladugu, Sharath Chandra" userId="6d1a1743-14c9-4b47-81c7-2e76531f51c8" providerId="ADAL" clId="{CB99F4EC-94BE-4768-BAF8-D0D1459B6363}" dt="2024-01-12T06:29:02.281" v="2666" actId="21"/>
+          <ac:chgData name="Paladugu, Sharath Chandra" userId="6d1a1743-14c9-4b47-81c7-2e76531f51c8" providerId="ADAL" clId="{1DB1A718-5CBE-49E3-A609-BC430CC561CC}" dt="2024-01-12T10:26:19.916" v="518" actId="20577"/>
           <ac:spMkLst>
             <pc:docMk/>
-            <pc:sldMk cId="1591147106" sldId="302"/>
-            <ac:spMk id="7" creationId="{C95587DC-E363-C20D-5475-D4671C4E48C1}"/>
+            <pc:sldMk cId="601324877" sldId="308"/>
+            <ac:spMk id="3" creationId="{945204EE-0506-616E-330A-E698FCA12744}"/>
           </ac:spMkLst>
         </pc:spChg>
       </pc:sldChg>
-      <pc:sldChg chg="del">
-        <pc:chgData name="Paladugu, Sharath Chandra" userId="6d1a1743-14c9-4b47-81c7-2e76531f51c8" providerId="ADAL" clId="{CB99F4EC-94BE-4768-BAF8-D0D1459B6363}" dt="2024-01-12T06:30:08.371" v="2697" actId="47"/>
-        <pc:sldMkLst>
-          <pc:docMk/>
-          <pc:sldMk cId="2432743766" sldId="310"/>
-        </pc:sldMkLst>
-      </pc:sldChg>
-      <pc:sldChg chg="modSp mod">
-        <pc:chgData name="Paladugu, Sharath Chandra" userId="6d1a1743-14c9-4b47-81c7-2e76531f51c8" providerId="ADAL" clId="{CB99F4EC-94BE-4768-BAF8-D0D1459B6363}" dt="2024-01-12T06:30:45.733" v="2698" actId="1076"/>
+      <pc:sldChg chg="delSp modSp mod">
+        <pc:chgData name="Paladugu, Sharath Chandra" userId="6d1a1743-14c9-4b47-81c7-2e76531f51c8" providerId="ADAL" clId="{1DB1A718-5CBE-49E3-A609-BC430CC561CC}" dt="2024-01-12T12:01:55.281" v="1056" actId="478"/>
         <pc:sldMkLst>
           <pc:docMk/>
           <pc:sldMk cId="1347120195" sldId="311"/>
         </pc:sldMkLst>
-        <pc:graphicFrameChg chg="mod">
-          <ac:chgData name="Paladugu, Sharath Chandra" userId="6d1a1743-14c9-4b47-81c7-2e76531f51c8" providerId="ADAL" clId="{CB99F4EC-94BE-4768-BAF8-D0D1459B6363}" dt="2024-01-12T06:30:45.733" v="2698" actId="1076"/>
-          <ac:graphicFrameMkLst>
+        <pc:picChg chg="del mod">
+          <ac:chgData name="Paladugu, Sharath Chandra" userId="6d1a1743-14c9-4b47-81c7-2e76531f51c8" providerId="ADAL" clId="{1DB1A718-5CBE-49E3-A609-BC430CC561CC}" dt="2024-01-12T12:01:55.281" v="1056" actId="478"/>
+          <ac:picMkLst>
             <pc:docMk/>
             <pc:sldMk cId="1347120195" sldId="311"/>
-            <ac:graphicFrameMk id="25" creationId="{64D950C1-3452-F044-A356-A886D2AF47E2}"/>
-          </ac:graphicFrameMkLst>
-        </pc:graphicFrameChg>
+            <ac:picMk id="17" creationId="{569113C9-09BE-DA5F-6534-D14A1324E28F}"/>
+          </ac:picMkLst>
+        </pc:picChg>
       </pc:sldChg>
-      <pc:sldChg chg="addSp delSp modSp add mod ord">
-        <pc:chgData name="Paladugu, Sharath Chandra" userId="6d1a1743-14c9-4b47-81c7-2e76531f51c8" providerId="ADAL" clId="{CB99F4EC-94BE-4768-BAF8-D0D1459B6363}" dt="2024-01-12T06:51:33.221" v="2736" actId="313"/>
+      <pc:sldChg chg="modSp mod">
+        <pc:chgData name="Paladugu, Sharath Chandra" userId="6d1a1743-14c9-4b47-81c7-2e76531f51c8" providerId="ADAL" clId="{1DB1A718-5CBE-49E3-A609-BC430CC561CC}" dt="2024-01-12T12:04:27.549" v="1126" actId="20577"/>
         <pc:sldMkLst>
           <pc:docMk/>
           <pc:sldMk cId="1514294046" sldId="312"/>
         </pc:sldMkLst>
         <pc:spChg chg="mod">
-          <ac:chgData name="Paladugu, Sharath Chandra" userId="6d1a1743-14c9-4b47-81c7-2e76531f51c8" providerId="ADAL" clId="{CB99F4EC-94BE-4768-BAF8-D0D1459B6363}" dt="2024-01-12T05:31:34.165" v="12" actId="20577"/>
-          <ac:spMkLst>
-            <pc:docMk/>
-            <pc:sldMk cId="1514294046" sldId="312"/>
-            <ac:spMk id="2" creationId="{688F3322-E4F8-B49C-A2B5-D7BB76F913E7}"/>
-          </ac:spMkLst>
-        </pc:spChg>
-        <pc:spChg chg="mod">
-          <ac:chgData name="Paladugu, Sharath Chandra" userId="6d1a1743-14c9-4b47-81c7-2e76531f51c8" providerId="ADAL" clId="{CB99F4EC-94BE-4768-BAF8-D0D1459B6363}" dt="2024-01-12T05:46:34.228" v="390" actId="6549"/>
-          <ac:spMkLst>
-            <pc:docMk/>
-            <pc:sldMk cId="1514294046" sldId="312"/>
-            <ac:spMk id="3" creationId="{3BF6C47B-E6D9-A908-7D5B-C88A6C39D69A}"/>
-          </ac:spMkLst>
-        </pc:spChg>
-        <pc:spChg chg="add del mod">
-          <ac:chgData name="Paladugu, Sharath Chandra" userId="6d1a1743-14c9-4b47-81c7-2e76531f51c8" providerId="ADAL" clId="{CB99F4EC-94BE-4768-BAF8-D0D1459B6363}" dt="2024-01-12T05:50:25.929" v="520" actId="478"/>
-          <ac:spMkLst>
-            <pc:docMk/>
-            <pc:sldMk cId="1514294046" sldId="312"/>
-            <ac:spMk id="5" creationId="{C5F2F57A-D6FE-5D13-0F32-14D9C746DB71}"/>
-          </ac:spMkLst>
-        </pc:spChg>
-        <pc:spChg chg="add mod">
-          <ac:chgData name="Paladugu, Sharath Chandra" userId="6d1a1743-14c9-4b47-81c7-2e76531f51c8" providerId="ADAL" clId="{CB99F4EC-94BE-4768-BAF8-D0D1459B6363}" dt="2024-01-12T06:51:33.221" v="2736" actId="313"/>
+          <ac:chgData name="Paladugu, Sharath Chandra" userId="6d1a1743-14c9-4b47-81c7-2e76531f51c8" providerId="ADAL" clId="{1DB1A718-5CBE-49E3-A609-BC430CC561CC}" dt="2024-01-12T12:04:27.549" v="1126" actId="20577"/>
           <ac:spMkLst>
             <pc:docMk/>
             <pc:sldMk cId="1514294046" sldId="312"/>
             <ac:spMk id="7" creationId="{60ED45C9-4514-776D-FD69-D60C506030D3}"/>
           </ac:spMkLst>
         </pc:spChg>
-        <pc:graphicFrameChg chg="add mod modGraphic">
-          <ac:chgData name="Paladugu, Sharath Chandra" userId="6d1a1743-14c9-4b47-81c7-2e76531f51c8" providerId="ADAL" clId="{CB99F4EC-94BE-4768-BAF8-D0D1459B6363}" dt="2024-01-12T06:42:08.291" v="2715" actId="1076"/>
-          <ac:graphicFrameMkLst>
-            <pc:docMk/>
-            <pc:sldMk cId="1514294046" sldId="312"/>
-            <ac:graphicFrameMk id="4" creationId="{EF914158-3BFF-FA61-BF1D-E65AC4A64446}"/>
-          </ac:graphicFrameMkLst>
-        </pc:graphicFrameChg>
       </pc:sldChg>
-      <pc:sldChg chg="addSp delSp modSp add mod">
-        <pc:chgData name="Paladugu, Sharath Chandra" userId="6d1a1743-14c9-4b47-81c7-2e76531f51c8" providerId="ADAL" clId="{CB99F4EC-94BE-4768-BAF8-D0D1459B6363}" dt="2024-01-12T07:07:57.983" v="2883" actId="1076"/>
-        <pc:sldMkLst>
-          <pc:docMk/>
-          <pc:sldMk cId="960432996" sldId="313"/>
-        </pc:sldMkLst>
-        <pc:spChg chg="mod">
-          <ac:chgData name="Paladugu, Sharath Chandra" userId="6d1a1743-14c9-4b47-81c7-2e76531f51c8" providerId="ADAL" clId="{CB99F4EC-94BE-4768-BAF8-D0D1459B6363}" dt="2024-01-12T05:58:24.369" v="1119" actId="20577"/>
-          <ac:spMkLst>
-            <pc:docMk/>
-            <pc:sldMk cId="960432996" sldId="313"/>
-            <ac:spMk id="2" creationId="{688F3322-E4F8-B49C-A2B5-D7BB76F913E7}"/>
-          </ac:spMkLst>
-        </pc:spChg>
-        <pc:spChg chg="del">
-          <ac:chgData name="Paladugu, Sharath Chandra" userId="6d1a1743-14c9-4b47-81c7-2e76531f51c8" providerId="ADAL" clId="{CB99F4EC-94BE-4768-BAF8-D0D1459B6363}" dt="2024-01-12T05:51:13.767" v="552" actId="478"/>
-          <ac:spMkLst>
-            <pc:docMk/>
-            <pc:sldMk cId="960432996" sldId="313"/>
-            <ac:spMk id="3" creationId="{3BF6C47B-E6D9-A908-7D5B-C88A6C39D69A}"/>
-          </ac:spMkLst>
-        </pc:spChg>
-        <pc:spChg chg="add del mod">
-          <ac:chgData name="Paladugu, Sharath Chandra" userId="6d1a1743-14c9-4b47-81c7-2e76531f51c8" providerId="ADAL" clId="{CB99F4EC-94BE-4768-BAF8-D0D1459B6363}" dt="2024-01-12T05:51:27.289" v="560" actId="478"/>
-          <ac:spMkLst>
-            <pc:docMk/>
-            <pc:sldMk cId="960432996" sldId="313"/>
-            <ac:spMk id="6" creationId="{078521E3-A3A3-F13C-8F6B-D726C6B77A23}"/>
-          </ac:spMkLst>
-        </pc:spChg>
-        <pc:spChg chg="add mod">
-          <ac:chgData name="Paladugu, Sharath Chandra" userId="6d1a1743-14c9-4b47-81c7-2e76531f51c8" providerId="ADAL" clId="{CB99F4EC-94BE-4768-BAF8-D0D1459B6363}" dt="2024-01-12T07:03:42.400" v="2860" actId="1076"/>
-          <ac:spMkLst>
-            <pc:docMk/>
-            <pc:sldMk cId="960432996" sldId="313"/>
-            <ac:spMk id="10" creationId="{90304646-C40B-EBE6-C528-90BC3ED48BAA}"/>
-          </ac:spMkLst>
-        </pc:spChg>
-        <pc:spChg chg="add mod">
-          <ac:chgData name="Paladugu, Sharath Chandra" userId="6d1a1743-14c9-4b47-81c7-2e76531f51c8" providerId="ADAL" clId="{CB99F4EC-94BE-4768-BAF8-D0D1459B6363}" dt="2024-01-12T07:05:48.927" v="2867" actId="1076"/>
-          <ac:spMkLst>
-            <pc:docMk/>
-            <pc:sldMk cId="960432996" sldId="313"/>
-            <ac:spMk id="12" creationId="{B0CCA7FD-C6AF-A5A7-140C-0378E2404ABC}"/>
-          </ac:spMkLst>
-        </pc:spChg>
-        <pc:spChg chg="add del">
-          <ac:chgData name="Paladugu, Sharath Chandra" userId="6d1a1743-14c9-4b47-81c7-2e76531f51c8" providerId="ADAL" clId="{CB99F4EC-94BE-4768-BAF8-D0D1459B6363}" dt="2024-01-12T07:06:49.681" v="2870"/>
-          <ac:spMkLst>
-            <pc:docMk/>
-            <pc:sldMk cId="960432996" sldId="313"/>
-            <ac:spMk id="13" creationId="{8CEC5423-135B-DCBC-645A-53F330A3CF5D}"/>
-          </ac:spMkLst>
-        </pc:spChg>
-        <pc:graphicFrameChg chg="del">
-          <ac:chgData name="Paladugu, Sharath Chandra" userId="6d1a1743-14c9-4b47-81c7-2e76531f51c8" providerId="ADAL" clId="{CB99F4EC-94BE-4768-BAF8-D0D1459B6363}" dt="2024-01-12T05:51:10.374" v="551" actId="478"/>
-          <ac:graphicFrameMkLst>
-            <pc:docMk/>
-            <pc:sldMk cId="960432996" sldId="313"/>
-            <ac:graphicFrameMk id="4" creationId="{EF914158-3BFF-FA61-BF1D-E65AC4A64446}"/>
-          </ac:graphicFrameMkLst>
-        </pc:graphicFrameChg>
-        <pc:graphicFrameChg chg="add del mod modGraphic">
-          <ac:chgData name="Paladugu, Sharath Chandra" userId="6d1a1743-14c9-4b47-81c7-2e76531f51c8" providerId="ADAL" clId="{CB99F4EC-94BE-4768-BAF8-D0D1459B6363}" dt="2024-01-12T05:53:34.587" v="605" actId="478"/>
-          <ac:graphicFrameMkLst>
-            <pc:docMk/>
-            <pc:sldMk cId="960432996" sldId="313"/>
-            <ac:graphicFrameMk id="7" creationId="{D497E76B-743F-3730-C591-9B293F22FD60}"/>
-          </ac:graphicFrameMkLst>
-        </pc:graphicFrameChg>
-        <pc:graphicFrameChg chg="add del mod modGraphic">
-          <ac:chgData name="Paladugu, Sharath Chandra" userId="6d1a1743-14c9-4b47-81c7-2e76531f51c8" providerId="ADAL" clId="{CB99F4EC-94BE-4768-BAF8-D0D1459B6363}" dt="2024-01-12T07:06:43.911" v="2868" actId="478"/>
-          <ac:graphicFrameMkLst>
-            <pc:docMk/>
-            <pc:sldMk cId="960432996" sldId="313"/>
-            <ac:graphicFrameMk id="8" creationId="{255EB617-C677-F751-CD95-6DA238CE6FA4}"/>
-          </ac:graphicFrameMkLst>
-        </pc:graphicFrameChg>
-        <pc:picChg chg="add mod modCrop">
-          <ac:chgData name="Paladugu, Sharath Chandra" userId="6d1a1743-14c9-4b47-81c7-2e76531f51c8" providerId="ADAL" clId="{CB99F4EC-94BE-4768-BAF8-D0D1459B6363}" dt="2024-01-12T07:07:57.983" v="2883" actId="1076"/>
-          <ac:picMkLst>
-            <pc:docMk/>
-            <pc:sldMk cId="960432996" sldId="313"/>
-            <ac:picMk id="15" creationId="{131570E7-8729-A000-6C79-9C2C44F1D42B}"/>
-          </ac:picMkLst>
-        </pc:picChg>
-      </pc:sldChg>
-      <pc:sldChg chg="addSp delSp modSp add mod ord modNotesTx">
-        <pc:chgData name="Paladugu, Sharath Chandra" userId="6d1a1743-14c9-4b47-81c7-2e76531f51c8" providerId="ADAL" clId="{CB99F4EC-94BE-4768-BAF8-D0D1459B6363}" dt="2024-01-12T07:04:54.673" v="2862" actId="20577"/>
+      <pc:sldChg chg="modNotesTx">
+        <pc:chgData name="Paladugu, Sharath Chandra" userId="6d1a1743-14c9-4b47-81c7-2e76531f51c8" providerId="ADAL" clId="{1DB1A718-5CBE-49E3-A609-BC430CC561CC}" dt="2024-01-12T12:46:19.838" v="1127" actId="20577"/>
         <pc:sldMkLst>
           <pc:docMk/>
           <pc:sldMk cId="2838128386" sldId="314"/>
         </pc:sldMkLst>
-        <pc:spChg chg="mod">
-          <ac:chgData name="Paladugu, Sharath Chandra" userId="6d1a1743-14c9-4b47-81c7-2e76531f51c8" providerId="ADAL" clId="{CB99F4EC-94BE-4768-BAF8-D0D1459B6363}" dt="2024-01-12T06:07:00.050" v="1382" actId="20577"/>
-          <ac:spMkLst>
-            <pc:docMk/>
-            <pc:sldMk cId="2838128386" sldId="314"/>
-            <ac:spMk id="2" creationId="{688F3322-E4F8-B49C-A2B5-D7BB76F913E7}"/>
-          </ac:spMkLst>
-        </pc:spChg>
-        <pc:spChg chg="add mod">
-          <ac:chgData name="Paladugu, Sharath Chandra" userId="6d1a1743-14c9-4b47-81c7-2e76531f51c8" providerId="ADAL" clId="{CB99F4EC-94BE-4768-BAF8-D0D1459B6363}" dt="2024-01-12T06:17:47.158" v="2146" actId="20577"/>
-          <ac:spMkLst>
-            <pc:docMk/>
-            <pc:sldMk cId="2838128386" sldId="314"/>
-            <ac:spMk id="4" creationId="{4523174B-9B45-0472-9440-C74267AFECA8}"/>
-          </ac:spMkLst>
-        </pc:spChg>
-        <pc:spChg chg="add mod">
-          <ac:chgData name="Paladugu, Sharath Chandra" userId="6d1a1743-14c9-4b47-81c7-2e76531f51c8" providerId="ADAL" clId="{CB99F4EC-94BE-4768-BAF8-D0D1459B6363}" dt="2024-01-12T06:31:36.919" v="2704" actId="20577"/>
-          <ac:spMkLst>
-            <pc:docMk/>
-            <pc:sldMk cId="2838128386" sldId="314"/>
-            <ac:spMk id="5" creationId="{62B9B73F-E93F-D71C-ADA8-64EAC6E16054}"/>
-          </ac:spMkLst>
-        </pc:spChg>
-        <pc:graphicFrameChg chg="add mod modGraphic">
-          <ac:chgData name="Paladugu, Sharath Chandra" userId="6d1a1743-14c9-4b47-81c7-2e76531f51c8" providerId="ADAL" clId="{CB99F4EC-94BE-4768-BAF8-D0D1459B6363}" dt="2024-01-12T06:17:23.658" v="2112" actId="1076"/>
-          <ac:graphicFrameMkLst>
-            <pc:docMk/>
-            <pc:sldMk cId="2838128386" sldId="314"/>
-            <ac:graphicFrameMk id="3" creationId="{4E994724-9154-EEEE-A033-979EB4DA5AC8}"/>
-          </ac:graphicFrameMkLst>
-        </pc:graphicFrameChg>
-        <pc:graphicFrameChg chg="del">
-          <ac:chgData name="Paladugu, Sharath Chandra" userId="6d1a1743-14c9-4b47-81c7-2e76531f51c8" providerId="ADAL" clId="{CB99F4EC-94BE-4768-BAF8-D0D1459B6363}" dt="2024-01-12T06:07:06.020" v="1383" actId="478"/>
-          <ac:graphicFrameMkLst>
-            <pc:docMk/>
-            <pc:sldMk cId="2838128386" sldId="314"/>
-            <ac:graphicFrameMk id="8" creationId="{255EB617-C677-F751-CD95-6DA238CE6FA4}"/>
-          </ac:graphicFrameMkLst>
-        </pc:graphicFrameChg>
       </pc:sldChg>
-      <pc:sldChg chg="addSp delSp modSp add mod modNotesTx">
-        <pc:chgData name="Paladugu, Sharath Chandra" userId="6d1a1743-14c9-4b47-81c7-2e76531f51c8" providerId="ADAL" clId="{CB99F4EC-94BE-4768-BAF8-D0D1459B6363}" dt="2024-01-12T07:03:32.666" v="2859" actId="5793"/>
+      <pc:sldChg chg="delSp modSp mod">
+        <pc:chgData name="Paladugu, Sharath Chandra" userId="6d1a1743-14c9-4b47-81c7-2e76531f51c8" providerId="ADAL" clId="{1DB1A718-5CBE-49E3-A609-BC430CC561CC}" dt="2024-01-12T12:49:37.866" v="1154" actId="20577"/>
         <pc:sldMkLst>
           <pc:docMk/>
           <pc:sldMk cId="3652291188" sldId="315"/>
         </pc:sldMkLst>
-        <pc:spChg chg="mod">
-          <ac:chgData name="Paladugu, Sharath Chandra" userId="6d1a1743-14c9-4b47-81c7-2e76531f51c8" providerId="ADAL" clId="{CB99F4EC-94BE-4768-BAF8-D0D1459B6363}" dt="2024-01-12T06:22:06.497" v="2473" actId="20577"/>
-          <ac:spMkLst>
-            <pc:docMk/>
-            <pc:sldMk cId="3652291188" sldId="315"/>
-            <ac:spMk id="2" creationId="{688F3322-E4F8-B49C-A2B5-D7BB76F913E7}"/>
-          </ac:spMkLst>
-        </pc:spChg>
-        <pc:spChg chg="del">
-          <ac:chgData name="Paladugu, Sharath Chandra" userId="6d1a1743-14c9-4b47-81c7-2e76531f51c8" providerId="ADAL" clId="{CB99F4EC-94BE-4768-BAF8-D0D1459B6363}" dt="2024-01-12T06:21:20.388" v="2390" actId="478"/>
-          <ac:spMkLst>
-            <pc:docMk/>
-            <pc:sldMk cId="3652291188" sldId="315"/>
-            <ac:spMk id="4" creationId="{4523174B-9B45-0472-9440-C74267AFECA8}"/>
-          </ac:spMkLst>
-        </pc:spChg>
-        <pc:spChg chg="del">
-          <ac:chgData name="Paladugu, Sharath Chandra" userId="6d1a1743-14c9-4b47-81c7-2e76531f51c8" providerId="ADAL" clId="{CB99F4EC-94BE-4768-BAF8-D0D1459B6363}" dt="2024-01-12T06:21:17.374" v="2389" actId="478"/>
-          <ac:spMkLst>
-            <pc:docMk/>
-            <pc:sldMk cId="3652291188" sldId="315"/>
-            <ac:spMk id="5" creationId="{62B9B73F-E93F-D71C-ADA8-64EAC6E16054}"/>
-          </ac:spMkLst>
-        </pc:spChg>
-        <pc:spChg chg="add mod">
-          <ac:chgData name="Paladugu, Sharath Chandra" userId="6d1a1743-14c9-4b47-81c7-2e76531f51c8" providerId="ADAL" clId="{CB99F4EC-94BE-4768-BAF8-D0D1459B6363}" dt="2024-01-12T06:29:13.308" v="2670" actId="1076"/>
+        <pc:spChg chg="del mod">
+          <ac:chgData name="Paladugu, Sharath Chandra" userId="6d1a1743-14c9-4b47-81c7-2e76531f51c8" providerId="ADAL" clId="{1DB1A718-5CBE-49E3-A609-BC430CC561CC}" dt="2024-01-12T10:24:46.100" v="493" actId="478"/>
           <ac:spMkLst>
             <pc:docMk/>
             <pc:sldMk cId="3652291188" sldId="315"/>
             <ac:spMk id="10" creationId="{ACCBFF0B-D368-2E43-AF13-F9DD3F19C313}"/>
           </ac:spMkLst>
         </pc:spChg>
-        <pc:graphicFrameChg chg="del">
-          <ac:chgData name="Paladugu, Sharath Chandra" userId="6d1a1743-14c9-4b47-81c7-2e76531f51c8" providerId="ADAL" clId="{CB99F4EC-94BE-4768-BAF8-D0D1459B6363}" dt="2024-01-12T06:21:13.394" v="2388" actId="478"/>
-          <ac:graphicFrameMkLst>
-            <pc:docMk/>
-            <pc:sldMk cId="3652291188" sldId="315"/>
-            <ac:graphicFrameMk id="3" creationId="{4E994724-9154-EEEE-A033-979EB4DA5AC8}"/>
-          </ac:graphicFrameMkLst>
-        </pc:graphicFrameChg>
-        <pc:graphicFrameChg chg="add del mod modGraphic">
-          <ac:chgData name="Paladugu, Sharath Chandra" userId="6d1a1743-14c9-4b47-81c7-2e76531f51c8" providerId="ADAL" clId="{CB99F4EC-94BE-4768-BAF8-D0D1459B6363}" dt="2024-01-12T06:24:26.399" v="2522" actId="478"/>
-          <ac:graphicFrameMkLst>
-            <pc:docMk/>
-            <pc:sldMk cId="3652291188" sldId="315"/>
-            <ac:graphicFrameMk id="6" creationId="{E8328F3F-E4F6-1F8E-D925-D2430D280475}"/>
-          </ac:graphicFrameMkLst>
-        </pc:graphicFrameChg>
-        <pc:graphicFrameChg chg="add del mod modGraphic">
-          <ac:chgData name="Paladugu, Sharath Chandra" userId="6d1a1743-14c9-4b47-81c7-2e76531f51c8" providerId="ADAL" clId="{CB99F4EC-94BE-4768-BAF8-D0D1459B6363}" dt="2024-01-12T06:27:07.719" v="2576" actId="478"/>
-          <ac:graphicFrameMkLst>
-            <pc:docMk/>
-            <pc:sldMk cId="3652291188" sldId="315"/>
-            <ac:graphicFrameMk id="7" creationId="{972E72D4-EB64-9E0D-AC53-C8A63BDDEFD3}"/>
-          </ac:graphicFrameMkLst>
-        </pc:graphicFrameChg>
-        <pc:graphicFrameChg chg="add mod modGraphic">
-          <ac:chgData name="Paladugu, Sharath Chandra" userId="6d1a1743-14c9-4b47-81c7-2e76531f51c8" providerId="ADAL" clId="{CB99F4EC-94BE-4768-BAF8-D0D1459B6363}" dt="2024-01-12T07:03:32.666" v="2859" actId="5793"/>
+        <pc:graphicFrameChg chg="mod modGraphic">
+          <ac:chgData name="Paladugu, Sharath Chandra" userId="6d1a1743-14c9-4b47-81c7-2e76531f51c8" providerId="ADAL" clId="{1DB1A718-5CBE-49E3-A609-BC430CC561CC}" dt="2024-01-12T12:49:37.866" v="1154" actId="20577"/>
           <ac:graphicFrameMkLst>
             <pc:docMk/>
             <pc:sldMk cId="3652291188" sldId="315"/>
             <ac:graphicFrameMk id="8" creationId="{F44612BC-30C2-8635-8323-E8759F63499E}"/>
           </ac:graphicFrameMkLst>
         </pc:graphicFrameChg>
+      </pc:sldChg>
+      <pc:sldChg chg="modSp mod">
+        <pc:chgData name="Paladugu, Sharath Chandra" userId="6d1a1743-14c9-4b47-81c7-2e76531f51c8" providerId="ADAL" clId="{1DB1A718-5CBE-49E3-A609-BC430CC561CC}" dt="2024-01-12T13:03:23.915" v="2417" actId="33524"/>
+        <pc:sldMkLst>
+          <pc:docMk/>
+          <pc:sldMk cId="1150359032" sldId="316"/>
+        </pc:sldMkLst>
+        <pc:spChg chg="mod">
+          <ac:chgData name="Paladugu, Sharath Chandra" userId="6d1a1743-14c9-4b47-81c7-2e76531f51c8" providerId="ADAL" clId="{1DB1A718-5CBE-49E3-A609-BC430CC561CC}" dt="2024-01-12T13:03:23.915" v="2417" actId="33524"/>
+          <ac:spMkLst>
+            <pc:docMk/>
+            <pc:sldMk cId="1150359032" sldId="316"/>
+            <ac:spMk id="9" creationId="{C028B5AF-CC97-F4DF-D310-604B34377D07}"/>
+          </ac:spMkLst>
+        </pc:spChg>
+      </pc:sldChg>
+      <pc:sldChg chg="addSp delSp modSp mod">
+        <pc:chgData name="Paladugu, Sharath Chandra" userId="6d1a1743-14c9-4b47-81c7-2e76531f51c8" providerId="ADAL" clId="{1DB1A718-5CBE-49E3-A609-BC430CC561CC}" dt="2024-01-12T14:11:15.183" v="3499" actId="113"/>
+        <pc:sldMkLst>
+          <pc:docMk/>
+          <pc:sldMk cId="360277748" sldId="317"/>
+        </pc:sldMkLst>
+        <pc:spChg chg="mod">
+          <ac:chgData name="Paladugu, Sharath Chandra" userId="6d1a1743-14c9-4b47-81c7-2e76531f51c8" providerId="ADAL" clId="{1DB1A718-5CBE-49E3-A609-BC430CC561CC}" dt="2024-01-12T14:11:15.183" v="3499" actId="113"/>
+          <ac:spMkLst>
+            <pc:docMk/>
+            <pc:sldMk cId="360277748" sldId="317"/>
+            <ac:spMk id="4" creationId="{C598B85D-8E77-7CE4-2877-961575D9CA75}"/>
+          </ac:spMkLst>
+        </pc:spChg>
+        <pc:spChg chg="add del">
+          <ac:chgData name="Paladugu, Sharath Chandra" userId="6d1a1743-14c9-4b47-81c7-2e76531f51c8" providerId="ADAL" clId="{1DB1A718-5CBE-49E3-A609-BC430CC561CC}" dt="2024-01-12T13:06:32.004" v="2539"/>
+          <ac:spMkLst>
+            <pc:docMk/>
+            <pc:sldMk cId="360277748" sldId="317"/>
+            <ac:spMk id="5" creationId="{A466A87A-6ECF-3265-EF71-1B6B6117DE20}"/>
+          </ac:spMkLst>
+        </pc:spChg>
+        <pc:spChg chg="add del">
+          <ac:chgData name="Paladugu, Sharath Chandra" userId="6d1a1743-14c9-4b47-81c7-2e76531f51c8" providerId="ADAL" clId="{1DB1A718-5CBE-49E3-A609-BC430CC561CC}" dt="2024-01-12T13:06:36.316" v="2541"/>
+          <ac:spMkLst>
+            <pc:docMk/>
+            <pc:sldMk cId="360277748" sldId="317"/>
+            <ac:spMk id="6" creationId="{11EE90A1-39E1-1D26-6B2D-3020EAF38E64}"/>
+          </ac:spMkLst>
+        </pc:spChg>
+        <pc:spChg chg="add del">
+          <ac:chgData name="Paladugu, Sharath Chandra" userId="6d1a1743-14c9-4b47-81c7-2e76531f51c8" providerId="ADAL" clId="{1DB1A718-5CBE-49E3-A609-BC430CC561CC}" dt="2024-01-12T13:06:44.519" v="2543"/>
+          <ac:spMkLst>
+            <pc:docMk/>
+            <pc:sldMk cId="360277748" sldId="317"/>
+            <ac:spMk id="8" creationId="{81841DD5-A13A-8F3D-9C62-86C3A6CFE0F6}"/>
+          </ac:spMkLst>
+        </pc:spChg>
+      </pc:sldChg>
+      <pc:sldChg chg="modSp mod">
+        <pc:chgData name="Paladugu, Sharath Chandra" userId="6d1a1743-14c9-4b47-81c7-2e76531f51c8" providerId="ADAL" clId="{1DB1A718-5CBE-49E3-A609-BC430CC561CC}" dt="2024-01-12T14:16:39.092" v="4203" actId="12"/>
+        <pc:sldMkLst>
+          <pc:docMk/>
+          <pc:sldMk cId="4233455875" sldId="318"/>
+        </pc:sldMkLst>
+        <pc:spChg chg="mod">
+          <ac:chgData name="Paladugu, Sharath Chandra" userId="6d1a1743-14c9-4b47-81c7-2e76531f51c8" providerId="ADAL" clId="{1DB1A718-5CBE-49E3-A609-BC430CC561CC}" dt="2024-01-12T14:16:39.092" v="4203" actId="12"/>
+          <ac:spMkLst>
+            <pc:docMk/>
+            <pc:sldMk cId="4233455875" sldId="318"/>
+            <ac:spMk id="4" creationId="{D1F0BE0B-9334-1C76-D576-2C88DD6BF848}"/>
+          </ac:spMkLst>
+        </pc:spChg>
+      </pc:sldChg>
+      <pc:sldChg chg="addSp delSp modSp mod">
+        <pc:chgData name="Paladugu, Sharath Chandra" userId="6d1a1743-14c9-4b47-81c7-2e76531f51c8" providerId="ADAL" clId="{1DB1A718-5CBE-49E3-A609-BC430CC561CC}" dt="2024-01-12T13:50:27.318" v="3087" actId="1076"/>
+        <pc:sldMkLst>
+          <pc:docMk/>
+          <pc:sldMk cId="1936567115" sldId="319"/>
+        </pc:sldMkLst>
+        <pc:spChg chg="mod">
+          <ac:chgData name="Paladugu, Sharath Chandra" userId="6d1a1743-14c9-4b47-81c7-2e76531f51c8" providerId="ADAL" clId="{1DB1A718-5CBE-49E3-A609-BC430CC561CC}" dt="2024-01-12T13:16:21.897" v="3061" actId="20577"/>
+          <ac:spMkLst>
+            <pc:docMk/>
+            <pc:sldMk cId="1936567115" sldId="319"/>
+            <ac:spMk id="4" creationId="{0775FBF3-CE1E-FFA5-4F63-5E78F9566951}"/>
+          </ac:spMkLst>
+        </pc:spChg>
+        <pc:spChg chg="add mod">
+          <ac:chgData name="Paladugu, Sharath Chandra" userId="6d1a1743-14c9-4b47-81c7-2e76531f51c8" providerId="ADAL" clId="{1DB1A718-5CBE-49E3-A609-BC430CC561CC}" dt="2024-01-12T13:50:27.318" v="3087" actId="1076"/>
+          <ac:spMkLst>
+            <pc:docMk/>
+            <pc:sldMk cId="1936567115" sldId="319"/>
+            <ac:spMk id="11" creationId="{4174B495-DAAD-0047-8BB1-35B443C7C2B5}"/>
+          </ac:spMkLst>
+        </pc:spChg>
+        <pc:picChg chg="add del mod">
+          <ac:chgData name="Paladugu, Sharath Chandra" userId="6d1a1743-14c9-4b47-81c7-2e76531f51c8" providerId="ADAL" clId="{1DB1A718-5CBE-49E3-A609-BC430CC561CC}" dt="2024-01-12T13:49:14.402" v="3079" actId="22"/>
+          <ac:picMkLst>
+            <pc:docMk/>
+            <pc:sldMk cId="1936567115" sldId="319"/>
+            <ac:picMk id="6" creationId="{D75B07C3-84E6-8B48-1FCE-69A5C164663E}"/>
+          </ac:picMkLst>
+        </pc:picChg>
+        <pc:picChg chg="add mod">
+          <ac:chgData name="Paladugu, Sharath Chandra" userId="6d1a1743-14c9-4b47-81c7-2e76531f51c8" providerId="ADAL" clId="{1DB1A718-5CBE-49E3-A609-BC430CC561CC}" dt="2024-01-12T13:50:07.394" v="3083" actId="1076"/>
+          <ac:picMkLst>
+            <pc:docMk/>
+            <pc:sldMk cId="1936567115" sldId="319"/>
+            <ac:picMk id="9" creationId="{AD950C15-7CA4-0B23-4A0E-418B76E613CE}"/>
+          </ac:picMkLst>
+        </pc:picChg>
+      </pc:sldChg>
+      <pc:sldChg chg="addSp modSp mod">
+        <pc:chgData name="Paladugu, Sharath Chandra" userId="6d1a1743-14c9-4b47-81c7-2e76531f51c8" providerId="ADAL" clId="{1DB1A718-5CBE-49E3-A609-BC430CC561CC}" dt="2024-01-12T14:37:38.607" v="4211" actId="1076"/>
+        <pc:sldMkLst>
+          <pc:docMk/>
+          <pc:sldMk cId="2419317058" sldId="320"/>
+        </pc:sldMkLst>
+        <pc:spChg chg="add mod">
+          <ac:chgData name="Paladugu, Sharath Chandra" userId="6d1a1743-14c9-4b47-81c7-2e76531f51c8" providerId="ADAL" clId="{1DB1A718-5CBE-49E3-A609-BC430CC561CC}" dt="2024-01-12T14:37:36.063" v="4210" actId="1076"/>
+          <ac:spMkLst>
+            <pc:docMk/>
+            <pc:sldMk cId="2419317058" sldId="320"/>
+            <ac:spMk id="4" creationId="{4236E355-047B-0CB7-2EAC-3CBAB69EA776}"/>
+          </ac:spMkLst>
+        </pc:spChg>
+        <pc:picChg chg="add mod">
+          <ac:chgData name="Paladugu, Sharath Chandra" userId="6d1a1743-14c9-4b47-81c7-2e76531f51c8" providerId="ADAL" clId="{1DB1A718-5CBE-49E3-A609-BC430CC561CC}" dt="2024-01-12T14:37:38.607" v="4211" actId="1076"/>
+          <ac:picMkLst>
+            <pc:docMk/>
+            <pc:sldMk cId="2419317058" sldId="320"/>
+            <ac:picMk id="2050" creationId="{51BF945B-CFF0-BC01-33ED-5BD77587B323}"/>
+          </ac:picMkLst>
+        </pc:picChg>
       </pc:sldChg>
     </pc:docChg>
   </pc:docChgLst>
@@ -3440,7 +3360,7 @@
   <dgm:whole/>
   <dgm:extLst>
     <a:ext uri="http://schemas.microsoft.com/office/drawing/2008/diagram">
-      <dsp:dataModelExt xmlns:dsp="http://schemas.microsoft.com/office/drawing/2008/diagram" relId="rId7" minVer="http://schemas.openxmlformats.org/drawingml/2006/diagram"/>
+      <dsp:dataModelExt xmlns:dsp="http://schemas.microsoft.com/office/drawing/2008/diagram" relId="rId6" minVer="http://schemas.openxmlformats.org/drawingml/2006/diagram"/>
     </a:ext>
   </dgm:extLst>
 </dgm:dataModel>
@@ -3714,10 +3634,10 @@
         <a:lstStyle/>
         <a:p>
           <a:r>
-            <a:rPr lang="en-US" sz="1400" b="1" dirty="0"/>
+            <a:rPr lang="en-US" sz="1200" b="1" dirty="0"/>
             <a:t>Business Success Criteria</a:t>
           </a:r>
-          <a:endParaRPr lang="en-IN" sz="1400" b="1" dirty="0"/>
+          <a:endParaRPr lang="en-IN" sz="1200" b="1" dirty="0"/>
         </a:p>
       </dgm:t>
     </dgm:pt>
@@ -3728,7 +3648,7 @@
         <a:bodyPr/>
         <a:lstStyle/>
         <a:p>
-          <a:endParaRPr lang="en-IN" sz="1400"/>
+          <a:endParaRPr lang="en-IN" sz="1200"/>
         </a:p>
       </dgm:t>
     </dgm:pt>
@@ -3739,7 +3659,7 @@
         <a:bodyPr/>
         <a:lstStyle/>
         <a:p>
-          <a:endParaRPr lang="en-IN" sz="1400"/>
+          <a:endParaRPr lang="en-IN" sz="1200"/>
         </a:p>
       </dgm:t>
     </dgm:pt>
@@ -3751,10 +3671,10 @@
         <a:lstStyle/>
         <a:p>
           <a:r>
-            <a:rPr lang="en-US" sz="1400" dirty="0"/>
+            <a:rPr lang="en-US" sz="1200" dirty="0"/>
             <a:t>Automated Resume filtering System in place</a:t>
           </a:r>
-          <a:endParaRPr lang="en-IN" sz="1400" dirty="0"/>
+          <a:endParaRPr lang="en-IN" sz="1200" dirty="0"/>
         </a:p>
       </dgm:t>
     </dgm:pt>
@@ -3765,7 +3685,7 @@
         <a:bodyPr/>
         <a:lstStyle/>
         <a:p>
-          <a:endParaRPr lang="en-IN" sz="1400"/>
+          <a:endParaRPr lang="en-IN" sz="1200"/>
         </a:p>
       </dgm:t>
     </dgm:pt>
@@ -3776,7 +3696,7 @@
         <a:bodyPr/>
         <a:lstStyle/>
         <a:p>
-          <a:endParaRPr lang="en-IN" sz="1400"/>
+          <a:endParaRPr lang="en-IN" sz="1200"/>
         </a:p>
       </dgm:t>
     </dgm:pt>
@@ -3788,10 +3708,10 @@
         <a:lstStyle/>
         <a:p>
           <a:r>
-            <a:rPr lang="en-US" sz="1400" dirty="0"/>
+            <a:rPr lang="en-US" sz="1200" dirty="0"/>
             <a:t>Access to larger candidate pool and higher quality hires</a:t>
           </a:r>
-          <a:endParaRPr lang="en-IN" sz="1400" dirty="0"/>
+          <a:endParaRPr lang="en-IN" sz="1200" dirty="0"/>
         </a:p>
       </dgm:t>
     </dgm:pt>
@@ -3802,7 +3722,7 @@
         <a:bodyPr/>
         <a:lstStyle/>
         <a:p>
-          <a:endParaRPr lang="en-IN" sz="1400"/>
+          <a:endParaRPr lang="en-IN" sz="1200"/>
         </a:p>
       </dgm:t>
     </dgm:pt>
@@ -3813,7 +3733,7 @@
         <a:bodyPr/>
         <a:lstStyle/>
         <a:p>
-          <a:endParaRPr lang="en-IN" sz="1400"/>
+          <a:endParaRPr lang="en-IN" sz="1200"/>
         </a:p>
       </dgm:t>
     </dgm:pt>
@@ -3825,10 +3745,10 @@
         <a:lstStyle/>
         <a:p>
           <a:r>
-            <a:rPr lang="en-US" sz="1400" b="1" dirty="0"/>
+            <a:rPr lang="en-US" sz="1200" b="1" dirty="0"/>
             <a:t>Technical Success Criteria</a:t>
           </a:r>
-          <a:endParaRPr lang="en-IN" sz="1400" b="1" dirty="0"/>
+          <a:endParaRPr lang="en-IN" sz="1200" b="1" dirty="0"/>
         </a:p>
       </dgm:t>
     </dgm:pt>
@@ -3839,7 +3759,7 @@
         <a:bodyPr/>
         <a:lstStyle/>
         <a:p>
-          <a:endParaRPr lang="en-IN" sz="1400"/>
+          <a:endParaRPr lang="en-IN" sz="1200"/>
         </a:p>
       </dgm:t>
     </dgm:pt>
@@ -3850,7 +3770,7 @@
         <a:bodyPr/>
         <a:lstStyle/>
         <a:p>
-          <a:endParaRPr lang="en-IN" sz="1400"/>
+          <a:endParaRPr lang="en-IN" sz="1200"/>
         </a:p>
       </dgm:t>
     </dgm:pt>
@@ -3862,10 +3782,10 @@
         <a:lstStyle/>
         <a:p>
           <a:r>
-            <a:rPr lang="en-US" sz="1400" dirty="0"/>
+            <a:rPr lang="en-US" sz="1200" dirty="0"/>
             <a:t>Resume being shortlisted should match profile by 60%</a:t>
           </a:r>
-          <a:endParaRPr lang="en-IN" sz="1400" dirty="0"/>
+          <a:endParaRPr lang="en-IN" sz="1200" dirty="0"/>
         </a:p>
       </dgm:t>
     </dgm:pt>
@@ -3876,7 +3796,7 @@
         <a:bodyPr/>
         <a:lstStyle/>
         <a:p>
-          <a:endParaRPr lang="en-IN" sz="1400"/>
+          <a:endParaRPr lang="en-IN" sz="1200"/>
         </a:p>
       </dgm:t>
     </dgm:pt>
@@ -3887,7 +3807,7 @@
         <a:bodyPr/>
         <a:lstStyle/>
         <a:p>
-          <a:endParaRPr lang="en-IN" sz="1400"/>
+          <a:endParaRPr lang="en-IN" sz="1200"/>
         </a:p>
       </dgm:t>
     </dgm:pt>
@@ -3899,10 +3819,10 @@
         <a:lstStyle/>
         <a:p>
           <a:r>
-            <a:rPr lang="en-US" sz="1400" dirty="0"/>
+            <a:rPr lang="en-US" sz="1200" dirty="0"/>
             <a:t>Job post and Profile matching to be 90% accurate from resume corpus</a:t>
           </a:r>
-          <a:endParaRPr lang="en-IN" sz="1400" dirty="0"/>
+          <a:endParaRPr lang="en-IN" sz="1200" dirty="0"/>
         </a:p>
       </dgm:t>
     </dgm:pt>
@@ -3913,7 +3833,7 @@
         <a:bodyPr/>
         <a:lstStyle/>
         <a:p>
-          <a:endParaRPr lang="en-IN" sz="1400"/>
+          <a:endParaRPr lang="en-IN" sz="1200"/>
         </a:p>
       </dgm:t>
     </dgm:pt>
@@ -3924,7 +3844,7 @@
         <a:bodyPr/>
         <a:lstStyle/>
         <a:p>
-          <a:endParaRPr lang="en-IN" sz="1400"/>
+          <a:endParaRPr lang="en-IN" sz="1200"/>
         </a:p>
       </dgm:t>
     </dgm:pt>
@@ -3936,10 +3856,10 @@
         <a:lstStyle/>
         <a:p>
           <a:r>
-            <a:rPr lang="en-US" sz="1400" b="1" dirty="0"/>
+            <a:rPr lang="en-US" sz="1200" b="1" dirty="0"/>
             <a:t>Economic Success Criteria</a:t>
           </a:r>
-          <a:endParaRPr lang="en-IN" sz="1400" b="1" dirty="0"/>
+          <a:endParaRPr lang="en-IN" sz="1200" b="1" dirty="0"/>
         </a:p>
       </dgm:t>
     </dgm:pt>
@@ -3950,7 +3870,7 @@
         <a:bodyPr/>
         <a:lstStyle/>
         <a:p>
-          <a:endParaRPr lang="en-IN" sz="1400"/>
+          <a:endParaRPr lang="en-IN" sz="1200"/>
         </a:p>
       </dgm:t>
     </dgm:pt>
@@ -3961,7 +3881,7 @@
         <a:bodyPr/>
         <a:lstStyle/>
         <a:p>
-          <a:endParaRPr lang="en-IN" sz="1400"/>
+          <a:endParaRPr lang="en-IN" sz="1200"/>
         </a:p>
       </dgm:t>
     </dgm:pt>
@@ -3973,7 +3893,7 @@
         <a:lstStyle/>
         <a:p>
           <a:r>
-            <a:rPr lang="en-IN" sz="1400" dirty="0"/>
+            <a:rPr lang="en-IN" sz="1200" dirty="0"/>
             <a:t>Pay parity can be captured while scraping and can be used to define PIR</a:t>
           </a:r>
         </a:p>
@@ -3986,7 +3906,7 @@
         <a:bodyPr/>
         <a:lstStyle/>
         <a:p>
-          <a:endParaRPr lang="en-IN" sz="1400"/>
+          <a:endParaRPr lang="en-IN" sz="1200"/>
         </a:p>
       </dgm:t>
     </dgm:pt>
@@ -3997,7 +3917,7 @@
         <a:bodyPr/>
         <a:lstStyle/>
         <a:p>
-          <a:endParaRPr lang="en-IN" sz="1400"/>
+          <a:endParaRPr lang="en-IN" sz="1200"/>
         </a:p>
       </dgm:t>
     </dgm:pt>
@@ -4009,10 +3929,10 @@
         <a:lstStyle/>
         <a:p>
           <a:r>
-            <a:rPr lang="en-US" sz="1400" dirty="0"/>
+            <a:rPr lang="en-US" sz="1200" dirty="0"/>
             <a:t>Reduce the recruitment costs by 50% by saving man hours of HR and interview panel</a:t>
           </a:r>
-          <a:endParaRPr lang="en-IN" sz="1400" dirty="0"/>
+          <a:endParaRPr lang="en-IN" sz="1200" dirty="0"/>
         </a:p>
       </dgm:t>
     </dgm:pt>
@@ -4023,7 +3943,7 @@
         <a:bodyPr/>
         <a:lstStyle/>
         <a:p>
-          <a:endParaRPr lang="en-IN" sz="1400"/>
+          <a:endParaRPr lang="en-IN" sz="1200"/>
         </a:p>
       </dgm:t>
     </dgm:pt>
@@ -4034,7 +3954,7 @@
         <a:bodyPr/>
         <a:lstStyle/>
         <a:p>
-          <a:endParaRPr lang="en-IN" sz="1400"/>
+          <a:endParaRPr lang="en-IN" sz="1200"/>
         </a:p>
       </dgm:t>
     </dgm:pt>
@@ -4046,10 +3966,10 @@
         <a:lstStyle/>
         <a:p>
           <a:r>
-            <a:rPr lang="en-US" sz="1400" dirty="0"/>
+            <a:rPr lang="en-US" sz="1200" dirty="0"/>
             <a:t>Double the recruitment Success criteria, by shortlisting quality profiles</a:t>
           </a:r>
-          <a:endParaRPr lang="en-IN" sz="1400" dirty="0"/>
+          <a:endParaRPr lang="en-IN" sz="1200" dirty="0"/>
         </a:p>
       </dgm:t>
     </dgm:pt>
@@ -4060,7 +3980,7 @@
         <a:bodyPr/>
         <a:lstStyle/>
         <a:p>
-          <a:endParaRPr lang="en-IN" sz="1400"/>
+          <a:endParaRPr lang="en-IN" sz="1200"/>
         </a:p>
       </dgm:t>
     </dgm:pt>
@@ -4071,7 +3991,7 @@
         <a:bodyPr/>
         <a:lstStyle/>
         <a:p>
-          <a:endParaRPr lang="en-IN" sz="1400"/>
+          <a:endParaRPr lang="en-IN" sz="1200"/>
         </a:p>
       </dgm:t>
     </dgm:pt>
@@ -4082,7 +4002,7 @@
         <a:bodyPr/>
         <a:lstStyle/>
         <a:p>
-          <a:endParaRPr lang="en-IN" sz="1400" dirty="0"/>
+          <a:endParaRPr lang="en-IN" sz="1200" dirty="0"/>
         </a:p>
       </dgm:t>
     </dgm:pt>
@@ -4093,7 +4013,7 @@
         <a:bodyPr/>
         <a:lstStyle/>
         <a:p>
-          <a:endParaRPr lang="en-IN" sz="1400"/>
+          <a:endParaRPr lang="en-IN" sz="1200"/>
         </a:p>
       </dgm:t>
     </dgm:pt>
@@ -4104,7 +4024,7 @@
         <a:bodyPr/>
         <a:lstStyle/>
         <a:p>
-          <a:endParaRPr lang="en-IN" sz="1400"/>
+          <a:endParaRPr lang="en-IN" sz="1200"/>
         </a:p>
       </dgm:t>
     </dgm:pt>
@@ -4116,10 +4036,10 @@
         <a:lstStyle/>
         <a:p>
           <a:r>
-            <a:rPr lang="en-US" sz="1400" dirty="0"/>
+            <a:rPr lang="en-US" sz="1200" dirty="0"/>
             <a:t>Opportunity to leverage the costs for Retention, by reusing the component for internal job postings </a:t>
           </a:r>
-          <a:endParaRPr lang="en-IN" sz="1400" dirty="0"/>
+          <a:endParaRPr lang="en-IN" sz="1200" dirty="0"/>
         </a:p>
       </dgm:t>
     </dgm:pt>
@@ -4130,7 +4050,7 @@
         <a:bodyPr/>
         <a:lstStyle/>
         <a:p>
-          <a:endParaRPr lang="en-IN" sz="1400"/>
+          <a:endParaRPr lang="en-IN" sz="1200"/>
         </a:p>
       </dgm:t>
     </dgm:pt>
@@ -4141,7 +4061,7 @@
         <a:bodyPr/>
         <a:lstStyle/>
         <a:p>
-          <a:endParaRPr lang="en-IN" sz="1400"/>
+          <a:endParaRPr lang="en-IN" sz="1200"/>
         </a:p>
       </dgm:t>
     </dgm:pt>
@@ -4153,10 +4073,10 @@
         <a:lstStyle/>
         <a:p>
           <a:r>
-            <a:rPr lang="en-US" sz="1400" dirty="0"/>
+            <a:rPr lang="en-US" sz="1200" dirty="0"/>
             <a:t>Solution to be scalable to access any talent pool</a:t>
           </a:r>
-          <a:endParaRPr lang="en-IN" sz="1400" dirty="0"/>
+          <a:endParaRPr lang="en-IN" sz="1200" dirty="0"/>
         </a:p>
       </dgm:t>
     </dgm:pt>
@@ -4167,7 +4087,7 @@
         <a:bodyPr/>
         <a:lstStyle/>
         <a:p>
-          <a:endParaRPr lang="en-IN" sz="1400"/>
+          <a:endParaRPr lang="en-IN" sz="1200"/>
         </a:p>
       </dgm:t>
     </dgm:pt>
@@ -4178,7 +4098,7 @@
         <a:bodyPr/>
         <a:lstStyle/>
         <a:p>
-          <a:endParaRPr lang="en-IN" sz="1400"/>
+          <a:endParaRPr lang="en-IN" sz="1200"/>
         </a:p>
       </dgm:t>
     </dgm:pt>
@@ -4189,7 +4109,7 @@
         <a:bodyPr/>
         <a:lstStyle/>
         <a:p>
-          <a:endParaRPr lang="en-IN" sz="1400" dirty="0"/>
+          <a:endParaRPr lang="en-IN" sz="1200" dirty="0"/>
         </a:p>
       </dgm:t>
     </dgm:pt>
@@ -4200,7 +4120,7 @@
         <a:bodyPr/>
         <a:lstStyle/>
         <a:p>
-          <a:endParaRPr lang="en-IN" sz="1400"/>
+          <a:endParaRPr lang="en-IN" sz="1200"/>
         </a:p>
       </dgm:t>
     </dgm:pt>
@@ -4211,7 +4131,7 @@
         <a:bodyPr/>
         <a:lstStyle/>
         <a:p>
-          <a:endParaRPr lang="en-IN" sz="1400"/>
+          <a:endParaRPr lang="en-IN" sz="1200"/>
         </a:p>
       </dgm:t>
     </dgm:pt>
@@ -4223,7 +4143,7 @@
         <a:lstStyle/>
         <a:p>
           <a:r>
-            <a:rPr lang="en-IN" sz="1400" dirty="0"/>
+            <a:rPr lang="en-IN" sz="1200" dirty="0"/>
             <a:t>Tool can be internally extended as an IJP tool for job search for employees and reduce the hiring cost and increase retention</a:t>
           </a:r>
         </a:p>
@@ -4236,7 +4156,7 @@
         <a:bodyPr/>
         <a:lstStyle/>
         <a:p>
-          <a:endParaRPr lang="en-GB"/>
+          <a:endParaRPr lang="en-GB" sz="1200"/>
         </a:p>
       </dgm:t>
     </dgm:pt>
@@ -4247,7 +4167,7 @@
         <a:bodyPr/>
         <a:lstStyle/>
         <a:p>
-          <a:endParaRPr lang="en-GB"/>
+          <a:endParaRPr lang="en-GB" sz="1200"/>
         </a:p>
       </dgm:t>
     </dgm:pt>
@@ -4259,7 +4179,7 @@
         <a:lstStyle/>
         <a:p>
           <a:r>
-            <a:rPr lang="en-IN" sz="1400" dirty="0"/>
+            <a:rPr lang="en-IN" sz="1200" dirty="0"/>
             <a:t>Extending the resume type being pdf , doc or HTML</a:t>
           </a:r>
         </a:p>
@@ -4272,7 +4192,7 @@
         <a:bodyPr/>
         <a:lstStyle/>
         <a:p>
-          <a:endParaRPr lang="en-GB"/>
+          <a:endParaRPr lang="en-GB" sz="1200"/>
         </a:p>
       </dgm:t>
     </dgm:pt>
@@ -4283,7 +4203,7 @@
         <a:bodyPr/>
         <a:lstStyle/>
         <a:p>
-          <a:endParaRPr lang="en-GB"/>
+          <a:endParaRPr lang="en-GB" sz="1200"/>
         </a:p>
       </dgm:t>
     </dgm:pt>
@@ -5844,7 +5764,7 @@
       </dsp:nvSpPr>
       <dsp:spPr>
         <a:xfrm>
-          <a:off x="2060448" y="1068"/>
+          <a:off x="2060447" y="1068"/>
           <a:ext cx="5864352" cy="347032"/>
         </a:xfrm>
         <a:prstGeom prst="rect">
@@ -5869,12 +5789,12 @@
         <a:fontRef idx="minor"/>
       </dsp:style>
       <dsp:txBody>
-        <a:bodyPr spcFirstLastPara="0" vert="horz" wrap="square" lIns="26670" tIns="26670" rIns="26670" bIns="26670" numCol="1" spcCol="1270" anchor="b" anchorCtr="0">
+        <a:bodyPr spcFirstLastPara="0" vert="horz" wrap="square" lIns="22860" tIns="22860" rIns="22860" bIns="22860" numCol="1" spcCol="1270" anchor="b" anchorCtr="0">
           <a:noAutofit/>
         </a:bodyPr>
         <a:lstStyle/>
         <a:p>
-          <a:pPr marL="0" lvl="0" indent="0" algn="l" defTabSz="622300">
+          <a:pPr marL="0" lvl="0" indent="0" algn="l" defTabSz="533400">
             <a:lnSpc>
               <a:spcPct val="90000"/>
             </a:lnSpc>
@@ -5887,14 +5807,14 @@
             <a:buNone/>
           </a:pPr>
           <a:r>
-            <a:rPr lang="en-US" sz="1400" kern="1200" dirty="0"/>
+            <a:rPr lang="en-US" sz="1200" kern="1200" dirty="0"/>
             <a:t>Automated Resume filtering System in place</a:t>
           </a:r>
-          <a:endParaRPr lang="en-IN" sz="1400" kern="1200" dirty="0"/>
+          <a:endParaRPr lang="en-IN" sz="1200" kern="1200" dirty="0"/>
         </a:p>
       </dsp:txBody>
       <dsp:txXfrm>
-        <a:off x="2060448" y="1068"/>
+        <a:off x="2060447" y="1068"/>
         <a:ext cx="5864352" cy="347032"/>
       </dsp:txXfrm>
     </dsp:sp>
@@ -5987,12 +5907,12 @@
         </a:fontRef>
       </dsp:style>
       <dsp:txBody>
-        <a:bodyPr spcFirstLastPara="0" vert="horz" wrap="square" lIns="26670" tIns="26670" rIns="26670" bIns="26670" numCol="1" spcCol="1270" anchor="ctr" anchorCtr="0">
+        <a:bodyPr spcFirstLastPara="0" vert="horz" wrap="square" lIns="22860" tIns="22860" rIns="22860" bIns="22860" numCol="1" spcCol="1270" anchor="ctr" anchorCtr="0">
           <a:noAutofit/>
         </a:bodyPr>
         <a:lstStyle/>
         <a:p>
-          <a:pPr marL="0" lvl="0" indent="0" algn="ctr" defTabSz="622300">
+          <a:pPr marL="0" lvl="0" indent="0" algn="ctr" defTabSz="533400">
             <a:lnSpc>
               <a:spcPct val="90000"/>
             </a:lnSpc>
@@ -6005,10 +5925,10 @@
             <a:buNone/>
           </a:pPr>
           <a:r>
-            <a:rPr lang="en-US" sz="1400" b="1" kern="1200" dirty="0"/>
+            <a:rPr lang="en-US" sz="1200" b="1" kern="1200" dirty="0"/>
             <a:t>Business Success Criteria</a:t>
           </a:r>
-          <a:endParaRPr lang="en-IN" sz="1400" b="1" kern="1200" dirty="0"/>
+          <a:endParaRPr lang="en-IN" sz="1200" b="1" kern="1200" dirty="0"/>
         </a:p>
       </dsp:txBody>
       <dsp:txXfrm>
@@ -6048,12 +5968,12 @@
         <a:fontRef idx="minor"/>
       </dsp:style>
       <dsp:txBody>
-        <a:bodyPr spcFirstLastPara="0" vert="horz" wrap="square" lIns="26670" tIns="26670" rIns="26670" bIns="26670" numCol="1" spcCol="1270" anchor="t" anchorCtr="0">
+        <a:bodyPr spcFirstLastPara="0" vert="horz" wrap="square" lIns="22860" tIns="22860" rIns="22860" bIns="22860" numCol="1" spcCol="1270" anchor="t" anchorCtr="0">
           <a:noAutofit/>
         </a:bodyPr>
         <a:lstStyle/>
         <a:p>
-          <a:pPr marL="114300" lvl="1" indent="-114300" algn="l" defTabSz="622300">
+          <a:pPr marL="114300" lvl="1" indent="-114300" algn="l" defTabSz="533400">
             <a:lnSpc>
               <a:spcPct val="90000"/>
             </a:lnSpc>
@@ -6066,13 +5986,13 @@
             <a:buChar char="•"/>
           </a:pPr>
           <a:r>
-            <a:rPr lang="en-US" sz="1400" kern="1200" dirty="0"/>
+            <a:rPr lang="en-US" sz="1200" kern="1200" dirty="0"/>
             <a:t>Access to larger candidate pool and higher quality hires</a:t>
           </a:r>
-          <a:endParaRPr lang="en-IN" sz="1400" kern="1200" dirty="0"/>
+          <a:endParaRPr lang="en-IN" sz="1200" kern="1200" dirty="0"/>
         </a:p>
         <a:p>
-          <a:pPr marL="114300" lvl="1" indent="-114300" algn="l" defTabSz="622300">
+          <a:pPr marL="114300" lvl="1" indent="-114300" algn="l" defTabSz="533400">
             <a:lnSpc>
               <a:spcPct val="90000"/>
             </a:lnSpc>
@@ -6085,13 +6005,13 @@
             <a:buChar char="•"/>
           </a:pPr>
           <a:r>
-            <a:rPr lang="en-US" sz="1400" kern="1200" dirty="0"/>
+            <a:rPr lang="en-US" sz="1200" kern="1200" dirty="0"/>
             <a:t>Double the recruitment Success criteria, by shortlisting quality profiles</a:t>
           </a:r>
-          <a:endParaRPr lang="en-IN" sz="1400" kern="1200" dirty="0"/>
+          <a:endParaRPr lang="en-IN" sz="1200" kern="1200" dirty="0"/>
         </a:p>
         <a:p>
-          <a:pPr marL="114300" lvl="1" indent="-114300" algn="l" defTabSz="622300">
+          <a:pPr marL="114300" lvl="1" indent="-114300" algn="l" defTabSz="533400">
             <a:lnSpc>
               <a:spcPct val="90000"/>
             </a:lnSpc>
@@ -6104,7 +6024,7 @@
             <a:buChar char="•"/>
           </a:pPr>
           <a:r>
-            <a:rPr lang="en-IN" sz="1400" kern="1200" dirty="0"/>
+            <a:rPr lang="en-IN" sz="1200" kern="1200" dirty="0"/>
             <a:t>Tool can be internally extended as an IJP tool for job search for employees and reduce the hiring cost and increase retention</a:t>
           </a:r>
         </a:p>
@@ -6121,7 +6041,7 @@
       </dsp:nvSpPr>
       <dsp:spPr>
         <a:xfrm>
-          <a:off x="2060448" y="1251976"/>
+          <a:off x="2060447" y="1251976"/>
           <a:ext cx="5864352" cy="347032"/>
         </a:xfrm>
         <a:prstGeom prst="rect">
@@ -6146,12 +6066,12 @@
         <a:fontRef idx="minor"/>
       </dsp:style>
       <dsp:txBody>
-        <a:bodyPr spcFirstLastPara="0" vert="horz" wrap="square" lIns="26670" tIns="26670" rIns="26670" bIns="26670" numCol="1" spcCol="1270" anchor="b" anchorCtr="0">
+        <a:bodyPr spcFirstLastPara="0" vert="horz" wrap="square" lIns="22860" tIns="22860" rIns="22860" bIns="22860" numCol="1" spcCol="1270" anchor="b" anchorCtr="0">
           <a:noAutofit/>
         </a:bodyPr>
         <a:lstStyle/>
         <a:p>
-          <a:pPr marL="0" lvl="0" indent="0" algn="l" defTabSz="622300">
+          <a:pPr marL="0" lvl="0" indent="0" algn="l" defTabSz="533400">
             <a:lnSpc>
               <a:spcPct val="90000"/>
             </a:lnSpc>
@@ -6164,14 +6084,14 @@
             <a:buNone/>
           </a:pPr>
           <a:r>
-            <a:rPr lang="en-US" sz="1400" kern="1200" dirty="0"/>
+            <a:rPr lang="en-US" sz="1200" kern="1200" dirty="0"/>
             <a:t>Resume being shortlisted should match profile by 60%</a:t>
           </a:r>
-          <a:endParaRPr lang="en-IN" sz="1400" kern="1200" dirty="0"/>
+          <a:endParaRPr lang="en-IN" sz="1200" kern="1200" dirty="0"/>
         </a:p>
       </dsp:txBody>
       <dsp:txXfrm>
-        <a:off x="2060448" y="1251976"/>
+        <a:off x="2060447" y="1251976"/>
         <a:ext cx="5864352" cy="347032"/>
       </dsp:txXfrm>
     </dsp:sp>
@@ -6264,12 +6184,12 @@
         </a:fontRef>
       </dsp:style>
       <dsp:txBody>
-        <a:bodyPr spcFirstLastPara="0" vert="horz" wrap="square" lIns="26670" tIns="26670" rIns="26670" bIns="26670" numCol="1" spcCol="1270" anchor="ctr" anchorCtr="0">
+        <a:bodyPr spcFirstLastPara="0" vert="horz" wrap="square" lIns="22860" tIns="22860" rIns="22860" bIns="22860" numCol="1" spcCol="1270" anchor="ctr" anchorCtr="0">
           <a:noAutofit/>
         </a:bodyPr>
         <a:lstStyle/>
         <a:p>
-          <a:pPr marL="0" lvl="0" indent="0" algn="ctr" defTabSz="622300">
+          <a:pPr marL="0" lvl="0" indent="0" algn="ctr" defTabSz="533400">
             <a:lnSpc>
               <a:spcPct val="90000"/>
             </a:lnSpc>
@@ -6282,10 +6202,10 @@
             <a:buNone/>
           </a:pPr>
           <a:r>
-            <a:rPr lang="en-US" sz="1400" b="1" kern="1200" dirty="0"/>
+            <a:rPr lang="en-US" sz="1200" b="1" kern="1200" dirty="0"/>
             <a:t>Technical Success Criteria</a:t>
           </a:r>
-          <a:endParaRPr lang="en-IN" sz="1400" b="1" kern="1200" dirty="0"/>
+          <a:endParaRPr lang="en-IN" sz="1200" b="1" kern="1200" dirty="0"/>
         </a:p>
       </dsp:txBody>
       <dsp:txXfrm>
@@ -6325,12 +6245,12 @@
         <a:fontRef idx="minor"/>
       </dsp:style>
       <dsp:txBody>
-        <a:bodyPr spcFirstLastPara="0" vert="horz" wrap="square" lIns="26670" tIns="26670" rIns="26670" bIns="26670" numCol="1" spcCol="1270" anchor="t" anchorCtr="0">
+        <a:bodyPr spcFirstLastPara="0" vert="horz" wrap="square" lIns="22860" tIns="22860" rIns="22860" bIns="22860" numCol="1" spcCol="1270" anchor="t" anchorCtr="0">
           <a:noAutofit/>
         </a:bodyPr>
         <a:lstStyle/>
         <a:p>
-          <a:pPr marL="114300" lvl="1" indent="-114300" algn="l" defTabSz="622300">
+          <a:pPr marL="114300" lvl="1" indent="-114300" algn="l" defTabSz="533400">
             <a:lnSpc>
               <a:spcPct val="90000"/>
             </a:lnSpc>
@@ -6343,13 +6263,13 @@
             <a:buChar char="•"/>
           </a:pPr>
           <a:r>
-            <a:rPr lang="en-US" sz="1400" kern="1200" dirty="0"/>
+            <a:rPr lang="en-US" sz="1200" kern="1200" dirty="0"/>
             <a:t>Job post and Profile matching to be 90% accurate from resume corpus</a:t>
           </a:r>
-          <a:endParaRPr lang="en-IN" sz="1400" kern="1200" dirty="0"/>
+          <a:endParaRPr lang="en-IN" sz="1200" kern="1200" dirty="0"/>
         </a:p>
         <a:p>
-          <a:pPr marL="114300" lvl="1" indent="-114300" algn="l" defTabSz="622300">
+          <a:pPr marL="114300" lvl="1" indent="-114300" algn="l" defTabSz="533400">
             <a:lnSpc>
               <a:spcPct val="90000"/>
             </a:lnSpc>
@@ -6362,13 +6282,13 @@
             <a:buChar char="•"/>
           </a:pPr>
           <a:r>
-            <a:rPr lang="en-US" sz="1400" kern="1200" dirty="0"/>
+            <a:rPr lang="en-US" sz="1200" kern="1200" dirty="0"/>
             <a:t>Solution to be scalable to access any talent pool</a:t>
           </a:r>
-          <a:endParaRPr lang="en-IN" sz="1400" kern="1200" dirty="0"/>
+          <a:endParaRPr lang="en-IN" sz="1200" kern="1200" dirty="0"/>
         </a:p>
         <a:p>
-          <a:pPr marL="114300" lvl="1" indent="-114300" algn="l" defTabSz="622300">
+          <a:pPr marL="114300" lvl="1" indent="-114300" algn="l" defTabSz="533400">
             <a:lnSpc>
               <a:spcPct val="90000"/>
             </a:lnSpc>
@@ -6381,12 +6301,12 @@
             <a:buChar char="•"/>
           </a:pPr>
           <a:r>
-            <a:rPr lang="en-IN" sz="1400" kern="1200" dirty="0"/>
+            <a:rPr lang="en-IN" sz="1200" kern="1200" dirty="0"/>
             <a:t>Extending the resume type being pdf , doc or HTML</a:t>
           </a:r>
         </a:p>
         <a:p>
-          <a:pPr marL="114300" lvl="1" indent="-114300" algn="l" defTabSz="622300">
+          <a:pPr marL="114300" lvl="1" indent="-114300" algn="l" defTabSz="533400">
             <a:lnSpc>
               <a:spcPct val="90000"/>
             </a:lnSpc>
@@ -6398,10 +6318,10 @@
             </a:spcAft>
             <a:buChar char="•"/>
           </a:pPr>
-          <a:endParaRPr lang="en-IN" sz="1400" kern="1200" dirty="0"/>
+          <a:endParaRPr lang="en-IN" sz="1200" kern="1200" dirty="0"/>
         </a:p>
         <a:p>
-          <a:pPr marL="114300" lvl="1" indent="-114300" algn="l" defTabSz="622300">
+          <a:pPr marL="114300" lvl="1" indent="-114300" algn="l" defTabSz="533400">
             <a:lnSpc>
               <a:spcPct val="90000"/>
             </a:lnSpc>
@@ -6413,7 +6333,7 @@
             </a:spcAft>
             <a:buChar char="•"/>
           </a:pPr>
-          <a:endParaRPr lang="en-IN" sz="1400" kern="1200" dirty="0"/>
+          <a:endParaRPr lang="en-IN" sz="1200" kern="1200" dirty="0"/>
         </a:p>
       </dsp:txBody>
       <dsp:txXfrm>
@@ -6428,7 +6348,7 @@
       </dsp:nvSpPr>
       <dsp:spPr>
         <a:xfrm>
-          <a:off x="2060448" y="2310529"/>
+          <a:off x="2060447" y="2310529"/>
           <a:ext cx="5864352" cy="347032"/>
         </a:xfrm>
         <a:prstGeom prst="rect">
@@ -6453,12 +6373,12 @@
         <a:fontRef idx="minor"/>
       </dsp:style>
       <dsp:txBody>
-        <a:bodyPr spcFirstLastPara="0" vert="horz" wrap="square" lIns="26670" tIns="26670" rIns="26670" bIns="26670" numCol="1" spcCol="1270" anchor="b" anchorCtr="0">
+        <a:bodyPr spcFirstLastPara="0" vert="horz" wrap="square" lIns="22860" tIns="22860" rIns="22860" bIns="22860" numCol="1" spcCol="1270" anchor="b" anchorCtr="0">
           <a:noAutofit/>
         </a:bodyPr>
         <a:lstStyle/>
         <a:p>
-          <a:pPr marL="0" lvl="0" indent="0" algn="l" defTabSz="622300">
+          <a:pPr marL="0" lvl="0" indent="0" algn="l" defTabSz="533400">
             <a:lnSpc>
               <a:spcPct val="90000"/>
             </a:lnSpc>
@@ -6471,13 +6391,13 @@
             <a:buNone/>
           </a:pPr>
           <a:r>
-            <a:rPr lang="en-IN" sz="1400" kern="1200" dirty="0"/>
+            <a:rPr lang="en-IN" sz="1200" kern="1200" dirty="0"/>
             <a:t>Pay parity can be captured while scraping and can be used to define PIR</a:t>
           </a:r>
         </a:p>
       </dsp:txBody>
       <dsp:txXfrm>
-        <a:off x="2060448" y="2310529"/>
+        <a:off x="2060447" y="2310529"/>
         <a:ext cx="5864352" cy="347032"/>
       </dsp:txXfrm>
     </dsp:sp>
@@ -6570,12 +6490,12 @@
         </a:fontRef>
       </dsp:style>
       <dsp:txBody>
-        <a:bodyPr spcFirstLastPara="0" vert="horz" wrap="square" lIns="26670" tIns="26670" rIns="26670" bIns="26670" numCol="1" spcCol="1270" anchor="ctr" anchorCtr="0">
+        <a:bodyPr spcFirstLastPara="0" vert="horz" wrap="square" lIns="22860" tIns="22860" rIns="22860" bIns="22860" numCol="1" spcCol="1270" anchor="ctr" anchorCtr="0">
           <a:noAutofit/>
         </a:bodyPr>
         <a:lstStyle/>
         <a:p>
-          <a:pPr marL="0" lvl="0" indent="0" algn="ctr" defTabSz="622300">
+          <a:pPr marL="0" lvl="0" indent="0" algn="ctr" defTabSz="533400">
             <a:lnSpc>
               <a:spcPct val="90000"/>
             </a:lnSpc>
@@ -6588,10 +6508,10 @@
             <a:buNone/>
           </a:pPr>
           <a:r>
-            <a:rPr lang="en-US" sz="1400" b="1" kern="1200" dirty="0"/>
+            <a:rPr lang="en-US" sz="1200" b="1" kern="1200" dirty="0"/>
             <a:t>Economic Success Criteria</a:t>
           </a:r>
-          <a:endParaRPr lang="en-IN" sz="1400" b="1" kern="1200" dirty="0"/>
+          <a:endParaRPr lang="en-IN" sz="1200" b="1" kern="1200" dirty="0"/>
         </a:p>
       </dsp:txBody>
       <dsp:txXfrm>
@@ -6631,12 +6551,12 @@
         <a:fontRef idx="minor"/>
       </dsp:style>
       <dsp:txBody>
-        <a:bodyPr spcFirstLastPara="0" vert="horz" wrap="square" lIns="26670" tIns="26670" rIns="26670" bIns="26670" numCol="1" spcCol="1270" anchor="t" anchorCtr="0">
+        <a:bodyPr spcFirstLastPara="0" vert="horz" wrap="square" lIns="22860" tIns="22860" rIns="22860" bIns="22860" numCol="1" spcCol="1270" anchor="t" anchorCtr="0">
           <a:noAutofit/>
         </a:bodyPr>
         <a:lstStyle/>
         <a:p>
-          <a:pPr marL="114300" lvl="1" indent="-114300" algn="l" defTabSz="622300">
+          <a:pPr marL="114300" lvl="1" indent="-114300" algn="l" defTabSz="533400">
             <a:lnSpc>
               <a:spcPct val="90000"/>
             </a:lnSpc>
@@ -6649,13 +6569,13 @@
             <a:buChar char="•"/>
           </a:pPr>
           <a:r>
-            <a:rPr lang="en-US" sz="1400" kern="1200" dirty="0"/>
+            <a:rPr lang="en-US" sz="1200" kern="1200" dirty="0"/>
             <a:t>Reduce the recruitment costs by 50% by saving man hours of HR and interview panel</a:t>
           </a:r>
-          <a:endParaRPr lang="en-IN" sz="1400" kern="1200" dirty="0"/>
+          <a:endParaRPr lang="en-IN" sz="1200" kern="1200" dirty="0"/>
         </a:p>
         <a:p>
-          <a:pPr marL="114300" lvl="1" indent="-114300" algn="l" defTabSz="622300">
+          <a:pPr marL="114300" lvl="1" indent="-114300" algn="l" defTabSz="533400">
             <a:lnSpc>
               <a:spcPct val="90000"/>
             </a:lnSpc>
@@ -6668,10 +6588,10 @@
             <a:buChar char="•"/>
           </a:pPr>
           <a:r>
-            <a:rPr lang="en-US" sz="1400" kern="1200" dirty="0"/>
+            <a:rPr lang="en-US" sz="1200" kern="1200" dirty="0"/>
             <a:t>Opportunity to leverage the costs for Retention, by reusing the component for internal job postings </a:t>
           </a:r>
-          <a:endParaRPr lang="en-IN" sz="1400" kern="1200" dirty="0"/>
+          <a:endParaRPr lang="en-IN" sz="1200" kern="1200" dirty="0"/>
         </a:p>
       </dsp:txBody>
       <dsp:txXfrm>
@@ -11195,145 +11115,9 @@
           <a:bodyPr/>
           <a:lstStyle/>
           <a:p>
-            <a:r>
-              <a:rPr lang="en-IN" b="1" dirty="0">
-                <a:effectLst/>
-              </a:rPr>
-              <a:t>Business Success Criteria:</a:t>
-            </a:r>
             <a:endParaRPr lang="en-IN" dirty="0">
               <a:effectLst/>
             </a:endParaRPr>
-          </a:p>
-          <a:p>
-            <a:pPr>
-              <a:buFont typeface="Arial" panose="020B0604020202020204" pitchFamily="34" charset="0"/>
-              <a:buChar char="•"/>
-            </a:pPr>
-            <a:r>
-              <a:rPr lang="en-IN" dirty="0">
-                <a:effectLst/>
-              </a:rPr>
-              <a:t>Increased efficiency in the recruitment process.</a:t>
-            </a:r>
-          </a:p>
-          <a:p>
-            <a:pPr>
-              <a:buFont typeface="Arial" panose="020B0604020202020204" pitchFamily="34" charset="0"/>
-              <a:buChar char="•"/>
-            </a:pPr>
-            <a:r>
-              <a:rPr lang="en-IN" dirty="0">
-                <a:effectLst/>
-              </a:rPr>
-              <a:t>Improved candidate experience.</a:t>
-            </a:r>
-          </a:p>
-          <a:p>
-            <a:pPr>
-              <a:buFont typeface="Arial" panose="020B0604020202020204" pitchFamily="34" charset="0"/>
-              <a:buChar char="•"/>
-            </a:pPr>
-            <a:r>
-              <a:rPr lang="en-IN" dirty="0">
-                <a:effectLst/>
-              </a:rPr>
-              <a:t>Reduced time-to-hire metrics.</a:t>
-            </a:r>
-          </a:p>
-          <a:p>
-            <a:r>
-              <a:rPr lang="en-IN" b="1" dirty="0">
-                <a:effectLst/>
-              </a:rPr>
-              <a:t>Technical Success Criteria:</a:t>
-            </a:r>
-            <a:endParaRPr lang="en-IN" dirty="0">
-              <a:effectLst/>
-            </a:endParaRPr>
-          </a:p>
-          <a:p>
-            <a:pPr>
-              <a:buFont typeface="Arial" panose="020B0604020202020204" pitchFamily="34" charset="0"/>
-              <a:buChar char="•"/>
-            </a:pPr>
-            <a:r>
-              <a:rPr lang="en-IN" dirty="0">
-                <a:effectLst/>
-              </a:rPr>
-              <a:t>Ability to handle resumes in different formats such as PDF, Word, or HTML.</a:t>
-            </a:r>
-          </a:p>
-          <a:p>
-            <a:pPr>
-              <a:buFont typeface="Arial" panose="020B0604020202020204" pitchFamily="34" charset="0"/>
-              <a:buChar char="•"/>
-            </a:pPr>
-            <a:r>
-              <a:rPr lang="en-IN" dirty="0">
-                <a:effectLst/>
-              </a:rPr>
-              <a:t>High accuracy in identifying relevant resumes.</a:t>
-            </a:r>
-          </a:p>
-          <a:p>
-            <a:pPr>
-              <a:buFont typeface="Arial" panose="020B0604020202020204" pitchFamily="34" charset="0"/>
-              <a:buChar char="•"/>
-            </a:pPr>
-            <a:r>
-              <a:rPr lang="en-IN" dirty="0">
-                <a:effectLst/>
-              </a:rPr>
-              <a:t>Scalability to handle large volumes of data.</a:t>
-            </a:r>
-          </a:p>
-          <a:p>
-            <a:r>
-              <a:rPr lang="en-IN" b="1" dirty="0">
-                <a:effectLst/>
-              </a:rPr>
-              <a:t>Economic Success Criteria:</a:t>
-            </a:r>
-            <a:endParaRPr lang="en-IN" dirty="0">
-              <a:effectLst/>
-            </a:endParaRPr>
-          </a:p>
-          <a:p>
-            <a:pPr>
-              <a:buFont typeface="Arial" panose="020B0604020202020204" pitchFamily="34" charset="0"/>
-              <a:buChar char="•"/>
-            </a:pPr>
-            <a:r>
-              <a:rPr lang="en-IN" dirty="0">
-                <a:effectLst/>
-              </a:rPr>
-              <a:t>Reduced recruitment costs.</a:t>
-            </a:r>
-          </a:p>
-          <a:p>
-            <a:pPr>
-              <a:buFont typeface="Arial" panose="020B0604020202020204" pitchFamily="34" charset="0"/>
-              <a:buChar char="•"/>
-            </a:pPr>
-            <a:r>
-              <a:rPr lang="en-IN" dirty="0">
-                <a:effectLst/>
-              </a:rPr>
-              <a:t>Improved quality of hires.</a:t>
-            </a:r>
-          </a:p>
-          <a:p>
-            <a:pPr>
-              <a:buFont typeface="Arial" panose="020B0604020202020204" pitchFamily="34" charset="0"/>
-              <a:buChar char="•"/>
-            </a:pPr>
-            <a:r>
-              <a:rPr lang="en-IN" dirty="0">
-                <a:effectLst/>
-              </a:rPr>
-              <a:t>Increased retention rates.</a:t>
-            </a:r>
           </a:p>
         </p:txBody>
       </p:sp>
@@ -12257,7 +12041,7 @@
           <a:p>
             <a:fld id="{FC119FAB-51A8-43D3-9E33-5931B4F71655}" type="slidenum">
               <a:rPr lang="en-IN" smtClean="0"/>
-              <a:t>11</a:t>
+              <a:t>9</a:t>
             </a:fld>
             <a:endParaRPr lang="en-IN"/>
           </a:p>
@@ -13853,6 +13637,150 @@
           <p:cNvPr id="2" name="Title 1">
             <a:extLst>
               <a:ext uri="{FF2B5EF4-FFF2-40B4-BE49-F238E27FC236}">
+                <a16:creationId xmlns:a16="http://schemas.microsoft.com/office/drawing/2014/main" id="{D4B481A0-87B8-4E17-047B-10258683FA41}"/>
+              </a:ext>
+            </a:extLst>
+          </p:cNvPr>
+          <p:cNvSpPr>
+            <a:spLocks noGrp="1"/>
+          </p:cNvSpPr>
+          <p:nvPr>
+            <p:ph type="title"/>
+          </p:nvPr>
+        </p:nvSpPr>
+        <p:spPr>
+          <a:xfrm>
+            <a:off x="258572" y="264921"/>
+            <a:ext cx="8626855" cy="369332"/>
+          </a:xfrm>
+        </p:spPr>
+        <p:txBody>
+          <a:bodyPr/>
+          <a:lstStyle/>
+          <a:p>
+            <a:r>
+              <a:rPr lang="en-US" dirty="0"/>
+              <a:t>Caveats and WIP effort</a:t>
+            </a:r>
+          </a:p>
+        </p:txBody>
+      </p:sp>
+      <p:sp>
+        <p:nvSpPr>
+          <p:cNvPr id="3" name="Text Placeholder 2">
+            <a:extLst>
+              <a:ext uri="{FF2B5EF4-FFF2-40B4-BE49-F238E27FC236}">
+                <a16:creationId xmlns:a16="http://schemas.microsoft.com/office/drawing/2014/main" id="{9C84DCE6-25AE-D974-99BD-80CA6D995AD0}"/>
+              </a:ext>
+            </a:extLst>
+          </p:cNvPr>
+          <p:cNvSpPr>
+            <a:spLocks noGrp="1"/>
+          </p:cNvSpPr>
+          <p:nvPr>
+            <p:ph type="body" idx="1"/>
+          </p:nvPr>
+        </p:nvSpPr>
+        <p:spPr>
+          <a:xfrm>
+            <a:off x="258572" y="1143000"/>
+            <a:ext cx="8428228" cy="1938992"/>
+          </a:xfrm>
+        </p:spPr>
+        <p:txBody>
+          <a:bodyPr/>
+          <a:lstStyle/>
+          <a:p>
+            <a:pPr marL="342900" indent="-342900">
+              <a:buAutoNum type="arabicPeriod"/>
+            </a:pPr>
+            <a:r>
+              <a:rPr lang="en-US" dirty="0"/>
+              <a:t>Need to expand the selection criteria by including the Salary and Experience</a:t>
+            </a:r>
+          </a:p>
+          <a:p>
+            <a:pPr marL="342900" indent="-342900">
+              <a:buAutoNum type="arabicPeriod"/>
+            </a:pPr>
+            <a:endParaRPr lang="en-US" dirty="0"/>
+          </a:p>
+          <a:p>
+            <a:pPr marL="342900" indent="-342900">
+              <a:buAutoNum type="arabicPeriod"/>
+            </a:pPr>
+            <a:r>
+              <a:rPr lang="en-US" dirty="0"/>
+              <a:t>Need to build a UI layer with backend API connectivity for better UX</a:t>
+            </a:r>
+          </a:p>
+          <a:p>
+            <a:pPr marL="342900" indent="-342900">
+              <a:buAutoNum type="arabicPeriod"/>
+            </a:pPr>
+            <a:endParaRPr lang="en-US" dirty="0"/>
+          </a:p>
+          <a:p>
+            <a:pPr marL="342900" indent="-342900">
+              <a:buAutoNum type="arabicPeriod"/>
+            </a:pPr>
+            <a:r>
+              <a:rPr lang="en-US" dirty="0"/>
+              <a:t>Need to build an application layer to read the files from Database</a:t>
+            </a:r>
+          </a:p>
+          <a:p>
+            <a:pPr marL="342900" indent="-342900">
+              <a:buAutoNum type="arabicPeriod"/>
+            </a:pPr>
+            <a:endParaRPr lang="en-US" dirty="0"/>
+          </a:p>
+          <a:p>
+            <a:pPr marL="342900" indent="-342900">
+              <a:buAutoNum type="arabicPeriod"/>
+            </a:pPr>
+            <a:r>
+              <a:rPr lang="en-US" dirty="0"/>
+              <a:t>Scoping internal job postings and using it for IJP requisition mapping</a:t>
+            </a:r>
+          </a:p>
+        </p:txBody>
+      </p:sp>
+    </p:spTree>
+    <p:extLst>
+      <p:ext uri="{BB962C8B-B14F-4D97-AF65-F5344CB8AC3E}">
+        <p14:creationId xmlns:p14="http://schemas.microsoft.com/office/powerpoint/2010/main" val="3961689296"/>
+      </p:ext>
+    </p:extLst>
+  </p:cSld>
+  <p:clrMapOvr>
+    <a:masterClrMapping/>
+  </p:clrMapOvr>
+</p:sld>
+</file>
+
+<file path=ppt/slides/slide11.xml><?xml version="1.0" encoding="utf-8"?>
+<p:sld xmlns:a="http://schemas.openxmlformats.org/drawingml/2006/main" xmlns:r="http://schemas.openxmlformats.org/officeDocument/2006/relationships" xmlns:p="http://schemas.openxmlformats.org/presentationml/2006/main">
+  <p:cSld>
+    <p:spTree>
+      <p:nvGrpSpPr>
+        <p:cNvPr id="1" name=""/>
+        <p:cNvGrpSpPr/>
+        <p:nvPr/>
+      </p:nvGrpSpPr>
+      <p:grpSpPr>
+        <a:xfrm>
+          <a:off x="0" y="0"/>
+          <a:ext cx="0" cy="0"/>
+          <a:chOff x="0" y="0"/>
+          <a:chExt cx="0" cy="0"/>
+        </a:xfrm>
+      </p:grpSpPr>
+      <p:sp>
+        <p:nvSpPr>
+          <p:cNvPr id="2" name="Title 1">
+            <a:extLst>
+              <a:ext uri="{FF2B5EF4-FFF2-40B4-BE49-F238E27FC236}">
                 <a16:creationId xmlns:a16="http://schemas.microsoft.com/office/drawing/2014/main" id="{03955788-901F-38AA-CF62-05A8B30CA672}"/>
               </a:ext>
             </a:extLst>
@@ -13995,175 +13923,6 @@
 </p:sld>
 </file>
 
-<file path=ppt/slides/slide11.xml><?xml version="1.0" encoding="utf-8"?>
-<p:sld xmlns:a="http://schemas.openxmlformats.org/drawingml/2006/main" xmlns:r="http://schemas.openxmlformats.org/officeDocument/2006/relationships" xmlns:p="http://schemas.openxmlformats.org/presentationml/2006/main">
-  <p:cSld>
-    <p:spTree>
-      <p:nvGrpSpPr>
-        <p:cNvPr id="1" name=""/>
-        <p:cNvGrpSpPr/>
-        <p:nvPr/>
-      </p:nvGrpSpPr>
-      <p:grpSpPr>
-        <a:xfrm>
-          <a:off x="0" y="0"/>
-          <a:ext cx="0" cy="0"/>
-          <a:chOff x="0" y="0"/>
-          <a:chExt cx="0" cy="0"/>
-        </a:xfrm>
-      </p:grpSpPr>
-      <p:sp>
-        <p:nvSpPr>
-          <p:cNvPr id="2" name="Title 1">
-            <a:extLst>
-              <a:ext uri="{FF2B5EF4-FFF2-40B4-BE49-F238E27FC236}">
-                <a16:creationId xmlns:a16="http://schemas.microsoft.com/office/drawing/2014/main" id="{53AE150B-405F-E3C9-AB7A-424976755E65}"/>
-              </a:ext>
-            </a:extLst>
-          </p:cNvPr>
-          <p:cNvSpPr>
-            <a:spLocks noGrp="1"/>
-          </p:cNvSpPr>
-          <p:nvPr>
-            <p:ph type="title"/>
-          </p:nvPr>
-        </p:nvSpPr>
-        <p:spPr>
-          <a:xfrm>
-            <a:off x="258572" y="264921"/>
-            <a:ext cx="8626855" cy="369332"/>
-          </a:xfrm>
-        </p:spPr>
-        <p:txBody>
-          <a:bodyPr/>
-          <a:lstStyle/>
-          <a:p>
-            <a:r>
-              <a:rPr lang="en-IN" dirty="0"/>
-              <a:t>Annexure </a:t>
-            </a:r>
-          </a:p>
-        </p:txBody>
-      </p:sp>
-      <p:sp>
-        <p:nvSpPr>
-          <p:cNvPr id="3" name="TextBox 2">
-            <a:extLst>
-              <a:ext uri="{FF2B5EF4-FFF2-40B4-BE49-F238E27FC236}">
-                <a16:creationId xmlns:a16="http://schemas.microsoft.com/office/drawing/2014/main" id="{945204EE-0506-616E-330A-E698FCA12744}"/>
-              </a:ext>
-            </a:extLst>
-          </p:cNvPr>
-          <p:cNvSpPr txBox="1"/>
-          <p:nvPr/>
-        </p:nvSpPr>
-        <p:spPr>
-          <a:xfrm>
-            <a:off x="381000" y="908824"/>
-            <a:ext cx="7315200" cy="3693319"/>
-          </a:xfrm>
-          <a:prstGeom prst="rect">
-            <a:avLst/>
-          </a:prstGeom>
-          <a:noFill/>
-        </p:spPr>
-        <p:txBody>
-          <a:bodyPr wrap="square" rtlCol="0">
-            <a:spAutoFit/>
-          </a:bodyPr>
-          <a:lstStyle/>
-          <a:p>
-            <a:r>
-              <a:rPr lang="en-US" dirty="0"/>
-              <a:t>GitHub Link : </a:t>
-            </a:r>
-            <a:r>
-              <a:rPr lang="en-US" dirty="0">
-                <a:hlinkClick r:id="rId3"/>
-              </a:rPr>
-              <a:t>https://github.com/anirudhyadav/ISBG4FP1</a:t>
-            </a:r>
-            <a:r>
-              <a:rPr lang="en-US" dirty="0"/>
-              <a:t> </a:t>
-            </a:r>
-          </a:p>
-          <a:p>
-            <a:endParaRPr lang="en-US" dirty="0"/>
-          </a:p>
-          <a:p>
-            <a:endParaRPr lang="en-US" dirty="0"/>
-          </a:p>
-          <a:p>
-            <a:endParaRPr lang="en-US" dirty="0"/>
-          </a:p>
-          <a:p>
-            <a:r>
-              <a:rPr lang="en-US" dirty="0"/>
-              <a:t>Dataset used during FP1:</a:t>
-            </a:r>
-          </a:p>
-          <a:p>
-            <a:endParaRPr lang="en-US" dirty="0"/>
-          </a:p>
-          <a:p>
-            <a:r>
-              <a:rPr lang="en-US" dirty="0" err="1"/>
-              <a:t>complete_jd_data.csv</a:t>
-            </a:r>
-            <a:r>
-              <a:rPr lang="en-US" dirty="0"/>
-              <a:t> : Master dataset from Job portals</a:t>
-            </a:r>
-          </a:p>
-          <a:p>
-            <a:r>
-              <a:rPr lang="en-US" dirty="0" err="1"/>
-              <a:t>ResumeValidator-ResumeData.csv</a:t>
-            </a:r>
-            <a:r>
-              <a:rPr lang="en-US" dirty="0"/>
-              <a:t> : Input profiles for mapping</a:t>
-            </a:r>
-          </a:p>
-          <a:p>
-            <a:endParaRPr lang="en-US" dirty="0"/>
-          </a:p>
-          <a:p>
-            <a:endParaRPr lang="en-US" dirty="0"/>
-          </a:p>
-          <a:p>
-            <a:endParaRPr lang="en-US" dirty="0"/>
-          </a:p>
-          <a:p>
-            <a:r>
-              <a:rPr lang="en-US" dirty="0"/>
-              <a:t>All code files are placed on </a:t>
-            </a:r>
-            <a:r>
-              <a:rPr lang="en-US" dirty="0" err="1"/>
-              <a:t>github</a:t>
-            </a:r>
-            <a:r>
-              <a:rPr lang="en-US" dirty="0"/>
-              <a:t>, and files are sequenced as prefixed with step 1-4.</a:t>
-            </a:r>
-          </a:p>
-        </p:txBody>
-      </p:sp>
-    </p:spTree>
-    <p:extLst>
-      <p:ext uri="{BB962C8B-B14F-4D97-AF65-F5344CB8AC3E}">
-        <p14:creationId xmlns:p14="http://schemas.microsoft.com/office/powerpoint/2010/main" val="601324877"/>
-      </p:ext>
-    </p:extLst>
-  </p:cSld>
-  <p:clrMapOvr>
-    <a:masterClrMapping/>
-  </p:clrMapOvr>
-</p:sld>
-</file>
-
 <file path=ppt/slides/slide12.xml><?xml version="1.0" encoding="utf-8"?>
 <p:sld xmlns:a="http://schemas.openxmlformats.org/drawingml/2006/main" xmlns:r="http://schemas.openxmlformats.org/officeDocument/2006/relationships" xmlns:p="http://schemas.openxmlformats.org/presentationml/2006/main">
   <p:cSld>
@@ -14216,122 +13975,11 @@
       </p:sp>
       <p:sp>
         <p:nvSpPr>
-          <p:cNvPr id="3" name="Text Placeholder 2">
-            <a:extLst>
-              <a:ext uri="{FF2B5EF4-FFF2-40B4-BE49-F238E27FC236}">
-                <a16:creationId xmlns:a16="http://schemas.microsoft.com/office/drawing/2014/main" id="{EAC45F78-4736-AD83-1C82-25D099282639}"/>
-              </a:ext>
-            </a:extLst>
-          </p:cNvPr>
-          <p:cNvSpPr>
-            <a:spLocks noGrp="1"/>
-          </p:cNvSpPr>
-          <p:nvPr>
-            <p:ph type="body" idx="1"/>
-          </p:nvPr>
-        </p:nvSpPr>
-        <p:spPr>
-          <a:xfrm>
-            <a:off x="1060450" y="2584450"/>
-            <a:ext cx="7023100" cy="830997"/>
-          </a:xfrm>
-        </p:spPr>
-        <p:txBody>
-          <a:bodyPr/>
-          <a:lstStyle/>
-          <a:p>
-            <a:pPr marL="0" indent="0">
-              <a:buFont typeface="Arial" panose="020B0604020202020204" pitchFamily="34" charset="0"/>
-              <a:buNone/>
-            </a:pPr>
-            <a:r>
-              <a:rPr lang="en-IN" sz="1800" b="0" i="0" dirty="0" err="1">
-                <a:solidFill>
-                  <a:srgbClr val="111111"/>
-                </a:solidFill>
-                <a:effectLst/>
-                <a:latin typeface="-apple-system"/>
-                <a:ea typeface="+mn-ea"/>
-                <a:cs typeface="+mn-cs"/>
-              </a:rPr>
-              <a:t>Technolgy</a:t>
-            </a:r>
-            <a:r>
-              <a:rPr lang="en-IN" sz="1800" b="0" i="0" dirty="0">
-                <a:solidFill>
-                  <a:srgbClr val="111111"/>
-                </a:solidFill>
-                <a:effectLst/>
-                <a:latin typeface="-apple-system"/>
-                <a:ea typeface="+mn-ea"/>
-                <a:cs typeface="+mn-cs"/>
-              </a:rPr>
-              <a:t> : </a:t>
-            </a:r>
-            <a:r>
-              <a:rPr lang="en-IN" sz="1800" b="0" i="0" dirty="0" err="1">
-                <a:solidFill>
-                  <a:srgbClr val="111111"/>
-                </a:solidFill>
-                <a:effectLst/>
-                <a:latin typeface="-apple-system"/>
-                <a:ea typeface="+mn-ea"/>
-                <a:cs typeface="+mn-cs"/>
-              </a:rPr>
-              <a:t>Sele</a:t>
-            </a:r>
-            <a:endParaRPr lang="en-IN" sz="1800" b="0" i="0" dirty="0">
-              <a:solidFill>
-                <a:srgbClr val="111111"/>
-              </a:solidFill>
-              <a:effectLst/>
-              <a:latin typeface="-apple-system"/>
-              <a:ea typeface="+mn-ea"/>
-              <a:cs typeface="+mn-cs"/>
-            </a:endParaRPr>
-          </a:p>
-          <a:p>
-            <a:pPr marL="0" indent="0">
-              <a:buFont typeface="Arial" panose="020B0604020202020204" pitchFamily="34" charset="0"/>
-              <a:buNone/>
-            </a:pPr>
-            <a:r>
-              <a:rPr lang="en-IN" sz="1800" b="0" i="0" dirty="0" err="1">
-                <a:solidFill>
-                  <a:srgbClr val="111111"/>
-                </a:solidFill>
-                <a:effectLst/>
-                <a:latin typeface="-apple-system"/>
-                <a:ea typeface="+mn-ea"/>
-                <a:cs typeface="+mn-cs"/>
-              </a:rPr>
-              <a:t>Dta</a:t>
-            </a:r>
-            <a:r>
-              <a:rPr lang="en-IN" sz="1800" b="0" i="0" dirty="0">
-                <a:solidFill>
-                  <a:srgbClr val="111111"/>
-                </a:solidFill>
-                <a:effectLst/>
-                <a:latin typeface="-apple-system"/>
-                <a:ea typeface="+mn-ea"/>
-                <a:cs typeface="+mn-cs"/>
-              </a:rPr>
-              <a:t> sources : Naukri</a:t>
-            </a:r>
-          </a:p>
-          <a:p>
-            <a:endParaRPr lang="en-US" dirty="0"/>
-          </a:p>
-        </p:txBody>
-      </p:sp>
-      <p:sp>
-        <p:nvSpPr>
-          <p:cNvPr id="4" name="Left Arrow 3">
+          <p:cNvPr id="7" name="Arrow: Left 6">
             <a:hlinkClick r:id="rId2" action="ppaction://hlinksldjump"/>
             <a:extLst>
               <a:ext uri="{FF2B5EF4-FFF2-40B4-BE49-F238E27FC236}">
-                <a16:creationId xmlns:a16="http://schemas.microsoft.com/office/drawing/2014/main" id="{C92B8D75-CA28-6B08-D0DC-B63A7DE12CC1}"/>
+                <a16:creationId xmlns:a16="http://schemas.microsoft.com/office/drawing/2014/main" id="{79189DE3-BB33-0692-F564-A03F1F1669A5}"/>
               </a:ext>
             </a:extLst>
           </p:cNvPr>
@@ -14340,8 +13988,8 @@
         </p:nvSpPr>
         <p:spPr>
           <a:xfrm>
-            <a:off x="7467600" y="5334000"/>
-            <a:ext cx="1417826" cy="713232"/>
+            <a:off x="8369302" y="5943600"/>
+            <a:ext cx="685800" cy="369332"/>
           </a:xfrm>
           <a:prstGeom prst="leftArrow">
             <a:avLst/>
@@ -14369,16 +14017,96 @@
           <a:p>
             <a:pPr algn="ctr"/>
             <a:r>
-              <a:rPr lang="en-US" dirty="0"/>
-              <a:t>Main </a:t>
-            </a:r>
-            <a:r>
-              <a:rPr lang="en-US" dirty="0">
-                <a:hlinkClick r:id="rId2" action="ppaction://hlinksldjump"/>
-              </a:rPr>
-              <a:t>Page</a:t>
-            </a:r>
-            <a:endParaRPr lang="en-US" dirty="0"/>
+              <a:rPr lang="en-US" sz="900" b="1" dirty="0"/>
+              <a:t>GO Back</a:t>
+            </a:r>
+            <a:endParaRPr lang="en-IN" sz="900" b="1" dirty="0"/>
+          </a:p>
+        </p:txBody>
+      </p:sp>
+      <p:sp>
+        <p:nvSpPr>
+          <p:cNvPr id="9" name="TextBox 8">
+            <a:extLst>
+              <a:ext uri="{FF2B5EF4-FFF2-40B4-BE49-F238E27FC236}">
+                <a16:creationId xmlns:a16="http://schemas.microsoft.com/office/drawing/2014/main" id="{C028B5AF-CC97-F4DF-D310-604B34377D07}"/>
+              </a:ext>
+            </a:extLst>
+          </p:cNvPr>
+          <p:cNvSpPr txBox="1"/>
+          <p:nvPr/>
+        </p:nvSpPr>
+        <p:spPr>
+          <a:xfrm>
+            <a:off x="245874" y="1219200"/>
+            <a:ext cx="8123428" cy="2862322"/>
+          </a:xfrm>
+          <a:prstGeom prst="rect">
+            <a:avLst/>
+          </a:prstGeom>
+          <a:noFill/>
+        </p:spPr>
+        <p:txBody>
+          <a:bodyPr wrap="square">
+            <a:spAutoFit/>
+          </a:bodyPr>
+          <a:lstStyle/>
+          <a:p>
+            <a:pPr marL="171450" indent="-171450">
+              <a:buFont typeface="Arial" panose="020B0604020202020204" pitchFamily="34" charset="0"/>
+              <a:buChar char="•"/>
+            </a:pPr>
+            <a:r>
+              <a:rPr lang="en-IN" sz="1200" b="1" dirty="0"/>
+              <a:t>Data Collection: </a:t>
+            </a:r>
+            <a:r>
+              <a:rPr lang="en-IN" sz="1200" dirty="0"/>
+              <a:t>We collected resumes from multiple sources and stored them in a structured format. The sources for this activity were job portals (Naukri.com, Monster, etc), social media platforms (</a:t>
+            </a:r>
+            <a:r>
+              <a:rPr lang="en-IN" sz="1200" dirty="0" err="1"/>
+              <a:t>Linkedin</a:t>
+            </a:r>
+            <a:r>
+              <a:rPr lang="en-IN" sz="1200" dirty="0"/>
+              <a:t>, Glassdoor, etc). The resumes were in different formats such as PDF, Word and HTML. Candidates' details were collected through surveys, instead of scrapping the resumes from any job portal or social media platforms. Eventually, even if we would have scrapped the profiles, the data would have been cleaned to brought into the same structure as it was in Survey’s output.</a:t>
+            </a:r>
+          </a:p>
+          <a:p>
+            <a:pPr marL="171450" indent="-171450">
+              <a:buFont typeface="Arial" panose="020B0604020202020204" pitchFamily="34" charset="0"/>
+              <a:buChar char="•"/>
+            </a:pPr>
+            <a:r>
+              <a:rPr lang="en-IN" sz="1200" b="1" dirty="0"/>
+              <a:t>Data Cleaning: </a:t>
+            </a:r>
+            <a:r>
+              <a:rPr lang="en-IN" sz="1200" dirty="0"/>
+              <a:t>Job description and Survey data that was extracted from web scraping and surveys was cleaned using regex and other methodologies . The required data from the Job descriptions and resumes were identified. NLTK library was used to clean up the data and extract the intended data set and corpus was prepared.</a:t>
+            </a:r>
+          </a:p>
+          <a:p>
+            <a:pPr marL="171450" indent="-171450">
+              <a:buFont typeface="Arial" panose="020B0604020202020204" pitchFamily="34" charset="0"/>
+              <a:buChar char="•"/>
+            </a:pPr>
+            <a:r>
+              <a:rPr lang="en-IN" sz="1200" b="1" dirty="0"/>
+              <a:t>Data Preprocessing: </a:t>
+            </a:r>
+            <a:r>
+              <a:rPr lang="en-IN" sz="1200" dirty="0"/>
+              <a:t>We used techniques such as tokenization, stemming, and stop-word removal to get the data as required for the Model. With Tokenization we broke down the text into individual words or phrases. With Stemming we reduced the words to their root form. With Stop-word removal we removed common words such as “the,” “and,” and “a.” . The same technique was also used to remove the common skill sets across. The goal is to convert the text data into a format that can be easily analysed by the machine learning algorithms.</a:t>
+            </a:r>
+          </a:p>
+          <a:p>
+            <a:pPr marL="171450" indent="-171450">
+              <a:buFont typeface="Arial" panose="020B0604020202020204" pitchFamily="34" charset="0"/>
+              <a:buChar char="•"/>
+            </a:pPr>
+            <a:endParaRPr lang="en-IN" sz="1200" dirty="0"/>
           </a:p>
         </p:txBody>
       </p:sp>
@@ -14417,7 +14145,7 @@
           <p:cNvPr id="2" name="Title 1">
             <a:extLst>
               <a:ext uri="{FF2B5EF4-FFF2-40B4-BE49-F238E27FC236}">
-                <a16:creationId xmlns:a16="http://schemas.microsoft.com/office/drawing/2014/main" id="{C553F1FE-9A36-EE10-1553-F02292423870}"/>
+                <a16:creationId xmlns:a16="http://schemas.microsoft.com/office/drawing/2014/main" id="{678097BC-10DA-CEFB-0270-BD41605D24C8}"/>
               </a:ext>
             </a:extLst>
           </p:cNvPr>
@@ -14440,17 +14168,254 @@
           <a:p>
             <a:r>
               <a:rPr lang="en-US" dirty="0"/>
-              <a:t>Modelling</a:t>
+              <a:t>Modeling</a:t>
             </a:r>
           </a:p>
         </p:txBody>
       </p:sp>
       <p:sp>
         <p:nvSpPr>
-          <p:cNvPr id="3" name="Text Placeholder 2">
+          <p:cNvPr id="7" name="Arrow: Left 6">
+            <a:hlinkClick r:id="rId2" action="ppaction://hlinksldjump"/>
             <a:extLst>
               <a:ext uri="{FF2B5EF4-FFF2-40B4-BE49-F238E27FC236}">
-                <a16:creationId xmlns:a16="http://schemas.microsoft.com/office/drawing/2014/main" id="{B3CD33DC-0110-BAC5-B2BE-2DA6BE5A9312}"/>
+                <a16:creationId xmlns:a16="http://schemas.microsoft.com/office/drawing/2014/main" id="{79189DE3-BB33-0692-F564-A03F1F1669A5}"/>
+              </a:ext>
+            </a:extLst>
+          </p:cNvPr>
+          <p:cNvSpPr/>
+          <p:nvPr/>
+        </p:nvSpPr>
+        <p:spPr>
+          <a:xfrm>
+            <a:off x="7772400" y="5638800"/>
+            <a:ext cx="685800" cy="369332"/>
+          </a:xfrm>
+          <a:prstGeom prst="leftArrow">
+            <a:avLst/>
+          </a:prstGeom>
+        </p:spPr>
+        <p:style>
+          <a:lnRef idx="2">
+            <a:schemeClr val="accent1">
+              <a:shade val="15000"/>
+            </a:schemeClr>
+          </a:lnRef>
+          <a:fillRef idx="1">
+            <a:schemeClr val="accent1"/>
+          </a:fillRef>
+          <a:effectRef idx="0">
+            <a:schemeClr val="accent1"/>
+          </a:effectRef>
+          <a:fontRef idx="minor">
+            <a:schemeClr val="lt1"/>
+          </a:fontRef>
+        </p:style>
+        <p:txBody>
+          <a:bodyPr rtlCol="0" anchor="ctr"/>
+          <a:lstStyle/>
+          <a:p>
+            <a:pPr algn="ctr"/>
+            <a:r>
+              <a:rPr lang="en-US" sz="900" b="1" dirty="0"/>
+              <a:t>GO Back</a:t>
+            </a:r>
+            <a:endParaRPr lang="en-IN" sz="900" b="1" dirty="0"/>
+          </a:p>
+        </p:txBody>
+      </p:sp>
+      <p:sp>
+        <p:nvSpPr>
+          <p:cNvPr id="4" name="TextBox 3">
+            <a:extLst>
+              <a:ext uri="{FF2B5EF4-FFF2-40B4-BE49-F238E27FC236}">
+                <a16:creationId xmlns:a16="http://schemas.microsoft.com/office/drawing/2014/main" id="{C598B85D-8E77-7CE4-2877-961575D9CA75}"/>
+              </a:ext>
+            </a:extLst>
+          </p:cNvPr>
+          <p:cNvSpPr txBox="1"/>
+          <p:nvPr/>
+        </p:nvSpPr>
+        <p:spPr>
+          <a:xfrm>
+            <a:off x="258572" y="1127026"/>
+            <a:ext cx="8305800" cy="3785652"/>
+          </a:xfrm>
+          <a:prstGeom prst="rect">
+            <a:avLst/>
+          </a:prstGeom>
+          <a:noFill/>
+        </p:spPr>
+        <p:txBody>
+          <a:bodyPr wrap="square">
+            <a:spAutoFit/>
+          </a:bodyPr>
+          <a:lstStyle/>
+          <a:p>
+            <a:pPr marL="171450" indent="-171450">
+              <a:buFont typeface="Arial" panose="020B0604020202020204" pitchFamily="34" charset="0"/>
+              <a:buChar char="•"/>
+            </a:pPr>
+            <a:r>
+              <a:rPr lang="en-IN" sz="1200" b="1" dirty="0"/>
+              <a:t>Literature research on similar problems : </a:t>
+            </a:r>
+            <a:r>
+              <a:rPr lang="en-IN" sz="1200" dirty="0"/>
+              <a:t>Study was done through multiple forums and internal group discussions to understand the availability of similar applications and typical usage. Also learning was done on the implementation methodologies to pick the right way. Focused group discussions were performed with multiple groups to understand the real problem statement in real world.</a:t>
+            </a:r>
+          </a:p>
+          <a:p>
+            <a:pPr marL="171450" indent="-171450">
+              <a:buFont typeface="Arial" panose="020B0604020202020204" pitchFamily="34" charset="0"/>
+              <a:buChar char="•"/>
+            </a:pPr>
+            <a:r>
+              <a:rPr lang="en-IN" sz="1200" b="1" dirty="0"/>
+              <a:t>Feature Extraction: </a:t>
+            </a:r>
+            <a:r>
+              <a:rPr lang="en-IN" sz="1200" dirty="0"/>
+              <a:t>Relevant features are extracted from the Job Descriptions such as skills, education, and experience. From the Survey data from the candidates, the intended feature extraction is performed. The goal is to identify the most important features that contribute to the classification of resumes and Job IDs. Techniques such as bag-of-words and </a:t>
+            </a:r>
+            <a:r>
+              <a:rPr lang="en-IN" sz="1200" dirty="0">
+                <a:highlight>
+                  <a:srgbClr val="FFFF00"/>
+                </a:highlight>
+              </a:rPr>
+              <a:t>term frequency-inverse document frequency (TF-IDF) </a:t>
+            </a:r>
+            <a:r>
+              <a:rPr lang="en-IN" sz="1200" dirty="0"/>
+              <a:t>are used to extract features from the text data. </a:t>
+            </a:r>
+            <a:r>
+              <a:rPr lang="en-IN" sz="1200" dirty="0" err="1"/>
+              <a:t>CountVectorizer</a:t>
+            </a:r>
+            <a:r>
+              <a:rPr lang="en-IN" sz="1200" dirty="0"/>
+              <a:t>().</a:t>
+            </a:r>
+            <a:r>
+              <a:rPr lang="en-IN" sz="1200" dirty="0" err="1"/>
+              <a:t>fit_transform</a:t>
+            </a:r>
+            <a:r>
+              <a:rPr lang="en-IN" sz="1200" dirty="0"/>
+              <a:t>() method from </a:t>
+            </a:r>
+            <a:r>
+              <a:rPr lang="en-IN" sz="1200" dirty="0" err="1"/>
+              <a:t>sklearn</a:t>
+            </a:r>
+            <a:r>
+              <a:rPr lang="en-IN" sz="1200" dirty="0"/>
+              <a:t> library is used to generate and represent the text data in terms of a bag-of-words.</a:t>
+            </a:r>
+          </a:p>
+          <a:p>
+            <a:pPr marL="171450" indent="-171450">
+              <a:buFont typeface="Arial" panose="020B0604020202020204" pitchFamily="34" charset="0"/>
+              <a:buChar char="•"/>
+            </a:pPr>
+            <a:r>
+              <a:rPr lang="en-IN" sz="1200" b="1" dirty="0"/>
+              <a:t>Feature Selection: </a:t>
+            </a:r>
+            <a:r>
+              <a:rPr lang="en-IN" sz="1200" dirty="0"/>
+              <a:t>The most important features that contribute to the classification of resumes/skills are selected. This will reduce the dimensionality of the data and improve the performance of the machine learning model. </a:t>
+            </a:r>
+          </a:p>
+          <a:p>
+            <a:pPr marL="171450" indent="-171450">
+              <a:buFont typeface="Arial" panose="020B0604020202020204" pitchFamily="34" charset="0"/>
+              <a:buChar char="•"/>
+            </a:pPr>
+            <a:r>
+              <a:rPr lang="en-IN" sz="1200" b="1" dirty="0"/>
+              <a:t>Data Splitting: </a:t>
+            </a:r>
+            <a:r>
+              <a:rPr lang="en-IN" sz="1200" dirty="0"/>
+              <a:t>Data is split into training and testing sets. The training set was used to train the machine learning model, and the testing set is used to evaluate the performance of the model.</a:t>
+            </a:r>
+          </a:p>
+          <a:p>
+            <a:pPr marL="171450" indent="-171450">
+              <a:buFont typeface="Arial" panose="020B0604020202020204" pitchFamily="34" charset="0"/>
+              <a:buChar char="•"/>
+            </a:pPr>
+            <a:r>
+              <a:rPr lang="en-IN" sz="1200" b="1" dirty="0"/>
+              <a:t>Model Training: </a:t>
+            </a:r>
+            <a:r>
+              <a:rPr lang="en-IN" sz="1200" dirty="0"/>
+              <a:t>Model is trained on the training data. The goal was to build a model that can accurately classify resumes/candidate details as relevant or irrelevant with a similarity score using cosine similarity technique.</a:t>
+            </a:r>
+          </a:p>
+          <a:p>
+            <a:pPr marL="171450" indent="-171450">
+              <a:buFont typeface="Arial" panose="020B0604020202020204" pitchFamily="34" charset="0"/>
+              <a:buChar char="•"/>
+            </a:pPr>
+            <a:r>
+              <a:rPr lang="en-IN" sz="1200" b="1" dirty="0"/>
+              <a:t>Prediction : </a:t>
+            </a:r>
+            <a:r>
+              <a:rPr lang="en-IN" sz="1200" dirty="0"/>
+              <a:t>This is done based on the assumed data set. Which considers the Company performance index and the candidates expected salary and the skill sets. Once the candidate previous organization and expected salary fits into the JD sala range and our company index score, the probability of the candidate accepting offer is calculated.</a:t>
+            </a:r>
+          </a:p>
+          <a:p>
+            <a:pPr marL="171450" indent="-171450">
+              <a:buFont typeface="Arial" panose="020B0604020202020204" pitchFamily="34" charset="0"/>
+              <a:buChar char="•"/>
+            </a:pPr>
+            <a:endParaRPr lang="en-IN" sz="1200" dirty="0"/>
+          </a:p>
+        </p:txBody>
+      </p:sp>
+    </p:spTree>
+    <p:extLst>
+      <p:ext uri="{BB962C8B-B14F-4D97-AF65-F5344CB8AC3E}">
+        <p14:creationId xmlns:p14="http://schemas.microsoft.com/office/powerpoint/2010/main" val="360277748"/>
+      </p:ext>
+    </p:extLst>
+  </p:cSld>
+  <p:clrMapOvr>
+    <a:masterClrMapping/>
+  </p:clrMapOvr>
+</p:sld>
+</file>
+
+<file path=ppt/slides/slide14.xml><?xml version="1.0" encoding="utf-8"?>
+<p:sld xmlns:a="http://schemas.openxmlformats.org/drawingml/2006/main" xmlns:r="http://schemas.openxmlformats.org/officeDocument/2006/relationships" xmlns:p="http://schemas.openxmlformats.org/presentationml/2006/main">
+  <p:cSld>
+    <p:spTree>
+      <p:nvGrpSpPr>
+        <p:cNvPr id="1" name=""/>
+        <p:cNvGrpSpPr/>
+        <p:nvPr/>
+      </p:nvGrpSpPr>
+      <p:grpSpPr>
+        <a:xfrm>
+          <a:off x="0" y="0"/>
+          <a:ext cx="0" cy="0"/>
+          <a:chOff x="0" y="0"/>
+          <a:chExt cx="0" cy="0"/>
+        </a:xfrm>
+      </p:grpSpPr>
+      <p:sp>
+        <p:nvSpPr>
+          <p:cNvPr id="2" name="Title 1">
+            <a:extLst>
+              <a:ext uri="{FF2B5EF4-FFF2-40B4-BE49-F238E27FC236}">
+                <a16:creationId xmlns:a16="http://schemas.microsoft.com/office/drawing/2014/main" id="{678097BC-10DA-CEFB-0270-BD41605D24C8}"/>
               </a:ext>
             </a:extLst>
           </p:cNvPr>
@@ -14458,22 +14423,624 @@
             <a:spLocks noGrp="1"/>
           </p:cNvSpPr>
           <p:nvPr>
-            <p:ph type="body" idx="1"/>
+            <p:ph type="title"/>
           </p:nvPr>
         </p:nvSpPr>
-        <p:spPr/>
+        <p:spPr>
+          <a:xfrm>
+            <a:off x="258572" y="264921"/>
+            <a:ext cx="8626855" cy="369332"/>
+          </a:xfrm>
+        </p:spPr>
         <p:txBody>
           <a:bodyPr/>
           <a:lstStyle/>
           <a:p>
-            <a:endParaRPr lang="en-US"/>
+            <a:r>
+              <a:rPr lang="en-US" dirty="0"/>
+              <a:t>Evaluation</a:t>
+            </a:r>
+          </a:p>
+        </p:txBody>
+      </p:sp>
+      <p:sp>
+        <p:nvSpPr>
+          <p:cNvPr id="7" name="Arrow: Left 6">
+            <a:hlinkClick r:id="rId2" action="ppaction://hlinksldjump"/>
+            <a:extLst>
+              <a:ext uri="{FF2B5EF4-FFF2-40B4-BE49-F238E27FC236}">
+                <a16:creationId xmlns:a16="http://schemas.microsoft.com/office/drawing/2014/main" id="{79189DE3-BB33-0692-F564-A03F1F1669A5}"/>
+              </a:ext>
+            </a:extLst>
+          </p:cNvPr>
+          <p:cNvSpPr/>
+          <p:nvPr/>
+        </p:nvSpPr>
+        <p:spPr>
+          <a:xfrm>
+            <a:off x="7772400" y="5638800"/>
+            <a:ext cx="685800" cy="369332"/>
+          </a:xfrm>
+          <a:prstGeom prst="leftArrow">
+            <a:avLst/>
+          </a:prstGeom>
+        </p:spPr>
+        <p:style>
+          <a:lnRef idx="2">
+            <a:schemeClr val="accent1">
+              <a:shade val="15000"/>
+            </a:schemeClr>
+          </a:lnRef>
+          <a:fillRef idx="1">
+            <a:schemeClr val="accent1"/>
+          </a:fillRef>
+          <a:effectRef idx="0">
+            <a:schemeClr val="accent1"/>
+          </a:effectRef>
+          <a:fontRef idx="minor">
+            <a:schemeClr val="lt1"/>
+          </a:fontRef>
+        </p:style>
+        <p:txBody>
+          <a:bodyPr rtlCol="0" anchor="ctr"/>
+          <a:lstStyle/>
+          <a:p>
+            <a:pPr algn="ctr"/>
+            <a:r>
+              <a:rPr lang="en-US" sz="900" b="1" dirty="0"/>
+              <a:t>GO Back</a:t>
+            </a:r>
+            <a:endParaRPr lang="en-IN" sz="900" b="1" dirty="0"/>
+          </a:p>
+        </p:txBody>
+      </p:sp>
+      <p:sp>
+        <p:nvSpPr>
+          <p:cNvPr id="4" name="TextBox 3">
+            <a:extLst>
+              <a:ext uri="{FF2B5EF4-FFF2-40B4-BE49-F238E27FC236}">
+                <a16:creationId xmlns:a16="http://schemas.microsoft.com/office/drawing/2014/main" id="{D1F0BE0B-9334-1C76-D576-2C88DD6BF848}"/>
+              </a:ext>
+            </a:extLst>
+          </p:cNvPr>
+          <p:cNvSpPr txBox="1"/>
+          <p:nvPr/>
+        </p:nvSpPr>
+        <p:spPr>
+          <a:xfrm>
+            <a:off x="304800" y="1066800"/>
+            <a:ext cx="7924800" cy="2123658"/>
+          </a:xfrm>
+          <a:prstGeom prst="rect">
+            <a:avLst/>
+          </a:prstGeom>
+          <a:noFill/>
+        </p:spPr>
+        <p:txBody>
+          <a:bodyPr wrap="square">
+            <a:spAutoFit/>
+          </a:bodyPr>
+          <a:lstStyle/>
+          <a:p>
+            <a:r>
+              <a:rPr lang="en-IN" sz="1200" b="1" dirty="0"/>
+              <a:t>Model Evaluation: </a:t>
+            </a:r>
+            <a:r>
+              <a:rPr lang="en-IN" sz="1200" dirty="0"/>
+              <a:t>The performance of the machine learning model is evaluated on the testing data. The goal was  to evaluate the accuracy of the model and identify areas for improvement. The model evaluation is done based on the labelled data set.</a:t>
+            </a:r>
+          </a:p>
+          <a:p>
+            <a:endParaRPr lang="en-IN" sz="1200" dirty="0"/>
+          </a:p>
+          <a:p>
+            <a:pPr marL="171450" indent="-171450">
+              <a:buFont typeface="Arial" panose="020B0604020202020204" pitchFamily="34" charset="0"/>
+              <a:buChar char="•"/>
+            </a:pPr>
+            <a:r>
+              <a:rPr lang="en-IN" sz="1200" dirty="0"/>
+              <a:t>Both positive and negative test scenarios were tested to ensure that the model works fine in all scenarios</a:t>
+            </a:r>
+          </a:p>
+          <a:p>
+            <a:pPr marL="171450" indent="-171450">
+              <a:buFont typeface="Arial" panose="020B0604020202020204" pitchFamily="34" charset="0"/>
+              <a:buChar char="•"/>
+            </a:pPr>
+            <a:r>
+              <a:rPr lang="en-IN" sz="1200" dirty="0"/>
+              <a:t>Model was tested with supplying delta data and retraining the model to check the behaviour</a:t>
+            </a:r>
+          </a:p>
+          <a:p>
+            <a:pPr marL="171450" indent="-171450">
+              <a:buFont typeface="Arial" panose="020B0604020202020204" pitchFamily="34" charset="0"/>
+              <a:buChar char="•"/>
+            </a:pPr>
+            <a:r>
+              <a:rPr lang="en-IN" sz="1200" dirty="0"/>
+              <a:t>Model was tested for the accuracy of similarity score by randomly updating the training data set</a:t>
+            </a:r>
+          </a:p>
+          <a:p>
+            <a:pPr marL="171450" indent="-171450">
+              <a:buFont typeface="Arial" panose="020B0604020202020204" pitchFamily="34" charset="0"/>
+              <a:buChar char="•"/>
+            </a:pPr>
+            <a:r>
+              <a:rPr lang="en-IN" sz="1200" dirty="0"/>
+              <a:t>Model was tested for Prediction</a:t>
+            </a:r>
+          </a:p>
+          <a:p>
+            <a:pPr marL="171450" indent="-171450">
+              <a:buFont typeface="Arial" panose="020B0604020202020204" pitchFamily="34" charset="0"/>
+              <a:buChar char="•"/>
+            </a:pPr>
+            <a:r>
+              <a:rPr lang="en-IN" sz="1200" dirty="0"/>
+              <a:t>Model was tested for scalability with local data extraction</a:t>
+            </a:r>
+          </a:p>
+          <a:p>
+            <a:pPr marL="171450" indent="-171450">
+              <a:buFont typeface="Arial" panose="020B0604020202020204" pitchFamily="34" charset="0"/>
+              <a:buChar char="•"/>
+            </a:pPr>
+            <a:r>
+              <a:rPr lang="en-IN" sz="1200" dirty="0"/>
+              <a:t>Model was evaluated for the defined success criteria by updating the training data set</a:t>
+            </a:r>
+          </a:p>
+          <a:p>
+            <a:pPr marL="171450" indent="-171450">
+              <a:buFont typeface="Arial" panose="020B0604020202020204" pitchFamily="34" charset="0"/>
+              <a:buChar char="•"/>
+            </a:pPr>
+            <a:r>
+              <a:rPr lang="en-IN" sz="1200" dirty="0"/>
+              <a:t>Model was evaluated for the robustness of</a:t>
+            </a:r>
           </a:p>
         </p:txBody>
       </p:sp>
     </p:spTree>
     <p:extLst>
       <p:ext uri="{BB962C8B-B14F-4D97-AF65-F5344CB8AC3E}">
-        <p14:creationId xmlns:p14="http://schemas.microsoft.com/office/powerpoint/2010/main" val="3928446583"/>
+        <p14:creationId xmlns:p14="http://schemas.microsoft.com/office/powerpoint/2010/main" val="4233455875"/>
+      </p:ext>
+    </p:extLst>
+  </p:cSld>
+  <p:clrMapOvr>
+    <a:masterClrMapping/>
+  </p:clrMapOvr>
+</p:sld>
+</file>
+
+<file path=ppt/slides/slide15.xml><?xml version="1.0" encoding="utf-8"?>
+<p:sld xmlns:a="http://schemas.openxmlformats.org/drawingml/2006/main" xmlns:r="http://schemas.openxmlformats.org/officeDocument/2006/relationships" xmlns:p="http://schemas.openxmlformats.org/presentationml/2006/main">
+  <p:cSld>
+    <p:spTree>
+      <p:nvGrpSpPr>
+        <p:cNvPr id="1" name=""/>
+        <p:cNvGrpSpPr/>
+        <p:nvPr/>
+      </p:nvGrpSpPr>
+      <p:grpSpPr>
+        <a:xfrm>
+          <a:off x="0" y="0"/>
+          <a:ext cx="0" cy="0"/>
+          <a:chOff x="0" y="0"/>
+          <a:chExt cx="0" cy="0"/>
+        </a:xfrm>
+      </p:grpSpPr>
+      <p:sp>
+        <p:nvSpPr>
+          <p:cNvPr id="2" name="Title 1">
+            <a:extLst>
+              <a:ext uri="{FF2B5EF4-FFF2-40B4-BE49-F238E27FC236}">
+                <a16:creationId xmlns:a16="http://schemas.microsoft.com/office/drawing/2014/main" id="{678097BC-10DA-CEFB-0270-BD41605D24C8}"/>
+              </a:ext>
+            </a:extLst>
+          </p:cNvPr>
+          <p:cNvSpPr>
+            <a:spLocks noGrp="1"/>
+          </p:cNvSpPr>
+          <p:nvPr>
+            <p:ph type="title"/>
+          </p:nvPr>
+        </p:nvSpPr>
+        <p:spPr>
+          <a:xfrm>
+            <a:off x="258572" y="264921"/>
+            <a:ext cx="8626855" cy="369332"/>
+          </a:xfrm>
+        </p:spPr>
+        <p:txBody>
+          <a:bodyPr/>
+          <a:lstStyle/>
+          <a:p>
+            <a:r>
+              <a:rPr lang="en-US" dirty="0"/>
+              <a:t>Deployment</a:t>
+            </a:r>
+          </a:p>
+        </p:txBody>
+      </p:sp>
+      <p:sp>
+        <p:nvSpPr>
+          <p:cNvPr id="7" name="Arrow: Left 6">
+            <a:hlinkClick r:id="rId2" action="ppaction://hlinksldjump"/>
+            <a:extLst>
+              <a:ext uri="{FF2B5EF4-FFF2-40B4-BE49-F238E27FC236}">
+                <a16:creationId xmlns:a16="http://schemas.microsoft.com/office/drawing/2014/main" id="{79189DE3-BB33-0692-F564-A03F1F1669A5}"/>
+              </a:ext>
+            </a:extLst>
+          </p:cNvPr>
+          <p:cNvSpPr/>
+          <p:nvPr/>
+        </p:nvSpPr>
+        <p:spPr>
+          <a:xfrm>
+            <a:off x="7772400" y="5638800"/>
+            <a:ext cx="685800" cy="369332"/>
+          </a:xfrm>
+          <a:prstGeom prst="leftArrow">
+            <a:avLst/>
+          </a:prstGeom>
+        </p:spPr>
+        <p:style>
+          <a:lnRef idx="2">
+            <a:schemeClr val="accent1">
+              <a:shade val="15000"/>
+            </a:schemeClr>
+          </a:lnRef>
+          <a:fillRef idx="1">
+            <a:schemeClr val="accent1"/>
+          </a:fillRef>
+          <a:effectRef idx="0">
+            <a:schemeClr val="accent1"/>
+          </a:effectRef>
+          <a:fontRef idx="minor">
+            <a:schemeClr val="lt1"/>
+          </a:fontRef>
+        </p:style>
+        <p:txBody>
+          <a:bodyPr rtlCol="0" anchor="ctr"/>
+          <a:lstStyle/>
+          <a:p>
+            <a:pPr algn="ctr"/>
+            <a:r>
+              <a:rPr lang="en-US" sz="900" b="1" dirty="0"/>
+              <a:t>GO Back</a:t>
+            </a:r>
+            <a:endParaRPr lang="en-IN" sz="900" b="1" dirty="0"/>
+          </a:p>
+        </p:txBody>
+      </p:sp>
+      <p:sp>
+        <p:nvSpPr>
+          <p:cNvPr id="4" name="TextBox 3">
+            <a:extLst>
+              <a:ext uri="{FF2B5EF4-FFF2-40B4-BE49-F238E27FC236}">
+                <a16:creationId xmlns:a16="http://schemas.microsoft.com/office/drawing/2014/main" id="{0775FBF3-CE1E-FFA5-4F63-5E78F9566951}"/>
+              </a:ext>
+            </a:extLst>
+          </p:cNvPr>
+          <p:cNvSpPr txBox="1"/>
+          <p:nvPr/>
+        </p:nvSpPr>
+        <p:spPr>
+          <a:xfrm>
+            <a:off x="258572" y="1066800"/>
+            <a:ext cx="8382000" cy="646331"/>
+          </a:xfrm>
+          <a:prstGeom prst="rect">
+            <a:avLst/>
+          </a:prstGeom>
+          <a:noFill/>
+        </p:spPr>
+        <p:txBody>
+          <a:bodyPr wrap="square">
+            <a:spAutoFit/>
+          </a:bodyPr>
+          <a:lstStyle/>
+          <a:p>
+            <a:r>
+              <a:rPr lang="en-US" sz="1200" dirty="0"/>
+              <a:t>Deployment is a cost intensive effort, so for the time being we have all the code repository in place and leveraged the local machines. But the expected target state in real world would be most probably onto the Cloud. </a:t>
+            </a:r>
+          </a:p>
+          <a:p>
+            <a:endParaRPr lang="en-IN" sz="1200" dirty="0"/>
+          </a:p>
+        </p:txBody>
+      </p:sp>
+      <p:pic>
+        <p:nvPicPr>
+          <p:cNvPr id="9" name="Picture 8">
+            <a:extLst>
+              <a:ext uri="{FF2B5EF4-FFF2-40B4-BE49-F238E27FC236}">
+                <a16:creationId xmlns:a16="http://schemas.microsoft.com/office/drawing/2014/main" id="{AD950C15-7CA4-0B23-4A0E-418B76E613CE}"/>
+              </a:ext>
+            </a:extLst>
+          </p:cNvPr>
+          <p:cNvPicPr>
+            <a:picLocks noChangeAspect="1"/>
+          </p:cNvPicPr>
+          <p:nvPr/>
+        </p:nvPicPr>
+        <p:blipFill>
+          <a:blip r:embed="rId3"/>
+          <a:stretch>
+            <a:fillRect/>
+          </a:stretch>
+        </p:blipFill>
+        <p:spPr>
+          <a:xfrm>
+            <a:off x="503428" y="1600200"/>
+            <a:ext cx="7305675" cy="3343275"/>
+          </a:xfrm>
+          <a:prstGeom prst="rect">
+            <a:avLst/>
+          </a:prstGeom>
+        </p:spPr>
+      </p:pic>
+      <p:sp>
+        <p:nvSpPr>
+          <p:cNvPr id="11" name="TextBox 10">
+            <a:extLst>
+              <a:ext uri="{FF2B5EF4-FFF2-40B4-BE49-F238E27FC236}">
+                <a16:creationId xmlns:a16="http://schemas.microsoft.com/office/drawing/2014/main" id="{4174B495-DAAD-0047-8BB1-35B443C7C2B5}"/>
+              </a:ext>
+            </a:extLst>
+          </p:cNvPr>
+          <p:cNvSpPr txBox="1"/>
+          <p:nvPr/>
+        </p:nvSpPr>
+        <p:spPr>
+          <a:xfrm>
+            <a:off x="357885" y="5257800"/>
+            <a:ext cx="8428227" cy="646331"/>
+          </a:xfrm>
+          <a:prstGeom prst="rect">
+            <a:avLst/>
+          </a:prstGeom>
+          <a:noFill/>
+        </p:spPr>
+        <p:txBody>
+          <a:bodyPr wrap="square">
+            <a:spAutoFit/>
+          </a:bodyPr>
+          <a:lstStyle/>
+          <a:p>
+            <a:r>
+              <a:rPr lang="en-IN" dirty="0">
+                <a:hlinkClick r:id="rId4"/>
+              </a:rPr>
+              <a:t>Deploy Any AI/ML Application On Kubernetes: A Step-by-Step Guide! - DEV Community</a:t>
+            </a:r>
+            <a:endParaRPr lang="en-IN" dirty="0"/>
+          </a:p>
+        </p:txBody>
+      </p:sp>
+    </p:spTree>
+    <p:extLst>
+      <p:ext uri="{BB962C8B-B14F-4D97-AF65-F5344CB8AC3E}">
+        <p14:creationId xmlns:p14="http://schemas.microsoft.com/office/powerpoint/2010/main" val="1936567115"/>
+      </p:ext>
+    </p:extLst>
+  </p:cSld>
+  <p:clrMapOvr>
+    <a:masterClrMapping/>
+  </p:clrMapOvr>
+</p:sld>
+</file>
+
+<file path=ppt/slides/slide16.xml><?xml version="1.0" encoding="utf-8"?>
+<p:sld xmlns:a="http://schemas.openxmlformats.org/drawingml/2006/main" xmlns:r="http://schemas.openxmlformats.org/officeDocument/2006/relationships" xmlns:p="http://schemas.openxmlformats.org/presentationml/2006/main">
+  <p:cSld>
+    <p:spTree>
+      <p:nvGrpSpPr>
+        <p:cNvPr id="1" name=""/>
+        <p:cNvGrpSpPr/>
+        <p:nvPr/>
+      </p:nvGrpSpPr>
+      <p:grpSpPr>
+        <a:xfrm>
+          <a:off x="0" y="0"/>
+          <a:ext cx="0" cy="0"/>
+          <a:chOff x="0" y="0"/>
+          <a:chExt cx="0" cy="0"/>
+        </a:xfrm>
+      </p:grpSpPr>
+      <p:sp>
+        <p:nvSpPr>
+          <p:cNvPr id="2" name="Title 1">
+            <a:extLst>
+              <a:ext uri="{FF2B5EF4-FFF2-40B4-BE49-F238E27FC236}">
+                <a16:creationId xmlns:a16="http://schemas.microsoft.com/office/drawing/2014/main" id="{678097BC-10DA-CEFB-0270-BD41605D24C8}"/>
+              </a:ext>
+            </a:extLst>
+          </p:cNvPr>
+          <p:cNvSpPr>
+            <a:spLocks noGrp="1"/>
+          </p:cNvSpPr>
+          <p:nvPr>
+            <p:ph type="title"/>
+          </p:nvPr>
+        </p:nvSpPr>
+        <p:spPr>
+          <a:xfrm>
+            <a:off x="258572" y="264921"/>
+            <a:ext cx="8626855" cy="369332"/>
+          </a:xfrm>
+        </p:spPr>
+        <p:txBody>
+          <a:bodyPr/>
+          <a:lstStyle/>
+          <a:p>
+            <a:r>
+              <a:rPr lang="en-US" dirty="0"/>
+              <a:t>Monitoring and Maintenance</a:t>
+            </a:r>
+          </a:p>
+        </p:txBody>
+      </p:sp>
+      <p:sp>
+        <p:nvSpPr>
+          <p:cNvPr id="7" name="Arrow: Left 6">
+            <a:hlinkClick r:id="rId2" action="ppaction://hlinksldjump"/>
+            <a:extLst>
+              <a:ext uri="{FF2B5EF4-FFF2-40B4-BE49-F238E27FC236}">
+                <a16:creationId xmlns:a16="http://schemas.microsoft.com/office/drawing/2014/main" id="{79189DE3-BB33-0692-F564-A03F1F1669A5}"/>
+              </a:ext>
+            </a:extLst>
+          </p:cNvPr>
+          <p:cNvSpPr/>
+          <p:nvPr/>
+        </p:nvSpPr>
+        <p:spPr>
+          <a:xfrm>
+            <a:off x="7772400" y="5638800"/>
+            <a:ext cx="685800" cy="369332"/>
+          </a:xfrm>
+          <a:prstGeom prst="leftArrow">
+            <a:avLst/>
+          </a:prstGeom>
+        </p:spPr>
+        <p:style>
+          <a:lnRef idx="2">
+            <a:schemeClr val="accent1">
+              <a:shade val="15000"/>
+            </a:schemeClr>
+          </a:lnRef>
+          <a:fillRef idx="1">
+            <a:schemeClr val="accent1"/>
+          </a:fillRef>
+          <a:effectRef idx="0">
+            <a:schemeClr val="accent1"/>
+          </a:effectRef>
+          <a:fontRef idx="minor">
+            <a:schemeClr val="lt1"/>
+          </a:fontRef>
+        </p:style>
+        <p:txBody>
+          <a:bodyPr rtlCol="0" anchor="ctr"/>
+          <a:lstStyle/>
+          <a:p>
+            <a:pPr algn="ctr"/>
+            <a:r>
+              <a:rPr lang="en-US" sz="900" b="1" dirty="0"/>
+              <a:t>GO Back</a:t>
+            </a:r>
+            <a:endParaRPr lang="en-IN" sz="900" b="1" dirty="0"/>
+          </a:p>
+        </p:txBody>
+      </p:sp>
+      <p:pic>
+        <p:nvPicPr>
+          <p:cNvPr id="2050" name="Picture 2" descr="The following diagram illustrates the high-level workflow of Model Monitor.">
+            <a:extLst>
+              <a:ext uri="{FF2B5EF4-FFF2-40B4-BE49-F238E27FC236}">
+                <a16:creationId xmlns:a16="http://schemas.microsoft.com/office/drawing/2014/main" id="{51BF945B-CFF0-BC01-33ED-5BD77587B323}"/>
+              </a:ext>
+            </a:extLst>
+          </p:cNvPr>
+          <p:cNvPicPr>
+            <a:picLocks noChangeAspect="1" noChangeArrowheads="1"/>
+          </p:cNvPicPr>
+          <p:nvPr/>
+        </p:nvPicPr>
+        <p:blipFill>
+          <a:blip r:embed="rId3">
+            <a:extLst>
+              <a:ext uri="{28A0092B-C50C-407E-A947-70E740481C1C}">
+                <a14:useLocalDpi xmlns:a14="http://schemas.microsoft.com/office/drawing/2010/main" val="0"/>
+              </a:ext>
+            </a:extLst>
+          </a:blip>
+          <a:srcRect/>
+          <a:stretch>
+            <a:fillRect/>
+          </a:stretch>
+        </p:blipFill>
+        <p:spPr bwMode="auto">
+          <a:xfrm>
+            <a:off x="457200" y="1374362"/>
+            <a:ext cx="6019800" cy="3310890"/>
+          </a:xfrm>
+          <a:prstGeom prst="rect">
+            <a:avLst/>
+          </a:prstGeom>
+          <a:noFill/>
+          <a:extLst>
+            <a:ext uri="{909E8E84-426E-40DD-AFC4-6F175D3DCCD1}">
+              <a14:hiddenFill xmlns:a14="http://schemas.microsoft.com/office/drawing/2010/main">
+                <a:solidFill>
+                  <a:srgbClr val="FFFFFF"/>
+                </a:solidFill>
+              </a14:hiddenFill>
+            </a:ext>
+          </a:extLst>
+        </p:spPr>
+      </p:pic>
+      <p:sp>
+        <p:nvSpPr>
+          <p:cNvPr id="4" name="TextBox 3">
+            <a:extLst>
+              <a:ext uri="{FF2B5EF4-FFF2-40B4-BE49-F238E27FC236}">
+                <a16:creationId xmlns:a16="http://schemas.microsoft.com/office/drawing/2014/main" id="{4236E355-047B-0CB7-2EAC-3CBAB69EA776}"/>
+              </a:ext>
+            </a:extLst>
+          </p:cNvPr>
+          <p:cNvSpPr txBox="1"/>
+          <p:nvPr/>
+        </p:nvSpPr>
+        <p:spPr>
+          <a:xfrm>
+            <a:off x="29972" y="5049953"/>
+            <a:ext cx="8428228" cy="646331"/>
+          </a:xfrm>
+          <a:prstGeom prst="rect">
+            <a:avLst/>
+          </a:prstGeom>
+          <a:noFill/>
+        </p:spPr>
+        <p:txBody>
+          <a:bodyPr wrap="square">
+            <a:spAutoFit/>
+          </a:bodyPr>
+          <a:lstStyle/>
+          <a:p>
+            <a:r>
+              <a:rPr lang="en-IN" dirty="0">
+                <a:hlinkClick r:id="rId4"/>
+              </a:rPr>
+              <a:t>Monitoring in-production ML models at large scale using Amazon </a:t>
+            </a:r>
+            <a:r>
+              <a:rPr lang="en-IN" dirty="0" err="1">
+                <a:hlinkClick r:id="rId4"/>
+              </a:rPr>
+              <a:t>SageMaker</a:t>
+            </a:r>
+            <a:r>
+              <a:rPr lang="en-IN" dirty="0">
+                <a:hlinkClick r:id="rId4"/>
+              </a:rPr>
+              <a:t> Model Monitor | AWS Machine Learning Blog</a:t>
+            </a:r>
+            <a:endParaRPr lang="en-IN" dirty="0"/>
+          </a:p>
+        </p:txBody>
+      </p:sp>
+    </p:spTree>
+    <p:extLst>
+      <p:ext uri="{BB962C8B-B14F-4D97-AF65-F5344CB8AC3E}">
+        <p14:creationId xmlns:p14="http://schemas.microsoft.com/office/powerpoint/2010/main" val="2419317058"/>
       </p:ext>
     </p:extLst>
   </p:cSld>
@@ -14575,42 +15142,6 @@
           </a:p>
         </p:txBody>
       </p:sp>
-      <p:pic>
-        <p:nvPicPr>
-          <p:cNvPr id="17" name="Picture 16" descr="White bulbs with a yellow one standing out">
-            <a:extLst>
-              <a:ext uri="{FF2B5EF4-FFF2-40B4-BE49-F238E27FC236}">
-                <a16:creationId xmlns:a16="http://schemas.microsoft.com/office/drawing/2014/main" id="{569113C9-09BE-DA5F-6534-D14A1324E28F}"/>
-              </a:ext>
-            </a:extLst>
-          </p:cNvPr>
-          <p:cNvPicPr>
-            <a:picLocks noChangeAspect="1"/>
-          </p:cNvPicPr>
-          <p:nvPr/>
-        </p:nvPicPr>
-        <p:blipFill>
-          <a:blip r:embed="rId2" cstate="print">
-            <a:extLst>
-              <a:ext uri="{28A0092B-C50C-407E-A947-70E740481C1C}">
-                <a14:useLocalDpi xmlns:a14="http://schemas.microsoft.com/office/drawing/2010/main" val="0"/>
-              </a:ext>
-            </a:extLst>
-          </a:blip>
-          <a:stretch>
-            <a:fillRect/>
-          </a:stretch>
-        </p:blipFill>
-        <p:spPr>
-          <a:xfrm>
-            <a:off x="-1971100" y="1483297"/>
-            <a:ext cx="1400999" cy="933771"/>
-          </a:xfrm>
-          <a:prstGeom prst="rect">
-            <a:avLst/>
-          </a:prstGeom>
-        </p:spPr>
-      </p:pic>
       <p:graphicFrame>
         <p:nvGraphicFramePr>
           <p:cNvPr id="25" name="Diagram 24">
@@ -14635,7 +15166,7 @@
         </p:xfrm>
         <a:graphic>
           <a:graphicData uri="http://schemas.openxmlformats.org/drawingml/2006/diagram">
-            <dgm:relIds xmlns:dgm="http://schemas.openxmlformats.org/drawingml/2006/diagram" xmlns:r="http://schemas.openxmlformats.org/officeDocument/2006/relationships" r:dm="rId3" r:lo="rId4" r:qs="rId5" r:cs="rId6"/>
+            <dgm:relIds xmlns:dgm="http://schemas.openxmlformats.org/drawingml/2006/diagram" xmlns:r="http://schemas.openxmlformats.org/officeDocument/2006/relationships" r:dm="rId2" r:lo="rId3" r:qs="rId4" r:cs="rId5"/>
           </a:graphicData>
         </a:graphic>
       </p:graphicFrame>
@@ -14843,7 +15374,7 @@
         <p:spPr>
           <a:xfrm>
             <a:off x="4209474" y="1905000"/>
-            <a:ext cx="4913744" cy="3323987"/>
+            <a:ext cx="4913744" cy="2893100"/>
           </a:xfrm>
           <a:prstGeom prst="rect">
             <a:avLst/>
@@ -14878,7 +15409,26 @@
                 <a:effectLst/>
                 <a:latin typeface="-apple-system"/>
               </a:rPr>
-              <a:t> Measure the reduction in recruitment cost by comparing expenses before and after implementing an automated resume tracking system. Metrics could include cost per hire, advertising expenses, PIR and interviewer time.</a:t>
+              <a:t> </a:t>
+            </a:r>
+            <a:r>
+              <a:rPr lang="en-IN" sz="1400" dirty="0">
+                <a:solidFill>
+                  <a:srgbClr val="111111"/>
+                </a:solidFill>
+                <a:latin typeface="-apple-system"/>
+              </a:rPr>
+              <a:t>R</a:t>
+            </a:r>
+            <a:r>
+              <a:rPr lang="en-IN" sz="1400" b="0" i="0" dirty="0">
+                <a:solidFill>
+                  <a:srgbClr val="111111"/>
+                </a:solidFill>
+                <a:effectLst/>
+                <a:latin typeface="-apple-system"/>
+              </a:rPr>
+              <a:t>eduction in recruitment cost after implementing an automated resume tracking system. Costs might be cost per hire, advertising expenses, PIR and interviewer time.</a:t>
             </a:r>
           </a:p>
           <a:p>
@@ -14904,7 +15454,26 @@
                 <a:effectLst/>
                 <a:latin typeface="-apple-system"/>
               </a:rPr>
-              <a:t> Evaluate improvement in recruitment productivity and retention success rate through metrics like time to fill a position, quality of hire, and employee turnover rate.</a:t>
+              <a:t> </a:t>
+            </a:r>
+            <a:r>
+              <a:rPr lang="en-IN" sz="1400" dirty="0">
+                <a:solidFill>
+                  <a:srgbClr val="111111"/>
+                </a:solidFill>
+                <a:latin typeface="-apple-system"/>
+              </a:rPr>
+              <a:t>I</a:t>
+            </a:r>
+            <a:r>
+              <a:rPr lang="en-IN" sz="1400" b="0" i="0" dirty="0">
+                <a:solidFill>
+                  <a:srgbClr val="111111"/>
+                </a:solidFill>
+                <a:effectLst/>
+                <a:latin typeface="-apple-system"/>
+              </a:rPr>
+              <a:t>mprovement in recruitment productivity and retention success rate through metrics like time to fill a position, quality of hire, and employee turnover rate.</a:t>
             </a:r>
           </a:p>
           <a:p>
@@ -14930,7 +15499,26 @@
                 <a:effectLst/>
                 <a:latin typeface="-apple-system"/>
               </a:rPr>
-              <a:t> Assess compliance enhancement and quality maintenance by monitoring adherence to legal requirements, accuracy of candidate assessments, and consistency in hiring processes.</a:t>
+              <a:t> </a:t>
+            </a:r>
+            <a:r>
+              <a:rPr lang="en-IN" sz="1400" dirty="0">
+                <a:solidFill>
+                  <a:srgbClr val="111111"/>
+                </a:solidFill>
+                <a:latin typeface="-apple-system"/>
+              </a:rPr>
+              <a:t>C</a:t>
+            </a:r>
+            <a:r>
+              <a:rPr lang="en-IN" sz="1400" b="0" i="0" dirty="0">
+                <a:solidFill>
+                  <a:srgbClr val="111111"/>
+                </a:solidFill>
+                <a:effectLst/>
+                <a:latin typeface="-apple-system"/>
+              </a:rPr>
+              <a:t>ompliance enhancement and quality maintenance by monitoring adherence to legal requirements, accuracy of candidate assessments, and consistency in hiring processes.</a:t>
             </a:r>
           </a:p>
           <a:p>
@@ -14956,7 +15544,26 @@
                 <a:effectLst/>
                 <a:latin typeface="-apple-system"/>
               </a:rPr>
-              <a:t> Quantify the impact of data-driven decisions leveraging NLP by analysing improvements in candidate matching accuracy, diversity of hires, or other specific recruitment goals</a:t>
+              <a:t> </a:t>
+            </a:r>
+            <a:r>
+              <a:rPr lang="en-IN" sz="1400" dirty="0">
+                <a:solidFill>
+                  <a:srgbClr val="111111"/>
+                </a:solidFill>
+                <a:latin typeface="-apple-system"/>
+              </a:rPr>
+              <a:t>I</a:t>
+            </a:r>
+            <a:r>
+              <a:rPr lang="en-IN" sz="1400" b="0" i="0" dirty="0">
+                <a:solidFill>
+                  <a:srgbClr val="111111"/>
+                </a:solidFill>
+                <a:effectLst/>
+                <a:latin typeface="-apple-system"/>
+              </a:rPr>
+              <a:t>mpact of data-driven decisions leveraging NLP by analysing improvements in candidate matching accuracy, diversity of hires, or other specific recruitment goals</a:t>
             </a:r>
           </a:p>
         </p:txBody>
@@ -15421,7 +16028,7 @@
         <p:spPr>
           <a:xfrm>
             <a:off x="161924" y="4724400"/>
-            <a:ext cx="9144000" cy="1015663"/>
+            <a:ext cx="9144000" cy="1169551"/>
           </a:xfrm>
           <a:prstGeom prst="rect">
             <a:avLst/>
@@ -15491,6 +16098,16 @@
             <a:r>
               <a:rPr lang="en-US" sz="1000" dirty="0"/>
               <a:t>Also, to assist HR for JD creation based on market trends</a:t>
+            </a:r>
+          </a:p>
+          <a:p>
+            <a:pPr marL="171450" indent="-171450">
+              <a:buFont typeface="Wingdings" panose="05000000000000000000" pitchFamily="2" charset="2"/>
+              <a:buChar char="Ø"/>
+            </a:pPr>
+            <a:r>
+              <a:rPr lang="en-US" sz="1000" dirty="0"/>
+              <a:t>Prediction model to increase the confidence level of the offer acceptance and planning</a:t>
             </a:r>
           </a:p>
         </p:txBody>
@@ -15571,7 +16188,7 @@
           <p:nvPr>
             <p:extLst>
               <p:ext uri="{D42A27DB-BD31-4B8C-83A1-F6EECF244321}">
-                <p14:modId xmlns:p14="http://schemas.microsoft.com/office/powerpoint/2010/main" val="2002126205"/>
+                <p14:modId xmlns:p14="http://schemas.microsoft.com/office/powerpoint/2010/main" val="2366076742"/>
               </p:ext>
             </p:extLst>
           </p:nvPr>
@@ -15648,7 +16265,7 @@
         <p:spPr>
           <a:xfrm>
             <a:off x="258572" y="4724400"/>
-            <a:ext cx="8580628" cy="1846659"/>
+            <a:ext cx="8580628" cy="1200329"/>
           </a:xfrm>
           <a:prstGeom prst="rect">
             <a:avLst/>
@@ -15666,7 +16283,7 @@
               <a:buChar char="•"/>
             </a:pPr>
             <a:r>
-              <a:rPr lang="en-US" sz="1600" dirty="0"/>
+              <a:rPr lang="en-US" sz="1200" dirty="0"/>
               <a:t>Partnerships are needed with the Job and recruitment portals for seamless access</a:t>
             </a:r>
           </a:p>
@@ -15676,7 +16293,7 @@
               <a:buChar char="•"/>
             </a:pPr>
             <a:r>
-              <a:rPr lang="en-US" sz="1600" dirty="0"/>
+              <a:rPr lang="en-US" sz="1200" dirty="0"/>
               <a:t>Continuous training of the Model will be needed, due to the everchanging market needs and talent pools and tech stacks. </a:t>
             </a:r>
           </a:p>
@@ -15686,7 +16303,7 @@
               <a:buChar char="•"/>
             </a:pPr>
             <a:r>
-              <a:rPr lang="en-US" sz="1600" dirty="0"/>
+              <a:rPr lang="en-US" sz="1200" dirty="0"/>
               <a:t>Fake Resume or profiles will be a challenge for current ML Model</a:t>
             </a:r>
           </a:p>
@@ -15696,16 +16313,16 @@
               <a:buChar char="•"/>
             </a:pPr>
             <a:r>
-              <a:rPr lang="en-US" sz="1600" dirty="0"/>
+              <a:rPr lang="en-US" sz="1200" dirty="0"/>
               <a:t>Scaling the application will need higher and infra and robust testing methodology spanning across multiple domains</a:t>
             </a:r>
           </a:p>
           <a:p>
             <a:r>
-              <a:rPr lang="en-US" dirty="0"/>
+              <a:rPr lang="en-US" sz="1200" dirty="0"/>
               <a:t> </a:t>
             </a:r>
-            <a:endParaRPr lang="en-IN" dirty="0"/>
+            <a:endParaRPr lang="en-IN" sz="1200" dirty="0"/>
           </a:p>
         </p:txBody>
       </p:sp>
@@ -15788,14 +16405,14 @@
           <p:nvPr>
             <p:extLst>
               <p:ext uri="{D42A27DB-BD31-4B8C-83A1-F6EECF244321}">
-                <p14:modId xmlns:p14="http://schemas.microsoft.com/office/powerpoint/2010/main" val="2232806574"/>
+                <p14:modId xmlns:p14="http://schemas.microsoft.com/office/powerpoint/2010/main" val="2853813484"/>
               </p:ext>
             </p:extLst>
           </p:nvPr>
         </p:nvGraphicFramePr>
         <p:xfrm>
-          <a:off x="240178" y="838200"/>
-          <a:ext cx="8539077" cy="4847389"/>
+          <a:off x="457200" y="838200"/>
+          <a:ext cx="8245855" cy="5293360"/>
         </p:xfrm>
         <a:graphic>
           <a:graphicData uri="http://schemas.openxmlformats.org/drawingml/2006/table">
@@ -15804,21 +16421,21 @@
                 <a:tableStyleId>{5C22544A-7EE6-4342-B048-85BDC9FD1C3A}</a:tableStyleId>
               </a:tblPr>
               <a:tblGrid>
-                <a:gridCol w="1893833">
+                <a:gridCol w="1828801">
                   <a:extLst>
                     <a:ext uri="{9D8B030D-6E8A-4147-A177-3AD203B41FA5}">
                       <a16:colId xmlns:a16="http://schemas.microsoft.com/office/drawing/2014/main" val="3591326801"/>
                     </a:ext>
                   </a:extLst>
                 </a:gridCol>
-                <a:gridCol w="3798885">
+                <a:gridCol w="3668436">
                   <a:extLst>
                     <a:ext uri="{9D8B030D-6E8A-4147-A177-3AD203B41FA5}">
                       <a16:colId xmlns:a16="http://schemas.microsoft.com/office/drawing/2014/main" val="755931510"/>
                     </a:ext>
                   </a:extLst>
                 </a:gridCol>
-                <a:gridCol w="2846359">
+                <a:gridCol w="2748618">
                   <a:extLst>
                     <a:ext uri="{9D8B030D-6E8A-4147-A177-3AD203B41FA5}">
                       <a16:colId xmlns:a16="http://schemas.microsoft.com/office/drawing/2014/main" val="1387144822"/>
@@ -15833,10 +16450,10 @@
                     <a:lstStyle/>
                     <a:p>
                       <a:r>
-                        <a:rPr lang="en-US" dirty="0"/>
+                        <a:rPr lang="en-US" sz="1000" dirty="0"/>
                         <a:t>Phase</a:t>
                       </a:r>
-                      <a:endParaRPr lang="en-IN" dirty="0"/>
+                      <a:endParaRPr lang="en-IN" sz="1000" dirty="0"/>
                     </a:p>
                   </a:txBody>
                   <a:tcPr/>
@@ -15847,10 +16464,10 @@
                     <a:lstStyle/>
                     <a:p>
                       <a:r>
-                        <a:rPr lang="en-US" dirty="0"/>
+                        <a:rPr lang="en-US" sz="1000" dirty="0"/>
                         <a:t>Activities</a:t>
                       </a:r>
-                      <a:endParaRPr lang="en-IN" dirty="0"/>
+                      <a:endParaRPr lang="en-IN" sz="1000" dirty="0"/>
                     </a:p>
                   </a:txBody>
                   <a:tcPr/>
@@ -15861,10 +16478,10 @@
                     <a:lstStyle/>
                     <a:p>
                       <a:r>
-                        <a:rPr lang="en-US" dirty="0"/>
+                        <a:rPr lang="en-US" sz="1000" dirty="0"/>
                         <a:t>References and links</a:t>
                       </a:r>
-                      <a:endParaRPr lang="en-IN" dirty="0"/>
+                      <a:endParaRPr lang="en-IN" sz="1000" dirty="0"/>
                     </a:p>
                   </a:txBody>
                   <a:tcPr/>
@@ -15882,7 +16499,7 @@
                     <a:lstStyle/>
                     <a:p>
                       <a:r>
-                        <a:rPr lang="en-US" dirty="0">
+                        <a:rPr lang="en-US" sz="1000" dirty="0">
                           <a:solidFill>
                             <a:schemeClr val="dk1"/>
                           </a:solidFill>
@@ -15892,7 +16509,7 @@
                         </a:rPr>
                         <a:t>Data Preparation</a:t>
                       </a:r>
-                      <a:endParaRPr lang="en-IN" dirty="0">
+                      <a:endParaRPr lang="en-IN" sz="1000" dirty="0">
                         <a:solidFill>
                           <a:schemeClr val="dk1"/>
                         </a:solidFill>
@@ -15914,14 +16531,14 @@
                         <a:buNone/>
                       </a:pPr>
                       <a:r>
-                        <a:rPr lang="en-IN" sz="1400" b="0" i="0" dirty="0">
+                        <a:rPr lang="en-IN" sz="1000" b="0" i="0" dirty="0">
                           <a:solidFill>
                             <a:srgbClr val="111111"/>
                           </a:solidFill>
                           <a:effectLst/>
                           <a:latin typeface="-apple-system"/>
                         </a:rPr>
-                        <a:t>This step involves collecting resumes and Job Description from various sources and storing them in a structured format.</a:t>
+                        <a:t>This phase involves collecting resumes and Job Description from various sources and storing them in a structured format.</a:t>
                       </a:r>
                     </a:p>
                     <a:p>
@@ -15929,7 +16546,66 @@
                         <a:buFont typeface="Arial" panose="020B0604020202020204" pitchFamily="34" charset="0"/>
                         <a:buNone/>
                       </a:pPr>
-                      <a:endParaRPr lang="en-IN" sz="1400" b="0" i="0" dirty="0">
+                      <a:r>
+                        <a:rPr lang="en-IN" sz="1000" b="1" i="1" dirty="0">
+                          <a:solidFill>
+                            <a:srgbClr val="111111"/>
+                          </a:solidFill>
+                          <a:effectLst/>
+                          <a:latin typeface="-apple-system"/>
+                        </a:rPr>
+                        <a:t>Technology Stack : Selenium, Python, Excel, Google Forms</a:t>
+                      </a:r>
+                    </a:p>
+                    <a:p>
+                      <a:pPr marL="0" indent="0">
+                        <a:buFont typeface="Arial" panose="020B0604020202020204" pitchFamily="34" charset="0"/>
+                        <a:buNone/>
+                      </a:pPr>
+                      <a:r>
+                        <a:rPr lang="en-IN" sz="1000" b="1" i="1" dirty="0">
+                          <a:solidFill>
+                            <a:srgbClr val="111111"/>
+                          </a:solidFill>
+                          <a:effectLst/>
+                          <a:latin typeface="-apple-system"/>
+                        </a:rPr>
+                        <a:t>Data Source : </a:t>
+                      </a:r>
+                      <a:r>
+                        <a:rPr lang="en-IN" sz="1000" b="1" i="1" dirty="0" err="1">
+                          <a:solidFill>
+                            <a:srgbClr val="111111"/>
+                          </a:solidFill>
+                          <a:effectLst/>
+                          <a:latin typeface="-apple-system"/>
+                        </a:rPr>
+                        <a:t>Linkedin</a:t>
+                      </a:r>
+                      <a:r>
+                        <a:rPr lang="en-IN" sz="1000" b="1" i="1" dirty="0">
+                          <a:solidFill>
+                            <a:srgbClr val="111111"/>
+                          </a:solidFill>
+                          <a:effectLst/>
+                          <a:latin typeface="-apple-system"/>
+                        </a:rPr>
+                        <a:t>, Naukri.com, Surveys</a:t>
+                      </a:r>
+                      <a:endParaRPr lang="en-IN" sz="1000" b="0" i="0" dirty="0">
+                        <a:solidFill>
+                          <a:srgbClr val="111111"/>
+                        </a:solidFill>
+                        <a:effectLst/>
+                        <a:latin typeface="-apple-system"/>
+                      </a:endParaRPr>
+                    </a:p>
+                    <a:p>
+                      <a:pPr marL="0" indent="0">
+                        <a:buFont typeface="Arial" panose="020B0604020202020204" pitchFamily="34" charset="0"/>
+                        <a:buNone/>
+                      </a:pPr>
+                      <a:endParaRPr lang="en-IN" sz="1000" b="0" i="0" dirty="0">
                         <a:solidFill>
                           <a:srgbClr val="111111"/>
                         </a:solidFill>
@@ -15945,7 +16621,7 @@
                         <a:buNone/>
                       </a:pPr>
                       <a:r>
-                        <a:rPr lang="en-IN" sz="1400" b="0" i="0" dirty="0">
+                        <a:rPr lang="en-IN" sz="1000" b="0" i="0" dirty="0">
                           <a:solidFill>
                             <a:srgbClr val="111111"/>
                           </a:solidFill>
@@ -15957,7 +16633,7 @@
                         </a:rPr>
                         <a:t>More Details</a:t>
                       </a:r>
-                      <a:endParaRPr lang="en-IN" sz="1400" dirty="0">
+                      <a:endParaRPr lang="en-IN" sz="1000" dirty="0">
                         <a:solidFill>
                           <a:schemeClr val="dk1"/>
                         </a:solidFill>
@@ -15975,25 +16651,25 @@
                     <a:lstStyle/>
                     <a:p>
                       <a:r>
-                        <a:rPr lang="en-IN" sz="1400" dirty="0">
+                        <a:rPr lang="en-IN" sz="1000" dirty="0">
                           <a:hlinkClick r:id="rId4"/>
                         </a:rPr>
                         <a:t>https://github.com/anirudhyadav/ISBG4FP1/blob/main/step1a_jd_dataprocurement.ipynb</a:t>
                       </a:r>
                       <a:r>
-                        <a:rPr lang="en-IN" sz="1400" dirty="0"/>
+                        <a:rPr lang="en-IN" sz="1000" dirty="0"/>
                         <a:t> </a:t>
                       </a:r>
                     </a:p>
                     <a:p>
                       <a:r>
-                        <a:rPr lang="en-IN" sz="1400" dirty="0">
+                        <a:rPr lang="en-IN" sz="1000" dirty="0">
                           <a:hlinkClick r:id="rId5"/>
                         </a:rPr>
                         <a:t>https://github.com/anirudhyadav/ISBG4FP1/blob/main/step1b_LinkedinScraper.ipynb</a:t>
                       </a:r>
                       <a:r>
-                        <a:rPr lang="en-IN" sz="1400" dirty="0"/>
+                        <a:rPr lang="en-IN" sz="1000" dirty="0"/>
                         <a:t> </a:t>
                       </a:r>
                     </a:p>
@@ -16006,17 +16682,17 @@
                   </a:ext>
                 </a:extLst>
               </a:tr>
-              <a:tr h="1646989">
+              <a:tr h="721627">
                 <a:tc>
                   <a:txBody>
                     <a:bodyPr/>
                     <a:lstStyle/>
                     <a:p>
                       <a:r>
-                        <a:rPr lang="en-US" dirty="0"/>
+                        <a:rPr lang="en-US" sz="1000" dirty="0"/>
                         <a:t>Modeling</a:t>
                       </a:r>
-                      <a:endParaRPr lang="en-IN" dirty="0"/>
+                      <a:endParaRPr lang="en-IN" sz="1000" dirty="0"/>
                     </a:p>
                   </a:txBody>
                   <a:tcPr/>
@@ -16027,9 +16703,27 @@
                     <a:lstStyle/>
                     <a:p>
                       <a:r>
-                        <a:rPr lang="en-IN" sz="1400" dirty="0"/>
-                        <a:t>Elements addressed here are were under the umbrella of Performance, Robustness, Scalability, easy to explain, complexity and resources</a:t>
+                        <a:rPr lang="en-US" sz="1000" dirty="0"/>
+                        <a:t>This phase involves the below,</a:t>
                       </a:r>
+                    </a:p>
+                    <a:p>
+                      <a:r>
+                        <a:rPr lang="en-US" sz="1000" dirty="0"/>
+                        <a:t>Feature Extraction, Feature Selection, Data Splitting, NLP, prediction</a:t>
+                      </a:r>
+                    </a:p>
+                    <a:p>
+                      <a:endParaRPr lang="en-US" sz="1000" dirty="0"/>
+                    </a:p>
+                    <a:p>
+                      <a:r>
+                        <a:rPr lang="en-US" sz="1000" dirty="0">
+                          <a:hlinkClick r:id="rId6" action="ppaction://hlinksldjump"/>
+                        </a:rPr>
+                        <a:t>More Details</a:t>
+                      </a:r>
+                      <a:endParaRPr lang="en-US" sz="1000" dirty="0"/>
                     </a:p>
                   </a:txBody>
                   <a:tcPr/>
@@ -16039,62 +16733,31 @@
                     <a:bodyPr/>
                     <a:lstStyle/>
                     <a:p>
-                      <a:pPr marL="0" indent="0">
-                        <a:buFont typeface="Arial" panose="020B0604020202020204" pitchFamily="34" charset="0"/>
-                        <a:buNone/>
-                      </a:pPr>
                       <a:r>
-                        <a:rPr lang="en-IN" sz="1400" dirty="0">
-                          <a:solidFill>
-                            <a:schemeClr val="dk1"/>
-                          </a:solidFill>
-                          <a:latin typeface="+mn-lt"/>
-                          <a:ea typeface="+mn-ea"/>
-                          <a:cs typeface="+mn-cs"/>
+                        <a:rPr lang="en-IN" sz="1000" dirty="0">
+                          <a:hlinkClick r:id="rId4"/>
                         </a:rPr>
-                        <a:t>1. Web Scraping for JD from Job-Portals </a:t>
+                        <a:t>https://github.com/anirudhyadav/ISBG4FP1/blob/main/step1a_jd_dataprocurement.ipynb</a:t>
                       </a:r>
-                      <a:br>
-                        <a:rPr lang="en-IN" sz="1400" dirty="0">
-                          <a:solidFill>
-                            <a:schemeClr val="dk1"/>
-                          </a:solidFill>
-                          <a:latin typeface="+mn-lt"/>
-                          <a:ea typeface="+mn-ea"/>
-                          <a:cs typeface="+mn-cs"/>
-                        </a:rPr>
-                      </a:br>
                       <a:r>
-                        <a:rPr lang="en-IN" sz="1400" dirty="0">
-                          <a:solidFill>
-                            <a:schemeClr val="dk1"/>
-                          </a:solidFill>
-                          <a:latin typeface="+mn-lt"/>
-                          <a:ea typeface="+mn-ea"/>
-                          <a:cs typeface="+mn-cs"/>
-                        </a:rPr>
-                        <a:t>2. Survey data for Resume/Skills </a:t>
+                        <a:rPr lang="en-IN" sz="1000" dirty="0"/>
+                        <a:t> </a:t>
                       </a:r>
                     </a:p>
                     <a:p>
-                      <a:pPr marL="0" indent="0">
-                        <a:buFont typeface="Arial" panose="020B0604020202020204" pitchFamily="34" charset="0"/>
-                        <a:buNone/>
-                      </a:pPr>
                       <a:r>
-                        <a:rPr lang="en-IN" sz="1400" dirty="0">
-                          <a:solidFill>
-                            <a:schemeClr val="dk1"/>
-                          </a:solidFill>
-                          <a:latin typeface="+mn-lt"/>
-                          <a:ea typeface="+mn-ea"/>
-                          <a:cs typeface="+mn-cs"/>
+                        <a:rPr lang="en-IN" sz="1000" dirty="0">
+                          <a:hlinkClick r:id="rId5"/>
                         </a:rPr>
-                        <a:t>Which also involved text clean-up</a:t>
+                        <a:t>https://github.com/anirudhyadav/ISBG4FP1/blob/main/step1b_LinkedinScraper.ipynb</a:t>
+                      </a:r>
+                      <a:r>
+                        <a:rPr lang="en-IN" sz="1000" dirty="0"/>
+                        <a:t> </a:t>
                       </a:r>
                     </a:p>
                     <a:p>
-                      <a:endParaRPr lang="en-IN" dirty="0"/>
+                      <a:endParaRPr lang="en-IN" sz="1000" dirty="0"/>
                     </a:p>
                   </a:txBody>
                   <a:tcPr/>
@@ -16112,10 +16775,10 @@
                     <a:lstStyle/>
                     <a:p>
                       <a:r>
-                        <a:rPr lang="en-US" dirty="0"/>
+                        <a:rPr lang="en-US" sz="1000" dirty="0"/>
                         <a:t>Evaluation</a:t>
                       </a:r>
-                      <a:endParaRPr lang="en-IN" dirty="0"/>
+                      <a:endParaRPr lang="en-IN" sz="1000" dirty="0"/>
                     </a:p>
                   </a:txBody>
                   <a:tcPr/>
@@ -16126,9 +16789,25 @@
                     <a:lstStyle/>
                     <a:p>
                       <a:r>
-                        <a:rPr lang="en-IN" sz="1400" dirty="0"/>
-                        <a:t>Evaluating the score based on labelled dataset</a:t>
+                        <a:rPr lang="en-US" sz="1000" dirty="0"/>
+                        <a:t>T</a:t>
                       </a:r>
+                      <a:r>
+                        <a:rPr lang="en-IN" sz="1000" dirty="0"/>
+                        <a:t>his phase involved the testing of the model on the test data and evaluating the performance</a:t>
+                      </a:r>
+                    </a:p>
+                    <a:p>
+                      <a:endParaRPr lang="en-IN" sz="1000" dirty="0"/>
+                    </a:p>
+                    <a:p>
+                      <a:r>
+                        <a:rPr lang="en-IN" sz="1000" dirty="0">
+                          <a:hlinkClick r:id="rId7" action="ppaction://hlinksldjump"/>
+                        </a:rPr>
+                        <a:t>More Details</a:t>
+                      </a:r>
+                      <a:endParaRPr lang="en-IN" sz="1000" dirty="0"/>
                     </a:p>
                   </a:txBody>
                   <a:tcPr/>
@@ -16138,7 +16817,16 @@
                     <a:bodyPr/>
                     <a:lstStyle/>
                     <a:p>
-                      <a:endParaRPr lang="en-IN"/>
+                      <a:r>
+                        <a:rPr lang="en-IN" sz="1000" dirty="0">
+                          <a:hlinkClick r:id="rId8"/>
+                        </a:rPr>
+                        <a:t>https://github.com/anirudhyadav/ISBG4FP1/blob/main/step2_SimilarityLogic.ipynb</a:t>
+                      </a:r>
+                      <a:r>
+                        <a:rPr lang="en-IN" sz="1000" dirty="0"/>
+                        <a:t> </a:t>
+                      </a:r>
                     </a:p>
                   </a:txBody>
                   <a:tcPr/>
@@ -16156,10 +16844,10 @@
                     <a:lstStyle/>
                     <a:p>
                       <a:r>
-                        <a:rPr lang="en-US" dirty="0"/>
+                        <a:rPr lang="en-US" sz="1000" dirty="0"/>
                         <a:t>Deployment</a:t>
                       </a:r>
-                      <a:endParaRPr lang="en-IN" dirty="0"/>
+                      <a:endParaRPr lang="en-IN" sz="1000" dirty="0"/>
                     </a:p>
                   </a:txBody>
                   <a:tcPr/>
@@ -16169,7 +16857,22 @@
                     <a:bodyPr/>
                     <a:lstStyle/>
                     <a:p>
-                      <a:endParaRPr lang="en-IN" sz="1400" dirty="0"/>
+                      <a:r>
+                        <a:rPr lang="en-US" sz="1000" dirty="0"/>
+                        <a:t>This Phase involves the deployment of the model into the respective environments. As we don’t have all the qualified environments, all codes are maintained in the GitHub repository and it’s a single environment.</a:t>
+                      </a:r>
+                    </a:p>
+                    <a:p>
+                      <a:endParaRPr lang="en-US" sz="1000" dirty="0"/>
+                    </a:p>
+                    <a:p>
+                      <a:r>
+                        <a:rPr lang="en-US" sz="1000" dirty="0">
+                          <a:hlinkClick r:id="rId9" action="ppaction://hlinksldjump"/>
+                        </a:rPr>
+                        <a:t>More Details</a:t>
+                      </a:r>
+                      <a:endParaRPr lang="en-IN" sz="1000" dirty="0"/>
                     </a:p>
                   </a:txBody>
                   <a:tcPr/>
@@ -16179,7 +16882,7 @@
                     <a:bodyPr/>
                     <a:lstStyle/>
                     <a:p>
-                      <a:endParaRPr lang="en-IN" dirty="0"/>
+                      <a:endParaRPr lang="en-IN" sz="1000" dirty="0"/>
                     </a:p>
                   </a:txBody>
                   <a:tcPr/>
@@ -16197,10 +16900,10 @@
                     <a:lstStyle/>
                     <a:p>
                       <a:r>
-                        <a:rPr lang="en-US" dirty="0"/>
+                        <a:rPr lang="en-US" sz="1000" dirty="0"/>
                         <a:t>Monitoring and Maintenance</a:t>
                       </a:r>
-                      <a:endParaRPr lang="en-IN" dirty="0"/>
+                      <a:endParaRPr lang="en-IN" sz="1000" dirty="0"/>
                     </a:p>
                   </a:txBody>
                   <a:tcPr/>
@@ -16211,9 +16914,61 @@
                     <a:lstStyle/>
                     <a:p>
                       <a:r>
-                        <a:rPr lang="en-IN" sz="1400" dirty="0"/>
-                        <a:t>Weekly Job portal scraping for latest skills and expanding to other Job websites for extended corpus.</a:t>
+                        <a:rPr lang="en-IN" sz="1000" dirty="0"/>
+                        <a:t>This phase is the continuous phase. Weekly Job portal scraping to be in place for latest skills and expanding to other Job websites for extended corpus</a:t>
                       </a:r>
+                    </a:p>
+                    <a:p>
+                      <a:pPr marL="0" marR="0" lvl="0" indent="0" defTabSz="914400" eaLnBrk="1" fontAlgn="auto" latinLnBrk="0" hangingPunct="1">
+                        <a:lnSpc>
+                          <a:spcPct val="100000"/>
+                        </a:lnSpc>
+                        <a:spcBef>
+                          <a:spcPts val="0"/>
+                        </a:spcBef>
+                        <a:spcAft>
+                          <a:spcPts val="0"/>
+                        </a:spcAft>
+                        <a:buClrTx/>
+                        <a:buSzTx/>
+                        <a:buFontTx/>
+                        <a:buNone/>
+                        <a:tabLst/>
+                        <a:defRPr/>
+                      </a:pPr>
+                      <a:r>
+                        <a:rPr lang="en-US" sz="1000" b="1" i="1" u="sng" dirty="0">
+                          <a:solidFill>
+                            <a:srgbClr val="0070C0"/>
+                          </a:solidFill>
+                        </a:rPr>
+                        <a:t>DRIFT:</a:t>
+                      </a:r>
+                      <a:r>
+                        <a:rPr lang="en-US" sz="1000" dirty="0">
+                          <a:solidFill>
+                            <a:srgbClr val="0070C0"/>
+                          </a:solidFill>
+                        </a:rPr>
+                        <a:t> </a:t>
+                      </a:r>
+                      <a:r>
+                        <a:rPr lang="en-US" sz="1000" dirty="0"/>
+                        <a:t>Handling drift by reprocuring the JD data from job portals for latest corpus of tech skills required for a specific job type, and expanding to other job portals too</a:t>
+                      </a:r>
+                      <a:endParaRPr lang="en-IN" sz="1000" dirty="0"/>
+                    </a:p>
+                    <a:p>
+                      <a:endParaRPr lang="en-IN" sz="1000" dirty="0"/>
+                    </a:p>
+                    <a:p>
+                      <a:r>
+                        <a:rPr lang="en-IN" sz="1000" dirty="0">
+                          <a:hlinkClick r:id="rId10" action="ppaction://hlinksldjump"/>
+                        </a:rPr>
+                        <a:t>More Details</a:t>
+                      </a:r>
+                      <a:endParaRPr lang="en-IN" sz="1000" dirty="0"/>
                     </a:p>
                   </a:txBody>
                   <a:tcPr/>
@@ -16223,7 +16978,7 @@
                     <a:bodyPr/>
                     <a:lstStyle/>
                     <a:p>
-                      <a:endParaRPr lang="en-IN" dirty="0"/>
+                      <a:endParaRPr lang="en-IN" sz="1000" dirty="0"/>
                     </a:p>
                   </a:txBody>
                   <a:tcPr/>
@@ -16238,57 +16993,6 @@
           </a:graphicData>
         </a:graphic>
       </p:graphicFrame>
-      <p:sp>
-        <p:nvSpPr>
-          <p:cNvPr id="10" name="TextBox 9">
-            <a:extLst>
-              <a:ext uri="{FF2B5EF4-FFF2-40B4-BE49-F238E27FC236}">
-                <a16:creationId xmlns:a16="http://schemas.microsoft.com/office/drawing/2014/main" id="{ACCBFF0B-D368-2E43-AF13-F9DD3F19C313}"/>
-              </a:ext>
-            </a:extLst>
-          </p:cNvPr>
-          <p:cNvSpPr txBox="1"/>
-          <p:nvPr/>
-        </p:nvSpPr>
-        <p:spPr>
-          <a:xfrm>
-            <a:off x="152400" y="5634183"/>
-            <a:ext cx="8626855" cy="677108"/>
-          </a:xfrm>
-          <a:prstGeom prst="rect">
-            <a:avLst/>
-          </a:prstGeom>
-          <a:noFill/>
-        </p:spPr>
-        <p:txBody>
-          <a:bodyPr wrap="square">
-            <a:spAutoFit/>
-          </a:bodyPr>
-          <a:lstStyle/>
-          <a:p>
-            <a:r>
-              <a:rPr lang="en-US" sz="2000" b="1" i="1" u="sng" dirty="0">
-                <a:solidFill>
-                  <a:srgbClr val="0070C0"/>
-                </a:solidFill>
-              </a:rPr>
-              <a:t>DRIFT:</a:t>
-            </a:r>
-            <a:r>
-              <a:rPr lang="en-US" sz="2000" dirty="0">
-                <a:solidFill>
-                  <a:srgbClr val="0070C0"/>
-                </a:solidFill>
-              </a:rPr>
-              <a:t> </a:t>
-            </a:r>
-            <a:r>
-              <a:rPr lang="en-US" sz="1800" dirty="0"/>
-              <a:t>Handling drift by reprocuring the JD data from job portals for latest corpus of tech skills required for a specific job type, and expanding to other job portals too</a:t>
-            </a:r>
-          </a:p>
-        </p:txBody>
-      </p:sp>
     </p:spTree>
     <p:extLst>
       <p:ext uri="{BB962C8B-B14F-4D97-AF65-F5344CB8AC3E}">
@@ -16366,8 +17070,8 @@
         </p:nvSpPr>
         <p:spPr>
           <a:xfrm>
-            <a:off x="7543800" y="2145941"/>
-            <a:ext cx="1431618" cy="2185214"/>
+            <a:off x="5698146" y="5299975"/>
+            <a:ext cx="2874552" cy="954107"/>
           </a:xfrm>
           <a:prstGeom prst="rect">
             <a:avLst/>
@@ -16386,12 +17090,12 @@
           <a:lstStyle/>
           <a:p>
             <a:r>
-              <a:rPr lang="en-IN" sz="1400" b="1" i="1" u="sng" dirty="0"/>
-              <a:t>Key Words:</a:t>
+              <a:rPr lang="en-IN" sz="800" b="1" i="1" u="sng" dirty="0"/>
+              <a:t>Tech Landscape:</a:t>
             </a:r>
           </a:p>
           <a:p>
-            <a:endParaRPr lang="en-IN" sz="1400" b="1" i="1" u="sng" dirty="0"/>
+            <a:endParaRPr lang="en-IN" sz="800" b="1" i="1" u="sng" dirty="0"/>
           </a:p>
           <a:p>
             <a:pPr marL="285750" indent="-285750">
@@ -16399,7 +17103,7 @@
               <a:buChar char="Ø"/>
             </a:pPr>
             <a:r>
-              <a:rPr lang="en-IN" sz="1200" dirty="0"/>
+              <a:rPr lang="en-IN" sz="800" dirty="0"/>
               <a:t>NLP</a:t>
             </a:r>
           </a:p>
@@ -16409,8 +17113,8 @@
               <a:buChar char="Ø"/>
             </a:pPr>
             <a:r>
-              <a:rPr lang="en-IN" sz="1200" dirty="0"/>
-              <a:t>Cosine Similarity</a:t>
+              <a:rPr lang="en-IN" sz="800" dirty="0"/>
+              <a:t>Python MongoDB</a:t>
             </a:r>
           </a:p>
           <a:p>
@@ -16419,8 +17123,8 @@
               <a:buChar char="Ø"/>
             </a:pPr>
             <a:r>
-              <a:rPr lang="en-IN" sz="1200" dirty="0"/>
-              <a:t>Python</a:t>
+              <a:rPr lang="en-IN" sz="800" dirty="0"/>
+              <a:t>Vectorization</a:t>
             </a:r>
           </a:p>
           <a:p>
@@ -16429,8 +17133,8 @@
               <a:buChar char="Ø"/>
             </a:pPr>
             <a:r>
-              <a:rPr lang="en-IN" sz="1200" dirty="0"/>
-              <a:t>Vectorization</a:t>
+              <a:rPr lang="en-IN" sz="800" dirty="0"/>
+              <a:t>GitHub </a:t>
             </a:r>
           </a:p>
           <a:p>
@@ -16439,40 +17143,17 @@
               <a:buChar char="Ø"/>
             </a:pPr>
             <a:r>
-              <a:rPr lang="en-IN" sz="1200" dirty="0"/>
-              <a:t>MongoDB</a:t>
-            </a:r>
-          </a:p>
-          <a:p>
-            <a:pPr marL="285750" indent="-285750">
-              <a:buFont typeface="Wingdings" panose="05000000000000000000" pitchFamily="2" charset="2"/>
-              <a:buChar char="Ø"/>
-            </a:pPr>
-            <a:r>
-              <a:rPr lang="en-IN" sz="1200" dirty="0"/>
-              <a:t>GitHub </a:t>
-            </a:r>
-          </a:p>
-          <a:p>
-            <a:pPr marL="285750" indent="-285750">
-              <a:buFont typeface="Wingdings" panose="05000000000000000000" pitchFamily="2" charset="2"/>
-              <a:buChar char="Ø"/>
-            </a:pPr>
-            <a:r>
-              <a:rPr lang="en-IN" sz="1200" dirty="0"/>
-              <a:t>NLTK</a:t>
-            </a:r>
-          </a:p>
-          <a:p>
-            <a:pPr marL="285750" indent="-285750">
-              <a:buFont typeface="Wingdings" panose="05000000000000000000" pitchFamily="2" charset="2"/>
-              <a:buChar char="Ø"/>
-            </a:pPr>
-            <a:r>
-              <a:rPr lang="en-IN" sz="1200" dirty="0" err="1"/>
+              <a:rPr lang="en-IN" sz="800" dirty="0"/>
+              <a:t>NLTK, </a:t>
+            </a:r>
+            <a:r>
+              <a:rPr lang="en-IN" sz="800" dirty="0" err="1"/>
               <a:t>SKLearn</a:t>
             </a:r>
-            <a:endParaRPr lang="en-IN" sz="1200" dirty="0"/>
+            <a:r>
+              <a:rPr lang="en-IN" sz="800" dirty="0"/>
+              <a:t>, Cosine Similarity</a:t>
+            </a:r>
           </a:p>
         </p:txBody>
       </p:sp>
@@ -16497,81 +17178,24 @@
             <a:off x="258573" y="762000"/>
             <a:ext cx="1570228" cy="285120"/>
           </a:xfrm>
+          <a:noFill/>
         </p:spPr>
         <p:txBody>
-          <a:bodyPr/>
+          <a:bodyPr wrap="square" rtlCol="0">
+            <a:spAutoFit/>
+          </a:bodyPr>
           <a:lstStyle/>
           <a:p>
             <a:r>
-              <a:rPr lang="en-US" dirty="0"/>
+              <a:rPr lang="en-US" sz="1200" b="1" u="sng" dirty="0"/>
               <a:t>Code Set</a:t>
             </a:r>
           </a:p>
           <a:p>
-            <a:endParaRPr lang="en-US" dirty="0"/>
+            <a:endParaRPr lang="en-US" sz="1200" b="1" u="sng" dirty="0"/>
           </a:p>
         </p:txBody>
       </p:sp>
-      <p:pic>
-        <p:nvPicPr>
-          <p:cNvPr id="11" name="Picture 10">
-            <a:extLst>
-              <a:ext uri="{FF2B5EF4-FFF2-40B4-BE49-F238E27FC236}">
-                <a16:creationId xmlns:a16="http://schemas.microsoft.com/office/drawing/2014/main" id="{1FA93914-C614-5AC6-679C-5965E444CEBD}"/>
-              </a:ext>
-            </a:extLst>
-          </p:cNvPr>
-          <p:cNvPicPr>
-            <a:picLocks noChangeAspect="1"/>
-          </p:cNvPicPr>
-          <p:nvPr/>
-        </p:nvPicPr>
-        <p:blipFill>
-          <a:blip r:embed="rId2"/>
-          <a:stretch>
-            <a:fillRect/>
-          </a:stretch>
-        </p:blipFill>
-        <p:spPr>
-          <a:xfrm>
-            <a:off x="258572" y="1074311"/>
-            <a:ext cx="2256028" cy="2903468"/>
-          </a:xfrm>
-          <a:prstGeom prst="rect">
-            <a:avLst/>
-          </a:prstGeom>
-        </p:spPr>
-      </p:pic>
-      <p:pic>
-        <p:nvPicPr>
-          <p:cNvPr id="12" name="Picture 11">
-            <a:extLst>
-              <a:ext uri="{FF2B5EF4-FFF2-40B4-BE49-F238E27FC236}">
-                <a16:creationId xmlns:a16="http://schemas.microsoft.com/office/drawing/2014/main" id="{B4211CCB-B956-64F5-C079-5DA20F03CB41}"/>
-              </a:ext>
-            </a:extLst>
-          </p:cNvPr>
-          <p:cNvPicPr>
-            <a:picLocks noChangeAspect="1"/>
-          </p:cNvPicPr>
-          <p:nvPr/>
-        </p:nvPicPr>
-        <p:blipFill>
-          <a:blip r:embed="rId3"/>
-          <a:stretch>
-            <a:fillRect/>
-          </a:stretch>
-        </p:blipFill>
-        <p:spPr>
-          <a:xfrm>
-            <a:off x="239987" y="4480546"/>
-            <a:ext cx="3733800" cy="1865099"/>
-          </a:xfrm>
-          <a:prstGeom prst="rect">
-            <a:avLst/>
-          </a:prstGeom>
-        </p:spPr>
-      </p:pic>
       <p:sp>
         <p:nvSpPr>
           <p:cNvPr id="13" name="TextBox 12">
@@ -16586,8 +17210,8 @@
         </p:nvSpPr>
         <p:spPr>
           <a:xfrm>
-            <a:off x="381000" y="4114801"/>
-            <a:ext cx="2133600" cy="338554"/>
+            <a:off x="5257800" y="732507"/>
+            <a:ext cx="2133600" cy="276999"/>
           </a:xfrm>
           <a:prstGeom prst="rect">
             <a:avLst/>
@@ -16598,10 +17222,17 @@
           <a:bodyPr wrap="square" rtlCol="0">
             <a:spAutoFit/>
           </a:bodyPr>
-          <a:lstStyle/>
+          <a:lstStyle>
+            <a:defPPr>
+              <a:defRPr kern="0"/>
+            </a:defPPr>
+            <a:lvl1pPr>
+              <a:defRPr sz="1200" b="1" u="sng"/>
+            </a:lvl1pPr>
+          </a:lstStyle>
           <a:p>
             <a:r>
-              <a:rPr lang="en-US" sz="1600" dirty="0"/>
+              <a:rPr lang="en-US" dirty="0"/>
               <a:t>Persisting in DB</a:t>
             </a:r>
           </a:p>
@@ -16622,15 +17253,15 @@
           <p:nvPr/>
         </p:nvPicPr>
         <p:blipFill>
-          <a:blip r:embed="rId4"/>
+          <a:blip r:embed="rId2"/>
           <a:stretch>
             <a:fillRect/>
           </a:stretch>
         </p:blipFill>
         <p:spPr>
           <a:xfrm>
-            <a:off x="3035226" y="1074311"/>
-            <a:ext cx="4278957" cy="2490515"/>
+            <a:off x="2538466" y="1035194"/>
+            <a:ext cx="2643134" cy="2372385"/>
           </a:xfrm>
           <a:prstGeom prst="rect">
             <a:avLst/>
@@ -16651,7 +17282,7 @@
         </p:nvSpPr>
         <p:spPr>
           <a:xfrm>
-            <a:off x="2895600" y="745385"/>
+            <a:off x="2489119" y="724332"/>
             <a:ext cx="2152185" cy="338554"/>
           </a:xfrm>
           <a:prstGeom prst="rect">
@@ -16663,10 +17294,17 @@
           <a:bodyPr wrap="square" rtlCol="0">
             <a:spAutoFit/>
           </a:bodyPr>
-          <a:lstStyle/>
+          <a:lstStyle>
+            <a:defPPr>
+              <a:defRPr kern="0"/>
+            </a:defPPr>
+            <a:lvl1pPr>
+              <a:defRPr sz="1200" b="1" u="sng"/>
+            </a:lvl1pPr>
+          </a:lstStyle>
           <a:p>
             <a:r>
-              <a:rPr lang="en-US" sz="1600" dirty="0"/>
+              <a:rPr lang="en-US" dirty="0"/>
               <a:t>Code Repository</a:t>
             </a:r>
           </a:p>
@@ -16686,8 +17324,8 @@
         </p:nvSpPr>
         <p:spPr>
           <a:xfrm>
-            <a:off x="4114800" y="4101968"/>
-            <a:ext cx="877163" cy="369332"/>
+            <a:off x="5419829" y="2825370"/>
+            <a:ext cx="2504971" cy="276999"/>
           </a:xfrm>
           <a:prstGeom prst="rect">
             <a:avLst/>
@@ -16695,14 +17333,21 @@
           <a:noFill/>
         </p:spPr>
         <p:txBody>
-          <a:bodyPr wrap="none" rtlCol="0">
+          <a:bodyPr wrap="square" rtlCol="0">
             <a:spAutoFit/>
           </a:bodyPr>
-          <a:lstStyle/>
+          <a:lstStyle>
+            <a:defPPr>
+              <a:defRPr kern="0"/>
+            </a:defPPr>
+            <a:lvl1pPr>
+              <a:defRPr sz="1200" b="1" u="sng"/>
+            </a:lvl1pPr>
+          </a:lstStyle>
           <a:p>
             <a:r>
               <a:rPr lang="en-US" dirty="0"/>
-              <a:t>Output</a:t>
+              <a:t>Output for Resume Mapping</a:t>
             </a:r>
           </a:p>
         </p:txBody>
@@ -16722,6 +17367,66 @@
           <p:nvPr/>
         </p:nvPicPr>
         <p:blipFill>
+          <a:blip r:embed="rId3"/>
+          <a:stretch>
+            <a:fillRect/>
+          </a:stretch>
+        </p:blipFill>
+        <p:spPr>
+          <a:xfrm>
+            <a:off x="5438222" y="3102369"/>
+            <a:ext cx="3493813" cy="1189383"/>
+          </a:xfrm>
+          <a:prstGeom prst="rect">
+            <a:avLst/>
+          </a:prstGeom>
+        </p:spPr>
+      </p:pic>
+      <p:pic>
+        <p:nvPicPr>
+          <p:cNvPr id="5" name="Picture 4">
+            <a:extLst>
+              <a:ext uri="{FF2B5EF4-FFF2-40B4-BE49-F238E27FC236}">
+                <a16:creationId xmlns:a16="http://schemas.microsoft.com/office/drawing/2014/main" id="{4C3815FC-E3A9-0C42-FA43-7EBEE2273FE2}"/>
+              </a:ext>
+            </a:extLst>
+          </p:cNvPr>
+          <p:cNvPicPr>
+            <a:picLocks noChangeAspect="1"/>
+          </p:cNvPicPr>
+          <p:nvPr/>
+        </p:nvPicPr>
+        <p:blipFill>
+          <a:blip r:embed="rId4"/>
+          <a:stretch>
+            <a:fillRect/>
+          </a:stretch>
+        </p:blipFill>
+        <p:spPr>
+          <a:xfrm>
+            <a:off x="239987" y="969341"/>
+            <a:ext cx="2133601" cy="2535859"/>
+          </a:xfrm>
+          <a:prstGeom prst="rect">
+            <a:avLst/>
+          </a:prstGeom>
+        </p:spPr>
+      </p:pic>
+      <p:pic>
+        <p:nvPicPr>
+          <p:cNvPr id="8" name="Picture 7">
+            <a:extLst>
+              <a:ext uri="{FF2B5EF4-FFF2-40B4-BE49-F238E27FC236}">
+                <a16:creationId xmlns:a16="http://schemas.microsoft.com/office/drawing/2014/main" id="{3FEE7D59-F8FD-E010-83BF-57F027550F1B}"/>
+              </a:ext>
+            </a:extLst>
+          </p:cNvPr>
+          <p:cNvPicPr>
+            <a:picLocks noChangeAspect="1"/>
+          </p:cNvPicPr>
+          <p:nvPr/>
+        </p:nvPicPr>
+        <p:blipFill>
           <a:blip r:embed="rId5"/>
           <a:stretch>
             <a:fillRect/>
@@ -16729,8 +17434,73 @@
         </p:blipFill>
         <p:spPr>
           <a:xfrm>
-            <a:off x="4185963" y="4610022"/>
-            <a:ext cx="4718050" cy="1606145"/>
+            <a:off x="5384210" y="4675926"/>
+            <a:ext cx="3759790" cy="534271"/>
+          </a:xfrm>
+          <a:prstGeom prst="rect">
+            <a:avLst/>
+          </a:prstGeom>
+        </p:spPr>
+      </p:pic>
+      <p:sp>
+        <p:nvSpPr>
+          <p:cNvPr id="9" name="TextBox 8">
+            <a:extLst>
+              <a:ext uri="{FF2B5EF4-FFF2-40B4-BE49-F238E27FC236}">
+                <a16:creationId xmlns:a16="http://schemas.microsoft.com/office/drawing/2014/main" id="{F03D1C36-92D2-1229-3C3B-CCDB075E60C5}"/>
+              </a:ext>
+            </a:extLst>
+          </p:cNvPr>
+          <p:cNvSpPr txBox="1"/>
+          <p:nvPr/>
+        </p:nvSpPr>
+        <p:spPr>
+          <a:xfrm>
+            <a:off x="5320014" y="4398927"/>
+            <a:ext cx="2874552" cy="276999"/>
+          </a:xfrm>
+          <a:prstGeom prst="rect">
+            <a:avLst/>
+          </a:prstGeom>
+          <a:noFill/>
+        </p:spPr>
+        <p:txBody>
+          <a:bodyPr wrap="square" rtlCol="0">
+            <a:spAutoFit/>
+          </a:bodyPr>
+          <a:lstStyle/>
+          <a:p>
+            <a:r>
+              <a:rPr lang="en-US" sz="1200" b="1" u="sng" dirty="0"/>
+              <a:t>Predicting the acceptance of offer</a:t>
+            </a:r>
+          </a:p>
+        </p:txBody>
+      </p:sp>
+      <p:pic>
+        <p:nvPicPr>
+          <p:cNvPr id="17" name="Picture 16">
+            <a:extLst>
+              <a:ext uri="{FF2B5EF4-FFF2-40B4-BE49-F238E27FC236}">
+                <a16:creationId xmlns:a16="http://schemas.microsoft.com/office/drawing/2014/main" id="{A925AE6A-E848-6234-15FC-BE3606E58F21}"/>
+              </a:ext>
+            </a:extLst>
+          </p:cNvPr>
+          <p:cNvPicPr>
+            <a:picLocks noChangeAspect="1"/>
+          </p:cNvPicPr>
+          <p:nvPr/>
+        </p:nvPicPr>
+        <p:blipFill>
+          <a:blip r:embed="rId6"/>
+          <a:stretch>
+            <a:fillRect/>
+          </a:stretch>
+        </p:blipFill>
+        <p:spPr>
+          <a:xfrm>
+            <a:off x="5301621" y="1018427"/>
+            <a:ext cx="3759789" cy="1877173"/>
           </a:xfrm>
           <a:prstGeom prst="rect">
             <a:avLst/>
@@ -16772,7 +17542,7 @@
           <p:cNvPr id="2" name="Title 1">
             <a:extLst>
               <a:ext uri="{FF2B5EF4-FFF2-40B4-BE49-F238E27FC236}">
-                <a16:creationId xmlns:a16="http://schemas.microsoft.com/office/drawing/2014/main" id="{D4B481A0-87B8-4E17-047B-10258683FA41}"/>
+                <a16:creationId xmlns:a16="http://schemas.microsoft.com/office/drawing/2014/main" id="{53AE150B-405F-E3C9-AB7A-424976755E65}"/>
               </a:ext>
             </a:extLst>
           </p:cNvPr>
@@ -16794,89 +17564,94 @@
           <a:lstStyle/>
           <a:p>
             <a:r>
-              <a:rPr lang="en-US" dirty="0"/>
-              <a:t>Caveats and WIP effort</a:t>
+              <a:rPr lang="en-IN" dirty="0"/>
+              <a:t>Annexure </a:t>
             </a:r>
           </a:p>
         </p:txBody>
       </p:sp>
       <p:sp>
         <p:nvSpPr>
-          <p:cNvPr id="3" name="Text Placeholder 2">
+          <p:cNvPr id="3" name="TextBox 2">
             <a:extLst>
               <a:ext uri="{FF2B5EF4-FFF2-40B4-BE49-F238E27FC236}">
-                <a16:creationId xmlns:a16="http://schemas.microsoft.com/office/drawing/2014/main" id="{9C84DCE6-25AE-D974-99BD-80CA6D995AD0}"/>
+                <a16:creationId xmlns:a16="http://schemas.microsoft.com/office/drawing/2014/main" id="{945204EE-0506-616E-330A-E698FCA12744}"/>
               </a:ext>
             </a:extLst>
           </p:cNvPr>
-          <p:cNvSpPr>
-            <a:spLocks noGrp="1"/>
-          </p:cNvSpPr>
-          <p:nvPr>
-            <p:ph type="body" idx="1"/>
-          </p:nvPr>
+          <p:cNvSpPr txBox="1"/>
+          <p:nvPr/>
         </p:nvSpPr>
         <p:spPr>
           <a:xfrm>
-            <a:off x="258572" y="1143000"/>
-            <a:ext cx="8428228" cy="1938992"/>
+            <a:off x="381000" y="908824"/>
+            <a:ext cx="7315200" cy="2585323"/>
           </a:xfrm>
+          <a:prstGeom prst="rect">
+            <a:avLst/>
+          </a:prstGeom>
+          <a:noFill/>
         </p:spPr>
         <p:txBody>
-          <a:bodyPr/>
+          <a:bodyPr wrap="square" rtlCol="0">
+            <a:spAutoFit/>
+          </a:bodyPr>
           <a:lstStyle/>
           <a:p>
-            <a:pPr marL="342900" indent="-342900">
-              <a:buAutoNum type="arabicPeriod"/>
-            </a:pPr>
             <a:r>
               <a:rPr lang="en-US" dirty="0"/>
-              <a:t>Need to expand the selection criteria by including the Salary and Experience</a:t>
+              <a:t>GitHub Link : </a:t>
+            </a:r>
+            <a:r>
+              <a:rPr lang="en-US" dirty="0">
+                <a:hlinkClick r:id="rId3"/>
+              </a:rPr>
+              <a:t>https://github.com/anirudhyadav/ISBG4FP1</a:t>
+            </a:r>
+            <a:r>
+              <a:rPr lang="en-US" dirty="0"/>
+              <a:t> </a:t>
             </a:r>
           </a:p>
           <a:p>
-            <a:pPr marL="342900" indent="-342900">
-              <a:buAutoNum type="arabicPeriod"/>
-            </a:pPr>
             <a:endParaRPr lang="en-US" dirty="0"/>
           </a:p>
           <a:p>
-            <a:pPr marL="342900" indent="-342900">
-              <a:buAutoNum type="arabicPeriod"/>
-            </a:pPr>
             <a:r>
               <a:rPr lang="en-US" dirty="0"/>
-              <a:t>Need to build a UI layer with backend API connectivity for better UX</a:t>
+              <a:t>Dataset used during FP1:</a:t>
             </a:r>
           </a:p>
           <a:p>
-            <a:pPr marL="342900" indent="-342900">
-              <a:buAutoNum type="arabicPeriod"/>
-            </a:pPr>
             <a:endParaRPr lang="en-US" dirty="0"/>
           </a:p>
           <a:p>
-            <a:pPr marL="342900" indent="-342900">
-              <a:buAutoNum type="arabicPeriod"/>
-            </a:pPr>
             <a:r>
               <a:rPr lang="en-US" dirty="0"/>
-              <a:t>Need to build an application layer to read the files from Database</a:t>
+              <a:t>complete_jd_data.csv : Master dataset from Job portals</a:t>
             </a:r>
           </a:p>
           <a:p>
-            <a:pPr marL="342900" indent="-342900">
-              <a:buAutoNum type="arabicPeriod"/>
-            </a:pPr>
+            <a:r>
+              <a:rPr lang="en-US" dirty="0"/>
+              <a:t>ResumeValidator-ResumeData.csv : Input profiles for mapping</a:t>
+            </a:r>
+          </a:p>
+          <a:p>
             <a:endParaRPr lang="en-US" dirty="0"/>
           </a:p>
           <a:p>
-            <a:pPr marL="342900" indent="-342900">
-              <a:buAutoNum type="arabicPeriod"/>
-            </a:pPr>
             <a:r>
               <a:rPr lang="en-US" dirty="0"/>
-              <a:t>Scoping internal job postings and using it for IJP requisition mapping</a:t>
+              <a:t>All code files are placed on </a:t>
+            </a:r>
+            <a:r>
+              <a:rPr lang="en-US" dirty="0" err="1"/>
+              <a:t>github</a:t>
+            </a:r>
+            <a:r>
+              <a:rPr lang="en-US" dirty="0"/>
+              <a:t>, and files are sequenced as prefixed with step 1-5.</a:t>
             </a:r>
           </a:p>
         </p:txBody>
@@ -16884,7 +17659,7 @@
     </p:spTree>
     <p:extLst>
       <p:ext uri="{BB962C8B-B14F-4D97-AF65-F5344CB8AC3E}">
-        <p14:creationId xmlns:p14="http://schemas.microsoft.com/office/powerpoint/2010/main" val="3961689296"/>
+        <p14:creationId xmlns:p14="http://schemas.microsoft.com/office/powerpoint/2010/main" val="601324877"/>
       </p:ext>
     </p:extLst>
   </p:cSld>

--- a/Foundation_Project_G4__Final_Review_Trending_Jobs.pptx
+++ b/Foundation_Project_G4__Final_Review_Trending_Jobs.pptx
@@ -5764,7 +5764,7 @@
       </dsp:nvSpPr>
       <dsp:spPr>
         <a:xfrm>
-          <a:off x="2060447" y="1068"/>
+          <a:off x="2060448" y="1068"/>
           <a:ext cx="5864352" cy="347032"/>
         </a:xfrm>
         <a:prstGeom prst="rect">
@@ -5814,7 +5814,7 @@
         </a:p>
       </dsp:txBody>
       <dsp:txXfrm>
-        <a:off x="2060447" y="1068"/>
+        <a:off x="2060448" y="1068"/>
         <a:ext cx="5864352" cy="347032"/>
       </dsp:txXfrm>
     </dsp:sp>
@@ -6041,7 +6041,7 @@
       </dsp:nvSpPr>
       <dsp:spPr>
         <a:xfrm>
-          <a:off x="2060447" y="1251976"/>
+          <a:off x="2060448" y="1251976"/>
           <a:ext cx="5864352" cy="347032"/>
         </a:xfrm>
         <a:prstGeom prst="rect">
@@ -6091,7 +6091,7 @@
         </a:p>
       </dsp:txBody>
       <dsp:txXfrm>
-        <a:off x="2060447" y="1251976"/>
+        <a:off x="2060448" y="1251976"/>
         <a:ext cx="5864352" cy="347032"/>
       </dsp:txXfrm>
     </dsp:sp>
@@ -6348,7 +6348,7 @@
       </dsp:nvSpPr>
       <dsp:spPr>
         <a:xfrm>
-          <a:off x="2060447" y="2310529"/>
+          <a:off x="2060448" y="2310529"/>
           <a:ext cx="5864352" cy="347032"/>
         </a:xfrm>
         <a:prstGeom prst="rect">
@@ -6397,7 +6397,7 @@
         </a:p>
       </dsp:txBody>
       <dsp:txXfrm>
-        <a:off x="2060447" y="2310529"/>
+        <a:off x="2060448" y="2310529"/>
         <a:ext cx="5864352" cy="347032"/>
       </dsp:txXfrm>
     </dsp:sp>
@@ -16405,14 +16405,14 @@
           <p:nvPr>
             <p:extLst>
               <p:ext uri="{D42A27DB-BD31-4B8C-83A1-F6EECF244321}">
-                <p14:modId xmlns:p14="http://schemas.microsoft.com/office/powerpoint/2010/main" val="2853813484"/>
+                <p14:modId xmlns:p14="http://schemas.microsoft.com/office/powerpoint/2010/main" val="520676560"/>
               </p:ext>
             </p:extLst>
           </p:nvPr>
         </p:nvGraphicFramePr>
         <p:xfrm>
           <a:off x="457200" y="838200"/>
-          <a:ext cx="8245855" cy="5293360"/>
+          <a:ext cx="8245855" cy="5445760"/>
         </p:xfrm>
         <a:graphic>
           <a:graphicData uri="http://schemas.openxmlformats.org/drawingml/2006/table">
@@ -16828,6 +16828,18 @@
                         <a:t> </a:t>
                       </a:r>
                     </a:p>
+                    <a:p>
+                      <a:r>
+                        <a:rPr lang="en-IN" sz="1000" dirty="0">
+                          <a:hlinkClick r:id="rId9"/>
+                        </a:rPr>
+                        <a:t>https://github.com/anirudhyadav/ISBG4FP1/blob/main/step5_PredictionOfAcceptanceOfOffer.ipynb</a:t>
+                      </a:r>
+                      <a:r>
+                        <a:rPr lang="en-IN" sz="1000" dirty="0"/>
+                        <a:t> </a:t>
+                      </a:r>
+                    </a:p>
                   </a:txBody>
                   <a:tcPr/>
                 </a:tc>
@@ -16868,7 +16880,7 @@
                     <a:p>
                       <a:r>
                         <a:rPr lang="en-US" sz="1000" dirty="0">
-                          <a:hlinkClick r:id="rId9" action="ppaction://hlinksldjump"/>
+                          <a:hlinkClick r:id="rId10" action="ppaction://hlinksldjump"/>
                         </a:rPr>
                         <a:t>More Details</a:t>
                       </a:r>
@@ -16964,7 +16976,7 @@
                     <a:p>
                       <a:r>
                         <a:rPr lang="en-IN" sz="1000" dirty="0">
-                          <a:hlinkClick r:id="rId10" action="ppaction://hlinksldjump"/>
+                          <a:hlinkClick r:id="rId11" action="ppaction://hlinksldjump"/>
                         </a:rPr>
                         <a:t>More Details</a:t>
                       </a:r>
@@ -17070,8 +17082,8 @@
         </p:nvSpPr>
         <p:spPr>
           <a:xfrm>
-            <a:off x="5698146" y="5299975"/>
-            <a:ext cx="2874552" cy="954107"/>
+            <a:off x="7217337" y="5300964"/>
+            <a:ext cx="1714698" cy="1077218"/>
           </a:xfrm>
           <a:prstGeom prst="rect">
             <a:avLst/>
@@ -17412,36 +17424,6 @@
           </a:prstGeom>
         </p:spPr>
       </p:pic>
-      <p:pic>
-        <p:nvPicPr>
-          <p:cNvPr id="8" name="Picture 7">
-            <a:extLst>
-              <a:ext uri="{FF2B5EF4-FFF2-40B4-BE49-F238E27FC236}">
-                <a16:creationId xmlns:a16="http://schemas.microsoft.com/office/drawing/2014/main" id="{3FEE7D59-F8FD-E010-83BF-57F027550F1B}"/>
-              </a:ext>
-            </a:extLst>
-          </p:cNvPr>
-          <p:cNvPicPr>
-            <a:picLocks noChangeAspect="1"/>
-          </p:cNvPicPr>
-          <p:nvPr/>
-        </p:nvPicPr>
-        <p:blipFill>
-          <a:blip r:embed="rId5"/>
-          <a:stretch>
-            <a:fillRect/>
-          </a:stretch>
-        </p:blipFill>
-        <p:spPr>
-          <a:xfrm>
-            <a:off x="5384210" y="4675926"/>
-            <a:ext cx="3759790" cy="534271"/>
-          </a:xfrm>
-          <a:prstGeom prst="rect">
-            <a:avLst/>
-          </a:prstGeom>
-        </p:spPr>
-      </p:pic>
       <p:sp>
         <p:nvSpPr>
           <p:cNvPr id="9" name="TextBox 8">
@@ -17456,7 +17438,7 @@
         </p:nvSpPr>
         <p:spPr>
           <a:xfrm>
-            <a:off x="5320014" y="4398927"/>
+            <a:off x="2508665" y="4062894"/>
             <a:ext cx="2874552" cy="276999"/>
           </a:xfrm>
           <a:prstGeom prst="rect">
@@ -17492,7 +17474,7 @@
           <p:nvPr/>
         </p:nvPicPr>
         <p:blipFill>
-          <a:blip r:embed="rId6"/>
+          <a:blip r:embed="rId5"/>
           <a:stretch>
             <a:fillRect/>
           </a:stretch>
@@ -17501,6 +17483,207 @@
           <a:xfrm>
             <a:off x="5301621" y="1018427"/>
             <a:ext cx="3759789" cy="1877173"/>
+          </a:xfrm>
+          <a:prstGeom prst="rect">
+            <a:avLst/>
+          </a:prstGeom>
+        </p:spPr>
+      </p:pic>
+      <p:pic>
+        <p:nvPicPr>
+          <p:cNvPr id="19" name="Picture 18">
+            <a:extLst>
+              <a:ext uri="{FF2B5EF4-FFF2-40B4-BE49-F238E27FC236}">
+                <a16:creationId xmlns:a16="http://schemas.microsoft.com/office/drawing/2014/main" id="{7E51A9D4-6DBF-B0A4-0A0C-B82F715B2C2A}"/>
+              </a:ext>
+            </a:extLst>
+          </p:cNvPr>
+          <p:cNvPicPr>
+            <a:picLocks noChangeAspect="1"/>
+          </p:cNvPicPr>
+          <p:nvPr/>
+        </p:nvPicPr>
+        <p:blipFill>
+          <a:blip r:embed="rId6"/>
+          <a:stretch>
+            <a:fillRect/>
+          </a:stretch>
+        </p:blipFill>
+        <p:spPr>
+          <a:xfrm>
+            <a:off x="211965" y="3933584"/>
+            <a:ext cx="2241695" cy="2413794"/>
+          </a:xfrm>
+          <a:prstGeom prst="rect">
+            <a:avLst/>
+          </a:prstGeom>
+        </p:spPr>
+      </p:pic>
+      <p:sp>
+        <p:nvSpPr>
+          <p:cNvPr id="20" name="Text Placeholder 6">
+            <a:extLst>
+              <a:ext uri="{FF2B5EF4-FFF2-40B4-BE49-F238E27FC236}">
+                <a16:creationId xmlns:a16="http://schemas.microsoft.com/office/drawing/2014/main" id="{ABC57E78-3DEC-6AE3-B712-2290B308C91F}"/>
+              </a:ext>
+            </a:extLst>
+          </p:cNvPr>
+          <p:cNvSpPr txBox="1">
+            <a:spLocks/>
+          </p:cNvSpPr>
+          <p:nvPr/>
+        </p:nvSpPr>
+        <p:spPr>
+          <a:xfrm>
+            <a:off x="274339" y="3712541"/>
+            <a:ext cx="1570228" cy="184666"/>
+          </a:xfrm>
+          <a:prstGeom prst="rect">
+            <a:avLst/>
+          </a:prstGeom>
+          <a:noFill/>
+        </p:spPr>
+        <p:txBody>
+          <a:bodyPr wrap="square" lIns="0" tIns="0" rIns="0" bIns="0" rtlCol="0">
+            <a:spAutoFit/>
+          </a:bodyPr>
+          <a:lstStyle>
+            <a:lvl1pPr marL="0">
+              <a:defRPr b="0" i="0">
+                <a:solidFill>
+                  <a:schemeClr val="tx1"/>
+                </a:solidFill>
+                <a:latin typeface="+mn-lt"/>
+                <a:ea typeface="+mn-ea"/>
+                <a:cs typeface="+mn-cs"/>
+              </a:defRPr>
+            </a:lvl1pPr>
+            <a:lvl2pPr marL="457200">
+              <a:defRPr>
+                <a:latin typeface="+mn-lt"/>
+                <a:ea typeface="+mn-ea"/>
+                <a:cs typeface="+mn-cs"/>
+              </a:defRPr>
+            </a:lvl2pPr>
+            <a:lvl3pPr marL="914400">
+              <a:defRPr>
+                <a:latin typeface="+mn-lt"/>
+                <a:ea typeface="+mn-ea"/>
+                <a:cs typeface="+mn-cs"/>
+              </a:defRPr>
+            </a:lvl3pPr>
+            <a:lvl4pPr marL="1371600">
+              <a:defRPr>
+                <a:latin typeface="+mn-lt"/>
+                <a:ea typeface="+mn-ea"/>
+                <a:cs typeface="+mn-cs"/>
+              </a:defRPr>
+            </a:lvl4pPr>
+            <a:lvl5pPr marL="1828800">
+              <a:defRPr>
+                <a:latin typeface="+mn-lt"/>
+                <a:ea typeface="+mn-ea"/>
+                <a:cs typeface="+mn-cs"/>
+              </a:defRPr>
+            </a:lvl5pPr>
+            <a:lvl6pPr marL="2286000">
+              <a:defRPr>
+                <a:latin typeface="+mn-lt"/>
+                <a:ea typeface="+mn-ea"/>
+                <a:cs typeface="+mn-cs"/>
+              </a:defRPr>
+            </a:lvl6pPr>
+            <a:lvl7pPr marL="2743200">
+              <a:defRPr>
+                <a:latin typeface="+mn-lt"/>
+                <a:ea typeface="+mn-ea"/>
+                <a:cs typeface="+mn-cs"/>
+              </a:defRPr>
+            </a:lvl7pPr>
+            <a:lvl8pPr marL="3200400">
+              <a:defRPr>
+                <a:latin typeface="+mn-lt"/>
+                <a:ea typeface="+mn-ea"/>
+                <a:cs typeface="+mn-cs"/>
+              </a:defRPr>
+            </a:lvl8pPr>
+            <a:lvl9pPr marL="3657600">
+              <a:defRPr>
+                <a:latin typeface="+mn-lt"/>
+                <a:ea typeface="+mn-ea"/>
+                <a:cs typeface="+mn-cs"/>
+              </a:defRPr>
+            </a:lvl9pPr>
+          </a:lstStyle>
+          <a:p>
+            <a:r>
+              <a:rPr lang="en-US" sz="1200" b="1" u="sng" dirty="0"/>
+              <a:t>Resume Survey</a:t>
+            </a:r>
+          </a:p>
+        </p:txBody>
+      </p:sp>
+      <p:sp>
+        <p:nvSpPr>
+          <p:cNvPr id="25" name="TextBox 24">
+            <a:extLst>
+              <a:ext uri="{FF2B5EF4-FFF2-40B4-BE49-F238E27FC236}">
+                <a16:creationId xmlns:a16="http://schemas.microsoft.com/office/drawing/2014/main" id="{0878DEE4-68D9-7AE4-FB13-0D4BBE6CCA0F}"/>
+              </a:ext>
+            </a:extLst>
+          </p:cNvPr>
+          <p:cNvSpPr txBox="1"/>
+          <p:nvPr/>
+        </p:nvSpPr>
+        <p:spPr>
+          <a:xfrm>
+            <a:off x="2286000" y="3246961"/>
+            <a:ext cx="4572000" cy="369332"/>
+          </a:xfrm>
+          <a:prstGeom prst="rect">
+            <a:avLst/>
+          </a:prstGeom>
+          <a:noFill/>
+        </p:spPr>
+        <p:txBody>
+          <a:bodyPr wrap="square">
+            <a:spAutoFit/>
+          </a:bodyPr>
+          <a:lstStyle/>
+          <a:p>
+            <a:endParaRPr lang="en-IN" dirty="0">
+              <a:solidFill>
+                <a:srgbClr val="BCBEC4"/>
+              </a:solidFill>
+              <a:effectLst/>
+            </a:endParaRPr>
+          </a:p>
+        </p:txBody>
+      </p:sp>
+      <p:pic>
+        <p:nvPicPr>
+          <p:cNvPr id="26" name="Picture 25">
+            <a:extLst>
+              <a:ext uri="{FF2B5EF4-FFF2-40B4-BE49-F238E27FC236}">
+                <a16:creationId xmlns:a16="http://schemas.microsoft.com/office/drawing/2014/main" id="{BF72EAC6-0F56-BF2F-0A25-F06CFD19D749}"/>
+              </a:ext>
+            </a:extLst>
+          </p:cNvPr>
+          <p:cNvPicPr>
+            <a:picLocks noChangeAspect="1"/>
+          </p:cNvPicPr>
+          <p:nvPr/>
+        </p:nvPicPr>
+        <p:blipFill>
+          <a:blip r:embed="rId7"/>
+          <a:stretch>
+            <a:fillRect/>
+          </a:stretch>
+        </p:blipFill>
+        <p:spPr>
+          <a:xfrm>
+            <a:off x="2538466" y="4339893"/>
+            <a:ext cx="5919734" cy="943095"/>
           </a:xfrm>
           <a:prstGeom prst="rect">
             <a:avLst/>

--- a/Foundation_Project_G4__Final_Review_Trending_Jobs.pptx
+++ b/Foundation_Project_G4__Final_Review_Trending_Jobs.pptx
@@ -3589,9 +3589,9 @@
   </dgm:ptLst>
   <dgm:cxnLst>
     <dgm:cxn modelId="{B3A0DC15-605F-43DB-BFC2-1883C5E581B7}" srcId="{DDB61A1E-9AC7-41C5-82E7-F5978FF285D3}" destId="{DADC3658-9FA8-44C5-8C19-742E73331764}" srcOrd="3" destOrd="0" parTransId="{C2EE6918-2256-4D84-8BFC-BF88EDE00180}" sibTransId="{E1805890-7D77-4F57-B6BA-F6B7A75FCAC4}"/>
-    <dgm:cxn modelId="{6BB10A5A-636D-4AF4-B791-C8D920C71291}" type="presOf" srcId="{DADC3658-9FA8-44C5-8C19-742E73331764}" destId="{7D3C9834-6AB7-482C-8325-CAA474074830}" srcOrd="0" destOrd="0" presId="urn:microsoft.com/office/officeart/2005/8/layout/pyramid4"/>
     <dgm:cxn modelId="{86048060-3AFC-4ACC-8C6D-02171A5D5785}" type="presOf" srcId="{C50D336D-2F58-400F-9CA1-F92D6C32DBF3}" destId="{56349D6C-373C-4B46-871D-52D79D3C7642}" srcOrd="0" destOrd="0" presId="urn:microsoft.com/office/officeart/2005/8/layout/pyramid4"/>
     <dgm:cxn modelId="{6C1F1776-0C3E-4A03-835F-B68B961FC306}" srcId="{DDB61A1E-9AC7-41C5-82E7-F5978FF285D3}" destId="{9D85F411-5FC1-4635-B4AD-F3362302B75F}" srcOrd="2" destOrd="0" parTransId="{91D6CB55-F9CB-4201-96B7-A645670B6644}" sibTransId="{D5D25F76-6D74-4DFD-8D66-C75CA91485C7}"/>
+    <dgm:cxn modelId="{6BB10A5A-636D-4AF4-B791-C8D920C71291}" type="presOf" srcId="{DADC3658-9FA8-44C5-8C19-742E73331764}" destId="{7D3C9834-6AB7-482C-8325-CAA474074830}" srcOrd="0" destOrd="0" presId="urn:microsoft.com/office/officeart/2005/8/layout/pyramid4"/>
     <dgm:cxn modelId="{21FD369D-5085-4F04-98B2-2975AFB20A7B}" type="presOf" srcId="{7F1D1A00-7012-4C41-BB07-C640D1F41653}" destId="{EF5224B7-A855-4165-B422-022BFAEB22B8}" srcOrd="0" destOrd="0" presId="urn:microsoft.com/office/officeart/2005/8/layout/pyramid4"/>
     <dgm:cxn modelId="{950D75A5-4BD4-40AB-BC53-EA666E4C66BB}" type="presOf" srcId="{DDB61A1E-9AC7-41C5-82E7-F5978FF285D3}" destId="{43105B18-22A6-4DC5-AA4E-2BF6705ADC0D}" srcOrd="0" destOrd="0" presId="urn:microsoft.com/office/officeart/2005/8/layout/pyramid4"/>
     <dgm:cxn modelId="{7E7959AD-627E-4C83-B9A1-16A9E05931AF}" srcId="{DDB61A1E-9AC7-41C5-82E7-F5978FF285D3}" destId="{C50D336D-2F58-400F-9CA1-F92D6C32DBF3}" srcOrd="0" destOrd="0" parTransId="{E3D1618B-52CC-44A7-AD28-D8294F86DFE5}" sibTransId="{CB8BC114-C009-43B3-91E0-2B83B1B3EB22}"/>
@@ -4351,14 +4351,14 @@
     <dgm:cxn modelId="{3BCF8429-D3E1-CD4C-B0C0-32738D7278D0}" type="presOf" srcId="{ED57B352-DBCF-F34C-9A5B-D9494702AF6D}" destId="{E4A1904E-E624-417E-93D5-30319897C039}" srcOrd="0" destOrd="2" presId="urn:microsoft.com/office/officeart/2011/layout/TabList"/>
     <dgm:cxn modelId="{AFC6B538-21AC-435B-978E-EDEAE002E9BA}" type="presOf" srcId="{0930CBAA-D52D-4EE4-B061-A5FBF3A5AE01}" destId="{AADDE70C-E712-4071-B43F-9D7085F6DA05}" srcOrd="0" destOrd="0" presId="urn:microsoft.com/office/officeart/2011/layout/TabList"/>
     <dgm:cxn modelId="{119A123F-B8CB-41AD-AE6A-F595B2748FAB}" srcId="{DBE17EFD-18EB-4095-822F-DC987539B479}" destId="{EE5B5F10-DCC2-4772-B309-328410013879}" srcOrd="2" destOrd="0" parTransId="{D9B931F4-F63F-40FB-AFA6-C8231576F8FF}" sibTransId="{565D288E-626E-44C0-9DE8-964DB4297995}"/>
+    <dgm:cxn modelId="{BE092E62-0EA4-4F08-90D9-9F87103A52F4}" srcId="{0930CBAA-D52D-4EE4-B061-A5FBF3A5AE01}" destId="{4DF7EAB2-B184-4146-8971-DED06FFB460D}" srcOrd="1" destOrd="0" parTransId="{3DFFD5ED-1874-43EC-801A-5BEBE680AAD9}" sibTransId="{522F56FD-1ED4-44C3-9C05-651AE48AC8BA}"/>
+    <dgm:cxn modelId="{EF756F63-747E-44D0-8294-8E746DADB43E}" type="presOf" srcId="{3E5D99D9-E28E-40A9-A1BD-C9177E219EF7}" destId="{D44FAFC3-3263-4934-BDE1-D4606CD38A81}" srcOrd="0" destOrd="0" presId="urn:microsoft.com/office/officeart/2011/layout/TabList"/>
     <dgm:cxn modelId="{3D4F2949-FA28-9F40-B947-08C4C9A988F9}" srcId="{D1C20772-C9DF-499B-B631-4B484780C311}" destId="{ED57B352-DBCF-F34C-9A5B-D9494702AF6D}" srcOrd="3" destOrd="0" parTransId="{FC4DFCCF-E546-534C-9535-CCA220ED9367}" sibTransId="{37713398-24D9-D348-8E45-4C2F86543133}"/>
     <dgm:cxn modelId="{A2DF3F4E-2E80-4ECD-92E2-8D346117557C}" type="presOf" srcId="{C89DE648-8FD0-4D40-986E-F73B7BF4AA52}" destId="{D44FAFC3-3263-4934-BDE1-D4606CD38A81}" srcOrd="0" destOrd="3" presId="urn:microsoft.com/office/officeart/2011/layout/TabList"/>
-    <dgm:cxn modelId="{6E9FF352-B9A3-604F-A8D0-B8FF71C33368}" srcId="{4DF7EAB2-B184-4146-8971-DED06FFB460D}" destId="{3F1BAE2E-12F3-5048-B570-672CAAE1A74F}" srcOrd="3" destOrd="0" parTransId="{74C5080E-1510-894E-9D2F-85646044EE9A}" sibTransId="{D2874504-B6BB-304F-949B-78043792E2C1}"/>
-    <dgm:cxn modelId="{BE092E62-0EA4-4F08-90D9-9F87103A52F4}" srcId="{0930CBAA-D52D-4EE4-B061-A5FBF3A5AE01}" destId="{4DF7EAB2-B184-4146-8971-DED06FFB460D}" srcOrd="1" destOrd="0" parTransId="{3DFFD5ED-1874-43EC-801A-5BEBE680AAD9}" sibTransId="{522F56FD-1ED4-44C3-9C05-651AE48AC8BA}"/>
-    <dgm:cxn modelId="{EF756F63-747E-44D0-8294-8E746DADB43E}" type="presOf" srcId="{3E5D99D9-E28E-40A9-A1BD-C9177E219EF7}" destId="{D44FAFC3-3263-4934-BDE1-D4606CD38A81}" srcOrd="0" destOrd="0" presId="urn:microsoft.com/office/officeart/2011/layout/TabList"/>
     <dgm:cxn modelId="{A935846F-4AD6-4F1C-A203-574F7712AC60}" type="presOf" srcId="{E7F4A920-4DBC-4508-A9D7-B62C6D7B91EF}" destId="{D44FAFC3-3263-4934-BDE1-D4606CD38A81}" srcOrd="0" destOrd="4" presId="urn:microsoft.com/office/officeart/2011/layout/TabList"/>
     <dgm:cxn modelId="{EE05A470-6FA3-4053-AB4C-BE0759F20955}" type="presOf" srcId="{EE5B5F10-DCC2-4772-B309-328410013879}" destId="{CF8F9900-6845-4474-8FC2-0C7FD9BA407A}" srcOrd="0" destOrd="1" presId="urn:microsoft.com/office/officeart/2011/layout/TabList"/>
     <dgm:cxn modelId="{7E69DA70-D947-4E7C-BF85-2DE83BFC451C}" srcId="{4DF7EAB2-B184-4146-8971-DED06FFB460D}" destId="{E7F4A920-4DBC-4508-A9D7-B62C6D7B91EF}" srcOrd="5" destOrd="0" parTransId="{60346C50-7FE2-49C6-B432-9FF9DE957C1D}" sibTransId="{4E1596B6-DB87-4731-8953-15E3EC6816F1}"/>
+    <dgm:cxn modelId="{6E9FF352-B9A3-604F-A8D0-B8FF71C33368}" srcId="{4DF7EAB2-B184-4146-8971-DED06FFB460D}" destId="{3F1BAE2E-12F3-5048-B570-672CAAE1A74F}" srcOrd="3" destOrd="0" parTransId="{74C5080E-1510-894E-9D2F-85646044EE9A}" sibTransId="{D2874504-B6BB-304F-949B-78043792E2C1}"/>
     <dgm:cxn modelId="{E6B5D17D-7A75-4771-8633-F345F53211ED}" srcId="{4DF7EAB2-B184-4146-8971-DED06FFB460D}" destId="{3E5D99D9-E28E-40A9-A1BD-C9177E219EF7}" srcOrd="1" destOrd="0" parTransId="{A7182AF2-5718-4329-9F05-B522B74BF5DB}" sibTransId="{3B06D2A4-3AF1-47C3-A333-0E58BF361480}"/>
     <dgm:cxn modelId="{FF2EB780-B8F6-4470-BA77-EC6825E87071}" type="presOf" srcId="{D1C20772-C9DF-499B-B631-4B484780C311}" destId="{183A5516-DF52-47DA-A637-0F312FF5D6ED}" srcOrd="0" destOrd="0" presId="urn:microsoft.com/office/officeart/2011/layout/TabList"/>
     <dgm:cxn modelId="{52628884-0B7B-4841-A281-42E9A7B2940D}" srcId="{D1C20772-C9DF-499B-B631-4B484780C311}" destId="{776BC389-30A3-454F-90FD-0327ADE2E009}" srcOrd="2" destOrd="0" parTransId="{513DDF34-6330-48BA-8FB0-6F6645577CA2}" sibTransId="{7AB67BD2-D1F3-435B-B144-D41138A83F90}"/>
@@ -5764,7 +5764,7 @@
       </dsp:nvSpPr>
       <dsp:spPr>
         <a:xfrm>
-          <a:off x="2060448" y="1068"/>
+          <a:off x="2060447" y="1068"/>
           <a:ext cx="5864352" cy="347032"/>
         </a:xfrm>
         <a:prstGeom prst="rect">
@@ -5814,7 +5814,7 @@
         </a:p>
       </dsp:txBody>
       <dsp:txXfrm>
-        <a:off x="2060448" y="1068"/>
+        <a:off x="2060447" y="1068"/>
         <a:ext cx="5864352" cy="347032"/>
       </dsp:txXfrm>
     </dsp:sp>
@@ -6041,7 +6041,7 @@
       </dsp:nvSpPr>
       <dsp:spPr>
         <a:xfrm>
-          <a:off x="2060448" y="1251976"/>
+          <a:off x="2060447" y="1251976"/>
           <a:ext cx="5864352" cy="347032"/>
         </a:xfrm>
         <a:prstGeom prst="rect">
@@ -6091,7 +6091,7 @@
         </a:p>
       </dsp:txBody>
       <dsp:txXfrm>
-        <a:off x="2060448" y="1251976"/>
+        <a:off x="2060447" y="1251976"/>
         <a:ext cx="5864352" cy="347032"/>
       </dsp:txXfrm>
     </dsp:sp>
@@ -6348,7 +6348,7 @@
       </dsp:nvSpPr>
       <dsp:spPr>
         <a:xfrm>
-          <a:off x="2060448" y="2310529"/>
+          <a:off x="2060447" y="2310529"/>
           <a:ext cx="5864352" cy="347032"/>
         </a:xfrm>
         <a:prstGeom prst="rect">
@@ -6397,7 +6397,7 @@
         </a:p>
       </dsp:txBody>
       <dsp:txXfrm>
-        <a:off x="2060448" y="2310529"/>
+        <a:off x="2060447" y="2310529"/>
         <a:ext cx="5864352" cy="347032"/>
       </dsp:txXfrm>
     </dsp:sp>
@@ -10803,7 +10803,7 @@
           <a:p>
             <a:fld id="{4C04F1EB-240B-404F-8930-A88688CB9A22}" type="datetimeFigureOut">
               <a:rPr lang="en-IN" smtClean="0"/>
-              <a:t>12/01/24</a:t>
+              <a:t>13-01-2024</a:t>
             </a:fld>
             <a:endParaRPr lang="en-IN"/>
           </a:p>
@@ -12209,7 +12209,7 @@
           <a:p>
             <a:fld id="{1D8BD707-D9CF-40AE-B4C6-C98DA3205C09}" type="datetimeFigureOut">
               <a:rPr lang="en-US"/>
-              <a:t>1/12/24</a:t>
+              <a:t>1/13/2024</a:t>
             </a:fld>
             <a:endParaRPr lang="en-US"/>
           </a:p>
@@ -12390,7 +12390,7 @@
           <a:p>
             <a:fld id="{1D8BD707-D9CF-40AE-B4C6-C98DA3205C09}" type="datetimeFigureOut">
               <a:rPr lang="en-US"/>
-              <a:t>1/12/24</a:t>
+              <a:t>1/13/2024</a:t>
             </a:fld>
             <a:endParaRPr lang="en-US"/>
           </a:p>
@@ -12610,7 +12610,7 @@
           <a:p>
             <a:fld id="{1D8BD707-D9CF-40AE-B4C6-C98DA3205C09}" type="datetimeFigureOut">
               <a:rPr lang="en-US"/>
-              <a:t>1/12/24</a:t>
+              <a:t>1/13/2024</a:t>
             </a:fld>
             <a:endParaRPr lang="en-US"/>
           </a:p>
@@ -12764,7 +12764,7 @@
           <a:p>
             <a:fld id="{1D8BD707-D9CF-40AE-B4C6-C98DA3205C09}" type="datetimeFigureOut">
               <a:rPr lang="en-US"/>
-              <a:t>1/12/24</a:t>
+              <a:t>1/13/2024</a:t>
             </a:fld>
             <a:endParaRPr lang="en-US"/>
           </a:p>
@@ -12889,7 +12889,7 @@
           <a:p>
             <a:fld id="{1D8BD707-D9CF-40AE-B4C6-C98DA3205C09}" type="datetimeFigureOut">
               <a:rPr lang="en-US"/>
-              <a:t>1/12/24</a:t>
+              <a:t>1/13/2024</a:t>
             </a:fld>
             <a:endParaRPr lang="en-US"/>
           </a:p>
@@ -13182,7 +13182,7 @@
           <a:p>
             <a:fld id="{1D8BD707-D9CF-40AE-B4C6-C98DA3205C09}" type="datetimeFigureOut">
               <a:rPr lang="en-US"/>
-              <a:t>1/12/24</a:t>
+              <a:t>1/13/2024</a:t>
             </a:fld>
             <a:endParaRPr lang="en-US"/>
           </a:p>

--- a/Foundation_Project_G4__Final_Review_Trending_Jobs.pptx
+++ b/Foundation_Project_G4__Final_Review_Trending_Jobs.pptx
@@ -3589,9 +3589,9 @@
   </dgm:ptLst>
   <dgm:cxnLst>
     <dgm:cxn modelId="{B3A0DC15-605F-43DB-BFC2-1883C5E581B7}" srcId="{DDB61A1E-9AC7-41C5-82E7-F5978FF285D3}" destId="{DADC3658-9FA8-44C5-8C19-742E73331764}" srcOrd="3" destOrd="0" parTransId="{C2EE6918-2256-4D84-8BFC-BF88EDE00180}" sibTransId="{E1805890-7D77-4F57-B6BA-F6B7A75FCAC4}"/>
+    <dgm:cxn modelId="{6BB10A5A-636D-4AF4-B791-C8D920C71291}" type="presOf" srcId="{DADC3658-9FA8-44C5-8C19-742E73331764}" destId="{7D3C9834-6AB7-482C-8325-CAA474074830}" srcOrd="0" destOrd="0" presId="urn:microsoft.com/office/officeart/2005/8/layout/pyramid4"/>
     <dgm:cxn modelId="{86048060-3AFC-4ACC-8C6D-02171A5D5785}" type="presOf" srcId="{C50D336D-2F58-400F-9CA1-F92D6C32DBF3}" destId="{56349D6C-373C-4B46-871D-52D79D3C7642}" srcOrd="0" destOrd="0" presId="urn:microsoft.com/office/officeart/2005/8/layout/pyramid4"/>
     <dgm:cxn modelId="{6C1F1776-0C3E-4A03-835F-B68B961FC306}" srcId="{DDB61A1E-9AC7-41C5-82E7-F5978FF285D3}" destId="{9D85F411-5FC1-4635-B4AD-F3362302B75F}" srcOrd="2" destOrd="0" parTransId="{91D6CB55-F9CB-4201-96B7-A645670B6644}" sibTransId="{D5D25F76-6D74-4DFD-8D66-C75CA91485C7}"/>
-    <dgm:cxn modelId="{6BB10A5A-636D-4AF4-B791-C8D920C71291}" type="presOf" srcId="{DADC3658-9FA8-44C5-8C19-742E73331764}" destId="{7D3C9834-6AB7-482C-8325-CAA474074830}" srcOrd="0" destOrd="0" presId="urn:microsoft.com/office/officeart/2005/8/layout/pyramid4"/>
     <dgm:cxn modelId="{21FD369D-5085-4F04-98B2-2975AFB20A7B}" type="presOf" srcId="{7F1D1A00-7012-4C41-BB07-C640D1F41653}" destId="{EF5224B7-A855-4165-B422-022BFAEB22B8}" srcOrd="0" destOrd="0" presId="urn:microsoft.com/office/officeart/2005/8/layout/pyramid4"/>
     <dgm:cxn modelId="{950D75A5-4BD4-40AB-BC53-EA666E4C66BB}" type="presOf" srcId="{DDB61A1E-9AC7-41C5-82E7-F5978FF285D3}" destId="{43105B18-22A6-4DC5-AA4E-2BF6705ADC0D}" srcOrd="0" destOrd="0" presId="urn:microsoft.com/office/officeart/2005/8/layout/pyramid4"/>
     <dgm:cxn modelId="{7E7959AD-627E-4C83-B9A1-16A9E05931AF}" srcId="{DDB61A1E-9AC7-41C5-82E7-F5978FF285D3}" destId="{C50D336D-2F58-400F-9CA1-F92D6C32DBF3}" srcOrd="0" destOrd="0" parTransId="{E3D1618B-52CC-44A7-AD28-D8294F86DFE5}" sibTransId="{CB8BC114-C009-43B3-91E0-2B83B1B3EB22}"/>
@@ -4351,14 +4351,14 @@
     <dgm:cxn modelId="{3BCF8429-D3E1-CD4C-B0C0-32738D7278D0}" type="presOf" srcId="{ED57B352-DBCF-F34C-9A5B-D9494702AF6D}" destId="{E4A1904E-E624-417E-93D5-30319897C039}" srcOrd="0" destOrd="2" presId="urn:microsoft.com/office/officeart/2011/layout/TabList"/>
     <dgm:cxn modelId="{AFC6B538-21AC-435B-978E-EDEAE002E9BA}" type="presOf" srcId="{0930CBAA-D52D-4EE4-B061-A5FBF3A5AE01}" destId="{AADDE70C-E712-4071-B43F-9D7085F6DA05}" srcOrd="0" destOrd="0" presId="urn:microsoft.com/office/officeart/2011/layout/TabList"/>
     <dgm:cxn modelId="{119A123F-B8CB-41AD-AE6A-F595B2748FAB}" srcId="{DBE17EFD-18EB-4095-822F-DC987539B479}" destId="{EE5B5F10-DCC2-4772-B309-328410013879}" srcOrd="2" destOrd="0" parTransId="{D9B931F4-F63F-40FB-AFA6-C8231576F8FF}" sibTransId="{565D288E-626E-44C0-9DE8-964DB4297995}"/>
+    <dgm:cxn modelId="{3D4F2949-FA28-9F40-B947-08C4C9A988F9}" srcId="{D1C20772-C9DF-499B-B631-4B484780C311}" destId="{ED57B352-DBCF-F34C-9A5B-D9494702AF6D}" srcOrd="3" destOrd="0" parTransId="{FC4DFCCF-E546-534C-9535-CCA220ED9367}" sibTransId="{37713398-24D9-D348-8E45-4C2F86543133}"/>
+    <dgm:cxn modelId="{A2DF3F4E-2E80-4ECD-92E2-8D346117557C}" type="presOf" srcId="{C89DE648-8FD0-4D40-986E-F73B7BF4AA52}" destId="{D44FAFC3-3263-4934-BDE1-D4606CD38A81}" srcOrd="0" destOrd="3" presId="urn:microsoft.com/office/officeart/2011/layout/TabList"/>
+    <dgm:cxn modelId="{6E9FF352-B9A3-604F-A8D0-B8FF71C33368}" srcId="{4DF7EAB2-B184-4146-8971-DED06FFB460D}" destId="{3F1BAE2E-12F3-5048-B570-672CAAE1A74F}" srcOrd="3" destOrd="0" parTransId="{74C5080E-1510-894E-9D2F-85646044EE9A}" sibTransId="{D2874504-B6BB-304F-949B-78043792E2C1}"/>
     <dgm:cxn modelId="{BE092E62-0EA4-4F08-90D9-9F87103A52F4}" srcId="{0930CBAA-D52D-4EE4-B061-A5FBF3A5AE01}" destId="{4DF7EAB2-B184-4146-8971-DED06FFB460D}" srcOrd="1" destOrd="0" parTransId="{3DFFD5ED-1874-43EC-801A-5BEBE680AAD9}" sibTransId="{522F56FD-1ED4-44C3-9C05-651AE48AC8BA}"/>
     <dgm:cxn modelId="{EF756F63-747E-44D0-8294-8E746DADB43E}" type="presOf" srcId="{3E5D99D9-E28E-40A9-A1BD-C9177E219EF7}" destId="{D44FAFC3-3263-4934-BDE1-D4606CD38A81}" srcOrd="0" destOrd="0" presId="urn:microsoft.com/office/officeart/2011/layout/TabList"/>
-    <dgm:cxn modelId="{3D4F2949-FA28-9F40-B947-08C4C9A988F9}" srcId="{D1C20772-C9DF-499B-B631-4B484780C311}" destId="{ED57B352-DBCF-F34C-9A5B-D9494702AF6D}" srcOrd="3" destOrd="0" parTransId="{FC4DFCCF-E546-534C-9535-CCA220ED9367}" sibTransId="{37713398-24D9-D348-8E45-4C2F86543133}"/>
-    <dgm:cxn modelId="{A2DF3F4E-2E80-4ECD-92E2-8D346117557C}" type="presOf" srcId="{C89DE648-8FD0-4D40-986E-F73B7BF4AA52}" destId="{D44FAFC3-3263-4934-BDE1-D4606CD38A81}" srcOrd="0" destOrd="3" presId="urn:microsoft.com/office/officeart/2011/layout/TabList"/>
     <dgm:cxn modelId="{A935846F-4AD6-4F1C-A203-574F7712AC60}" type="presOf" srcId="{E7F4A920-4DBC-4508-A9D7-B62C6D7B91EF}" destId="{D44FAFC3-3263-4934-BDE1-D4606CD38A81}" srcOrd="0" destOrd="4" presId="urn:microsoft.com/office/officeart/2011/layout/TabList"/>
     <dgm:cxn modelId="{EE05A470-6FA3-4053-AB4C-BE0759F20955}" type="presOf" srcId="{EE5B5F10-DCC2-4772-B309-328410013879}" destId="{CF8F9900-6845-4474-8FC2-0C7FD9BA407A}" srcOrd="0" destOrd="1" presId="urn:microsoft.com/office/officeart/2011/layout/TabList"/>
     <dgm:cxn modelId="{7E69DA70-D947-4E7C-BF85-2DE83BFC451C}" srcId="{4DF7EAB2-B184-4146-8971-DED06FFB460D}" destId="{E7F4A920-4DBC-4508-A9D7-B62C6D7B91EF}" srcOrd="5" destOrd="0" parTransId="{60346C50-7FE2-49C6-B432-9FF9DE957C1D}" sibTransId="{4E1596B6-DB87-4731-8953-15E3EC6816F1}"/>
-    <dgm:cxn modelId="{6E9FF352-B9A3-604F-A8D0-B8FF71C33368}" srcId="{4DF7EAB2-B184-4146-8971-DED06FFB460D}" destId="{3F1BAE2E-12F3-5048-B570-672CAAE1A74F}" srcOrd="3" destOrd="0" parTransId="{74C5080E-1510-894E-9D2F-85646044EE9A}" sibTransId="{D2874504-B6BB-304F-949B-78043792E2C1}"/>
     <dgm:cxn modelId="{E6B5D17D-7A75-4771-8633-F345F53211ED}" srcId="{4DF7EAB2-B184-4146-8971-DED06FFB460D}" destId="{3E5D99D9-E28E-40A9-A1BD-C9177E219EF7}" srcOrd="1" destOrd="0" parTransId="{A7182AF2-5718-4329-9F05-B522B74BF5DB}" sibTransId="{3B06D2A4-3AF1-47C3-A333-0E58BF361480}"/>
     <dgm:cxn modelId="{FF2EB780-B8F6-4470-BA77-EC6825E87071}" type="presOf" srcId="{D1C20772-C9DF-499B-B631-4B484780C311}" destId="{183A5516-DF52-47DA-A637-0F312FF5D6ED}" srcOrd="0" destOrd="0" presId="urn:microsoft.com/office/officeart/2011/layout/TabList"/>
     <dgm:cxn modelId="{52628884-0B7B-4841-A281-42E9A7B2940D}" srcId="{D1C20772-C9DF-499B-B631-4B484780C311}" destId="{776BC389-30A3-454F-90FD-0327ADE2E009}" srcOrd="2" destOrd="0" parTransId="{513DDF34-6330-48BA-8FB0-6F6645577CA2}" sibTransId="{7AB67BD2-D1F3-435B-B144-D41138A83F90}"/>
@@ -5764,7 +5764,7 @@
       </dsp:nvSpPr>
       <dsp:spPr>
         <a:xfrm>
-          <a:off x="2060447" y="1068"/>
+          <a:off x="2060448" y="1068"/>
           <a:ext cx="5864352" cy="347032"/>
         </a:xfrm>
         <a:prstGeom prst="rect">
@@ -5814,7 +5814,7 @@
         </a:p>
       </dsp:txBody>
       <dsp:txXfrm>
-        <a:off x="2060447" y="1068"/>
+        <a:off x="2060448" y="1068"/>
         <a:ext cx="5864352" cy="347032"/>
       </dsp:txXfrm>
     </dsp:sp>
@@ -6041,7 +6041,7 @@
       </dsp:nvSpPr>
       <dsp:spPr>
         <a:xfrm>
-          <a:off x="2060447" y="1251976"/>
+          <a:off x="2060448" y="1251976"/>
           <a:ext cx="5864352" cy="347032"/>
         </a:xfrm>
         <a:prstGeom prst="rect">
@@ -6091,7 +6091,7 @@
         </a:p>
       </dsp:txBody>
       <dsp:txXfrm>
-        <a:off x="2060447" y="1251976"/>
+        <a:off x="2060448" y="1251976"/>
         <a:ext cx="5864352" cy="347032"/>
       </dsp:txXfrm>
     </dsp:sp>
@@ -6348,7 +6348,7 @@
       </dsp:nvSpPr>
       <dsp:spPr>
         <a:xfrm>
-          <a:off x="2060447" y="2310529"/>
+          <a:off x="2060448" y="2310529"/>
           <a:ext cx="5864352" cy="347032"/>
         </a:xfrm>
         <a:prstGeom prst="rect">
@@ -6397,7 +6397,7 @@
         </a:p>
       </dsp:txBody>
       <dsp:txXfrm>
-        <a:off x="2060447" y="2310529"/>
+        <a:off x="2060448" y="2310529"/>
         <a:ext cx="5864352" cy="347032"/>
       </dsp:txXfrm>
     </dsp:sp>
@@ -10803,7 +10803,7 @@
           <a:p>
             <a:fld id="{4C04F1EB-240B-404F-8930-A88688CB9A22}" type="datetimeFigureOut">
               <a:rPr lang="en-IN" smtClean="0"/>
-              <a:t>13-01-2024</a:t>
+              <a:t>13/01/24</a:t>
             </a:fld>
             <a:endParaRPr lang="en-IN"/>
           </a:p>
@@ -12209,7 +12209,7 @@
           <a:p>
             <a:fld id="{1D8BD707-D9CF-40AE-B4C6-C98DA3205C09}" type="datetimeFigureOut">
               <a:rPr lang="en-US"/>
-              <a:t>1/13/2024</a:t>
+              <a:t>1/13/24</a:t>
             </a:fld>
             <a:endParaRPr lang="en-US"/>
           </a:p>
@@ -12390,7 +12390,7 @@
           <a:p>
             <a:fld id="{1D8BD707-D9CF-40AE-B4C6-C98DA3205C09}" type="datetimeFigureOut">
               <a:rPr lang="en-US"/>
-              <a:t>1/13/2024</a:t>
+              <a:t>1/13/24</a:t>
             </a:fld>
             <a:endParaRPr lang="en-US"/>
           </a:p>
@@ -12610,7 +12610,7 @@
           <a:p>
             <a:fld id="{1D8BD707-D9CF-40AE-B4C6-C98DA3205C09}" type="datetimeFigureOut">
               <a:rPr lang="en-US"/>
-              <a:t>1/13/2024</a:t>
+              <a:t>1/13/24</a:t>
             </a:fld>
             <a:endParaRPr lang="en-US"/>
           </a:p>
@@ -12764,7 +12764,7 @@
           <a:p>
             <a:fld id="{1D8BD707-D9CF-40AE-B4C6-C98DA3205C09}" type="datetimeFigureOut">
               <a:rPr lang="en-US"/>
-              <a:t>1/13/2024</a:t>
+              <a:t>1/13/24</a:t>
             </a:fld>
             <a:endParaRPr lang="en-US"/>
           </a:p>
@@ -12889,7 +12889,7 @@
           <a:p>
             <a:fld id="{1D8BD707-D9CF-40AE-B4C6-C98DA3205C09}" type="datetimeFigureOut">
               <a:rPr lang="en-US"/>
-              <a:t>1/13/2024</a:t>
+              <a:t>1/13/24</a:t>
             </a:fld>
             <a:endParaRPr lang="en-US"/>
           </a:p>
@@ -13182,7 +13182,7 @@
           <a:p>
             <a:fld id="{1D8BD707-D9CF-40AE-B4C6-C98DA3205C09}" type="datetimeFigureOut">
               <a:rPr lang="en-US"/>
-              <a:t>1/13/2024</a:t>
+              <a:t>1/13/24</a:t>
             </a:fld>
             <a:endParaRPr lang="en-US"/>
           </a:p>
@@ -16245,7 +16245,7 @@
           <a:p>
             <a:r>
               <a:rPr lang="en-IN" dirty="0"/>
-              <a:t>Feasibility, legality &amp; Challenges</a:t>
+              <a:t>Feasibility, legality &amp; Challenges (PESTEL)</a:t>
             </a:r>
           </a:p>
         </p:txBody>
@@ -16265,7 +16265,7 @@
         <p:spPr>
           <a:xfrm>
             <a:off x="258572" y="4724400"/>
-            <a:ext cx="8580628" cy="1200329"/>
+            <a:ext cx="8580628" cy="1569660"/>
           </a:xfrm>
           <a:prstGeom prst="rect">
             <a:avLst/>
@@ -16315,6 +16315,26 @@
             <a:r>
               <a:rPr lang="en-US" sz="1200" dirty="0"/>
               <a:t>Scaling the application will need higher and infra and robust testing methodology spanning across multiple domains</a:t>
+            </a:r>
+          </a:p>
+          <a:p>
+            <a:pPr marL="285750" indent="-285750">
+              <a:buFont typeface="Arial" panose="020B0604020202020204" pitchFamily="34" charset="0"/>
+              <a:buChar char="•"/>
+            </a:pPr>
+            <a:r>
+              <a:rPr lang="en-US" sz="1200" dirty="0"/>
+              <a:t>As the process gets matured, we might see reduction in headcount in HR teams</a:t>
+            </a:r>
+          </a:p>
+          <a:p>
+            <a:pPr marL="285750" indent="-285750">
+              <a:buFont typeface="Arial" panose="020B0604020202020204" pitchFamily="34" charset="0"/>
+              <a:buChar char="•"/>
+            </a:pPr>
+            <a:r>
+              <a:rPr lang="en-US" sz="1200" dirty="0"/>
+              <a:t>This will add to environmental impact</a:t>
             </a:r>
           </a:p>
           <a:p>
